--- a/CordaCodeClub.pptx
+++ b/CordaCodeClub.pptx
@@ -1,20 +1,24 @@
 
 <file path=ppt/presentation.xml><?xml version="1.0" encoding="utf-8"?>
-<p:presentation xmlns:a="http://schemas.openxmlformats.org/drawingml/2006/main" xmlns:r="http://schemas.openxmlformats.org/officeDocument/2006/relationships" xmlns:p="http://schemas.openxmlformats.org/presentationml/2006/main" xmlns:m="http://schemas.openxmlformats.org/officeDocument/2006/math" xmlns:a14="http://schemas.microsoft.com/office/drawing/2010/main">
+<p:presentation xmlns:a="http://schemas.openxmlformats.org/drawingml/2006/main" xmlns:r="http://schemas.openxmlformats.org/officeDocument/2006/relationships" xmlns:p="http://schemas.openxmlformats.org/presentationml/2006/main">
   <p:sldMasterIdLst>
-    <p:sldMasterId id="2147483648" r:id="rId5"/>
+    <p:sldMasterId id="2147483648" r:id="rId1"/>
   </p:sldMasterIdLst>
   <p:notesMasterIdLst>
-    <p:notesMasterId r:id="rId7"/>
+    <p:notesMasterId r:id="rId13"/>
   </p:notesMasterIdLst>
   <p:sldIdLst>
-    <p:sldId id="256" r:id="rId8"/>
-    <p:sldId id="257" r:id="rId9"/>
-    <p:sldId id="258" r:id="rId10"/>
-    <p:sldId id="259" r:id="rId11"/>
-    <p:sldId id="260" r:id="rId12"/>
-    <p:sldId id="261" r:id="rId13"/>
-    <p:sldId id="262" r:id="rId14"/>
+    <p:sldId id="263" r:id="rId2"/>
+    <p:sldId id="264" r:id="rId3"/>
+    <p:sldId id="257" r:id="rId4"/>
+    <p:sldId id="258" r:id="rId5"/>
+    <p:sldId id="265" r:id="rId6"/>
+    <p:sldId id="266" r:id="rId7"/>
+    <p:sldId id="267" r:id="rId8"/>
+    <p:sldId id="259" r:id="rId9"/>
+    <p:sldId id="261" r:id="rId10"/>
+    <p:sldId id="260" r:id="rId11"/>
+    <p:sldId id="262" r:id="rId12"/>
   </p:sldIdLst>
   <p:sldSz cx="13004800" cy="9753600"/>
   <p:notesSz cx="6858000" cy="9144000"/>
@@ -34,7 +38,7 @@
       <a:buFontTx/>
       <a:buNone/>
       <a:tabLst/>
-      <a:defRPr b="0" baseline="0" cap="none" i="0" spc="0" strike="noStrike" sz="1800" u="none" kumimoji="0" normalizeH="0">
+      <a:defRPr kumimoji="0" sz="1800" b="0" i="0" u="none" strike="noStrike" cap="none" spc="0" normalizeH="0" baseline="0">
         <a:ln>
           <a:noFill/>
         </a:ln>
@@ -60,7 +64,7 @@
       <a:buFontTx/>
       <a:buNone/>
       <a:tabLst/>
-      <a:defRPr b="0" baseline="0" cap="none" i="0" spc="0" strike="noStrike" sz="3600" u="none" kumimoji="0" normalizeH="0">
+      <a:defRPr kumimoji="0" sz="3600" b="0" i="0" u="none" strike="noStrike" cap="none" spc="0" normalizeH="0" baseline="0">
         <a:ln>
           <a:noFill/>
         </a:ln>
@@ -90,7 +94,7 @@
       <a:buFontTx/>
       <a:buNone/>
       <a:tabLst/>
-      <a:defRPr b="0" baseline="0" cap="none" i="0" spc="0" strike="noStrike" sz="3600" u="none" kumimoji="0" normalizeH="0">
+      <a:defRPr kumimoji="0" sz="3600" b="0" i="0" u="none" strike="noStrike" cap="none" spc="0" normalizeH="0" baseline="0">
         <a:ln>
           <a:noFill/>
         </a:ln>
@@ -120,7 +124,7 @@
       <a:buFontTx/>
       <a:buNone/>
       <a:tabLst/>
-      <a:defRPr b="0" baseline="0" cap="none" i="0" spc="0" strike="noStrike" sz="3600" u="none" kumimoji="0" normalizeH="0">
+      <a:defRPr kumimoji="0" sz="3600" b="0" i="0" u="none" strike="noStrike" cap="none" spc="0" normalizeH="0" baseline="0">
         <a:ln>
           <a:noFill/>
         </a:ln>
@@ -150,7 +154,7 @@
       <a:buFontTx/>
       <a:buNone/>
       <a:tabLst/>
-      <a:defRPr b="0" baseline="0" cap="none" i="0" spc="0" strike="noStrike" sz="3600" u="none" kumimoji="0" normalizeH="0">
+      <a:defRPr kumimoji="0" sz="3600" b="0" i="0" u="none" strike="noStrike" cap="none" spc="0" normalizeH="0" baseline="0">
         <a:ln>
           <a:noFill/>
         </a:ln>
@@ -180,7 +184,7 @@
       <a:buFontTx/>
       <a:buNone/>
       <a:tabLst/>
-      <a:defRPr b="0" baseline="0" cap="none" i="0" spc="0" strike="noStrike" sz="3600" u="none" kumimoji="0" normalizeH="0">
+      <a:defRPr kumimoji="0" sz="3600" b="0" i="0" u="none" strike="noStrike" cap="none" spc="0" normalizeH="0" baseline="0">
         <a:ln>
           <a:noFill/>
         </a:ln>
@@ -210,7 +214,7 @@
       <a:buFontTx/>
       <a:buNone/>
       <a:tabLst/>
-      <a:defRPr b="0" baseline="0" cap="none" i="0" spc="0" strike="noStrike" sz="3600" u="none" kumimoji="0" normalizeH="0">
+      <a:defRPr kumimoji="0" sz="3600" b="0" i="0" u="none" strike="noStrike" cap="none" spc="0" normalizeH="0" baseline="0">
         <a:ln>
           <a:noFill/>
         </a:ln>
@@ -240,7 +244,7 @@
       <a:buFontTx/>
       <a:buNone/>
       <a:tabLst/>
-      <a:defRPr b="0" baseline="0" cap="none" i="0" spc="0" strike="noStrike" sz="3600" u="none" kumimoji="0" normalizeH="0">
+      <a:defRPr kumimoji="0" sz="3600" b="0" i="0" u="none" strike="noStrike" cap="none" spc="0" normalizeH="0" baseline="0">
         <a:ln>
           <a:noFill/>
         </a:ln>
@@ -270,7 +274,7 @@
       <a:buFontTx/>
       <a:buNone/>
       <a:tabLst/>
-      <a:defRPr b="0" baseline="0" cap="none" i="0" spc="0" strike="noStrike" sz="3600" u="none" kumimoji="0" normalizeH="0">
+      <a:defRPr kumimoji="0" sz="3600" b="0" i="0" u="none" strike="noStrike" cap="none" spc="0" normalizeH="0" baseline="0">
         <a:ln>
           <a:noFill/>
         </a:ln>
@@ -300,7 +304,7 @@
       <a:buFontTx/>
       <a:buNone/>
       <a:tabLst/>
-      <a:defRPr b="0" baseline="0" cap="none" i="0" spc="0" strike="noStrike" sz="3600" u="none" kumimoji="0" normalizeH="0">
+      <a:defRPr kumimoji="0" sz="3600" b="0" i="0" u="none" strike="noStrike" cap="none" spc="0" normalizeH="0" baseline="0">
         <a:ln>
           <a:noFill/>
         </a:ln>
@@ -319,13 +323,14 @@
 </p:presentation>
 </file>
 
-<file path=ppt/commentAuthors.xml><?xml version="1.0" encoding="utf-8"?>
-<p:cmAuthorLst xmlns:a="http://schemas.openxmlformats.org/drawingml/2006/main" xmlns:r="http://schemas.openxmlformats.org/officeDocument/2006/relationships" xmlns:p="http://schemas.openxmlformats.org/presentationml/2006/main" xmlns:m="http://schemas.openxmlformats.org/officeDocument/2006/math" xmlns:a14="http://schemas.microsoft.com/office/drawing/2010/main"/>
-</file>
-
 <file path=ppt/notesMasters/notesMaster1.xml><?xml version="1.0" encoding="utf-8"?>
-<p:notesMaster xmlns:a="http://schemas.openxmlformats.org/drawingml/2006/main" xmlns:r="http://schemas.openxmlformats.org/officeDocument/2006/relationships" xmlns:p="http://schemas.openxmlformats.org/presentationml/2006/main" xmlns:m="http://schemas.openxmlformats.org/officeDocument/2006/math" xmlns:a14="http://schemas.microsoft.com/office/drawing/2010/main">
+<p:notesMaster xmlns:a="http://schemas.openxmlformats.org/drawingml/2006/main" xmlns:r="http://schemas.openxmlformats.org/officeDocument/2006/relationships" xmlns:p="http://schemas.openxmlformats.org/presentationml/2006/main">
   <p:cSld>
+    <p:bg>
+      <p:bgRef idx="1001">
+        <a:schemeClr val="bg1"/>
+      </p:bgRef>
+    </p:bg>
     <p:spTree>
       <p:nvGrpSpPr>
         <p:cNvPr id="1" name=""/>
@@ -343,7 +348,9 @@
       <p:sp>
         <p:nvSpPr>
           <p:cNvPr id="116" name="Shape 116"/>
-          <p:cNvSpPr/>
+          <p:cNvSpPr>
+            <a:spLocks noGrp="1" noRot="1" noChangeAspect="1"/>
+          </p:cNvSpPr>
           <p:nvPr>
             <p:ph type="sldImg"/>
           </p:nvPr>
@@ -361,14 +368,16 @@
           <a:bodyPr/>
           <a:lstStyle/>
           <a:p>
-            <a:pPr/>
+            <a:endParaRPr/>
           </a:p>
         </p:txBody>
       </p:sp>
       <p:sp>
         <p:nvSpPr>
           <p:cNvPr id="117" name="Shape 117"/>
-          <p:cNvSpPr/>
+          <p:cNvSpPr>
+            <a:spLocks noGrp="1"/>
+          </p:cNvSpPr>
           <p:nvPr>
             <p:ph type="body" sz="quarter" idx="1"/>
           </p:nvPr>
@@ -386,11 +395,16 @@
           <a:bodyPr/>
           <a:lstStyle/>
           <a:p>
-            <a:pPr/>
+            <a:endParaRPr/>
           </a:p>
         </p:txBody>
       </p:sp>
     </p:spTree>
+    <p:extLst>
+      <p:ext uri="{BB962C8B-B14F-4D97-AF65-F5344CB8AC3E}">
+        <p14:creationId xmlns:p14="http://schemas.microsoft.com/office/powerpoint/2010/main" val="1392462918"/>
+      </p:ext>
+    </p:extLst>
   </p:cSld>
   <p:clrMap bg1="lt1" tx1="dk1" bg2="lt2" tx2="dk2" accent1="accent1" accent2="accent2" accent3="accent3" accent4="accent4" accent5="accent5" accent6="accent6" hlink="hlink" folHlink="folHlink"/>
   <p:notesStyle>
@@ -498,7 +512,354 @@
 </file>
 
 <file path=ppt/slideLayouts/slideLayout1.xml><?xml version="1.0" encoding="utf-8"?>
-<p:sldLayout xmlns:a="http://schemas.openxmlformats.org/drawingml/2006/main" xmlns:r="http://schemas.openxmlformats.org/officeDocument/2006/relationships" xmlns:p="http://schemas.openxmlformats.org/presentationml/2006/main" xmlns:m="http://schemas.openxmlformats.org/officeDocument/2006/math" xmlns:a14="http://schemas.microsoft.com/office/drawing/2010/main" type="title" showMasterSp="1" showMasterPhAnim="1">
+<p:sldLayout xmlns:a="http://schemas.openxmlformats.org/drawingml/2006/main" xmlns:r="http://schemas.openxmlformats.org/officeDocument/2006/relationships" xmlns:p="http://schemas.openxmlformats.org/presentationml/2006/main" type="tx">
+  <p:cSld name="Photo - Horizontal">
+    <p:spTree>
+      <p:nvGrpSpPr>
+        <p:cNvPr id="1" name=""/>
+        <p:cNvGrpSpPr/>
+        <p:nvPr/>
+      </p:nvGrpSpPr>
+      <p:grpSpPr>
+        <a:xfrm>
+          <a:off x="0" y="0"/>
+          <a:ext cx="0" cy="0"/>
+          <a:chOff x="0" y="0"/>
+          <a:chExt cx="0" cy="0"/>
+        </a:xfrm>
+      </p:grpSpPr>
+      <p:sp>
+        <p:nvSpPr>
+          <p:cNvPr id="20" name="Image"/>
+          <p:cNvSpPr>
+            <a:spLocks noGrp="1"/>
+          </p:cNvSpPr>
+          <p:nvPr>
+            <p:ph type="pic" idx="13"/>
+          </p:nvPr>
+        </p:nvSpPr>
+        <p:spPr>
+          <a:xfrm>
+            <a:off x="1346200" y="520700"/>
+            <a:ext cx="10388600" cy="5860236"/>
+          </a:xfrm>
+          <a:prstGeom prst="rect">
+            <a:avLst/>
+          </a:prstGeom>
+        </p:spPr>
+        <p:txBody>
+          <a:bodyPr lIns="91439" tIns="45719" rIns="91439" bIns="45719" anchor="t">
+            <a:noAutofit/>
+          </a:bodyPr>
+          <a:lstStyle/>
+          <a:p>
+            <a:endParaRPr/>
+          </a:p>
+        </p:txBody>
+      </p:sp>
+      <p:sp>
+        <p:nvSpPr>
+          <p:cNvPr id="21" name="Title Text"/>
+          <p:cNvSpPr txBox="1">
+            <a:spLocks noGrp="1"/>
+          </p:cNvSpPr>
+          <p:nvPr>
+            <p:ph type="title"/>
+          </p:nvPr>
+        </p:nvSpPr>
+        <p:spPr>
+          <a:xfrm>
+            <a:off x="1270000" y="6908800"/>
+            <a:ext cx="10464800" cy="1282700"/>
+          </a:xfrm>
+          <a:prstGeom prst="rect">
+            <a:avLst/>
+          </a:prstGeom>
+        </p:spPr>
+        <p:txBody>
+          <a:bodyPr/>
+          <a:lstStyle/>
+          <a:p>
+            <a:r>
+              <a:t>Title Text</a:t>
+            </a:r>
+          </a:p>
+        </p:txBody>
+      </p:sp>
+      <p:sp>
+        <p:nvSpPr>
+          <p:cNvPr id="22" name="Body Level One…"/>
+          <p:cNvSpPr txBox="1">
+            <a:spLocks noGrp="1"/>
+          </p:cNvSpPr>
+          <p:nvPr>
+            <p:ph type="body" sz="quarter" idx="1"/>
+          </p:nvPr>
+        </p:nvSpPr>
+        <p:spPr>
+          <a:xfrm>
+            <a:off x="1270000" y="8191500"/>
+            <a:ext cx="10464800" cy="1130300"/>
+          </a:xfrm>
+          <a:prstGeom prst="rect">
+            <a:avLst/>
+          </a:prstGeom>
+        </p:spPr>
+        <p:txBody>
+          <a:bodyPr anchor="t"/>
+          <a:lstStyle>
+            <a:lvl1pPr marL="0" indent="0" algn="ctr">
+              <a:spcBef>
+                <a:spcPts val="0"/>
+              </a:spcBef>
+              <a:buClr>
+                <a:srgbClr val="535353"/>
+              </a:buClr>
+              <a:buSzTx/>
+              <a:buNone/>
+            </a:lvl1pPr>
+            <a:lvl2pPr marL="0" indent="0" algn="ctr">
+              <a:spcBef>
+                <a:spcPts val="0"/>
+              </a:spcBef>
+              <a:buClr>
+                <a:srgbClr val="535353"/>
+              </a:buClr>
+              <a:buSzTx/>
+              <a:buNone/>
+            </a:lvl2pPr>
+            <a:lvl3pPr marL="0" indent="0" algn="ctr">
+              <a:spcBef>
+                <a:spcPts val="0"/>
+              </a:spcBef>
+              <a:buClr>
+                <a:srgbClr val="535353"/>
+              </a:buClr>
+              <a:buSzTx/>
+              <a:buNone/>
+            </a:lvl3pPr>
+            <a:lvl4pPr marL="0" indent="0" algn="ctr">
+              <a:spcBef>
+                <a:spcPts val="0"/>
+              </a:spcBef>
+              <a:buClr>
+                <a:srgbClr val="535353"/>
+              </a:buClr>
+              <a:buSzTx/>
+              <a:buNone/>
+            </a:lvl4pPr>
+            <a:lvl5pPr marL="0" indent="0" algn="ctr">
+              <a:spcBef>
+                <a:spcPts val="0"/>
+              </a:spcBef>
+              <a:buClr>
+                <a:srgbClr val="535353"/>
+              </a:buClr>
+              <a:buSzTx/>
+              <a:buNone/>
+            </a:lvl5pPr>
+          </a:lstStyle>
+          <a:p>
+            <a:r>
+              <a:t>Body Level One</a:t>
+            </a:r>
+          </a:p>
+          <a:p>
+            <a:pPr lvl="1"/>
+            <a:r>
+              <a:t>Body Level Two</a:t>
+            </a:r>
+          </a:p>
+          <a:p>
+            <a:pPr lvl="2"/>
+            <a:r>
+              <a:t>Body Level Three</a:t>
+            </a:r>
+          </a:p>
+          <a:p>
+            <a:pPr lvl="3"/>
+            <a:r>
+              <a:t>Body Level Four</a:t>
+            </a:r>
+          </a:p>
+          <a:p>
+            <a:pPr lvl="4"/>
+            <a:r>
+              <a:t>Body Level Five</a:t>
+            </a:r>
+          </a:p>
+        </p:txBody>
+      </p:sp>
+      <p:sp>
+        <p:nvSpPr>
+          <p:cNvPr id="23" name="Slide Number"/>
+          <p:cNvSpPr txBox="1">
+            <a:spLocks noGrp="1"/>
+          </p:cNvSpPr>
+          <p:nvPr>
+            <p:ph type="sldNum" sz="quarter" idx="2"/>
+          </p:nvPr>
+        </p:nvSpPr>
+        <p:spPr>
+          <a:prstGeom prst="rect">
+            <a:avLst/>
+          </a:prstGeom>
+        </p:spPr>
+        <p:txBody>
+          <a:bodyPr/>
+          <a:lstStyle/>
+          <a:p>
+            <a:fld id="{86CB4B4D-7CA3-9044-876B-883B54F8677D}" type="slidenum">
+              <a:t>‹#›</a:t>
+            </a:fld>
+            <a:endParaRPr/>
+          </a:p>
+        </p:txBody>
+      </p:sp>
+    </p:spTree>
+  </p:cSld>
+  <p:clrMapOvr>
+    <a:masterClrMapping/>
+  </p:clrMapOvr>
+  <p:transition spd="med"/>
+</p:sldLayout>
+</file>
+
+<file path=ppt/slideLayouts/slideLayout10.xml><?xml version="1.0" encoding="utf-8"?>
+<p:sldLayout xmlns:a="http://schemas.openxmlformats.org/drawingml/2006/main" xmlns:r="http://schemas.openxmlformats.org/officeDocument/2006/relationships" xmlns:p="http://schemas.openxmlformats.org/presentationml/2006/main" type="tx">
+  <p:cSld name="Photo">
+    <p:spTree>
+      <p:nvGrpSpPr>
+        <p:cNvPr id="1" name=""/>
+        <p:cNvGrpSpPr/>
+        <p:nvPr/>
+      </p:nvGrpSpPr>
+      <p:grpSpPr>
+        <a:xfrm>
+          <a:off x="0" y="0"/>
+          <a:ext cx="0" cy="0"/>
+          <a:chOff x="0" y="0"/>
+          <a:chExt cx="0" cy="0"/>
+        </a:xfrm>
+      </p:grpSpPr>
+      <p:sp>
+        <p:nvSpPr>
+          <p:cNvPr id="102" name="Image"/>
+          <p:cNvSpPr>
+            <a:spLocks noGrp="1"/>
+          </p:cNvSpPr>
+          <p:nvPr>
+            <p:ph type="pic" idx="13"/>
+          </p:nvPr>
+        </p:nvSpPr>
+        <p:spPr>
+          <a:xfrm>
+            <a:off x="0" y="0"/>
+            <a:ext cx="13004800" cy="9753600"/>
+          </a:xfrm>
+          <a:prstGeom prst="rect">
+            <a:avLst/>
+          </a:prstGeom>
+        </p:spPr>
+        <p:txBody>
+          <a:bodyPr lIns="91439" tIns="45719" rIns="91439" bIns="45719" anchor="t">
+            <a:noAutofit/>
+          </a:bodyPr>
+          <a:lstStyle/>
+          <a:p>
+            <a:endParaRPr/>
+          </a:p>
+        </p:txBody>
+      </p:sp>
+      <p:sp>
+        <p:nvSpPr>
+          <p:cNvPr id="103" name="Slide Number"/>
+          <p:cNvSpPr txBox="1">
+            <a:spLocks noGrp="1"/>
+          </p:cNvSpPr>
+          <p:nvPr>
+            <p:ph type="sldNum" sz="quarter" idx="2"/>
+          </p:nvPr>
+        </p:nvSpPr>
+        <p:spPr>
+          <a:prstGeom prst="rect">
+            <a:avLst/>
+          </a:prstGeom>
+        </p:spPr>
+        <p:txBody>
+          <a:bodyPr/>
+          <a:lstStyle/>
+          <a:p>
+            <a:fld id="{86CB4B4D-7CA3-9044-876B-883B54F8677D}" type="slidenum">
+              <a:t>‹#›</a:t>
+            </a:fld>
+            <a:endParaRPr/>
+          </a:p>
+        </p:txBody>
+      </p:sp>
+    </p:spTree>
+  </p:cSld>
+  <p:clrMapOvr>
+    <a:masterClrMapping/>
+  </p:clrMapOvr>
+  <p:transition spd="med"/>
+</p:sldLayout>
+</file>
+
+<file path=ppt/slideLayouts/slideLayout11.xml><?xml version="1.0" encoding="utf-8"?>
+<p:sldLayout xmlns:a="http://schemas.openxmlformats.org/drawingml/2006/main" xmlns:r="http://schemas.openxmlformats.org/officeDocument/2006/relationships" xmlns:p="http://schemas.openxmlformats.org/presentationml/2006/main" type="tx">
+  <p:cSld name="Blank">
+    <p:spTree>
+      <p:nvGrpSpPr>
+        <p:cNvPr id="1" name=""/>
+        <p:cNvGrpSpPr/>
+        <p:nvPr/>
+      </p:nvGrpSpPr>
+      <p:grpSpPr>
+        <a:xfrm>
+          <a:off x="0" y="0"/>
+          <a:ext cx="0" cy="0"/>
+          <a:chOff x="0" y="0"/>
+          <a:chExt cx="0" cy="0"/>
+        </a:xfrm>
+      </p:grpSpPr>
+      <p:sp>
+        <p:nvSpPr>
+          <p:cNvPr id="110" name="Slide Number"/>
+          <p:cNvSpPr txBox="1">
+            <a:spLocks noGrp="1"/>
+          </p:cNvSpPr>
+          <p:nvPr>
+            <p:ph type="sldNum" sz="quarter" idx="2"/>
+          </p:nvPr>
+        </p:nvSpPr>
+        <p:spPr>
+          <a:prstGeom prst="rect">
+            <a:avLst/>
+          </a:prstGeom>
+        </p:spPr>
+        <p:txBody>
+          <a:bodyPr/>
+          <a:lstStyle/>
+          <a:p>
+            <a:fld id="{86CB4B4D-7CA3-9044-876B-883B54F8677D}" type="slidenum">
+              <a:t>‹#›</a:t>
+            </a:fld>
+            <a:endParaRPr/>
+          </a:p>
+        </p:txBody>
+      </p:sp>
+    </p:spTree>
+  </p:cSld>
+  <p:clrMapOvr>
+    <a:masterClrMapping/>
+  </p:clrMapOvr>
+  <p:transition spd="med"/>
+</p:sldLayout>
+</file>
+
+<file path=ppt/slideLayouts/slideLayout12.xml><?xml version="1.0" encoding="utf-8"?>
+<p:sldLayout xmlns:a="http://schemas.openxmlformats.org/drawingml/2006/main" xmlns:r="http://schemas.openxmlformats.org/officeDocument/2006/relationships" xmlns:p="http://schemas.openxmlformats.org/presentationml/2006/main" type="title">
   <p:cSld name="Title &amp; Subtitle">
     <p:spTree>
       <p:nvGrpSpPr>
@@ -517,7 +878,9 @@
       <p:sp>
         <p:nvSpPr>
           <p:cNvPr id="11" name="Title Text"/>
-          <p:cNvSpPr txBox="1"/>
+          <p:cNvSpPr txBox="1">
+            <a:spLocks noGrp="1"/>
+          </p:cNvSpPr>
           <p:nvPr>
             <p:ph type="title"/>
           </p:nvPr>
@@ -535,7 +898,6 @@
           <a:bodyPr anchor="b"/>
           <a:lstStyle/>
           <a:p>
-            <a:pPr/>
             <a:r>
               <a:t>Title Text</a:t>
             </a:r>
@@ -545,7 +907,9 @@
       <p:sp>
         <p:nvSpPr>
           <p:cNvPr id="12" name="Body Level One…"/>
-          <p:cNvSpPr txBox="1"/>
+          <p:cNvSpPr txBox="1">
+            <a:spLocks noGrp="1"/>
+          </p:cNvSpPr>
           <p:nvPr>
             <p:ph type="body" sz="quarter" idx="1"/>
           </p:nvPr>
@@ -614,7 +978,6 @@
             </a:lvl5pPr>
           </a:lstStyle>
           <a:p>
-            <a:pPr/>
             <a:r>
               <a:t>Body Level One</a:t>
             </a:r>
@@ -648,7 +1011,9 @@
       <p:sp>
         <p:nvSpPr>
           <p:cNvPr id="13" name="Slide Number"/>
-          <p:cNvSpPr txBox="1"/>
+          <p:cNvSpPr txBox="1">
+            <a:spLocks noGrp="1"/>
+          </p:cNvSpPr>
           <p:nvPr>
             <p:ph type="sldNum" sz="quarter" idx="2"/>
           </p:nvPr>
@@ -662,476 +1027,29 @@
           <a:bodyPr/>
           <a:lstStyle/>
           <a:p>
-            <a:pPr/>
-            <a:fld id="{86CB4B4D-7CA3-9044-876B-883B54F8677D}" type="slidenum"/>
+            <a:fld id="{86CB4B4D-7CA3-9044-876B-883B54F8677D}" type="slidenum">
+              <a:t>‹#›</a:t>
+            </a:fld>
+            <a:endParaRPr/>
           </a:p>
         </p:txBody>
       </p:sp>
     </p:spTree>
+    <p:extLst>
+      <p:ext uri="{BB962C8B-B14F-4D97-AF65-F5344CB8AC3E}">
+        <p14:creationId xmlns:p14="http://schemas.microsoft.com/office/powerpoint/2010/main" val="3350150951"/>
+      </p:ext>
+    </p:extLst>
   </p:cSld>
   <p:clrMapOvr>
     <a:masterClrMapping/>
   </p:clrMapOvr>
-  <p:transition xmlns:p14="http://schemas.microsoft.com/office/powerpoint/2010/main" spd="med" advClick="1"/>
-</p:sldLayout>
-</file>
-
-<file path=ppt/slideLayouts/slideLayout10.xml><?xml version="1.0" encoding="utf-8"?>
-<p:sldLayout xmlns:a="http://schemas.openxmlformats.org/drawingml/2006/main" xmlns:r="http://schemas.openxmlformats.org/officeDocument/2006/relationships" xmlns:p="http://schemas.openxmlformats.org/presentationml/2006/main" xmlns:m="http://schemas.openxmlformats.org/officeDocument/2006/math" xmlns:a14="http://schemas.microsoft.com/office/drawing/2010/main" type="tx" showMasterSp="1" showMasterPhAnim="1">
-  <p:cSld name="Quote">
-    <p:spTree>
-      <p:nvGrpSpPr>
-        <p:cNvPr id="1" name=""/>
-        <p:cNvGrpSpPr/>
-        <p:nvPr/>
-      </p:nvGrpSpPr>
-      <p:grpSpPr>
-        <a:xfrm>
-          <a:off x="0" y="0"/>
-          <a:ext cx="0" cy="0"/>
-          <a:chOff x="0" y="0"/>
-          <a:chExt cx="0" cy="0"/>
-        </a:xfrm>
-      </p:grpSpPr>
-      <p:sp>
-        <p:nvSpPr>
-          <p:cNvPr id="93" name="–Johnny Appleseed"/>
-          <p:cNvSpPr txBox="1"/>
-          <p:nvPr>
-            <p:ph type="body" sz="quarter" idx="13"/>
-          </p:nvPr>
-        </p:nvSpPr>
-        <p:spPr>
-          <a:xfrm>
-            <a:off x="1270000" y="5689600"/>
-            <a:ext cx="10464800" cy="508000"/>
-          </a:xfrm>
-          <a:prstGeom prst="rect">
-            <a:avLst/>
-          </a:prstGeom>
-        </p:spPr>
-        <p:txBody>
-          <a:bodyPr anchor="t">
-            <a:spAutoFit/>
-          </a:bodyPr>
-          <a:lstStyle>
-            <a:lvl1pPr marL="0" indent="0" algn="ctr">
-              <a:spcBef>
-                <a:spcPts val="0"/>
-              </a:spcBef>
-              <a:buSzTx/>
-              <a:buNone/>
-              <a:defRPr sz="2800"/>
-            </a:lvl1pPr>
-          </a:lstStyle>
-          <a:p>
-            <a:pPr/>
-            <a:r>
-              <a:t>–Johnny Appleseed</a:t>
-            </a:r>
-          </a:p>
-        </p:txBody>
-      </p:sp>
-      <p:sp>
-        <p:nvSpPr>
-          <p:cNvPr id="94" name="“Type a quote here.”"/>
-          <p:cNvSpPr txBox="1"/>
-          <p:nvPr>
-            <p:ph type="body" sz="quarter" idx="14"/>
-          </p:nvPr>
-        </p:nvSpPr>
-        <p:spPr>
-          <a:xfrm>
-            <a:off x="1270000" y="4152900"/>
-            <a:ext cx="10464800" cy="647700"/>
-          </a:xfrm>
-          <a:prstGeom prst="rect">
-            <a:avLst/>
-          </a:prstGeom>
-        </p:spPr>
-        <p:txBody>
-          <a:bodyPr>
-            <a:spAutoFit/>
-          </a:bodyPr>
-          <a:lstStyle>
-            <a:lvl1pPr marL="0" indent="0" algn="ctr">
-              <a:spcBef>
-                <a:spcPts val="0"/>
-              </a:spcBef>
-              <a:buSzTx/>
-              <a:buNone/>
-            </a:lvl1pPr>
-          </a:lstStyle>
-          <a:p>
-            <a:pPr/>
-            <a:r>
-              <a:t>“Type a quote here.”</a:t>
-            </a:r>
-          </a:p>
-        </p:txBody>
-      </p:sp>
-      <p:sp>
-        <p:nvSpPr>
-          <p:cNvPr id="95" name="Slide Number"/>
-          <p:cNvSpPr txBox="1"/>
-          <p:nvPr>
-            <p:ph type="sldNum" sz="quarter" idx="2"/>
-          </p:nvPr>
-        </p:nvSpPr>
-        <p:spPr>
-          <a:prstGeom prst="rect">
-            <a:avLst/>
-          </a:prstGeom>
-        </p:spPr>
-        <p:txBody>
-          <a:bodyPr/>
-          <a:lstStyle/>
-          <a:p>
-            <a:pPr/>
-            <a:fld id="{86CB4B4D-7CA3-9044-876B-883B54F8677D}" type="slidenum"/>
-          </a:p>
-        </p:txBody>
-      </p:sp>
-    </p:spTree>
-  </p:cSld>
-  <p:clrMapOvr>
-    <a:masterClrMapping/>
-  </p:clrMapOvr>
-  <p:transition xmlns:p14="http://schemas.microsoft.com/office/powerpoint/2010/main" spd="med" advClick="1"/>
-</p:sldLayout>
-</file>
-
-<file path=ppt/slideLayouts/slideLayout11.xml><?xml version="1.0" encoding="utf-8"?>
-<p:sldLayout xmlns:a="http://schemas.openxmlformats.org/drawingml/2006/main" xmlns:r="http://schemas.openxmlformats.org/officeDocument/2006/relationships" xmlns:p="http://schemas.openxmlformats.org/presentationml/2006/main" xmlns:m="http://schemas.openxmlformats.org/officeDocument/2006/math" xmlns:a14="http://schemas.microsoft.com/office/drawing/2010/main" type="tx" showMasterSp="1" showMasterPhAnim="1">
-  <p:cSld name="Photo">
-    <p:spTree>
-      <p:nvGrpSpPr>
-        <p:cNvPr id="1" name=""/>
-        <p:cNvGrpSpPr/>
-        <p:nvPr/>
-      </p:nvGrpSpPr>
-      <p:grpSpPr>
-        <a:xfrm>
-          <a:off x="0" y="0"/>
-          <a:ext cx="0" cy="0"/>
-          <a:chOff x="0" y="0"/>
-          <a:chExt cx="0" cy="0"/>
-        </a:xfrm>
-      </p:grpSpPr>
-      <p:sp>
-        <p:nvSpPr>
-          <p:cNvPr id="102" name="Image"/>
-          <p:cNvSpPr/>
-          <p:nvPr>
-            <p:ph type="pic" idx="13"/>
-          </p:nvPr>
-        </p:nvSpPr>
-        <p:spPr>
-          <a:xfrm>
-            <a:off x="0" y="0"/>
-            <a:ext cx="13004800" cy="9753600"/>
-          </a:xfrm>
-          <a:prstGeom prst="rect">
-            <a:avLst/>
-          </a:prstGeom>
-        </p:spPr>
-        <p:txBody>
-          <a:bodyPr lIns="91439" tIns="45719" rIns="91439" bIns="45719" anchor="t">
-            <a:noAutofit/>
-          </a:bodyPr>
-          <a:lstStyle/>
-          <a:p>
-            <a:pPr/>
-          </a:p>
-        </p:txBody>
-      </p:sp>
-      <p:sp>
-        <p:nvSpPr>
-          <p:cNvPr id="103" name="Slide Number"/>
-          <p:cNvSpPr txBox="1"/>
-          <p:nvPr>
-            <p:ph type="sldNum" sz="quarter" idx="2"/>
-          </p:nvPr>
-        </p:nvSpPr>
-        <p:spPr>
-          <a:prstGeom prst="rect">
-            <a:avLst/>
-          </a:prstGeom>
-        </p:spPr>
-        <p:txBody>
-          <a:bodyPr/>
-          <a:lstStyle/>
-          <a:p>
-            <a:pPr/>
-            <a:fld id="{86CB4B4D-7CA3-9044-876B-883B54F8677D}" type="slidenum"/>
-          </a:p>
-        </p:txBody>
-      </p:sp>
-    </p:spTree>
-  </p:cSld>
-  <p:clrMapOvr>
-    <a:masterClrMapping/>
-  </p:clrMapOvr>
-  <p:transition xmlns:p14="http://schemas.microsoft.com/office/powerpoint/2010/main" spd="med" advClick="1"/>
-</p:sldLayout>
-</file>
-
-<file path=ppt/slideLayouts/slideLayout12.xml><?xml version="1.0" encoding="utf-8"?>
-<p:sldLayout xmlns:a="http://schemas.openxmlformats.org/drawingml/2006/main" xmlns:r="http://schemas.openxmlformats.org/officeDocument/2006/relationships" xmlns:p="http://schemas.openxmlformats.org/presentationml/2006/main" xmlns:m="http://schemas.openxmlformats.org/officeDocument/2006/math" xmlns:a14="http://schemas.microsoft.com/office/drawing/2010/main" type="tx" showMasterSp="1" showMasterPhAnim="1">
-  <p:cSld name="Blank">
-    <p:spTree>
-      <p:nvGrpSpPr>
-        <p:cNvPr id="1" name=""/>
-        <p:cNvGrpSpPr/>
-        <p:nvPr/>
-      </p:nvGrpSpPr>
-      <p:grpSpPr>
-        <a:xfrm>
-          <a:off x="0" y="0"/>
-          <a:ext cx="0" cy="0"/>
-          <a:chOff x="0" y="0"/>
-          <a:chExt cx="0" cy="0"/>
-        </a:xfrm>
-      </p:grpSpPr>
-      <p:sp>
-        <p:nvSpPr>
-          <p:cNvPr id="110" name="Slide Number"/>
-          <p:cNvSpPr txBox="1"/>
-          <p:nvPr>
-            <p:ph type="sldNum" sz="quarter" idx="2"/>
-          </p:nvPr>
-        </p:nvSpPr>
-        <p:spPr>
-          <a:prstGeom prst="rect">
-            <a:avLst/>
-          </a:prstGeom>
-        </p:spPr>
-        <p:txBody>
-          <a:bodyPr/>
-          <a:lstStyle/>
-          <a:p>
-            <a:pPr/>
-            <a:fld id="{86CB4B4D-7CA3-9044-876B-883B54F8677D}" type="slidenum"/>
-          </a:p>
-        </p:txBody>
-      </p:sp>
-    </p:spTree>
-  </p:cSld>
-  <p:clrMapOvr>
-    <a:masterClrMapping/>
-  </p:clrMapOvr>
-  <p:transition xmlns:p14="http://schemas.microsoft.com/office/powerpoint/2010/main" spd="med" advClick="1"/>
+  <p:transition spd="med"/>
 </p:sldLayout>
 </file>
 
 <file path=ppt/slideLayouts/slideLayout2.xml><?xml version="1.0" encoding="utf-8"?>
-<p:sldLayout xmlns:a="http://schemas.openxmlformats.org/drawingml/2006/main" xmlns:r="http://schemas.openxmlformats.org/officeDocument/2006/relationships" xmlns:p="http://schemas.openxmlformats.org/presentationml/2006/main" xmlns:m="http://schemas.openxmlformats.org/officeDocument/2006/math" xmlns:a14="http://schemas.microsoft.com/office/drawing/2010/main" type="tx" showMasterSp="1" showMasterPhAnim="1">
-  <p:cSld name="Photo - Horizontal">
-    <p:spTree>
-      <p:nvGrpSpPr>
-        <p:cNvPr id="1" name=""/>
-        <p:cNvGrpSpPr/>
-        <p:nvPr/>
-      </p:nvGrpSpPr>
-      <p:grpSpPr>
-        <a:xfrm>
-          <a:off x="0" y="0"/>
-          <a:ext cx="0" cy="0"/>
-          <a:chOff x="0" y="0"/>
-          <a:chExt cx="0" cy="0"/>
-        </a:xfrm>
-      </p:grpSpPr>
-      <p:sp>
-        <p:nvSpPr>
-          <p:cNvPr id="20" name="Image"/>
-          <p:cNvSpPr/>
-          <p:nvPr>
-            <p:ph type="pic" idx="13"/>
-          </p:nvPr>
-        </p:nvSpPr>
-        <p:spPr>
-          <a:xfrm>
-            <a:off x="1346200" y="520700"/>
-            <a:ext cx="10388600" cy="5860236"/>
-          </a:xfrm>
-          <a:prstGeom prst="rect">
-            <a:avLst/>
-          </a:prstGeom>
-        </p:spPr>
-        <p:txBody>
-          <a:bodyPr lIns="91439" tIns="45719" rIns="91439" bIns="45719" anchor="t">
-            <a:noAutofit/>
-          </a:bodyPr>
-          <a:lstStyle/>
-          <a:p>
-            <a:pPr/>
-          </a:p>
-        </p:txBody>
-      </p:sp>
-      <p:sp>
-        <p:nvSpPr>
-          <p:cNvPr id="21" name="Title Text"/>
-          <p:cNvSpPr txBox="1"/>
-          <p:nvPr>
-            <p:ph type="title"/>
-          </p:nvPr>
-        </p:nvSpPr>
-        <p:spPr>
-          <a:xfrm>
-            <a:off x="1270000" y="6908800"/>
-            <a:ext cx="10464800" cy="1282700"/>
-          </a:xfrm>
-          <a:prstGeom prst="rect">
-            <a:avLst/>
-          </a:prstGeom>
-        </p:spPr>
-        <p:txBody>
-          <a:bodyPr/>
-          <a:lstStyle/>
-          <a:p>
-            <a:pPr/>
-            <a:r>
-              <a:t>Title Text</a:t>
-            </a:r>
-          </a:p>
-        </p:txBody>
-      </p:sp>
-      <p:sp>
-        <p:nvSpPr>
-          <p:cNvPr id="22" name="Body Level One…"/>
-          <p:cNvSpPr txBox="1"/>
-          <p:nvPr>
-            <p:ph type="body" sz="quarter" idx="1"/>
-          </p:nvPr>
-        </p:nvSpPr>
-        <p:spPr>
-          <a:xfrm>
-            <a:off x="1270000" y="8191500"/>
-            <a:ext cx="10464800" cy="1130300"/>
-          </a:xfrm>
-          <a:prstGeom prst="rect">
-            <a:avLst/>
-          </a:prstGeom>
-        </p:spPr>
-        <p:txBody>
-          <a:bodyPr anchor="t"/>
-          <a:lstStyle>
-            <a:lvl1pPr marL="0" indent="0" algn="ctr">
-              <a:spcBef>
-                <a:spcPts val="0"/>
-              </a:spcBef>
-              <a:buClr>
-                <a:srgbClr val="535353"/>
-              </a:buClr>
-              <a:buSzTx/>
-              <a:buNone/>
-            </a:lvl1pPr>
-            <a:lvl2pPr marL="0" indent="0" algn="ctr">
-              <a:spcBef>
-                <a:spcPts val="0"/>
-              </a:spcBef>
-              <a:buClr>
-                <a:srgbClr val="535353"/>
-              </a:buClr>
-              <a:buSzTx/>
-              <a:buNone/>
-            </a:lvl2pPr>
-            <a:lvl3pPr marL="0" indent="0" algn="ctr">
-              <a:spcBef>
-                <a:spcPts val="0"/>
-              </a:spcBef>
-              <a:buClr>
-                <a:srgbClr val="535353"/>
-              </a:buClr>
-              <a:buSzTx/>
-              <a:buNone/>
-            </a:lvl3pPr>
-            <a:lvl4pPr marL="0" indent="0" algn="ctr">
-              <a:spcBef>
-                <a:spcPts val="0"/>
-              </a:spcBef>
-              <a:buClr>
-                <a:srgbClr val="535353"/>
-              </a:buClr>
-              <a:buSzTx/>
-              <a:buNone/>
-            </a:lvl4pPr>
-            <a:lvl5pPr marL="0" indent="0" algn="ctr">
-              <a:spcBef>
-                <a:spcPts val="0"/>
-              </a:spcBef>
-              <a:buClr>
-                <a:srgbClr val="535353"/>
-              </a:buClr>
-              <a:buSzTx/>
-              <a:buNone/>
-            </a:lvl5pPr>
-          </a:lstStyle>
-          <a:p>
-            <a:pPr/>
-            <a:r>
-              <a:t>Body Level One</a:t>
-            </a:r>
-          </a:p>
-          <a:p>
-            <a:pPr lvl="1"/>
-            <a:r>
-              <a:t>Body Level Two</a:t>
-            </a:r>
-          </a:p>
-          <a:p>
-            <a:pPr lvl="2"/>
-            <a:r>
-              <a:t>Body Level Three</a:t>
-            </a:r>
-          </a:p>
-          <a:p>
-            <a:pPr lvl="3"/>
-            <a:r>
-              <a:t>Body Level Four</a:t>
-            </a:r>
-          </a:p>
-          <a:p>
-            <a:pPr lvl="4"/>
-            <a:r>
-              <a:t>Body Level Five</a:t>
-            </a:r>
-          </a:p>
-        </p:txBody>
-      </p:sp>
-      <p:sp>
-        <p:nvSpPr>
-          <p:cNvPr id="23" name="Slide Number"/>
-          <p:cNvSpPr txBox="1"/>
-          <p:nvPr>
-            <p:ph type="sldNum" sz="quarter" idx="2"/>
-          </p:nvPr>
-        </p:nvSpPr>
-        <p:spPr>
-          <a:prstGeom prst="rect">
-            <a:avLst/>
-          </a:prstGeom>
-        </p:spPr>
-        <p:txBody>
-          <a:bodyPr/>
-          <a:lstStyle/>
-          <a:p>
-            <a:pPr/>
-            <a:fld id="{86CB4B4D-7CA3-9044-876B-883B54F8677D}" type="slidenum"/>
-          </a:p>
-        </p:txBody>
-      </p:sp>
-    </p:spTree>
-  </p:cSld>
-  <p:clrMapOvr>
-    <a:masterClrMapping/>
-  </p:clrMapOvr>
-  <p:transition xmlns:p14="http://schemas.microsoft.com/office/powerpoint/2010/main" spd="med" advClick="1"/>
-</p:sldLayout>
-</file>
-
-<file path=ppt/slideLayouts/slideLayout3.xml><?xml version="1.0" encoding="utf-8"?>
-<p:sldLayout xmlns:a="http://schemas.openxmlformats.org/drawingml/2006/main" xmlns:r="http://schemas.openxmlformats.org/officeDocument/2006/relationships" xmlns:p="http://schemas.openxmlformats.org/presentationml/2006/main" xmlns:m="http://schemas.openxmlformats.org/officeDocument/2006/math" xmlns:a14="http://schemas.microsoft.com/office/drawing/2010/main" type="tx" showMasterSp="1" showMasterPhAnim="1">
+<p:sldLayout xmlns:a="http://schemas.openxmlformats.org/drawingml/2006/main" xmlns:r="http://schemas.openxmlformats.org/officeDocument/2006/relationships" xmlns:p="http://schemas.openxmlformats.org/presentationml/2006/main" type="tx">
   <p:cSld name="Title - Center">
     <p:spTree>
       <p:nvGrpSpPr>
@@ -1150,7 +1068,9 @@
       <p:sp>
         <p:nvSpPr>
           <p:cNvPr id="30" name="Title Text"/>
-          <p:cNvSpPr txBox="1"/>
+          <p:cNvSpPr txBox="1">
+            <a:spLocks noGrp="1"/>
+          </p:cNvSpPr>
           <p:nvPr>
             <p:ph type="title"/>
           </p:nvPr>
@@ -1168,7 +1088,6 @@
           <a:bodyPr/>
           <a:lstStyle/>
           <a:p>
-            <a:pPr/>
             <a:r>
               <a:t>Title Text</a:t>
             </a:r>
@@ -1178,7 +1097,9 @@
       <p:sp>
         <p:nvSpPr>
           <p:cNvPr id="31" name="Slide Number"/>
-          <p:cNvSpPr txBox="1"/>
+          <p:cNvSpPr txBox="1">
+            <a:spLocks noGrp="1"/>
+          </p:cNvSpPr>
           <p:nvPr>
             <p:ph type="sldNum" sz="quarter" idx="2"/>
           </p:nvPr>
@@ -1192,8 +1113,10 @@
           <a:bodyPr/>
           <a:lstStyle/>
           <a:p>
-            <a:pPr/>
-            <a:fld id="{86CB4B4D-7CA3-9044-876B-883B54F8677D}" type="slidenum"/>
+            <a:fld id="{86CB4B4D-7CA3-9044-876B-883B54F8677D}" type="slidenum">
+              <a:t>‹#›</a:t>
+            </a:fld>
+            <a:endParaRPr/>
           </a:p>
         </p:txBody>
       </p:sp>
@@ -1202,12 +1125,12 @@
   <p:clrMapOvr>
     <a:masterClrMapping/>
   </p:clrMapOvr>
-  <p:transition xmlns:p14="http://schemas.microsoft.com/office/powerpoint/2010/main" spd="med" advClick="1"/>
+  <p:transition spd="med"/>
 </p:sldLayout>
 </file>
 
-<file path=ppt/slideLayouts/slideLayout4.xml><?xml version="1.0" encoding="utf-8"?>
-<p:sldLayout xmlns:a="http://schemas.openxmlformats.org/drawingml/2006/main" xmlns:r="http://schemas.openxmlformats.org/officeDocument/2006/relationships" xmlns:p="http://schemas.openxmlformats.org/presentationml/2006/main" xmlns:m="http://schemas.openxmlformats.org/officeDocument/2006/math" xmlns:a14="http://schemas.microsoft.com/office/drawing/2010/main" type="tx" showMasterSp="1" showMasterPhAnim="1">
+<file path=ppt/slideLayouts/slideLayout3.xml><?xml version="1.0" encoding="utf-8"?>
+<p:sldLayout xmlns:a="http://schemas.openxmlformats.org/drawingml/2006/main" xmlns:r="http://schemas.openxmlformats.org/officeDocument/2006/relationships" xmlns:p="http://schemas.openxmlformats.org/presentationml/2006/main" type="tx">
   <p:cSld name="Photo - Vertical">
     <p:spTree>
       <p:nvGrpSpPr>
@@ -1226,7 +1149,9 @@
       <p:sp>
         <p:nvSpPr>
           <p:cNvPr id="38" name="Image"/>
-          <p:cNvSpPr/>
+          <p:cNvSpPr>
+            <a:spLocks noGrp="1"/>
+          </p:cNvSpPr>
           <p:nvPr>
             <p:ph type="pic" sz="half" idx="13"/>
           </p:nvPr>
@@ -1246,14 +1171,16 @@
           </a:bodyPr>
           <a:lstStyle/>
           <a:p>
-            <a:pPr/>
+            <a:endParaRPr/>
           </a:p>
         </p:txBody>
       </p:sp>
       <p:sp>
         <p:nvSpPr>
           <p:cNvPr id="39" name="Title Text"/>
-          <p:cNvSpPr txBox="1"/>
+          <p:cNvSpPr txBox="1">
+            <a:spLocks noGrp="1"/>
+          </p:cNvSpPr>
           <p:nvPr>
             <p:ph type="title"/>
           </p:nvPr>
@@ -1271,7 +1198,6 @@
           <a:bodyPr anchor="b"/>
           <a:lstStyle/>
           <a:p>
-            <a:pPr/>
             <a:r>
               <a:t>Title Text</a:t>
             </a:r>
@@ -1281,7 +1207,9 @@
       <p:sp>
         <p:nvSpPr>
           <p:cNvPr id="40" name="Body Level One…"/>
-          <p:cNvSpPr txBox="1"/>
+          <p:cNvSpPr txBox="1">
+            <a:spLocks noGrp="1"/>
+          </p:cNvSpPr>
           <p:nvPr>
             <p:ph type="body" sz="quarter" idx="1"/>
           </p:nvPr>
@@ -1350,7 +1278,6 @@
             </a:lvl5pPr>
           </a:lstStyle>
           <a:p>
-            <a:pPr/>
             <a:r>
               <a:t>Body Level One</a:t>
             </a:r>
@@ -1384,7 +1311,9 @@
       <p:sp>
         <p:nvSpPr>
           <p:cNvPr id="41" name="Slide Number"/>
-          <p:cNvSpPr txBox="1"/>
+          <p:cNvSpPr txBox="1">
+            <a:spLocks noGrp="1"/>
+          </p:cNvSpPr>
           <p:nvPr>
             <p:ph type="sldNum" sz="quarter" idx="2"/>
           </p:nvPr>
@@ -1398,8 +1327,10 @@
           <a:bodyPr/>
           <a:lstStyle/>
           <a:p>
-            <a:pPr/>
-            <a:fld id="{86CB4B4D-7CA3-9044-876B-883B54F8677D}" type="slidenum"/>
+            <a:fld id="{86CB4B4D-7CA3-9044-876B-883B54F8677D}" type="slidenum">
+              <a:t>‹#›</a:t>
+            </a:fld>
+            <a:endParaRPr/>
           </a:p>
         </p:txBody>
       </p:sp>
@@ -1408,12 +1339,12 @@
   <p:clrMapOvr>
     <a:masterClrMapping/>
   </p:clrMapOvr>
-  <p:transition xmlns:p14="http://schemas.microsoft.com/office/powerpoint/2010/main" spd="med" advClick="1"/>
+  <p:transition spd="med"/>
 </p:sldLayout>
 </file>
 
-<file path=ppt/slideLayouts/slideLayout5.xml><?xml version="1.0" encoding="utf-8"?>
-<p:sldLayout xmlns:a="http://schemas.openxmlformats.org/drawingml/2006/main" xmlns:r="http://schemas.openxmlformats.org/officeDocument/2006/relationships" xmlns:p="http://schemas.openxmlformats.org/presentationml/2006/main" xmlns:m="http://schemas.openxmlformats.org/officeDocument/2006/math" xmlns:a14="http://schemas.microsoft.com/office/drawing/2010/main" type="tx" showMasterSp="1" showMasterPhAnim="1">
+<file path=ppt/slideLayouts/slideLayout4.xml><?xml version="1.0" encoding="utf-8"?>
+<p:sldLayout xmlns:a="http://schemas.openxmlformats.org/drawingml/2006/main" xmlns:r="http://schemas.openxmlformats.org/officeDocument/2006/relationships" xmlns:p="http://schemas.openxmlformats.org/presentationml/2006/main" type="tx">
   <p:cSld name="Title - Top">
     <p:spTree>
       <p:nvGrpSpPr>
@@ -1432,7 +1363,9 @@
       <p:sp>
         <p:nvSpPr>
           <p:cNvPr id="48" name="Title Text"/>
-          <p:cNvSpPr txBox="1"/>
+          <p:cNvSpPr txBox="1">
+            <a:spLocks noGrp="1"/>
+          </p:cNvSpPr>
           <p:nvPr>
             <p:ph type="title"/>
           </p:nvPr>
@@ -1446,7 +1379,6 @@
           <a:bodyPr/>
           <a:lstStyle/>
           <a:p>
-            <a:pPr/>
             <a:r>
               <a:t>Title Text</a:t>
             </a:r>
@@ -1456,7 +1388,9 @@
       <p:sp>
         <p:nvSpPr>
           <p:cNvPr id="49" name="Slide Number"/>
-          <p:cNvSpPr txBox="1"/>
+          <p:cNvSpPr txBox="1">
+            <a:spLocks noGrp="1"/>
+          </p:cNvSpPr>
           <p:nvPr>
             <p:ph type="sldNum" sz="quarter" idx="2"/>
           </p:nvPr>
@@ -1470,8 +1404,10 @@
           <a:bodyPr/>
           <a:lstStyle/>
           <a:p>
-            <a:pPr/>
-            <a:fld id="{86CB4B4D-7CA3-9044-876B-883B54F8677D}" type="slidenum"/>
+            <a:fld id="{86CB4B4D-7CA3-9044-876B-883B54F8677D}" type="slidenum">
+              <a:t>‹#›</a:t>
+            </a:fld>
+            <a:endParaRPr/>
           </a:p>
         </p:txBody>
       </p:sp>
@@ -1480,12 +1416,12 @@
   <p:clrMapOvr>
     <a:masterClrMapping/>
   </p:clrMapOvr>
-  <p:transition xmlns:p14="http://schemas.microsoft.com/office/powerpoint/2010/main" spd="med" advClick="1"/>
+  <p:transition spd="med"/>
 </p:sldLayout>
 </file>
 
-<file path=ppt/slideLayouts/slideLayout6.xml><?xml version="1.0" encoding="utf-8"?>
-<p:sldLayout xmlns:a="http://schemas.openxmlformats.org/drawingml/2006/main" xmlns:r="http://schemas.openxmlformats.org/officeDocument/2006/relationships" xmlns:p="http://schemas.openxmlformats.org/presentationml/2006/main" xmlns:m="http://schemas.openxmlformats.org/officeDocument/2006/math" xmlns:a14="http://schemas.microsoft.com/office/drawing/2010/main" type="tx" showMasterSp="1" showMasterPhAnim="1">
+<file path=ppt/slideLayouts/slideLayout5.xml><?xml version="1.0" encoding="utf-8"?>
+<p:sldLayout xmlns:a="http://schemas.openxmlformats.org/drawingml/2006/main" xmlns:r="http://schemas.openxmlformats.org/officeDocument/2006/relationships" xmlns:p="http://schemas.openxmlformats.org/presentationml/2006/main" type="tx">
   <p:cSld name="Title &amp; Bullets">
     <p:spTree>
       <p:nvGrpSpPr>
@@ -1504,7 +1440,9 @@
       <p:sp>
         <p:nvSpPr>
           <p:cNvPr id="56" name="Title Text"/>
-          <p:cNvSpPr txBox="1"/>
+          <p:cNvSpPr txBox="1">
+            <a:spLocks noGrp="1"/>
+          </p:cNvSpPr>
           <p:nvPr>
             <p:ph type="title"/>
           </p:nvPr>
@@ -1518,7 +1456,6 @@
           <a:bodyPr/>
           <a:lstStyle/>
           <a:p>
-            <a:pPr/>
             <a:r>
               <a:t>Title Text</a:t>
             </a:r>
@@ -1528,7 +1465,9 @@
       <p:sp>
         <p:nvSpPr>
           <p:cNvPr id="57" name="Body Level One…"/>
-          <p:cNvSpPr txBox="1"/>
+          <p:cNvSpPr txBox="1">
+            <a:spLocks noGrp="1"/>
+          </p:cNvSpPr>
           <p:nvPr>
             <p:ph type="body" idx="1"/>
           </p:nvPr>
@@ -1588,7 +1527,6 @@
             </a:lvl5pPr>
           </a:lstStyle>
           <a:p>
-            <a:pPr/>
             <a:r>
               <a:t>Body Level One</a:t>
             </a:r>
@@ -1622,7 +1560,9 @@
       <p:sp>
         <p:nvSpPr>
           <p:cNvPr id="58" name="Slide Number"/>
-          <p:cNvSpPr txBox="1"/>
+          <p:cNvSpPr txBox="1">
+            <a:spLocks noGrp="1"/>
+          </p:cNvSpPr>
           <p:nvPr>
             <p:ph type="sldNum" sz="quarter" idx="2"/>
           </p:nvPr>
@@ -1636,8 +1576,10 @@
           <a:bodyPr/>
           <a:lstStyle/>
           <a:p>
-            <a:pPr/>
-            <a:fld id="{86CB4B4D-7CA3-9044-876B-883B54F8677D}" type="slidenum"/>
+            <a:fld id="{86CB4B4D-7CA3-9044-876B-883B54F8677D}" type="slidenum">
+              <a:t>‹#›</a:t>
+            </a:fld>
+            <a:endParaRPr/>
           </a:p>
         </p:txBody>
       </p:sp>
@@ -1646,12 +1588,12 @@
   <p:clrMapOvr>
     <a:masterClrMapping/>
   </p:clrMapOvr>
-  <p:transition xmlns:p14="http://schemas.microsoft.com/office/powerpoint/2010/main" spd="med" advClick="1"/>
+  <p:transition spd="med"/>
 </p:sldLayout>
 </file>
 
-<file path=ppt/slideLayouts/slideLayout7.xml><?xml version="1.0" encoding="utf-8"?>
-<p:sldLayout xmlns:a="http://schemas.openxmlformats.org/drawingml/2006/main" xmlns:r="http://schemas.openxmlformats.org/officeDocument/2006/relationships" xmlns:p="http://schemas.openxmlformats.org/presentationml/2006/main" xmlns:m="http://schemas.openxmlformats.org/officeDocument/2006/math" xmlns:a14="http://schemas.microsoft.com/office/drawing/2010/main" type="tx" showMasterSp="1" showMasterPhAnim="1">
+<file path=ppt/slideLayouts/slideLayout6.xml><?xml version="1.0" encoding="utf-8"?>
+<p:sldLayout xmlns:a="http://schemas.openxmlformats.org/drawingml/2006/main" xmlns:r="http://schemas.openxmlformats.org/officeDocument/2006/relationships" xmlns:p="http://schemas.openxmlformats.org/presentationml/2006/main" type="tx">
   <p:cSld name="Title, Bullets &amp; Photo">
     <p:spTree>
       <p:nvGrpSpPr>
@@ -1670,7 +1612,9 @@
       <p:sp>
         <p:nvSpPr>
           <p:cNvPr id="65" name="Image"/>
-          <p:cNvSpPr/>
+          <p:cNvSpPr>
+            <a:spLocks noGrp="1"/>
+          </p:cNvSpPr>
           <p:nvPr>
             <p:ph type="pic" sz="half" idx="13"/>
           </p:nvPr>
@@ -1690,14 +1634,16 @@
           </a:bodyPr>
           <a:lstStyle/>
           <a:p>
-            <a:pPr/>
+            <a:endParaRPr/>
           </a:p>
         </p:txBody>
       </p:sp>
       <p:sp>
         <p:nvSpPr>
           <p:cNvPr id="66" name="Title Text"/>
-          <p:cNvSpPr txBox="1"/>
+          <p:cNvSpPr txBox="1">
+            <a:spLocks noGrp="1"/>
+          </p:cNvSpPr>
           <p:nvPr>
             <p:ph type="title"/>
           </p:nvPr>
@@ -1711,7 +1657,6 @@
           <a:bodyPr/>
           <a:lstStyle/>
           <a:p>
-            <a:pPr/>
             <a:r>
               <a:t>Title Text</a:t>
             </a:r>
@@ -1721,7 +1666,9 @@
       <p:sp>
         <p:nvSpPr>
           <p:cNvPr id="67" name="Body Level One…"/>
-          <p:cNvSpPr txBox="1"/>
+          <p:cNvSpPr txBox="1">
+            <a:spLocks noGrp="1"/>
+          </p:cNvSpPr>
           <p:nvPr>
             <p:ph type="body" sz="half" idx="1"/>
           </p:nvPr>
@@ -1739,7 +1686,6 @@
           <a:bodyPr/>
           <a:lstStyle/>
           <a:p>
-            <a:pPr/>
             <a:r>
               <a:t>Body Level One</a:t>
             </a:r>
@@ -1773,7 +1719,9 @@
       <p:sp>
         <p:nvSpPr>
           <p:cNvPr id="68" name="Slide Number"/>
-          <p:cNvSpPr txBox="1"/>
+          <p:cNvSpPr txBox="1">
+            <a:spLocks noGrp="1"/>
+          </p:cNvSpPr>
           <p:nvPr>
             <p:ph type="sldNum" sz="quarter" idx="2"/>
           </p:nvPr>
@@ -1787,8 +1735,10 @@
           <a:bodyPr/>
           <a:lstStyle/>
           <a:p>
-            <a:pPr/>
-            <a:fld id="{86CB4B4D-7CA3-9044-876B-883B54F8677D}" type="slidenum"/>
+            <a:fld id="{86CB4B4D-7CA3-9044-876B-883B54F8677D}" type="slidenum">
+              <a:t>‹#›</a:t>
+            </a:fld>
+            <a:endParaRPr/>
           </a:p>
         </p:txBody>
       </p:sp>
@@ -1797,12 +1747,12 @@
   <p:clrMapOvr>
     <a:masterClrMapping/>
   </p:clrMapOvr>
-  <p:transition xmlns:p14="http://schemas.microsoft.com/office/powerpoint/2010/main" spd="med" advClick="1"/>
+  <p:transition spd="med"/>
 </p:sldLayout>
 </file>
 
-<file path=ppt/slideLayouts/slideLayout8.xml><?xml version="1.0" encoding="utf-8"?>
-<p:sldLayout xmlns:a="http://schemas.openxmlformats.org/drawingml/2006/main" xmlns:r="http://schemas.openxmlformats.org/officeDocument/2006/relationships" xmlns:p="http://schemas.openxmlformats.org/presentationml/2006/main" xmlns:m="http://schemas.openxmlformats.org/officeDocument/2006/math" xmlns:a14="http://schemas.microsoft.com/office/drawing/2010/main" type="tx" showMasterSp="1" showMasterPhAnim="1">
+<file path=ppt/slideLayouts/slideLayout7.xml><?xml version="1.0" encoding="utf-8"?>
+<p:sldLayout xmlns:a="http://schemas.openxmlformats.org/drawingml/2006/main" xmlns:r="http://schemas.openxmlformats.org/officeDocument/2006/relationships" xmlns:p="http://schemas.openxmlformats.org/presentationml/2006/main" type="tx">
   <p:cSld name="Bullets">
     <p:spTree>
       <p:nvGrpSpPr>
@@ -1821,7 +1771,9 @@
       <p:sp>
         <p:nvSpPr>
           <p:cNvPr id="75" name="Body Level One…"/>
-          <p:cNvSpPr txBox="1"/>
+          <p:cNvSpPr txBox="1">
+            <a:spLocks noGrp="1"/>
+          </p:cNvSpPr>
           <p:nvPr>
             <p:ph type="body" idx="1"/>
           </p:nvPr>
@@ -1885,7 +1837,6 @@
             </a:lvl5pPr>
           </a:lstStyle>
           <a:p>
-            <a:pPr/>
             <a:r>
               <a:t>Body Level One</a:t>
             </a:r>
@@ -1919,7 +1870,9 @@
       <p:sp>
         <p:nvSpPr>
           <p:cNvPr id="76" name="Slide Number"/>
-          <p:cNvSpPr txBox="1"/>
+          <p:cNvSpPr txBox="1">
+            <a:spLocks noGrp="1"/>
+          </p:cNvSpPr>
           <p:nvPr>
             <p:ph type="sldNum" sz="quarter" idx="2"/>
           </p:nvPr>
@@ -1933,8 +1886,10 @@
           <a:bodyPr/>
           <a:lstStyle/>
           <a:p>
-            <a:pPr/>
-            <a:fld id="{86CB4B4D-7CA3-9044-876B-883B54F8677D}" type="slidenum"/>
+            <a:fld id="{86CB4B4D-7CA3-9044-876B-883B54F8677D}" type="slidenum">
+              <a:t>‹#›</a:t>
+            </a:fld>
+            <a:endParaRPr/>
           </a:p>
         </p:txBody>
       </p:sp>
@@ -1943,12 +1898,12 @@
   <p:clrMapOvr>
     <a:masterClrMapping/>
   </p:clrMapOvr>
-  <p:transition xmlns:p14="http://schemas.microsoft.com/office/powerpoint/2010/main" spd="med" advClick="1"/>
+  <p:transition spd="med"/>
 </p:sldLayout>
 </file>
 
-<file path=ppt/slideLayouts/slideLayout9.xml><?xml version="1.0" encoding="utf-8"?>
-<p:sldLayout xmlns:a="http://schemas.openxmlformats.org/drawingml/2006/main" xmlns:r="http://schemas.openxmlformats.org/officeDocument/2006/relationships" xmlns:p="http://schemas.openxmlformats.org/presentationml/2006/main" xmlns:m="http://schemas.openxmlformats.org/officeDocument/2006/math" xmlns:a14="http://schemas.microsoft.com/office/drawing/2010/main" type="tx" showMasterSp="1" showMasterPhAnim="1">
+<file path=ppt/slideLayouts/slideLayout8.xml><?xml version="1.0" encoding="utf-8"?>
+<p:sldLayout xmlns:a="http://schemas.openxmlformats.org/drawingml/2006/main" xmlns:r="http://schemas.openxmlformats.org/officeDocument/2006/relationships" xmlns:p="http://schemas.openxmlformats.org/presentationml/2006/main" type="tx">
   <p:cSld name="Photo - 3 Up">
     <p:spTree>
       <p:nvGrpSpPr>
@@ -1967,7 +1922,9 @@
       <p:sp>
         <p:nvSpPr>
           <p:cNvPr id="83" name="2-033_1302x975.jpeg"/>
-          <p:cNvSpPr/>
+          <p:cNvSpPr>
+            <a:spLocks noGrp="1"/>
+          </p:cNvSpPr>
           <p:nvPr>
             <p:ph type="pic" sz="quarter" idx="13"/>
           </p:nvPr>
@@ -1987,14 +1944,16 @@
           </a:bodyPr>
           <a:lstStyle/>
           <a:p>
-            <a:pPr/>
+            <a:endParaRPr/>
           </a:p>
         </p:txBody>
       </p:sp>
       <p:sp>
         <p:nvSpPr>
           <p:cNvPr id="84" name="Image"/>
-          <p:cNvSpPr/>
+          <p:cNvSpPr>
+            <a:spLocks noGrp="1"/>
+          </p:cNvSpPr>
           <p:nvPr>
             <p:ph type="pic" sz="quarter" idx="14"/>
           </p:nvPr>
@@ -2014,14 +1973,16 @@
           </a:bodyPr>
           <a:lstStyle/>
           <a:p>
-            <a:pPr/>
+            <a:endParaRPr/>
           </a:p>
         </p:txBody>
       </p:sp>
       <p:sp>
         <p:nvSpPr>
           <p:cNvPr id="85" name="2-10-superquadro_1631x2178.jpeg"/>
-          <p:cNvSpPr/>
+          <p:cNvSpPr>
+            <a:spLocks noGrp="1"/>
+          </p:cNvSpPr>
           <p:nvPr>
             <p:ph type="pic" idx="15"/>
           </p:nvPr>
@@ -2041,14 +2002,16 @@
           </a:bodyPr>
           <a:lstStyle/>
           <a:p>
-            <a:pPr/>
+            <a:endParaRPr/>
           </a:p>
         </p:txBody>
       </p:sp>
       <p:sp>
         <p:nvSpPr>
           <p:cNvPr id="86" name="Slide Number"/>
-          <p:cNvSpPr txBox="1"/>
+          <p:cNvSpPr txBox="1">
+            <a:spLocks noGrp="1"/>
+          </p:cNvSpPr>
           <p:nvPr>
             <p:ph type="sldNum" sz="quarter" idx="2"/>
           </p:nvPr>
@@ -2062,8 +2025,10 @@
           <a:bodyPr/>
           <a:lstStyle/>
           <a:p>
-            <a:pPr/>
-            <a:fld id="{86CB4B4D-7CA3-9044-876B-883B54F8677D}" type="slidenum"/>
+            <a:fld id="{86CB4B4D-7CA3-9044-876B-883B54F8677D}" type="slidenum">
+              <a:t>‹#›</a:t>
+            </a:fld>
+            <a:endParaRPr/>
           </a:p>
         </p:txBody>
       </p:sp>
@@ -2072,22 +2037,154 @@
   <p:clrMapOvr>
     <a:masterClrMapping/>
   </p:clrMapOvr>
-  <p:transition xmlns:p14="http://schemas.microsoft.com/office/powerpoint/2010/main" spd="med" advClick="1"/>
+  <p:transition spd="med"/>
+</p:sldLayout>
+</file>
+
+<file path=ppt/slideLayouts/slideLayout9.xml><?xml version="1.0" encoding="utf-8"?>
+<p:sldLayout xmlns:a="http://schemas.openxmlformats.org/drawingml/2006/main" xmlns:r="http://schemas.openxmlformats.org/officeDocument/2006/relationships" xmlns:p="http://schemas.openxmlformats.org/presentationml/2006/main" type="tx">
+  <p:cSld name="Quote">
+    <p:spTree>
+      <p:nvGrpSpPr>
+        <p:cNvPr id="1" name=""/>
+        <p:cNvGrpSpPr/>
+        <p:nvPr/>
+      </p:nvGrpSpPr>
+      <p:grpSpPr>
+        <a:xfrm>
+          <a:off x="0" y="0"/>
+          <a:ext cx="0" cy="0"/>
+          <a:chOff x="0" y="0"/>
+          <a:chExt cx="0" cy="0"/>
+        </a:xfrm>
+      </p:grpSpPr>
+      <p:sp>
+        <p:nvSpPr>
+          <p:cNvPr id="93" name="–Johnny Appleseed"/>
+          <p:cNvSpPr txBox="1">
+            <a:spLocks noGrp="1"/>
+          </p:cNvSpPr>
+          <p:nvPr>
+            <p:ph type="body" sz="quarter" idx="13"/>
+          </p:nvPr>
+        </p:nvSpPr>
+        <p:spPr>
+          <a:xfrm>
+            <a:off x="1270000" y="5689600"/>
+            <a:ext cx="10464800" cy="508000"/>
+          </a:xfrm>
+          <a:prstGeom prst="rect">
+            <a:avLst/>
+          </a:prstGeom>
+        </p:spPr>
+        <p:txBody>
+          <a:bodyPr anchor="t">
+            <a:spAutoFit/>
+          </a:bodyPr>
+          <a:lstStyle>
+            <a:lvl1pPr marL="0" indent="0" algn="ctr">
+              <a:spcBef>
+                <a:spcPts val="0"/>
+              </a:spcBef>
+              <a:buSzTx/>
+              <a:buNone/>
+              <a:defRPr sz="2800"/>
+            </a:lvl1pPr>
+          </a:lstStyle>
+          <a:p>
+            <a:r>
+              <a:t>–Johnny Appleseed</a:t>
+            </a:r>
+          </a:p>
+        </p:txBody>
+      </p:sp>
+      <p:sp>
+        <p:nvSpPr>
+          <p:cNvPr id="94" name="“Type a quote here.”"/>
+          <p:cNvSpPr txBox="1">
+            <a:spLocks noGrp="1"/>
+          </p:cNvSpPr>
+          <p:nvPr>
+            <p:ph type="body" sz="quarter" idx="14"/>
+          </p:nvPr>
+        </p:nvSpPr>
+        <p:spPr>
+          <a:xfrm>
+            <a:off x="1270000" y="4152900"/>
+            <a:ext cx="10464800" cy="647700"/>
+          </a:xfrm>
+          <a:prstGeom prst="rect">
+            <a:avLst/>
+          </a:prstGeom>
+        </p:spPr>
+        <p:txBody>
+          <a:bodyPr>
+            <a:spAutoFit/>
+          </a:bodyPr>
+          <a:lstStyle>
+            <a:lvl1pPr marL="0" indent="0" algn="ctr">
+              <a:spcBef>
+                <a:spcPts val="0"/>
+              </a:spcBef>
+              <a:buSzTx/>
+              <a:buNone/>
+            </a:lvl1pPr>
+          </a:lstStyle>
+          <a:p>
+            <a:r>
+              <a:t>“Type a quote here.”</a:t>
+            </a:r>
+          </a:p>
+        </p:txBody>
+      </p:sp>
+      <p:sp>
+        <p:nvSpPr>
+          <p:cNvPr id="95" name="Slide Number"/>
+          <p:cNvSpPr txBox="1">
+            <a:spLocks noGrp="1"/>
+          </p:cNvSpPr>
+          <p:nvPr>
+            <p:ph type="sldNum" sz="quarter" idx="2"/>
+          </p:nvPr>
+        </p:nvSpPr>
+        <p:spPr>
+          <a:prstGeom prst="rect">
+            <a:avLst/>
+          </a:prstGeom>
+        </p:spPr>
+        <p:txBody>
+          <a:bodyPr/>
+          <a:lstStyle/>
+          <a:p>
+            <a:fld id="{86CB4B4D-7CA3-9044-876B-883B54F8677D}" type="slidenum">
+              <a:t>‹#›</a:t>
+            </a:fld>
+            <a:endParaRPr/>
+          </a:p>
+        </p:txBody>
+      </p:sp>
+    </p:spTree>
+  </p:cSld>
+  <p:clrMapOvr>
+    <a:masterClrMapping/>
+  </p:clrMapOvr>
+  <p:transition spd="med"/>
 </p:sldLayout>
 </file>
 
 <file path=ppt/slideMasters/slideMaster1.xml><?xml version="1.0" encoding="utf-8"?>
-<p:sldMaster xmlns:a="http://schemas.openxmlformats.org/drawingml/2006/main" xmlns:r="http://schemas.openxmlformats.org/officeDocument/2006/relationships" xmlns:p="http://schemas.openxmlformats.org/presentationml/2006/main" xmlns:m="http://schemas.openxmlformats.org/officeDocument/2006/math" xmlns:a14="http://schemas.microsoft.com/office/drawing/2010/main">
+<p:sldMaster xmlns:a="http://schemas.openxmlformats.org/drawingml/2006/main" xmlns:r="http://schemas.openxmlformats.org/officeDocument/2006/relationships" xmlns:p="http://schemas.openxmlformats.org/presentationml/2006/main">
   <p:cSld>
     <p:bg>
       <p:bgPr>
         <a:blipFill rotWithShape="1">
-          <a:blip r:embed="rId2"/>
-          <a:srcRect l="0" t="0" r="0" b="0"/>
+          <a:blip r:embed="rId14"/>
+          <a:srcRect/>
           <a:stretch>
             <a:fillRect/>
           </a:stretch>
         </a:blipFill>
+        <a:effectLst/>
       </p:bgPr>
     </p:bg>
     <p:spTree>
@@ -2107,7 +2204,9 @@
       <p:sp>
         <p:nvSpPr>
           <p:cNvPr id="2" name="Title Text"/>
-          <p:cNvSpPr txBox="1"/>
+          <p:cNvSpPr txBox="1">
+            <a:spLocks noGrp="1"/>
+          </p:cNvSpPr>
           <p:nvPr>
             <p:ph type="title"/>
           </p:nvPr>
@@ -2125,17 +2224,16 @@
           </a:ln>
           <a:extLst>
             <a:ext uri="{C572A759-6A51-4108-AA02-DFA0A04FC94B}">
-              <ma14:wrappingTextBoxFlag xmlns:ma14="http://schemas.microsoft.com/office/mac/drawingml/2011/main" val="1"/>
+              <ma14:wrappingTextBoxFlag xmlns:ma14="http://schemas.microsoft.com/office/mac/drawingml/2011/main" xmlns:a14="http://schemas.microsoft.com/office/drawing/2010/main" xmlns:m="http://schemas.openxmlformats.org/officeDocument/2006/math" xmlns="" val="1"/>
             </a:ext>
           </a:extLst>
         </p:spPr>
         <p:txBody>
           <a:bodyPr lIns="50800" tIns="50800" rIns="50800" bIns="50800" anchor="ctr">
-            <a:normAutofit fontScale="100000" lnSpcReduction="0"/>
+            <a:normAutofit/>
           </a:bodyPr>
           <a:lstStyle/>
           <a:p>
-            <a:pPr/>
             <a:r>
               <a:t>Title Text</a:t>
             </a:r>
@@ -2145,7 +2243,9 @@
       <p:sp>
         <p:nvSpPr>
           <p:cNvPr id="3" name="Body Level One…"/>
-          <p:cNvSpPr txBox="1"/>
+          <p:cNvSpPr txBox="1">
+            <a:spLocks noGrp="1"/>
+          </p:cNvSpPr>
           <p:nvPr>
             <p:ph type="body" idx="1"/>
           </p:nvPr>
@@ -2163,17 +2263,16 @@
           </a:ln>
           <a:extLst>
             <a:ext uri="{C572A759-6A51-4108-AA02-DFA0A04FC94B}">
-              <ma14:wrappingTextBoxFlag xmlns:ma14="http://schemas.microsoft.com/office/mac/drawingml/2011/main" val="1"/>
+              <ma14:wrappingTextBoxFlag xmlns:ma14="http://schemas.microsoft.com/office/mac/drawingml/2011/main" xmlns:a14="http://schemas.microsoft.com/office/drawing/2010/main" xmlns:m="http://schemas.openxmlformats.org/officeDocument/2006/math" xmlns="" val="1"/>
             </a:ext>
           </a:extLst>
         </p:spPr>
         <p:txBody>
           <a:bodyPr lIns="50800" tIns="50800" rIns="50800" bIns="50800" anchor="ctr">
-            <a:normAutofit fontScale="100000" lnSpcReduction="0"/>
+            <a:normAutofit/>
           </a:bodyPr>
           <a:lstStyle/>
           <a:p>
-            <a:pPr/>
             <a:r>
               <a:t>Body Level One</a:t>
             </a:r>
@@ -2207,7 +2306,9 @@
       <p:sp>
         <p:nvSpPr>
           <p:cNvPr id="4" name="Slide Number"/>
-          <p:cNvSpPr txBox="1"/>
+          <p:cNvSpPr txBox="1">
+            <a:spLocks noGrp="1"/>
+          </p:cNvSpPr>
           <p:nvPr>
             <p:ph type="sldNum" sz="quarter" idx="2"/>
           </p:nvPr>
@@ -2234,8 +2335,10 @@
             </a:lvl1pPr>
           </a:lstStyle>
           <a:p>
-            <a:pPr/>
-            <a:fld id="{86CB4B4D-7CA3-9044-876B-883B54F8677D}" type="slidenum"/>
+            <a:fld id="{86CB4B4D-7CA3-9044-876B-883B54F8677D}" type="slidenum">
+              <a:t>‹#›</a:t>
+            </a:fld>
+            <a:endParaRPr/>
           </a:p>
         </p:txBody>
       </p:sp>
@@ -2243,20 +2346,20 @@
   </p:cSld>
   <p:clrMap bg1="lt1" tx1="dk1" bg2="lt2" tx2="dk2" accent1="accent1" accent2="accent2" accent3="accent3" accent4="accent4" accent5="accent5" accent6="accent6" hlink="hlink" folHlink="folHlink"/>
   <p:sldLayoutIdLst>
-    <p:sldLayoutId id="2147483649" r:id="rId3"/>
-    <p:sldLayoutId id="2147483650" r:id="rId4"/>
-    <p:sldLayoutId id="2147483651" r:id="rId5"/>
-    <p:sldLayoutId id="2147483652" r:id="rId6"/>
-    <p:sldLayoutId id="2147483653" r:id="rId7"/>
-    <p:sldLayoutId id="2147483654" r:id="rId8"/>
-    <p:sldLayoutId id="2147483655" r:id="rId9"/>
-    <p:sldLayoutId id="2147483656" r:id="rId10"/>
-    <p:sldLayoutId id="2147483657" r:id="rId11"/>
-    <p:sldLayoutId id="2147483658" r:id="rId12"/>
-    <p:sldLayoutId id="2147483659" r:id="rId13"/>
-    <p:sldLayoutId id="2147483660" r:id="rId14"/>
+    <p:sldLayoutId id="2147483650" r:id="rId1"/>
+    <p:sldLayoutId id="2147483651" r:id="rId2"/>
+    <p:sldLayoutId id="2147483652" r:id="rId3"/>
+    <p:sldLayoutId id="2147483653" r:id="rId4"/>
+    <p:sldLayoutId id="2147483654" r:id="rId5"/>
+    <p:sldLayoutId id="2147483655" r:id="rId6"/>
+    <p:sldLayoutId id="2147483656" r:id="rId7"/>
+    <p:sldLayoutId id="2147483657" r:id="rId8"/>
+    <p:sldLayoutId id="2147483658" r:id="rId9"/>
+    <p:sldLayoutId id="2147483659" r:id="rId10"/>
+    <p:sldLayoutId id="2147483660" r:id="rId11"/>
+    <p:sldLayoutId id="2147483661" r:id="rId12"/>
   </p:sldLayoutIdLst>
-  <p:transition xmlns:p14="http://schemas.microsoft.com/office/powerpoint/2010/main" spd="med" advClick="1"/>
+  <p:transition spd="med"/>
   <p:txStyles>
     <p:titleStyle>
       <a:lvl1pPr marL="0" marR="0" indent="0" algn="ctr" defTabSz="584200" rtl="0" latinLnBrk="0">
@@ -2274,7 +2377,7 @@
         <a:buFontTx/>
         <a:buNone/>
         <a:tabLst/>
-        <a:defRPr b="0" baseline="0" cap="all" i="0" spc="0" strike="noStrike" sz="7200" u="none">
+        <a:defRPr sz="7200" b="0" i="0" u="none" strike="noStrike" cap="all" spc="0" baseline="0">
           <a:ln>
             <a:noFill/>
           </a:ln>
@@ -2303,7 +2406,7 @@
         <a:buFontTx/>
         <a:buNone/>
         <a:tabLst/>
-        <a:defRPr b="0" baseline="0" cap="all" i="0" spc="0" strike="noStrike" sz="7200" u="none">
+        <a:defRPr sz="7200" b="0" i="0" u="none" strike="noStrike" cap="all" spc="0" baseline="0">
           <a:ln>
             <a:noFill/>
           </a:ln>
@@ -2332,7 +2435,7 @@
         <a:buFontTx/>
         <a:buNone/>
         <a:tabLst/>
-        <a:defRPr b="0" baseline="0" cap="all" i="0" spc="0" strike="noStrike" sz="7200" u="none">
+        <a:defRPr sz="7200" b="0" i="0" u="none" strike="noStrike" cap="all" spc="0" baseline="0">
           <a:ln>
             <a:noFill/>
           </a:ln>
@@ -2361,7 +2464,7 @@
         <a:buFontTx/>
         <a:buNone/>
         <a:tabLst/>
-        <a:defRPr b="0" baseline="0" cap="all" i="0" spc="0" strike="noStrike" sz="7200" u="none">
+        <a:defRPr sz="7200" b="0" i="0" u="none" strike="noStrike" cap="all" spc="0" baseline="0">
           <a:ln>
             <a:noFill/>
           </a:ln>
@@ -2390,7 +2493,7 @@
         <a:buFontTx/>
         <a:buNone/>
         <a:tabLst/>
-        <a:defRPr b="0" baseline="0" cap="all" i="0" spc="0" strike="noStrike" sz="7200" u="none">
+        <a:defRPr sz="7200" b="0" i="0" u="none" strike="noStrike" cap="all" spc="0" baseline="0">
           <a:ln>
             <a:noFill/>
           </a:ln>
@@ -2419,7 +2522,7 @@
         <a:buFontTx/>
         <a:buNone/>
         <a:tabLst/>
-        <a:defRPr b="0" baseline="0" cap="all" i="0" spc="0" strike="noStrike" sz="7200" u="none">
+        <a:defRPr sz="7200" b="0" i="0" u="none" strike="noStrike" cap="all" spc="0" baseline="0">
           <a:ln>
             <a:noFill/>
           </a:ln>
@@ -2448,7 +2551,7 @@
         <a:buFontTx/>
         <a:buNone/>
         <a:tabLst/>
-        <a:defRPr b="0" baseline="0" cap="all" i="0" spc="0" strike="noStrike" sz="7200" u="none">
+        <a:defRPr sz="7200" b="0" i="0" u="none" strike="noStrike" cap="all" spc="0" baseline="0">
           <a:ln>
             <a:noFill/>
           </a:ln>
@@ -2477,7 +2580,7 @@
         <a:buFontTx/>
         <a:buNone/>
         <a:tabLst/>
-        <a:defRPr b="0" baseline="0" cap="all" i="0" spc="0" strike="noStrike" sz="7200" u="none">
+        <a:defRPr sz="7200" b="0" i="0" u="none" strike="noStrike" cap="all" spc="0" baseline="0">
           <a:ln>
             <a:noFill/>
           </a:ln>
@@ -2506,7 +2609,7 @@
         <a:buFontTx/>
         <a:buNone/>
         <a:tabLst/>
-        <a:defRPr b="0" baseline="0" cap="all" i="0" spc="0" strike="noStrike" sz="7200" u="none">
+        <a:defRPr sz="7200" b="0" i="0" u="none" strike="noStrike" cap="all" spc="0" baseline="0">
           <a:ln>
             <a:noFill/>
           </a:ln>
@@ -2537,7 +2640,7 @@
         <a:buFontTx/>
         <a:buChar char="•"/>
         <a:tabLst/>
-        <a:defRPr b="0" baseline="0" cap="none" i="0" spc="0" strike="noStrike" sz="3800" u="none">
+        <a:defRPr sz="3800" b="0" i="0" u="none" strike="noStrike" cap="none" spc="0" baseline="0">
           <a:ln>
             <a:noFill/>
           </a:ln>
@@ -2566,7 +2669,7 @@
         <a:buFontTx/>
         <a:buChar char="•"/>
         <a:tabLst/>
-        <a:defRPr b="0" baseline="0" cap="none" i="0" spc="0" strike="noStrike" sz="3800" u="none">
+        <a:defRPr sz="3800" b="0" i="0" u="none" strike="noStrike" cap="none" spc="0" baseline="0">
           <a:ln>
             <a:noFill/>
           </a:ln>
@@ -2595,7 +2698,7 @@
         <a:buFontTx/>
         <a:buChar char="•"/>
         <a:tabLst/>
-        <a:defRPr b="0" baseline="0" cap="none" i="0" spc="0" strike="noStrike" sz="3800" u="none">
+        <a:defRPr sz="3800" b="0" i="0" u="none" strike="noStrike" cap="none" spc="0" baseline="0">
           <a:ln>
             <a:noFill/>
           </a:ln>
@@ -2624,7 +2727,7 @@
         <a:buFontTx/>
         <a:buChar char="•"/>
         <a:tabLst/>
-        <a:defRPr b="0" baseline="0" cap="none" i="0" spc="0" strike="noStrike" sz="3800" u="none">
+        <a:defRPr sz="3800" b="0" i="0" u="none" strike="noStrike" cap="none" spc="0" baseline="0">
           <a:ln>
             <a:noFill/>
           </a:ln>
@@ -2653,7 +2756,7 @@
         <a:buFontTx/>
         <a:buChar char="•"/>
         <a:tabLst/>
-        <a:defRPr b="0" baseline="0" cap="none" i="0" spc="0" strike="noStrike" sz="3800" u="none">
+        <a:defRPr sz="3800" b="0" i="0" u="none" strike="noStrike" cap="none" spc="0" baseline="0">
           <a:ln>
             <a:noFill/>
           </a:ln>
@@ -2682,7 +2785,7 @@
         <a:buFontTx/>
         <a:buChar char="•"/>
         <a:tabLst/>
-        <a:defRPr b="0" baseline="0" cap="none" i="0" spc="0" strike="noStrike" sz="3800" u="none">
+        <a:defRPr sz="3800" b="0" i="0" u="none" strike="noStrike" cap="none" spc="0" baseline="0">
           <a:ln>
             <a:noFill/>
           </a:ln>
@@ -2711,7 +2814,7 @@
         <a:buFontTx/>
         <a:buChar char="•"/>
         <a:tabLst/>
-        <a:defRPr b="0" baseline="0" cap="none" i="0" spc="0" strike="noStrike" sz="3800" u="none">
+        <a:defRPr sz="3800" b="0" i="0" u="none" strike="noStrike" cap="none" spc="0" baseline="0">
           <a:ln>
             <a:noFill/>
           </a:ln>
@@ -2740,7 +2843,7 @@
         <a:buFontTx/>
         <a:buChar char="•"/>
         <a:tabLst/>
-        <a:defRPr b="0" baseline="0" cap="none" i="0" spc="0" strike="noStrike" sz="3800" u="none">
+        <a:defRPr sz="3800" b="0" i="0" u="none" strike="noStrike" cap="none" spc="0" baseline="0">
           <a:ln>
             <a:noFill/>
           </a:ln>
@@ -2769,7 +2872,7 @@
         <a:buFontTx/>
         <a:buChar char="•"/>
         <a:tabLst/>
-        <a:defRPr b="0" baseline="0" cap="none" i="0" spc="0" strike="noStrike" sz="3800" u="none">
+        <a:defRPr sz="3800" b="0" i="0" u="none" strike="noStrike" cap="none" spc="0" baseline="0">
           <a:ln>
             <a:noFill/>
           </a:ln>
@@ -2800,7 +2903,7 @@
         <a:buFontTx/>
         <a:buNone/>
         <a:tabLst/>
-        <a:defRPr b="0" baseline="0" cap="none" i="0" spc="0" strike="noStrike" sz="1800" u="none">
+        <a:defRPr sz="1800" b="0" i="0" u="none" strike="noStrike" cap="none" spc="0" baseline="0">
           <a:ln>
             <a:noFill/>
           </a:ln>
@@ -2829,7 +2932,7 @@
         <a:buFontTx/>
         <a:buNone/>
         <a:tabLst/>
-        <a:defRPr b="0" baseline="0" cap="none" i="0" spc="0" strike="noStrike" sz="1800" u="none">
+        <a:defRPr sz="1800" b="0" i="0" u="none" strike="noStrike" cap="none" spc="0" baseline="0">
           <a:ln>
             <a:noFill/>
           </a:ln>
@@ -2858,7 +2961,7 @@
         <a:buFontTx/>
         <a:buNone/>
         <a:tabLst/>
-        <a:defRPr b="0" baseline="0" cap="none" i="0" spc="0" strike="noStrike" sz="1800" u="none">
+        <a:defRPr sz="1800" b="0" i="0" u="none" strike="noStrike" cap="none" spc="0" baseline="0">
           <a:ln>
             <a:noFill/>
           </a:ln>
@@ -2887,7 +2990,7 @@
         <a:buFontTx/>
         <a:buNone/>
         <a:tabLst/>
-        <a:defRPr b="0" baseline="0" cap="none" i="0" spc="0" strike="noStrike" sz="1800" u="none">
+        <a:defRPr sz="1800" b="0" i="0" u="none" strike="noStrike" cap="none" spc="0" baseline="0">
           <a:ln>
             <a:noFill/>
           </a:ln>
@@ -2916,7 +3019,7 @@
         <a:buFontTx/>
         <a:buNone/>
         <a:tabLst/>
-        <a:defRPr b="0" baseline="0" cap="none" i="0" spc="0" strike="noStrike" sz="1800" u="none">
+        <a:defRPr sz="1800" b="0" i="0" u="none" strike="noStrike" cap="none" spc="0" baseline="0">
           <a:ln>
             <a:noFill/>
           </a:ln>
@@ -2945,7 +3048,7 @@
         <a:buFontTx/>
         <a:buNone/>
         <a:tabLst/>
-        <a:defRPr b="0" baseline="0" cap="none" i="0" spc="0" strike="noStrike" sz="1800" u="none">
+        <a:defRPr sz="1800" b="0" i="0" u="none" strike="noStrike" cap="none" spc="0" baseline="0">
           <a:ln>
             <a:noFill/>
           </a:ln>
@@ -2974,7 +3077,7 @@
         <a:buFontTx/>
         <a:buNone/>
         <a:tabLst/>
-        <a:defRPr b="0" baseline="0" cap="none" i="0" spc="0" strike="noStrike" sz="1800" u="none">
+        <a:defRPr sz="1800" b="0" i="0" u="none" strike="noStrike" cap="none" spc="0" baseline="0">
           <a:ln>
             <a:noFill/>
           </a:ln>
@@ -3003,7 +3106,7 @@
         <a:buFontTx/>
         <a:buNone/>
         <a:tabLst/>
-        <a:defRPr b="0" baseline="0" cap="none" i="0" spc="0" strike="noStrike" sz="1800" u="none">
+        <a:defRPr sz="1800" b="0" i="0" u="none" strike="noStrike" cap="none" spc="0" baseline="0">
           <a:ln>
             <a:noFill/>
           </a:ln>
@@ -3032,7 +3135,7 @@
         <a:buFontTx/>
         <a:buNone/>
         <a:tabLst/>
-        <a:defRPr b="0" baseline="0" cap="none" i="0" spc="0" strike="noStrike" sz="1800" u="none">
+        <a:defRPr sz="1800" b="0" i="0" u="none" strike="noStrike" cap="none" spc="0" baseline="0">
           <a:ln>
             <a:noFill/>
           </a:ln>
@@ -3052,7 +3155,7 @@
 </file>
 
 <file path=ppt/slides/slide1.xml><?xml version="1.0" encoding="utf-8"?>
-<p:sld xmlns:a="http://schemas.openxmlformats.org/drawingml/2006/main" xmlns:r="http://schemas.openxmlformats.org/officeDocument/2006/relationships" xmlns:p="http://schemas.openxmlformats.org/presentationml/2006/main" xmlns:m="http://schemas.openxmlformats.org/officeDocument/2006/math" xmlns:a14="http://schemas.microsoft.com/office/drawing/2010/main" showMasterSp="1" showMasterPhAnim="1">
+<p:sld xmlns:a="http://schemas.openxmlformats.org/drawingml/2006/main" xmlns:r="http://schemas.openxmlformats.org/officeDocument/2006/relationships" xmlns:p="http://schemas.openxmlformats.org/presentationml/2006/main">
   <p:cSld>
     <p:spTree>
       <p:nvGrpSpPr>
@@ -3070,69 +3173,196 @@
       </p:grpSpPr>
       <p:sp>
         <p:nvSpPr>
-          <p:cNvPr id="119" name="Property Investment"/>
-          <p:cNvSpPr txBox="1"/>
+          <p:cNvPr id="9" name="Oval 8"/>
+          <p:cNvSpPr/>
+          <p:nvPr/>
+        </p:nvSpPr>
+        <p:spPr>
+          <a:xfrm>
+            <a:off x="2540000" y="2667000"/>
+            <a:ext cx="7772400" cy="7086600"/>
+          </a:xfrm>
+          <a:prstGeom prst="ellipse">
+            <a:avLst/>
+          </a:prstGeom>
+          <a:solidFill>
+            <a:srgbClr val="FFFFFF"/>
+          </a:solidFill>
+          <a:ln w="12700" cap="flat">
+            <a:noFill/>
+            <a:miter lim="400000"/>
+          </a:ln>
+          <a:effectLst/>
+          <a:sp3d/>
+        </p:spPr>
+        <p:style>
+          <a:lnRef idx="0">
+            <a:scrgbClr r="0" g="0" b="0"/>
+          </a:lnRef>
+          <a:fillRef idx="0">
+            <a:scrgbClr r="0" g="0" b="0"/>
+          </a:fillRef>
+          <a:effectRef idx="0">
+            <a:scrgbClr r="0" g="0" b="0"/>
+          </a:effectRef>
+          <a:fontRef idx="none"/>
+        </p:style>
+        <p:txBody>
+          <a:bodyPr rot="0" spcFirstLastPara="1" vertOverflow="overflow" horzOverflow="overflow" vert="horz" wrap="square" lIns="50800" tIns="50800" rIns="50800" bIns="50800" numCol="1" spcCol="38100" rtlCol="0" anchor="ctr">
+            <a:spAutoFit/>
+          </a:bodyPr>
+          <a:lstStyle/>
+          <a:p>
+            <a:pPr marL="0" marR="0" indent="0" algn="ctr" defTabSz="584200" rtl="0" fontAlgn="auto" latinLnBrk="0" hangingPunct="0">
+              <a:lnSpc>
+                <a:spcPct val="100000"/>
+              </a:lnSpc>
+              <a:spcBef>
+                <a:spcPts val="0"/>
+              </a:spcBef>
+              <a:spcAft>
+                <a:spcPts val="0"/>
+              </a:spcAft>
+              <a:buClrTx/>
+              <a:buSzTx/>
+              <a:buFontTx/>
+              <a:buNone/>
+              <a:tabLst/>
+            </a:pPr>
+            <a:endParaRPr kumimoji="0" lang="en-GB" sz="3600" b="0" i="0" u="none" strike="noStrike" cap="none" spc="0" normalizeH="0" baseline="0">
+              <a:ln>
+                <a:noFill/>
+              </a:ln>
+              <a:solidFill>
+                <a:srgbClr val="FFFFFF"/>
+              </a:solidFill>
+              <a:effectLst/>
+              <a:uFillTx/>
+              <a:latin typeface="+mn-lt"/>
+              <a:ea typeface="+mn-ea"/>
+              <a:cs typeface="+mn-cs"/>
+              <a:sym typeface="Gill Sans Light"/>
+            </a:endParaRPr>
+          </a:p>
+        </p:txBody>
+      </p:sp>
+      <p:sp>
+        <p:nvSpPr>
+          <p:cNvPr id="124" name="Phase 1and 2 - Design and Tasks"/>
+          <p:cNvSpPr txBox="1">
+            <a:spLocks noGrp="1"/>
+          </p:cNvSpPr>
           <p:nvPr>
-            <p:ph type="ctrTitle"/>
+            <p:ph type="body" sz="quarter" idx="1"/>
           </p:nvPr>
         </p:nvSpPr>
         <p:spPr>
+          <a:xfrm>
+            <a:off x="1320800" y="1143000"/>
+            <a:ext cx="10464800" cy="3352800"/>
+          </a:xfrm>
           <a:prstGeom prst="rect">
             <a:avLst/>
           </a:prstGeom>
         </p:spPr>
         <p:txBody>
-          <a:bodyPr/>
+          <a:bodyPr>
+            <a:normAutofit/>
+          </a:bodyPr>
           <a:lstStyle/>
           <a:p>
-            <a:pPr/>
-            <a:r>
-              <a:t>Property Investment</a:t>
-            </a:r>
+            <a:r>
+              <a:rPr lang="en-US" sz="4400" b="1" dirty="0" smtClean="0">
+                <a:latin typeface="Bradley Hand ITC" panose="03070402050302030203" pitchFamily="66" charset="0"/>
+              </a:rPr>
+              <a:t>Cant buy a property TO-LET? </a:t>
+            </a:r>
+            <a:endParaRPr lang="en-US" sz="4400" b="1" dirty="0">
+              <a:latin typeface="Bradley Hand ITC" panose="03070402050302030203" pitchFamily="66" charset="0"/>
+            </a:endParaRPr>
+          </a:p>
+          <a:p>
+            <a:endParaRPr lang="en-US" sz="4400" b="1" dirty="0" smtClean="0">
+              <a:latin typeface="Bradley Hand ITC" panose="03070402050302030203" pitchFamily="66" charset="0"/>
+            </a:endParaRPr>
+          </a:p>
+          <a:p>
+            <a:r>
+              <a:rPr lang="en-US" sz="4400" b="1" dirty="0" smtClean="0">
+                <a:latin typeface="Bradley Hand ITC" panose="03070402050302030203" pitchFamily="66" charset="0"/>
+              </a:rPr>
+              <a:t>Would like some rent ?</a:t>
+            </a:r>
+            <a:endParaRPr sz="4400" b="1" dirty="0">
+              <a:latin typeface="Bradley Hand ITC" panose="03070402050302030203" pitchFamily="66" charset="0"/>
+            </a:endParaRPr>
           </a:p>
         </p:txBody>
       </p:sp>
-      <p:sp>
-        <p:nvSpPr>
-          <p:cNvPr id="120" name="Corda App from Corda Code Club…"/>
-          <p:cNvSpPr txBox="1"/>
-          <p:nvPr>
-            <p:ph type="subTitle" sz="quarter" idx="1"/>
-          </p:nvPr>
-        </p:nvSpPr>
-        <p:spPr>
+      <p:pic>
+        <p:nvPicPr>
+          <p:cNvPr id="2052" name="Picture 4" descr="See the source image"/>
+          <p:cNvPicPr>
+            <a:picLocks noChangeAspect="1" noChangeArrowheads="1"/>
+          </p:cNvPicPr>
+          <p:nvPr/>
+        </p:nvPicPr>
+        <p:blipFill>
+          <a:blip r:embed="rId2">
+            <a:extLst>
+              <a:ext uri="{28A0092B-C50C-407E-A947-70E740481C1C}">
+                <a14:useLocalDpi xmlns:a14="http://schemas.microsoft.com/office/drawing/2010/main" val="0"/>
+              </a:ext>
+            </a:extLst>
+          </a:blip>
+          <a:srcRect/>
+          <a:stretch>
+            <a:fillRect/>
+          </a:stretch>
+        </p:blipFill>
+        <p:spPr bwMode="auto">
+          <a:xfrm>
+            <a:off x="4368800" y="3657600"/>
+            <a:ext cx="4572000" cy="5300663"/>
+          </a:xfrm>
           <a:prstGeom prst="rect">
             <a:avLst/>
           </a:prstGeom>
+          <a:noFill/>
+          <a:extLst>
+            <a:ext uri="{909E8E84-426E-40DD-AFC4-6F175D3DCCD1}">
+              <a14:hiddenFill xmlns:a14="http://schemas.microsoft.com/office/drawing/2010/main">
+                <a:solidFill>
+                  <a:srgbClr val="FFFFFF"/>
+                </a:solidFill>
+              </a14:hiddenFill>
+            </a:ext>
+          </a:extLst>
         </p:spPr>
-        <p:txBody>
-          <a:bodyPr/>
-          <a:lstStyle/>
-          <a:p>
-            <a:pPr/>
-            <a:r>
-              <a:t>Corda App from Corda Code Club</a:t>
-            </a:r>
-          </a:p>
-          <a:p>
-            <a:pPr/>
-            <a:r>
-              <a:t>Daniel, Patrick, Lonnie and Deepa</a:t>
-            </a:r>
-          </a:p>
-        </p:txBody>
-      </p:sp>
+      </p:pic>
     </p:spTree>
+    <p:extLst>
+      <p:ext uri="{BB962C8B-B14F-4D97-AF65-F5344CB8AC3E}">
+        <p14:creationId xmlns:p14="http://schemas.microsoft.com/office/powerpoint/2010/main" val="2176264448"/>
+      </p:ext>
+    </p:extLst>
   </p:cSld>
   <p:clrMapOvr>
     <a:masterClrMapping/>
   </p:clrMapOvr>
-  <p:transition xmlns:p14="http://schemas.microsoft.com/office/powerpoint/2010/main" spd="med" advClick="1"/>
+  <p:transition spd="med"/>
+  <p:timing>
+    <p:tnLst>
+      <p:par>
+        <p:cTn id="1" dur="indefinite" restart="never" nodeType="tmRoot"/>
+      </p:par>
+    </p:tnLst>
+  </p:timing>
 </p:sld>
 </file>
 
-<file path=ppt/slides/slide2.xml><?xml version="1.0" encoding="utf-8"?>
-<p:sld xmlns:a="http://schemas.openxmlformats.org/drawingml/2006/main" xmlns:r="http://schemas.openxmlformats.org/officeDocument/2006/relationships" xmlns:p="http://schemas.openxmlformats.org/presentationml/2006/main" xmlns:m="http://schemas.openxmlformats.org/officeDocument/2006/math" xmlns:a14="http://schemas.microsoft.com/office/drawing/2010/main" showMasterSp="1" showMasterPhAnim="1">
+<file path=ppt/slides/slide10.xml><?xml version="1.0" encoding="utf-8"?>
+<p:sld xmlns:a="http://schemas.openxmlformats.org/drawingml/2006/main" xmlns:r="http://schemas.openxmlformats.org/officeDocument/2006/relationships" xmlns:p="http://schemas.openxmlformats.org/presentationml/2006/main">
   <p:cSld>
     <p:spTree>
       <p:nvGrpSpPr>
@@ -3150,9 +3380,9 @@
       </p:grpSpPr>
       <p:pic>
         <p:nvPicPr>
-          <p:cNvPr id="122" name="house-prices-uk-property-investment-areas-1025796.jpg" descr="house-prices-uk-property-investment-areas-1025796.jpg"/>
+          <p:cNvPr id="132" name="f8b5cb7d-64ab-43fc-8df2-66c7a539d973-2.jpg" descr="f8b5cb7d-64ab-43fc-8df2-66c7a539d973-2.jpg"/>
           <p:cNvPicPr>
-            <a:picLocks noChangeAspect="1"/>
+            <a:picLocks noGrp="1" noChangeAspect="1"/>
           </p:cNvPicPr>
           <p:nvPr>
             <p:ph type="pic" idx="13"/>
@@ -3162,12 +3392,16 @@
           <a:blip r:embed="rId2">
             <a:extLst/>
           </a:blip>
-          <a:srcRect l="0" t="2454" r="0" b="2454"/>
+          <a:srcRect l="63264" r="5808"/>
           <a:stretch>
             <a:fillRect/>
           </a:stretch>
         </p:blipFill>
         <p:spPr>
+          <a:xfrm>
+            <a:off x="7797800" y="2209800"/>
+            <a:ext cx="4953000" cy="5943600"/>
+          </a:xfrm>
           <a:prstGeom prst="rect">
             <a:avLst/>
           </a:prstGeom>
@@ -3175,49 +3409,343 @@
       </p:pic>
       <p:sp>
         <p:nvSpPr>
-          <p:cNvPr id="123" name="Property Investment"/>
-          <p:cNvSpPr txBox="1"/>
+          <p:cNvPr id="133" name="Phase 2…"/>
+          <p:cNvSpPr txBox="1">
+            <a:spLocks noGrp="1"/>
+          </p:cNvSpPr>
           <p:nvPr>
-            <p:ph type="title"/>
+            <p:ph type="body" sz="half" idx="1"/>
           </p:nvPr>
         </p:nvSpPr>
         <p:spPr>
+          <a:xfrm>
+            <a:off x="355600" y="831502"/>
+            <a:ext cx="6985000" cy="7944198"/>
+          </a:xfrm>
           <a:prstGeom prst="rect">
             <a:avLst/>
           </a:prstGeom>
         </p:spPr>
         <p:txBody>
-          <a:bodyPr/>
+          <a:bodyPr>
+            <a:normAutofit fontScale="92500" lnSpcReduction="10000"/>
+          </a:bodyPr>
           <a:lstStyle/>
           <a:p>
-            <a:pPr/>
-            <a:r>
-              <a:t>Property Investment</a:t>
-            </a:r>
-          </a:p>
-        </p:txBody>
-      </p:sp>
-      <p:sp>
-        <p:nvSpPr>
-          <p:cNvPr id="124" name="Phase 1and 2 - Design and Tasks"/>
-          <p:cNvSpPr txBox="1"/>
-          <p:nvPr>
-            <p:ph type="body" sz="quarter" idx="1"/>
-          </p:nvPr>
-        </p:nvSpPr>
-        <p:spPr>
-          <a:prstGeom prst="rect">
-            <a:avLst/>
-          </a:prstGeom>
-        </p:spPr>
-        <p:txBody>
-          <a:bodyPr/>
-          <a:lstStyle/>
-          <a:p>
-            <a:pPr/>
-            <a:r>
-              <a:t>Phase 1and 2 - Design and Tasks</a:t>
-            </a:r>
+            <a:pPr defTabSz="519937">
+              <a:defRPr sz="3382"/>
+            </a:pPr>
+            <a:r>
+              <a:rPr lang="en-US" b="1" dirty="0" smtClean="0">
+                <a:latin typeface="Bradley Hand ITC" panose="03070402050302030203" pitchFamily="66" charset="0"/>
+              </a:rPr>
+              <a:t>Our further expansion plans ..</a:t>
+            </a:r>
+          </a:p>
+          <a:p>
+            <a:pPr defTabSz="519937">
+              <a:defRPr sz="3382"/>
+            </a:pPr>
+            <a:endParaRPr dirty="0">
+              <a:latin typeface="Bradley Hand ITC" panose="03070402050302030203" pitchFamily="66" charset="0"/>
+            </a:endParaRPr>
+          </a:p>
+          <a:p>
+            <a:pPr marL="406908" lvl="8" indent="-203454" defTabSz="519937">
+              <a:spcBef>
+                <a:spcPts val="0"/>
+              </a:spcBef>
+              <a:buClr>
+                <a:srgbClr val="535353"/>
+              </a:buClr>
+              <a:buSzPct val="100000"/>
+              <a:defRPr sz="3382"/>
+            </a:pPr>
+            <a:r>
+              <a:rPr lang="en-US" dirty="0" smtClean="0">
+                <a:latin typeface="Bradley Hand ITC" panose="03070402050302030203" pitchFamily="66" charset="0"/>
+              </a:rPr>
+              <a:t>Verification of property against land registry</a:t>
+            </a:r>
+          </a:p>
+          <a:p>
+            <a:pPr marL="406908" lvl="8" indent="-203454" defTabSz="519937">
+              <a:spcBef>
+                <a:spcPts val="0"/>
+              </a:spcBef>
+              <a:buClr>
+                <a:srgbClr val="535353"/>
+              </a:buClr>
+              <a:buSzPct val="100000"/>
+              <a:defRPr sz="3382"/>
+            </a:pPr>
+            <a:endParaRPr lang="en-US" dirty="0" smtClean="0">
+              <a:latin typeface="Bradley Hand ITC" panose="03070402050302030203" pitchFamily="66" charset="0"/>
+            </a:endParaRPr>
+          </a:p>
+          <a:p>
+            <a:pPr marL="406908" lvl="8" indent="-203454" defTabSz="519937">
+              <a:spcBef>
+                <a:spcPts val="0"/>
+              </a:spcBef>
+              <a:buClr>
+                <a:srgbClr val="535353"/>
+              </a:buClr>
+              <a:buSzPct val="100000"/>
+              <a:defRPr sz="3382"/>
+            </a:pPr>
+            <a:r>
+              <a:rPr dirty="0" smtClean="0">
+                <a:latin typeface="Bradley Hand ITC" panose="03070402050302030203" pitchFamily="66" charset="0"/>
+              </a:rPr>
+              <a:t>Fund </a:t>
+            </a:r>
+            <a:r>
+              <a:rPr dirty="0">
+                <a:latin typeface="Bradley Hand ITC" panose="03070402050302030203" pitchFamily="66" charset="0"/>
+              </a:rPr>
+              <a:t>Manager creates Fund on a set of </a:t>
+            </a:r>
+            <a:r>
+              <a:rPr dirty="0" smtClean="0">
+                <a:latin typeface="Bradley Hand ITC" panose="03070402050302030203" pitchFamily="66" charset="0"/>
+              </a:rPr>
+              <a:t>Properties</a:t>
+            </a:r>
+            <a:endParaRPr lang="en-US" dirty="0" smtClean="0">
+              <a:latin typeface="Bradley Hand ITC" panose="03070402050302030203" pitchFamily="66" charset="0"/>
+            </a:endParaRPr>
+          </a:p>
+          <a:p>
+            <a:pPr marL="406908" lvl="8" indent="-203454" defTabSz="519937">
+              <a:spcBef>
+                <a:spcPts val="0"/>
+              </a:spcBef>
+              <a:buClr>
+                <a:srgbClr val="535353"/>
+              </a:buClr>
+              <a:buSzPct val="100000"/>
+              <a:defRPr sz="3382"/>
+            </a:pPr>
+            <a:endParaRPr sz="3400" dirty="0">
+              <a:latin typeface="Bradley Hand ITC" panose="03070402050302030203" pitchFamily="66" charset="0"/>
+            </a:endParaRPr>
+          </a:p>
+          <a:p>
+            <a:pPr marL="406908" lvl="8" indent="-203454" defTabSz="519937">
+              <a:spcBef>
+                <a:spcPts val="0"/>
+              </a:spcBef>
+              <a:buClr>
+                <a:srgbClr val="535353"/>
+              </a:buClr>
+              <a:buSzPct val="100000"/>
+              <a:defRPr sz="3382" b="1">
+                <a:latin typeface="Gill Sans"/>
+                <a:ea typeface="Gill Sans"/>
+                <a:cs typeface="Gill Sans"/>
+                <a:sym typeface="Gill Sans"/>
+              </a:defRPr>
+            </a:pPr>
+            <a:r>
+              <a:rPr lang="en-US" sz="3400" dirty="0">
+                <a:latin typeface="Bradley Hand ITC" panose="03070402050302030203" pitchFamily="66" charset="0"/>
+              </a:rPr>
+              <a:t>I</a:t>
+            </a:r>
+            <a:r>
+              <a:rPr sz="3400" dirty="0">
+                <a:latin typeface="Bradley Hand ITC" panose="03070402050302030203" pitchFamily="66" charset="0"/>
+              </a:rPr>
+              <a:t>nvite </a:t>
+            </a:r>
+            <a:r>
+              <a:rPr sz="3400" dirty="0">
+                <a:latin typeface="Bradley Hand ITC" panose="03070402050302030203" pitchFamily="66" charset="0"/>
+              </a:rPr>
+              <a:t>bids from Investors </a:t>
+            </a:r>
+            <a:r>
+              <a:rPr lang="en-US" sz="3400" dirty="0">
+                <a:latin typeface="Bradley Hand ITC" panose="03070402050302030203" pitchFamily="66" charset="0"/>
+              </a:rPr>
+              <a:t> </a:t>
+            </a:r>
+          </a:p>
+          <a:p>
+            <a:pPr marL="406908" lvl="8" indent="-203454" defTabSz="519937">
+              <a:spcBef>
+                <a:spcPts val="0"/>
+              </a:spcBef>
+              <a:buClr>
+                <a:srgbClr val="535353"/>
+              </a:buClr>
+              <a:buSzPct val="100000"/>
+              <a:defRPr sz="3382" b="1">
+                <a:latin typeface="Gill Sans"/>
+                <a:ea typeface="Gill Sans"/>
+                <a:cs typeface="Gill Sans"/>
+                <a:sym typeface="Gill Sans"/>
+              </a:defRPr>
+            </a:pPr>
+            <a:endParaRPr sz="3400" dirty="0">
+              <a:latin typeface="Bradley Hand ITC" panose="03070402050302030203" pitchFamily="66" charset="0"/>
+            </a:endParaRPr>
+          </a:p>
+          <a:p>
+            <a:pPr marL="406908" lvl="8" indent="-203454" defTabSz="519937">
+              <a:spcBef>
+                <a:spcPts val="0"/>
+              </a:spcBef>
+              <a:buClr>
+                <a:srgbClr val="535353"/>
+              </a:buClr>
+              <a:buSzPct val="100000"/>
+              <a:defRPr sz="3382" b="1">
+                <a:latin typeface="Gill Sans"/>
+                <a:ea typeface="Gill Sans"/>
+                <a:cs typeface="Gill Sans"/>
+                <a:sym typeface="Gill Sans"/>
+              </a:defRPr>
+            </a:pPr>
+            <a:r>
+              <a:rPr lang="en-US" sz="3400" dirty="0">
+                <a:latin typeface="Bradley Hand ITC" panose="03070402050302030203" pitchFamily="66" charset="0"/>
+              </a:rPr>
+              <a:t>Handle shareholders </a:t>
+            </a:r>
+            <a:r>
+              <a:rPr sz="3400" dirty="0">
+                <a:latin typeface="Bradley Hand ITC" panose="03070402050302030203" pitchFamily="66" charset="0"/>
+              </a:rPr>
+              <a:t>for </a:t>
+            </a:r>
+            <a:r>
+              <a:rPr sz="3400" dirty="0">
+                <a:latin typeface="Bradley Hand ITC" panose="03070402050302030203" pitchFamily="66" charset="0"/>
+              </a:rPr>
+              <a:t>different share </a:t>
+            </a:r>
+            <a:r>
+              <a:rPr sz="3400" dirty="0">
+                <a:latin typeface="Bradley Hand ITC" panose="03070402050302030203" pitchFamily="66" charset="0"/>
+              </a:rPr>
+              <a:t>values</a:t>
+            </a:r>
+            <a:endParaRPr lang="en-US" sz="3400" dirty="0">
+              <a:latin typeface="Bradley Hand ITC" panose="03070402050302030203" pitchFamily="66" charset="0"/>
+            </a:endParaRPr>
+          </a:p>
+          <a:p>
+            <a:pPr marL="406908" lvl="8" indent="-203454" defTabSz="519937">
+              <a:spcBef>
+                <a:spcPts val="0"/>
+              </a:spcBef>
+              <a:buClr>
+                <a:srgbClr val="535353"/>
+              </a:buClr>
+              <a:buSzPct val="100000"/>
+              <a:defRPr sz="3382" b="1">
+                <a:latin typeface="Gill Sans"/>
+                <a:ea typeface="Gill Sans"/>
+                <a:cs typeface="Gill Sans"/>
+                <a:sym typeface="Gill Sans"/>
+              </a:defRPr>
+            </a:pPr>
+            <a:endParaRPr sz="3400" dirty="0">
+              <a:latin typeface="Bradley Hand ITC" panose="03070402050302030203" pitchFamily="66" charset="0"/>
+            </a:endParaRPr>
+          </a:p>
+          <a:p>
+            <a:pPr marL="406908" lvl="8" indent="-203454" defTabSz="519937">
+              <a:spcBef>
+                <a:spcPts val="0"/>
+              </a:spcBef>
+              <a:buClr>
+                <a:srgbClr val="535353"/>
+              </a:buClr>
+              <a:buSzPct val="100000"/>
+              <a:defRPr sz="3382" b="1">
+                <a:latin typeface="Gill Sans"/>
+                <a:ea typeface="Gill Sans"/>
+                <a:cs typeface="Gill Sans"/>
+                <a:sym typeface="Gill Sans"/>
+              </a:defRPr>
+            </a:pPr>
+            <a:r>
+              <a:rPr sz="3400" dirty="0">
+                <a:latin typeface="Bradley Hand ITC" panose="03070402050302030203" pitchFamily="66" charset="0"/>
+              </a:rPr>
+              <a:t>Collects </a:t>
+            </a:r>
+            <a:r>
+              <a:rPr sz="3400" dirty="0">
+                <a:latin typeface="Bradley Hand ITC" panose="03070402050302030203" pitchFamily="66" charset="0"/>
+              </a:rPr>
+              <a:t>Rental </a:t>
+            </a:r>
+            <a:r>
+              <a:rPr sz="3400" dirty="0">
+                <a:latin typeface="Bradley Hand ITC" panose="03070402050302030203" pitchFamily="66" charset="0"/>
+              </a:rPr>
+              <a:t>Income</a:t>
+            </a:r>
+            <a:endParaRPr lang="en-US" sz="3400" dirty="0">
+              <a:latin typeface="Bradley Hand ITC" panose="03070402050302030203" pitchFamily="66" charset="0"/>
+            </a:endParaRPr>
+          </a:p>
+          <a:p>
+            <a:pPr marL="406908" lvl="8" indent="-203454" defTabSz="519937">
+              <a:spcBef>
+                <a:spcPts val="0"/>
+              </a:spcBef>
+              <a:buClr>
+                <a:srgbClr val="535353"/>
+              </a:buClr>
+              <a:buSzPct val="100000"/>
+              <a:defRPr sz="3382" b="1">
+                <a:latin typeface="Gill Sans"/>
+                <a:ea typeface="Gill Sans"/>
+                <a:cs typeface="Gill Sans"/>
+                <a:sym typeface="Gill Sans"/>
+              </a:defRPr>
+            </a:pPr>
+            <a:endParaRPr dirty="0">
+              <a:latin typeface="Bradley Hand ITC" panose="03070402050302030203" pitchFamily="66" charset="0"/>
+            </a:endParaRPr>
+          </a:p>
+          <a:p>
+            <a:pPr marL="406908" lvl="8" indent="-203454" defTabSz="519937">
+              <a:spcBef>
+                <a:spcPts val="0"/>
+              </a:spcBef>
+              <a:buClr>
+                <a:srgbClr val="535353"/>
+              </a:buClr>
+              <a:buSzPct val="100000"/>
+              <a:defRPr sz="3382"/>
+            </a:pPr>
+            <a:r>
+              <a:rPr dirty="0">
+                <a:latin typeface="Bradley Hand ITC" panose="03070402050302030203" pitchFamily="66" charset="0"/>
+              </a:rPr>
+              <a:t>Distributes Dividend to share </a:t>
+            </a:r>
+            <a:r>
+              <a:rPr dirty="0" smtClean="0">
+                <a:latin typeface="Bradley Hand ITC" panose="03070402050302030203" pitchFamily="66" charset="0"/>
+              </a:rPr>
+              <a:t>holders</a:t>
+            </a:r>
+            <a:r>
+              <a:rPr lang="en-US" dirty="0" smtClean="0">
+                <a:latin typeface="Bradley Hand ITC" panose="03070402050302030203" pitchFamily="66" charset="0"/>
+              </a:rPr>
+              <a:t> as per their share</a:t>
+            </a:r>
+            <a:endParaRPr dirty="0">
+              <a:latin typeface="Bradley Hand ITC" panose="03070402050302030203" pitchFamily="66" charset="0"/>
+            </a:endParaRPr>
           </a:p>
         </p:txBody>
       </p:sp>
@@ -3226,12 +3754,19 @@
   <p:clrMapOvr>
     <a:masterClrMapping/>
   </p:clrMapOvr>
-  <p:transition xmlns:p14="http://schemas.microsoft.com/office/powerpoint/2010/main" spd="med" advClick="1"/>
+  <p:transition spd="med"/>
+  <p:timing>
+    <p:tnLst>
+      <p:par>
+        <p:cTn id="1" dur="indefinite" restart="never" nodeType="tmRoot"/>
+      </p:par>
+    </p:tnLst>
+  </p:timing>
 </p:sld>
 </file>
 
-<file path=ppt/slides/slide3.xml><?xml version="1.0" encoding="utf-8"?>
-<p:sld xmlns:a="http://schemas.openxmlformats.org/drawingml/2006/main" xmlns:r="http://schemas.openxmlformats.org/officeDocument/2006/relationships" xmlns:p="http://schemas.openxmlformats.org/presentationml/2006/main" xmlns:m="http://schemas.openxmlformats.org/officeDocument/2006/math" xmlns:a14="http://schemas.microsoft.com/office/drawing/2010/main" showMasterSp="1" showMasterPhAnim="1">
+<file path=ppt/slides/slide11.xml><?xml version="1.0" encoding="utf-8"?>
+<p:sld xmlns:a="http://schemas.openxmlformats.org/drawingml/2006/main" xmlns:r="http://schemas.openxmlformats.org/officeDocument/2006/relationships" xmlns:p="http://schemas.openxmlformats.org/presentationml/2006/main">
   <p:cSld>
     <p:spTree>
       <p:nvGrpSpPr>
@@ -3247,11 +3782,825 @@
           <a:chExt cx="0" cy="0"/>
         </a:xfrm>
       </p:grpSpPr>
+      <p:sp>
+        <p:nvSpPr>
+          <p:cNvPr id="157" name="Phase 2…"/>
+          <p:cNvSpPr txBox="1">
+            <a:spLocks noGrp="1"/>
+          </p:cNvSpPr>
+          <p:nvPr>
+            <p:ph type="body" sz="half" idx="1"/>
+          </p:nvPr>
+        </p:nvSpPr>
+        <p:spPr>
+          <a:xfrm>
+            <a:off x="355600" y="280342"/>
+            <a:ext cx="5892800" cy="8495358"/>
+          </a:xfrm>
+          <a:prstGeom prst="rect">
+            <a:avLst/>
+          </a:prstGeom>
+        </p:spPr>
+        <p:txBody>
+          <a:bodyPr/>
+          <a:lstStyle/>
+          <a:p>
+            <a:r>
+              <a:t>Phase 2</a:t>
+            </a:r>
+          </a:p>
+          <a:p>
+            <a:endParaRPr/>
+          </a:p>
+          <a:p>
+            <a:r>
+              <a:rPr u="sng">
+                <a:hlinkClick r:id="rId2"/>
+              </a:rPr>
+              <a:t>https://github.com/corda/observer-cordapp</a:t>
+            </a:r>
+          </a:p>
+        </p:txBody>
+      </p:sp>
+      <p:pic>
+        <p:nvPicPr>
+          <p:cNvPr id="158" name="bulding.png" descr="bulding.png"/>
+          <p:cNvPicPr>
+            <a:picLocks noChangeAspect="1"/>
+          </p:cNvPicPr>
+          <p:nvPr/>
+        </p:nvPicPr>
+        <p:blipFill>
+          <a:blip r:embed="rId3">
+            <a:extLst/>
+          </a:blip>
+          <a:stretch>
+            <a:fillRect/>
+          </a:stretch>
+        </p:blipFill>
+        <p:spPr>
+          <a:xfrm>
+            <a:off x="6848758" y="7301824"/>
+            <a:ext cx="5216242" cy="1879681"/>
+          </a:xfrm>
+          <a:prstGeom prst="rect">
+            <a:avLst/>
+          </a:prstGeom>
+          <a:ln w="12700">
+            <a:miter lim="400000"/>
+          </a:ln>
+        </p:spPr>
+      </p:pic>
+    </p:spTree>
+  </p:cSld>
+  <p:clrMapOvr>
+    <a:masterClrMapping/>
+  </p:clrMapOvr>
+  <p:transition spd="med"/>
+  <p:timing>
+    <p:tnLst>
+      <p:par>
+        <p:cTn id="1" dur="indefinite" restart="never" nodeType="tmRoot"/>
+      </p:par>
+    </p:tnLst>
+  </p:timing>
+</p:sld>
+</file>
+
+<file path=ppt/slides/slide2.xml><?xml version="1.0" encoding="utf-8"?>
+<p:sld xmlns:a="http://schemas.openxmlformats.org/drawingml/2006/main" xmlns:r="http://schemas.openxmlformats.org/officeDocument/2006/relationships" xmlns:p="http://schemas.openxmlformats.org/presentationml/2006/main">
+  <p:cSld>
+    <p:spTree>
+      <p:nvGrpSpPr>
+        <p:cNvPr id="1" name=""/>
+        <p:cNvGrpSpPr/>
+        <p:nvPr/>
+      </p:nvGrpSpPr>
+      <p:grpSpPr>
+        <a:xfrm>
+          <a:off x="0" y="0"/>
+          <a:ext cx="0" cy="0"/>
+          <a:chOff x="0" y="0"/>
+          <a:chExt cx="0" cy="0"/>
+        </a:xfrm>
+      </p:grpSpPr>
+      <p:sp>
+        <p:nvSpPr>
+          <p:cNvPr id="7" name="Oval 6"/>
+          <p:cNvSpPr/>
+          <p:nvPr/>
+        </p:nvSpPr>
+        <p:spPr>
+          <a:xfrm>
+            <a:off x="2616200" y="1752600"/>
+            <a:ext cx="7772400" cy="7086600"/>
+          </a:xfrm>
+          <a:prstGeom prst="ellipse">
+            <a:avLst/>
+          </a:prstGeom>
+          <a:solidFill>
+            <a:srgbClr val="FFFFFF"/>
+          </a:solidFill>
+          <a:ln w="12700" cap="flat">
+            <a:noFill/>
+            <a:miter lim="400000"/>
+          </a:ln>
+          <a:effectLst/>
+          <a:sp3d/>
+        </p:spPr>
+        <p:style>
+          <a:lnRef idx="0">
+            <a:scrgbClr r="0" g="0" b="0"/>
+          </a:lnRef>
+          <a:fillRef idx="0">
+            <a:scrgbClr r="0" g="0" b="0"/>
+          </a:fillRef>
+          <a:effectRef idx="0">
+            <a:scrgbClr r="0" g="0" b="0"/>
+          </a:effectRef>
+          <a:fontRef idx="none"/>
+        </p:style>
+        <p:txBody>
+          <a:bodyPr rot="0" spcFirstLastPara="1" vertOverflow="overflow" horzOverflow="overflow" vert="horz" wrap="square" lIns="50800" tIns="50800" rIns="50800" bIns="50800" numCol="1" spcCol="38100" rtlCol="0" anchor="ctr">
+            <a:spAutoFit/>
+          </a:bodyPr>
+          <a:lstStyle/>
+          <a:p>
+            <a:pPr marL="0" marR="0" indent="0" algn="ctr" defTabSz="584200" rtl="0" fontAlgn="auto" latinLnBrk="0" hangingPunct="0">
+              <a:lnSpc>
+                <a:spcPct val="100000"/>
+              </a:lnSpc>
+              <a:spcBef>
+                <a:spcPts val="0"/>
+              </a:spcBef>
+              <a:spcAft>
+                <a:spcPts val="0"/>
+              </a:spcAft>
+              <a:buClrTx/>
+              <a:buSzTx/>
+              <a:buFontTx/>
+              <a:buNone/>
+              <a:tabLst/>
+            </a:pPr>
+            <a:endParaRPr kumimoji="0" lang="en-GB" sz="3600" b="0" i="0" u="none" strike="noStrike" cap="none" spc="0" normalizeH="0" baseline="0">
+              <a:ln>
+                <a:noFill/>
+              </a:ln>
+              <a:solidFill>
+                <a:srgbClr val="FFFFFF"/>
+              </a:solidFill>
+              <a:effectLst/>
+              <a:uFillTx/>
+              <a:latin typeface="+mn-lt"/>
+              <a:ea typeface="+mn-ea"/>
+              <a:cs typeface="+mn-cs"/>
+              <a:sym typeface="Gill Sans Light"/>
+            </a:endParaRPr>
+          </a:p>
+        </p:txBody>
+      </p:sp>
+      <p:sp>
+        <p:nvSpPr>
+          <p:cNvPr id="120" name="Corda App from Corda Code Club…"/>
+          <p:cNvSpPr txBox="1">
+            <a:spLocks noGrp="1"/>
+          </p:cNvSpPr>
+          <p:nvPr>
+            <p:ph type="subTitle" sz="quarter" idx="1"/>
+          </p:nvPr>
+        </p:nvSpPr>
+        <p:spPr>
+          <a:xfrm>
+            <a:off x="431800" y="1066800"/>
+            <a:ext cx="12293600" cy="1295400"/>
+          </a:xfrm>
+          <a:prstGeom prst="rect">
+            <a:avLst/>
+          </a:prstGeom>
+        </p:spPr>
+        <p:txBody>
+          <a:bodyPr/>
+          <a:lstStyle/>
+          <a:p>
+            <a:r>
+              <a:rPr lang="en-US" sz="6600" b="1" dirty="0" smtClean="0">
+                <a:latin typeface="Bradley Hand ITC" panose="03070402050302030203" pitchFamily="66" charset="0"/>
+              </a:rPr>
+              <a:t>Awesome Property Fund</a:t>
+            </a:r>
+          </a:p>
+          <a:p>
+            <a:endParaRPr lang="en-US" dirty="0"/>
+          </a:p>
+          <a:p>
+            <a:endParaRPr dirty="0"/>
+          </a:p>
+        </p:txBody>
+      </p:sp>
+      <p:sp>
+        <p:nvSpPr>
+          <p:cNvPr id="6" name="Corda App from Corda Code Club…"/>
+          <p:cNvSpPr txBox="1">
+            <a:spLocks/>
+          </p:cNvSpPr>
+          <p:nvPr/>
+        </p:nvSpPr>
+        <p:spPr>
+          <a:xfrm>
+            <a:off x="203200" y="7543800"/>
+            <a:ext cx="12293600" cy="1295400"/>
+          </a:xfrm>
+          <a:prstGeom prst="rect">
+            <a:avLst/>
+          </a:prstGeom>
+          <a:ln w="12700">
+            <a:miter lim="400000"/>
+          </a:ln>
+          <a:extLst>
+            <a:ext uri="{C572A759-6A51-4108-AA02-DFA0A04FC94B}">
+              <ma14:wrappingTextBoxFlag xmlns:ma14="http://schemas.microsoft.com/office/mac/drawingml/2011/main" xmlns:a14="http://schemas.microsoft.com/office/drawing/2010/main" xmlns:m="http://schemas.openxmlformats.org/officeDocument/2006/math" xmlns="" val="1"/>
+            </a:ext>
+          </a:extLst>
+        </p:spPr>
+        <p:txBody>
+          <a:bodyPr lIns="50800" tIns="50800" rIns="50800" bIns="50800" anchor="t">
+            <a:normAutofit/>
+          </a:bodyPr>
+          <a:lstStyle>
+            <a:lvl1pPr marL="0" marR="0" indent="0" algn="ctr" defTabSz="584200" rtl="0" latinLnBrk="0">
+              <a:lnSpc>
+                <a:spcPct val="100000"/>
+              </a:lnSpc>
+              <a:spcBef>
+                <a:spcPts val="0"/>
+              </a:spcBef>
+              <a:spcAft>
+                <a:spcPts val="0"/>
+              </a:spcAft>
+              <a:buClr>
+                <a:srgbClr val="535353"/>
+              </a:buClr>
+              <a:buSzTx/>
+              <a:buFontTx/>
+              <a:buNone/>
+              <a:tabLst/>
+              <a:defRPr sz="3800" b="0" i="0" u="none" strike="noStrike" cap="none" spc="0" baseline="0">
+                <a:ln>
+                  <a:noFill/>
+                </a:ln>
+                <a:solidFill>
+                  <a:srgbClr val="535353"/>
+                </a:solidFill>
+                <a:uFillTx/>
+                <a:latin typeface="+mn-lt"/>
+                <a:ea typeface="+mn-ea"/>
+                <a:cs typeface="+mn-cs"/>
+                <a:sym typeface="Gill Sans Light"/>
+              </a:defRPr>
+            </a:lvl1pPr>
+            <a:lvl2pPr marL="0" marR="0" indent="0" algn="ctr" defTabSz="584200" rtl="0" latinLnBrk="0">
+              <a:lnSpc>
+                <a:spcPct val="100000"/>
+              </a:lnSpc>
+              <a:spcBef>
+                <a:spcPts val="0"/>
+              </a:spcBef>
+              <a:spcAft>
+                <a:spcPts val="0"/>
+              </a:spcAft>
+              <a:buClr>
+                <a:srgbClr val="535353"/>
+              </a:buClr>
+              <a:buSzTx/>
+              <a:buFontTx/>
+              <a:buNone/>
+              <a:tabLst/>
+              <a:defRPr sz="3800" b="0" i="0" u="none" strike="noStrike" cap="none" spc="0" baseline="0">
+                <a:ln>
+                  <a:noFill/>
+                </a:ln>
+                <a:solidFill>
+                  <a:srgbClr val="535353"/>
+                </a:solidFill>
+                <a:uFillTx/>
+                <a:latin typeface="+mn-lt"/>
+                <a:ea typeface="+mn-ea"/>
+                <a:cs typeface="+mn-cs"/>
+                <a:sym typeface="Gill Sans Light"/>
+              </a:defRPr>
+            </a:lvl2pPr>
+            <a:lvl3pPr marL="0" marR="0" indent="0" algn="ctr" defTabSz="584200" rtl="0" latinLnBrk="0">
+              <a:lnSpc>
+                <a:spcPct val="100000"/>
+              </a:lnSpc>
+              <a:spcBef>
+                <a:spcPts val="0"/>
+              </a:spcBef>
+              <a:spcAft>
+                <a:spcPts val="0"/>
+              </a:spcAft>
+              <a:buClr>
+                <a:srgbClr val="535353"/>
+              </a:buClr>
+              <a:buSzTx/>
+              <a:buFontTx/>
+              <a:buNone/>
+              <a:tabLst/>
+              <a:defRPr sz="3800" b="0" i="0" u="none" strike="noStrike" cap="none" spc="0" baseline="0">
+                <a:ln>
+                  <a:noFill/>
+                </a:ln>
+                <a:solidFill>
+                  <a:srgbClr val="535353"/>
+                </a:solidFill>
+                <a:uFillTx/>
+                <a:latin typeface="+mn-lt"/>
+                <a:ea typeface="+mn-ea"/>
+                <a:cs typeface="+mn-cs"/>
+                <a:sym typeface="Gill Sans Light"/>
+              </a:defRPr>
+            </a:lvl3pPr>
+            <a:lvl4pPr marL="0" marR="0" indent="0" algn="ctr" defTabSz="584200" rtl="0" latinLnBrk="0">
+              <a:lnSpc>
+                <a:spcPct val="100000"/>
+              </a:lnSpc>
+              <a:spcBef>
+                <a:spcPts val="0"/>
+              </a:spcBef>
+              <a:spcAft>
+                <a:spcPts val="0"/>
+              </a:spcAft>
+              <a:buClr>
+                <a:srgbClr val="535353"/>
+              </a:buClr>
+              <a:buSzTx/>
+              <a:buFontTx/>
+              <a:buNone/>
+              <a:tabLst/>
+              <a:defRPr sz="3800" b="0" i="0" u="none" strike="noStrike" cap="none" spc="0" baseline="0">
+                <a:ln>
+                  <a:noFill/>
+                </a:ln>
+                <a:solidFill>
+                  <a:srgbClr val="535353"/>
+                </a:solidFill>
+                <a:uFillTx/>
+                <a:latin typeface="+mn-lt"/>
+                <a:ea typeface="+mn-ea"/>
+                <a:cs typeface="+mn-cs"/>
+                <a:sym typeface="Gill Sans Light"/>
+              </a:defRPr>
+            </a:lvl4pPr>
+            <a:lvl5pPr marL="0" marR="0" indent="0" algn="ctr" defTabSz="584200" rtl="0" latinLnBrk="0">
+              <a:lnSpc>
+                <a:spcPct val="100000"/>
+              </a:lnSpc>
+              <a:spcBef>
+                <a:spcPts val="0"/>
+              </a:spcBef>
+              <a:spcAft>
+                <a:spcPts val="0"/>
+              </a:spcAft>
+              <a:buClr>
+                <a:srgbClr val="535353"/>
+              </a:buClr>
+              <a:buSzTx/>
+              <a:buFontTx/>
+              <a:buNone/>
+              <a:tabLst/>
+              <a:defRPr sz="3800" b="0" i="0" u="none" strike="noStrike" cap="none" spc="0" baseline="0">
+                <a:ln>
+                  <a:noFill/>
+                </a:ln>
+                <a:solidFill>
+                  <a:srgbClr val="535353"/>
+                </a:solidFill>
+                <a:uFillTx/>
+                <a:latin typeface="+mn-lt"/>
+                <a:ea typeface="+mn-ea"/>
+                <a:cs typeface="+mn-cs"/>
+                <a:sym typeface="Gill Sans Light"/>
+              </a:defRPr>
+            </a:lvl5pPr>
+            <a:lvl6pPr marL="2590800" marR="0" indent="-431800" algn="l" defTabSz="584200" rtl="0" latinLnBrk="0">
+              <a:lnSpc>
+                <a:spcPct val="100000"/>
+              </a:lnSpc>
+              <a:spcBef>
+                <a:spcPts val="3800"/>
+              </a:spcBef>
+              <a:spcAft>
+                <a:spcPts val="0"/>
+              </a:spcAft>
+              <a:buClrTx/>
+              <a:buSzPct val="82000"/>
+              <a:buFontTx/>
+              <a:buChar char="•"/>
+              <a:tabLst/>
+              <a:defRPr sz="3800" b="0" i="0" u="none" strike="noStrike" cap="none" spc="0" baseline="0">
+                <a:ln>
+                  <a:noFill/>
+                </a:ln>
+                <a:solidFill>
+                  <a:srgbClr val="535353"/>
+                </a:solidFill>
+                <a:uFillTx/>
+                <a:latin typeface="+mn-lt"/>
+                <a:ea typeface="+mn-ea"/>
+                <a:cs typeface="+mn-cs"/>
+                <a:sym typeface="Gill Sans Light"/>
+              </a:defRPr>
+            </a:lvl6pPr>
+            <a:lvl7pPr marL="3022600" marR="0" indent="-431800" algn="l" defTabSz="584200" rtl="0" latinLnBrk="0">
+              <a:lnSpc>
+                <a:spcPct val="100000"/>
+              </a:lnSpc>
+              <a:spcBef>
+                <a:spcPts val="3800"/>
+              </a:spcBef>
+              <a:spcAft>
+                <a:spcPts val="0"/>
+              </a:spcAft>
+              <a:buClrTx/>
+              <a:buSzPct val="82000"/>
+              <a:buFontTx/>
+              <a:buChar char="•"/>
+              <a:tabLst/>
+              <a:defRPr sz="3800" b="0" i="0" u="none" strike="noStrike" cap="none" spc="0" baseline="0">
+                <a:ln>
+                  <a:noFill/>
+                </a:ln>
+                <a:solidFill>
+                  <a:srgbClr val="535353"/>
+                </a:solidFill>
+                <a:uFillTx/>
+                <a:latin typeface="+mn-lt"/>
+                <a:ea typeface="+mn-ea"/>
+                <a:cs typeface="+mn-cs"/>
+                <a:sym typeface="Gill Sans Light"/>
+              </a:defRPr>
+            </a:lvl7pPr>
+            <a:lvl8pPr marL="3454400" marR="0" indent="-431800" algn="l" defTabSz="584200" rtl="0" latinLnBrk="0">
+              <a:lnSpc>
+                <a:spcPct val="100000"/>
+              </a:lnSpc>
+              <a:spcBef>
+                <a:spcPts val="3800"/>
+              </a:spcBef>
+              <a:spcAft>
+                <a:spcPts val="0"/>
+              </a:spcAft>
+              <a:buClrTx/>
+              <a:buSzPct val="82000"/>
+              <a:buFontTx/>
+              <a:buChar char="•"/>
+              <a:tabLst/>
+              <a:defRPr sz="3800" b="0" i="0" u="none" strike="noStrike" cap="none" spc="0" baseline="0">
+                <a:ln>
+                  <a:noFill/>
+                </a:ln>
+                <a:solidFill>
+                  <a:srgbClr val="535353"/>
+                </a:solidFill>
+                <a:uFillTx/>
+                <a:latin typeface="+mn-lt"/>
+                <a:ea typeface="+mn-ea"/>
+                <a:cs typeface="+mn-cs"/>
+                <a:sym typeface="Gill Sans Light"/>
+              </a:defRPr>
+            </a:lvl8pPr>
+            <a:lvl9pPr marL="3886200" marR="0" indent="-431800" algn="l" defTabSz="584200" rtl="0" latinLnBrk="0">
+              <a:lnSpc>
+                <a:spcPct val="100000"/>
+              </a:lnSpc>
+              <a:spcBef>
+                <a:spcPts val="3800"/>
+              </a:spcBef>
+              <a:spcAft>
+                <a:spcPts val="0"/>
+              </a:spcAft>
+              <a:buClrTx/>
+              <a:buSzPct val="82000"/>
+              <a:buFontTx/>
+              <a:buChar char="•"/>
+              <a:tabLst/>
+              <a:defRPr sz="3800" b="0" i="0" u="none" strike="noStrike" cap="none" spc="0" baseline="0">
+                <a:ln>
+                  <a:noFill/>
+                </a:ln>
+                <a:solidFill>
+                  <a:srgbClr val="535353"/>
+                </a:solidFill>
+                <a:uFillTx/>
+                <a:latin typeface="+mn-lt"/>
+                <a:ea typeface="+mn-ea"/>
+                <a:cs typeface="+mn-cs"/>
+                <a:sym typeface="Gill Sans Light"/>
+              </a:defRPr>
+            </a:lvl9pPr>
+          </a:lstStyle>
+          <a:p>
+            <a:pPr hangingPunct="1"/>
+            <a:r>
+              <a:rPr lang="en-US" sz="2800" b="1" dirty="0" smtClean="0">
+                <a:latin typeface="Bradley Hand ITC" panose="03070402050302030203" pitchFamily="66" charset="0"/>
+              </a:rPr>
+              <a:t>Denzel , Deepa, Lonnie , Patrick, Abel</a:t>
+            </a:r>
+          </a:p>
+          <a:p>
+            <a:pPr hangingPunct="1"/>
+            <a:r>
+              <a:rPr lang="en-US" sz="2800" b="1" dirty="0" smtClean="0">
+                <a:latin typeface="Bradley Hand ITC" panose="03070402050302030203" pitchFamily="66" charset="0"/>
+              </a:rPr>
+              <a:t>(Rajesh, Joel)</a:t>
+            </a:r>
+          </a:p>
+          <a:p>
+            <a:pPr hangingPunct="1"/>
+            <a:endParaRPr lang="en-US" dirty="0" smtClean="0">
+              <a:latin typeface="Bradley Hand ITC" panose="03070402050302030203" pitchFamily="66" charset="0"/>
+            </a:endParaRPr>
+          </a:p>
+          <a:p>
+            <a:pPr hangingPunct="1"/>
+            <a:endParaRPr lang="en-US" dirty="0"/>
+          </a:p>
+        </p:txBody>
+      </p:sp>
+      <p:pic>
+        <p:nvPicPr>
+          <p:cNvPr id="4100" name="Picture 4" descr="See the source image"/>
+          <p:cNvPicPr>
+            <a:picLocks noChangeAspect="1" noChangeArrowheads="1"/>
+          </p:cNvPicPr>
+          <p:nvPr/>
+        </p:nvPicPr>
+        <p:blipFill>
+          <a:blip r:embed="rId2">
+            <a:extLst>
+              <a:ext uri="{28A0092B-C50C-407E-A947-70E740481C1C}">
+                <a14:useLocalDpi xmlns:a14="http://schemas.microsoft.com/office/drawing/2010/main" val="0"/>
+              </a:ext>
+            </a:extLst>
+          </a:blip>
+          <a:srcRect/>
+          <a:stretch>
+            <a:fillRect/>
+          </a:stretch>
+        </p:blipFill>
+        <p:spPr bwMode="auto">
+          <a:xfrm>
+            <a:off x="4445000" y="2667000"/>
+            <a:ext cx="3810000" cy="3810000"/>
+          </a:xfrm>
+          <a:prstGeom prst="rect">
+            <a:avLst/>
+          </a:prstGeom>
+          <a:noFill/>
+          <a:extLst>
+            <a:ext uri="{909E8E84-426E-40DD-AFC4-6F175D3DCCD1}">
+              <a14:hiddenFill xmlns:a14="http://schemas.microsoft.com/office/drawing/2010/main">
+                <a:solidFill>
+                  <a:srgbClr val="FFFFFF"/>
+                </a:solidFill>
+              </a14:hiddenFill>
+            </a:ext>
+          </a:extLst>
+        </p:spPr>
+      </p:pic>
+    </p:spTree>
+    <p:extLst>
+      <p:ext uri="{BB962C8B-B14F-4D97-AF65-F5344CB8AC3E}">
+        <p14:creationId xmlns:p14="http://schemas.microsoft.com/office/powerpoint/2010/main" val="789825927"/>
+      </p:ext>
+    </p:extLst>
+  </p:cSld>
+  <p:clrMapOvr>
+    <a:masterClrMapping/>
+  </p:clrMapOvr>
+  <p:transition spd="med"/>
+  <p:timing>
+    <p:tnLst>
+      <p:par>
+        <p:cTn id="1" dur="indefinite" restart="never" nodeType="tmRoot"/>
+      </p:par>
+    </p:tnLst>
+  </p:timing>
+</p:sld>
+</file>
+
+<file path=ppt/slides/slide3.xml><?xml version="1.0" encoding="utf-8"?>
+<p:sld xmlns:a="http://schemas.openxmlformats.org/drawingml/2006/main" xmlns:r="http://schemas.openxmlformats.org/officeDocument/2006/relationships" xmlns:p="http://schemas.openxmlformats.org/presentationml/2006/main">
+  <p:cSld>
+    <p:spTree>
+      <p:nvGrpSpPr>
+        <p:cNvPr id="1" name=""/>
+        <p:cNvGrpSpPr/>
+        <p:nvPr/>
+      </p:nvGrpSpPr>
+      <p:grpSpPr>
+        <a:xfrm>
+          <a:off x="0" y="0"/>
+          <a:ext cx="0" cy="0"/>
+          <a:chOff x="0" y="0"/>
+          <a:chExt cx="0" cy="0"/>
+        </a:xfrm>
+      </p:grpSpPr>
+      <p:sp>
+        <p:nvSpPr>
+          <p:cNvPr id="124" name="Phase 1and 2 - Design and Tasks"/>
+          <p:cNvSpPr txBox="1">
+            <a:spLocks noGrp="1"/>
+          </p:cNvSpPr>
+          <p:nvPr>
+            <p:ph type="body" sz="quarter" idx="1"/>
+          </p:nvPr>
+        </p:nvSpPr>
+        <p:spPr>
+          <a:xfrm>
+            <a:off x="1549400" y="7010400"/>
+            <a:ext cx="10464800" cy="1130300"/>
+          </a:xfrm>
+          <a:prstGeom prst="rect">
+            <a:avLst/>
+          </a:prstGeom>
+        </p:spPr>
+        <p:txBody>
+          <a:bodyPr>
+            <a:noAutofit/>
+          </a:bodyPr>
+          <a:lstStyle/>
+          <a:p>
+            <a:r>
+              <a:rPr lang="en-US" sz="6600" b="1" dirty="0" smtClean="0">
+                <a:latin typeface="Bradley Hand ITC" panose="03070402050302030203" pitchFamily="66" charset="0"/>
+              </a:rPr>
+              <a:t>Use Case</a:t>
+            </a:r>
+          </a:p>
+          <a:p>
+            <a:r>
+              <a:rPr lang="en-US" sz="4400" b="1" dirty="0" smtClean="0">
+                <a:latin typeface="Bradley Hand ITC" panose="03070402050302030203" pitchFamily="66" charset="0"/>
+              </a:rPr>
+              <a:t>Invest in Property Management Fund</a:t>
+            </a:r>
+            <a:endParaRPr sz="4400" b="1" dirty="0">
+              <a:latin typeface="Bradley Hand ITC" panose="03070402050302030203" pitchFamily="66" charset="0"/>
+            </a:endParaRPr>
+          </a:p>
+        </p:txBody>
+      </p:sp>
+      <p:pic>
+        <p:nvPicPr>
+          <p:cNvPr id="7" name="house-prices-uk-property-investment-areas-1025796.jpg" descr="house-prices-uk-property-investment-areas-1025796.jpg"/>
+          <p:cNvPicPr>
+            <a:picLocks noChangeAspect="1"/>
+          </p:cNvPicPr>
+          <p:nvPr/>
+        </p:nvPicPr>
+        <p:blipFill>
+          <a:blip r:embed="rId2">
+            <a:extLst/>
+          </a:blip>
+          <a:srcRect t="2454" b="2454"/>
+          <a:stretch>
+            <a:fillRect/>
+          </a:stretch>
+        </p:blipFill>
+        <p:spPr>
+          <a:xfrm>
+            <a:off x="1549400" y="1096597"/>
+            <a:ext cx="10058400" cy="5673969"/>
+          </a:xfrm>
+          <a:prstGeom prst="rect">
+            <a:avLst/>
+          </a:prstGeom>
+          <a:ln w="12700">
+            <a:miter lim="400000"/>
+          </a:ln>
+          <a:extLst>
+            <a:ext uri="{C572A759-6A51-4108-AA02-DFA0A04FC94B}">
+              <ma14:wrappingTextBoxFlag xmlns:ma14="http://schemas.microsoft.com/office/mac/drawingml/2011/main" xmlns:a14="http://schemas.microsoft.com/office/drawing/2010/main" xmlns:m="http://schemas.openxmlformats.org/officeDocument/2006/math" xmlns="" val="1"/>
+            </a:ext>
+          </a:extLst>
+        </p:spPr>
+      </p:pic>
+    </p:spTree>
+  </p:cSld>
+  <p:clrMapOvr>
+    <a:masterClrMapping/>
+  </p:clrMapOvr>
+  <p:transition spd="med"/>
+  <p:timing>
+    <p:tnLst>
+      <p:par>
+        <p:cTn id="1" dur="indefinite" restart="never" nodeType="tmRoot"/>
+      </p:par>
+    </p:tnLst>
+  </p:timing>
+</p:sld>
+</file>
+
+<file path=ppt/slides/slide4.xml><?xml version="1.0" encoding="utf-8"?>
+<p:sld xmlns:a="http://schemas.openxmlformats.org/drawingml/2006/main" xmlns:r="http://schemas.openxmlformats.org/officeDocument/2006/relationships" xmlns:p="http://schemas.openxmlformats.org/presentationml/2006/main">
+  <p:cSld>
+    <p:spTree>
+      <p:nvGrpSpPr>
+        <p:cNvPr id="1" name=""/>
+        <p:cNvGrpSpPr/>
+        <p:nvPr/>
+      </p:nvGrpSpPr>
+      <p:grpSpPr>
+        <a:xfrm>
+          <a:off x="0" y="0"/>
+          <a:ext cx="0" cy="0"/>
+          <a:chOff x="0" y="0"/>
+          <a:chExt cx="0" cy="0"/>
+        </a:xfrm>
+      </p:grpSpPr>
+      <p:sp>
+        <p:nvSpPr>
+          <p:cNvPr id="5" name="Oval 4"/>
+          <p:cNvSpPr/>
+          <p:nvPr/>
+        </p:nvSpPr>
+        <p:spPr>
+          <a:xfrm>
+            <a:off x="2921000" y="1752600"/>
+            <a:ext cx="7772400" cy="7086600"/>
+          </a:xfrm>
+          <a:prstGeom prst="ellipse">
+            <a:avLst/>
+          </a:prstGeom>
+          <a:solidFill>
+            <a:srgbClr val="FFFFFF"/>
+          </a:solidFill>
+          <a:ln w="12700" cap="flat">
+            <a:noFill/>
+            <a:miter lim="400000"/>
+          </a:ln>
+          <a:effectLst/>
+          <a:sp3d/>
+        </p:spPr>
+        <p:style>
+          <a:lnRef idx="0">
+            <a:scrgbClr r="0" g="0" b="0"/>
+          </a:lnRef>
+          <a:fillRef idx="0">
+            <a:scrgbClr r="0" g="0" b="0"/>
+          </a:fillRef>
+          <a:effectRef idx="0">
+            <a:scrgbClr r="0" g="0" b="0"/>
+          </a:effectRef>
+          <a:fontRef idx="none"/>
+        </p:style>
+        <p:txBody>
+          <a:bodyPr rot="0" spcFirstLastPara="1" vertOverflow="overflow" horzOverflow="overflow" vert="horz" wrap="square" lIns="50800" tIns="50800" rIns="50800" bIns="50800" numCol="1" spcCol="38100" rtlCol="0" anchor="ctr">
+            <a:spAutoFit/>
+          </a:bodyPr>
+          <a:lstStyle/>
+          <a:p>
+            <a:pPr marL="0" marR="0" indent="0" algn="ctr" defTabSz="584200" rtl="0" fontAlgn="auto" latinLnBrk="0" hangingPunct="0">
+              <a:lnSpc>
+                <a:spcPct val="100000"/>
+              </a:lnSpc>
+              <a:spcBef>
+                <a:spcPts val="0"/>
+              </a:spcBef>
+              <a:spcAft>
+                <a:spcPts val="0"/>
+              </a:spcAft>
+              <a:buClrTx/>
+              <a:buSzTx/>
+              <a:buFontTx/>
+              <a:buNone/>
+              <a:tabLst/>
+            </a:pPr>
+            <a:endParaRPr kumimoji="0" lang="en-GB" sz="3600" b="0" i="0" u="none" strike="noStrike" cap="none" spc="0" normalizeH="0" baseline="0">
+              <a:ln>
+                <a:noFill/>
+              </a:ln>
+              <a:solidFill>
+                <a:srgbClr val="FFFFFF"/>
+              </a:solidFill>
+              <a:effectLst/>
+              <a:uFillTx/>
+              <a:latin typeface="+mn-lt"/>
+              <a:ea typeface="+mn-ea"/>
+              <a:cs typeface="+mn-cs"/>
+              <a:sym typeface="Gill Sans Light"/>
+            </a:endParaRPr>
+          </a:p>
+        </p:txBody>
+      </p:sp>
       <p:pic>
         <p:nvPicPr>
           <p:cNvPr id="126" name="SetWidth350-istock000010774987large1.jpg" descr="SetWidth350-istock000010774987large1.jpg"/>
           <p:cNvPicPr>
-            <a:picLocks noChangeAspect="1"/>
+            <a:picLocks noGrp="1" noChangeAspect="1"/>
           </p:cNvPicPr>
           <p:nvPr>
             <p:ph type="pic" idx="13"/>
@@ -3261,12 +4610,16 @@
           <a:blip r:embed="rId2">
             <a:extLst/>
           </a:blip>
-          <a:srcRect l="24050" t="0" r="24050" b="0"/>
+          <a:srcRect l="24050" r="24050"/>
           <a:stretch>
             <a:fillRect/>
           </a:stretch>
         </p:blipFill>
         <p:spPr>
+          <a:xfrm>
+            <a:off x="4521200" y="2971800"/>
+            <a:ext cx="5175484" cy="4254500"/>
+          </a:xfrm>
           <a:prstGeom prst="rect">
             <a:avLst/>
           </a:prstGeom>
@@ -3275,15 +4628,664 @@
       <p:sp>
         <p:nvSpPr>
           <p:cNvPr id="127" name="Domain Vocabulary…"/>
-          <p:cNvSpPr txBox="1"/>
+          <p:cNvSpPr txBox="1">
+            <a:spLocks noGrp="1"/>
+          </p:cNvSpPr>
           <p:nvPr>
             <p:ph type="body" sz="half" idx="1"/>
           </p:nvPr>
         </p:nvSpPr>
         <p:spPr>
           <a:xfrm>
-            <a:off x="355600" y="577601"/>
-            <a:ext cx="5892800" cy="8198099"/>
+            <a:off x="635000" y="685800"/>
+            <a:ext cx="10744200" cy="1022599"/>
+          </a:xfrm>
+          <a:prstGeom prst="rect">
+            <a:avLst/>
+          </a:prstGeom>
+        </p:spPr>
+        <p:txBody>
+          <a:bodyPr>
+            <a:normAutofit/>
+          </a:bodyPr>
+          <a:lstStyle/>
+          <a:p>
+            <a:r>
+              <a:rPr sz="4400" b="1" dirty="0">
+                <a:latin typeface="Bradley Hand ITC" panose="03070402050302030203" pitchFamily="66" charset="0"/>
+              </a:rPr>
+              <a:t>Domain </a:t>
+            </a:r>
+            <a:r>
+              <a:rPr sz="4400" b="1" dirty="0" smtClean="0">
+                <a:latin typeface="Bradley Hand ITC" panose="03070402050302030203" pitchFamily="66" charset="0"/>
+              </a:rPr>
+              <a:t>Vocabulary</a:t>
+            </a:r>
+            <a:r>
+              <a:rPr lang="en-US" sz="4400" b="1" dirty="0" smtClean="0">
+                <a:latin typeface="Bradley Hand ITC" panose="03070402050302030203" pitchFamily="66" charset="0"/>
+              </a:rPr>
+              <a:t> : PROPERTY</a:t>
+            </a:r>
+            <a:endParaRPr sz="4400" b="1" dirty="0">
+              <a:latin typeface="Bradley Hand ITC" panose="03070402050302030203" pitchFamily="66" charset="0"/>
+            </a:endParaRPr>
+          </a:p>
+          <a:p>
+            <a:endParaRPr dirty="0">
+              <a:latin typeface="Bradley Hand ITC" panose="03070402050302030203" pitchFamily="66" charset="0"/>
+            </a:endParaRPr>
+          </a:p>
+          <a:p>
+            <a:endParaRPr dirty="0">
+              <a:latin typeface="Bradley Hand ITC" panose="03070402050302030203" pitchFamily="66" charset="0"/>
+            </a:endParaRPr>
+          </a:p>
+          <a:p>
+            <a:pPr marL="0" lvl="8" indent="0">
+              <a:spcBef>
+                <a:spcPts val="0"/>
+              </a:spcBef>
+              <a:buClr>
+                <a:srgbClr val="535353"/>
+              </a:buClr>
+              <a:buSzPct val="100000"/>
+              <a:buNone/>
+            </a:pPr>
+            <a:endParaRPr dirty="0">
+              <a:latin typeface="Bradley Hand ITC" panose="03070402050302030203" pitchFamily="66" charset="0"/>
+            </a:endParaRPr>
+          </a:p>
+        </p:txBody>
+      </p:sp>
+    </p:spTree>
+  </p:cSld>
+  <p:clrMapOvr>
+    <a:masterClrMapping/>
+  </p:clrMapOvr>
+  <p:transition spd="med"/>
+  <p:timing>
+    <p:tnLst>
+      <p:par>
+        <p:cTn id="1" dur="indefinite" restart="never" nodeType="tmRoot"/>
+      </p:par>
+    </p:tnLst>
+  </p:timing>
+</p:sld>
+</file>
+
+<file path=ppt/slides/slide5.xml><?xml version="1.0" encoding="utf-8"?>
+<p:sld xmlns:a="http://schemas.openxmlformats.org/drawingml/2006/main" xmlns:r="http://schemas.openxmlformats.org/officeDocument/2006/relationships" xmlns:p="http://schemas.openxmlformats.org/presentationml/2006/main">
+  <p:cSld>
+    <p:spTree>
+      <p:nvGrpSpPr>
+        <p:cNvPr id="1" name=""/>
+        <p:cNvGrpSpPr/>
+        <p:nvPr/>
+      </p:nvGrpSpPr>
+      <p:grpSpPr>
+        <a:xfrm>
+          <a:off x="0" y="0"/>
+          <a:ext cx="0" cy="0"/>
+          <a:chOff x="0" y="0"/>
+          <a:chExt cx="0" cy="0"/>
+        </a:xfrm>
+      </p:grpSpPr>
+      <p:sp>
+        <p:nvSpPr>
+          <p:cNvPr id="9" name="Oval 8"/>
+          <p:cNvSpPr/>
+          <p:nvPr/>
+        </p:nvSpPr>
+        <p:spPr>
+          <a:xfrm>
+            <a:off x="2921000" y="1752600"/>
+            <a:ext cx="7772400" cy="7086600"/>
+          </a:xfrm>
+          <a:prstGeom prst="ellipse">
+            <a:avLst/>
+          </a:prstGeom>
+          <a:solidFill>
+            <a:srgbClr val="FFFFFF"/>
+          </a:solidFill>
+          <a:ln w="12700" cap="flat">
+            <a:noFill/>
+            <a:miter lim="400000"/>
+          </a:ln>
+          <a:effectLst/>
+          <a:sp3d/>
+        </p:spPr>
+        <p:style>
+          <a:lnRef idx="0">
+            <a:scrgbClr r="0" g="0" b="0"/>
+          </a:lnRef>
+          <a:fillRef idx="0">
+            <a:scrgbClr r="0" g="0" b="0"/>
+          </a:fillRef>
+          <a:effectRef idx="0">
+            <a:scrgbClr r="0" g="0" b="0"/>
+          </a:effectRef>
+          <a:fontRef idx="none"/>
+        </p:style>
+        <p:txBody>
+          <a:bodyPr rot="0" spcFirstLastPara="1" vertOverflow="overflow" horzOverflow="overflow" vert="horz" wrap="square" lIns="50800" tIns="50800" rIns="50800" bIns="50800" numCol="1" spcCol="38100" rtlCol="0" anchor="ctr">
+            <a:spAutoFit/>
+          </a:bodyPr>
+          <a:lstStyle/>
+          <a:p>
+            <a:pPr marL="0" marR="0" indent="0" algn="ctr" defTabSz="584200" rtl="0" fontAlgn="auto" latinLnBrk="0" hangingPunct="0">
+              <a:lnSpc>
+                <a:spcPct val="100000"/>
+              </a:lnSpc>
+              <a:spcBef>
+                <a:spcPts val="0"/>
+              </a:spcBef>
+              <a:spcAft>
+                <a:spcPts val="0"/>
+              </a:spcAft>
+              <a:buClrTx/>
+              <a:buSzTx/>
+              <a:buFontTx/>
+              <a:buNone/>
+              <a:tabLst/>
+            </a:pPr>
+            <a:endParaRPr kumimoji="0" lang="en-GB" sz="3600" b="0" i="0" u="none" strike="noStrike" cap="none" spc="0" normalizeH="0" baseline="0">
+              <a:ln>
+                <a:noFill/>
+              </a:ln>
+              <a:solidFill>
+                <a:srgbClr val="FFFFFF"/>
+              </a:solidFill>
+              <a:effectLst/>
+              <a:uFillTx/>
+              <a:latin typeface="+mn-lt"/>
+              <a:ea typeface="+mn-ea"/>
+              <a:cs typeface="+mn-cs"/>
+              <a:sym typeface="Gill Sans Light"/>
+            </a:endParaRPr>
+          </a:p>
+        </p:txBody>
+      </p:sp>
+      <p:sp>
+        <p:nvSpPr>
+          <p:cNvPr id="7" name="Domain Vocabulary…"/>
+          <p:cNvSpPr txBox="1">
+            <a:spLocks noGrp="1"/>
+          </p:cNvSpPr>
+          <p:nvPr>
+            <p:ph type="body" sz="half" idx="1"/>
+          </p:nvPr>
+        </p:nvSpPr>
+        <p:spPr>
+          <a:xfrm>
+            <a:off x="635000" y="685800"/>
+            <a:ext cx="10591800" cy="1022599"/>
+          </a:xfrm>
+          <a:prstGeom prst="rect">
+            <a:avLst/>
+          </a:prstGeom>
+        </p:spPr>
+        <p:txBody>
+          <a:bodyPr>
+            <a:normAutofit/>
+          </a:bodyPr>
+          <a:lstStyle/>
+          <a:p>
+            <a:r>
+              <a:rPr sz="4400" b="1" dirty="0">
+                <a:latin typeface="Bradley Hand ITC" panose="03070402050302030203" pitchFamily="66" charset="0"/>
+              </a:rPr>
+              <a:t>Domain </a:t>
+            </a:r>
+            <a:r>
+              <a:rPr sz="4400" b="1" dirty="0" smtClean="0">
+                <a:latin typeface="Bradley Hand ITC" panose="03070402050302030203" pitchFamily="66" charset="0"/>
+              </a:rPr>
+              <a:t>Vocabulary</a:t>
+            </a:r>
+            <a:r>
+              <a:rPr lang="en-US" sz="4400" b="1" dirty="0" smtClean="0">
+                <a:latin typeface="Bradley Hand ITC" panose="03070402050302030203" pitchFamily="66" charset="0"/>
+              </a:rPr>
+              <a:t> : FUND MANAGER</a:t>
+            </a:r>
+            <a:endParaRPr sz="4400" b="1" dirty="0">
+              <a:latin typeface="Bradley Hand ITC" panose="03070402050302030203" pitchFamily="66" charset="0"/>
+            </a:endParaRPr>
+          </a:p>
+          <a:p>
+            <a:endParaRPr dirty="0">
+              <a:latin typeface="Bradley Hand ITC" panose="03070402050302030203" pitchFamily="66" charset="0"/>
+            </a:endParaRPr>
+          </a:p>
+          <a:p>
+            <a:endParaRPr dirty="0">
+              <a:latin typeface="Bradley Hand ITC" panose="03070402050302030203" pitchFamily="66" charset="0"/>
+            </a:endParaRPr>
+          </a:p>
+          <a:p>
+            <a:pPr marL="0" lvl="8" indent="0">
+              <a:spcBef>
+                <a:spcPts val="0"/>
+              </a:spcBef>
+              <a:buClr>
+                <a:srgbClr val="535353"/>
+              </a:buClr>
+              <a:buSzPct val="100000"/>
+              <a:buNone/>
+            </a:pPr>
+            <a:endParaRPr dirty="0">
+              <a:latin typeface="Bradley Hand ITC" panose="03070402050302030203" pitchFamily="66" charset="0"/>
+            </a:endParaRPr>
+          </a:p>
+        </p:txBody>
+      </p:sp>
+      <p:pic>
+        <p:nvPicPr>
+          <p:cNvPr id="3074" name="Picture 2" descr="See the source image"/>
+          <p:cNvPicPr>
+            <a:picLocks noChangeAspect="1" noChangeArrowheads="1"/>
+          </p:cNvPicPr>
+          <p:nvPr/>
+        </p:nvPicPr>
+        <p:blipFill>
+          <a:blip r:embed="rId2">
+            <a:extLst>
+              <a:ext uri="{28A0092B-C50C-407E-A947-70E740481C1C}">
+                <a14:useLocalDpi xmlns:a14="http://schemas.microsoft.com/office/drawing/2010/main" val="0"/>
+              </a:ext>
+            </a:extLst>
+          </a:blip>
+          <a:srcRect/>
+          <a:stretch>
+            <a:fillRect/>
+          </a:stretch>
+        </p:blipFill>
+        <p:spPr bwMode="auto">
+          <a:xfrm>
+            <a:off x="4368800" y="3276600"/>
+            <a:ext cx="4397225" cy="3657600"/>
+          </a:xfrm>
+          <a:prstGeom prst="rect">
+            <a:avLst/>
+          </a:prstGeom>
+          <a:noFill/>
+          <a:extLst>
+            <a:ext uri="{909E8E84-426E-40DD-AFC4-6F175D3DCCD1}">
+              <a14:hiddenFill xmlns:a14="http://schemas.microsoft.com/office/drawing/2010/main">
+                <a:solidFill>
+                  <a:srgbClr val="FFFFFF"/>
+                </a:solidFill>
+              </a14:hiddenFill>
+            </a:ext>
+          </a:extLst>
+        </p:spPr>
+      </p:pic>
+    </p:spTree>
+    <p:extLst>
+      <p:ext uri="{BB962C8B-B14F-4D97-AF65-F5344CB8AC3E}">
+        <p14:creationId xmlns:p14="http://schemas.microsoft.com/office/powerpoint/2010/main" val="2310550196"/>
+      </p:ext>
+    </p:extLst>
+  </p:cSld>
+  <p:clrMapOvr>
+    <a:masterClrMapping/>
+  </p:clrMapOvr>
+  <p:transition spd="med"/>
+  <p:timing>
+    <p:tnLst>
+      <p:par>
+        <p:cTn id="1" dur="indefinite" restart="never" nodeType="tmRoot"/>
+      </p:par>
+    </p:tnLst>
+  </p:timing>
+</p:sld>
+</file>
+
+<file path=ppt/slides/slide6.xml><?xml version="1.0" encoding="utf-8"?>
+<p:sld xmlns:a="http://schemas.openxmlformats.org/drawingml/2006/main" xmlns:r="http://schemas.openxmlformats.org/officeDocument/2006/relationships" xmlns:p="http://schemas.openxmlformats.org/presentationml/2006/main">
+  <p:cSld>
+    <p:spTree>
+      <p:nvGrpSpPr>
+        <p:cNvPr id="1" name=""/>
+        <p:cNvGrpSpPr/>
+        <p:nvPr/>
+      </p:nvGrpSpPr>
+      <p:grpSpPr>
+        <a:xfrm>
+          <a:off x="0" y="0"/>
+          <a:ext cx="0" cy="0"/>
+          <a:chOff x="0" y="0"/>
+          <a:chExt cx="0" cy="0"/>
+        </a:xfrm>
+      </p:grpSpPr>
+      <p:sp>
+        <p:nvSpPr>
+          <p:cNvPr id="10" name="Oval 9"/>
+          <p:cNvSpPr/>
+          <p:nvPr/>
+        </p:nvSpPr>
+        <p:spPr>
+          <a:xfrm>
+            <a:off x="2921000" y="1752600"/>
+            <a:ext cx="7772400" cy="7086600"/>
+          </a:xfrm>
+          <a:prstGeom prst="ellipse">
+            <a:avLst/>
+          </a:prstGeom>
+          <a:solidFill>
+            <a:srgbClr val="FFFFFF"/>
+          </a:solidFill>
+          <a:ln w="12700" cap="flat">
+            <a:noFill/>
+            <a:miter lim="400000"/>
+          </a:ln>
+          <a:effectLst/>
+          <a:sp3d/>
+        </p:spPr>
+        <p:style>
+          <a:lnRef idx="0">
+            <a:scrgbClr r="0" g="0" b="0"/>
+          </a:lnRef>
+          <a:fillRef idx="0">
+            <a:scrgbClr r="0" g="0" b="0"/>
+          </a:fillRef>
+          <a:effectRef idx="0">
+            <a:scrgbClr r="0" g="0" b="0"/>
+          </a:effectRef>
+          <a:fontRef idx="none"/>
+        </p:style>
+        <p:txBody>
+          <a:bodyPr rot="0" spcFirstLastPara="1" vertOverflow="overflow" horzOverflow="overflow" vert="horz" wrap="square" lIns="50800" tIns="50800" rIns="50800" bIns="50800" numCol="1" spcCol="38100" rtlCol="0" anchor="ctr">
+            <a:spAutoFit/>
+          </a:bodyPr>
+          <a:lstStyle/>
+          <a:p>
+            <a:pPr marL="0" marR="0" indent="0" algn="ctr" defTabSz="584200" rtl="0" fontAlgn="auto" latinLnBrk="0" hangingPunct="0">
+              <a:lnSpc>
+                <a:spcPct val="100000"/>
+              </a:lnSpc>
+              <a:spcBef>
+                <a:spcPts val="0"/>
+              </a:spcBef>
+              <a:spcAft>
+                <a:spcPts val="0"/>
+              </a:spcAft>
+              <a:buClrTx/>
+              <a:buSzTx/>
+              <a:buFontTx/>
+              <a:buNone/>
+              <a:tabLst/>
+            </a:pPr>
+            <a:endParaRPr kumimoji="0" lang="en-GB" sz="3600" b="0" i="0" u="none" strike="noStrike" cap="none" spc="0" normalizeH="0" baseline="0">
+              <a:ln>
+                <a:noFill/>
+              </a:ln>
+              <a:solidFill>
+                <a:srgbClr val="FFFFFF"/>
+              </a:solidFill>
+              <a:effectLst/>
+              <a:uFillTx/>
+              <a:latin typeface="+mn-lt"/>
+              <a:ea typeface="+mn-ea"/>
+              <a:cs typeface="+mn-cs"/>
+              <a:sym typeface="Gill Sans Light"/>
+            </a:endParaRPr>
+          </a:p>
+        </p:txBody>
+      </p:sp>
+      <p:sp>
+        <p:nvSpPr>
+          <p:cNvPr id="7" name="Domain Vocabulary…"/>
+          <p:cNvSpPr txBox="1">
+            <a:spLocks noGrp="1"/>
+          </p:cNvSpPr>
+          <p:nvPr>
+            <p:ph type="body" sz="half" idx="1"/>
+          </p:nvPr>
+        </p:nvSpPr>
+        <p:spPr>
+          <a:xfrm>
+            <a:off x="635000" y="685800"/>
+            <a:ext cx="11506200" cy="1022599"/>
+          </a:xfrm>
+          <a:prstGeom prst="rect">
+            <a:avLst/>
+          </a:prstGeom>
+        </p:spPr>
+        <p:txBody>
+          <a:bodyPr>
+            <a:normAutofit/>
+          </a:bodyPr>
+          <a:lstStyle/>
+          <a:p>
+            <a:r>
+              <a:rPr sz="4400" b="1" dirty="0">
+                <a:latin typeface="Bradley Hand ITC" panose="03070402050302030203" pitchFamily="66" charset="0"/>
+              </a:rPr>
+              <a:t>Domain </a:t>
+            </a:r>
+            <a:r>
+              <a:rPr sz="4400" b="1" dirty="0" smtClean="0">
+                <a:latin typeface="Bradley Hand ITC" panose="03070402050302030203" pitchFamily="66" charset="0"/>
+              </a:rPr>
+              <a:t>Vocabulary</a:t>
+            </a:r>
+            <a:r>
+              <a:rPr lang="en-US" sz="4400" b="1" dirty="0" smtClean="0">
+                <a:latin typeface="Bradley Hand ITC" panose="03070402050302030203" pitchFamily="66" charset="0"/>
+              </a:rPr>
+              <a:t> : INVESTORS</a:t>
+            </a:r>
+            <a:endParaRPr sz="4400" b="1" dirty="0">
+              <a:latin typeface="Bradley Hand ITC" panose="03070402050302030203" pitchFamily="66" charset="0"/>
+            </a:endParaRPr>
+          </a:p>
+          <a:p>
+            <a:endParaRPr dirty="0">
+              <a:latin typeface="Bradley Hand ITC" panose="03070402050302030203" pitchFamily="66" charset="0"/>
+            </a:endParaRPr>
+          </a:p>
+          <a:p>
+            <a:endParaRPr dirty="0">
+              <a:latin typeface="Bradley Hand ITC" panose="03070402050302030203" pitchFamily="66" charset="0"/>
+            </a:endParaRPr>
+          </a:p>
+          <a:p>
+            <a:pPr marL="0" lvl="8" indent="0">
+              <a:spcBef>
+                <a:spcPts val="0"/>
+              </a:spcBef>
+              <a:buClr>
+                <a:srgbClr val="535353"/>
+              </a:buClr>
+              <a:buSzPct val="100000"/>
+              <a:buNone/>
+            </a:pPr>
+            <a:endParaRPr dirty="0">
+              <a:latin typeface="Bradley Hand ITC" panose="03070402050302030203" pitchFamily="66" charset="0"/>
+            </a:endParaRPr>
+          </a:p>
+        </p:txBody>
+      </p:sp>
+      <p:pic>
+        <p:nvPicPr>
+          <p:cNvPr id="9" name="Picture 2" descr="See the source image"/>
+          <p:cNvPicPr>
+            <a:picLocks noChangeAspect="1" noChangeArrowheads="1"/>
+          </p:cNvPicPr>
+          <p:nvPr/>
+        </p:nvPicPr>
+        <p:blipFill>
+          <a:blip r:embed="rId2">
+            <a:extLst>
+              <a:ext uri="{BEBA8EAE-BF5A-486C-A8C5-ECC9F3942E4B}">
+                <a14:imgProps xmlns:a14="http://schemas.microsoft.com/office/drawing/2010/main">
+                  <a14:imgLayer r:embed="rId3">
+                    <a14:imgEffect>
+                      <a14:sharpenSoften amount="-50000"/>
+                    </a14:imgEffect>
+                  </a14:imgLayer>
+                </a14:imgProps>
+              </a:ext>
+              <a:ext uri="{28A0092B-C50C-407E-A947-70E740481C1C}">
+                <a14:useLocalDpi xmlns:a14="http://schemas.microsoft.com/office/drawing/2010/main" val="0"/>
+              </a:ext>
+            </a:extLst>
+          </a:blip>
+          <a:srcRect/>
+          <a:stretch>
+            <a:fillRect/>
+          </a:stretch>
+        </p:blipFill>
+        <p:spPr bwMode="auto">
+          <a:xfrm>
+            <a:off x="3702050" y="3302000"/>
+            <a:ext cx="5295900" cy="3438525"/>
+          </a:xfrm>
+          <a:prstGeom prst="rect">
+            <a:avLst/>
+          </a:prstGeom>
+          <a:noFill/>
+          <a:extLst>
+            <a:ext uri="{909E8E84-426E-40DD-AFC4-6F175D3DCCD1}">
+              <a14:hiddenFill xmlns:a14="http://schemas.microsoft.com/office/drawing/2010/main">
+                <a:solidFill>
+                  <a:srgbClr val="FFFFFF"/>
+                </a:solidFill>
+              </a14:hiddenFill>
+            </a:ext>
+          </a:extLst>
+        </p:spPr>
+      </p:pic>
+    </p:spTree>
+    <p:extLst>
+      <p:ext uri="{BB962C8B-B14F-4D97-AF65-F5344CB8AC3E}">
+        <p14:creationId xmlns:p14="http://schemas.microsoft.com/office/powerpoint/2010/main" val="3499416936"/>
+      </p:ext>
+    </p:extLst>
+  </p:cSld>
+  <p:clrMapOvr>
+    <a:masterClrMapping/>
+  </p:clrMapOvr>
+  <p:transition spd="med"/>
+  <p:timing>
+    <p:tnLst>
+      <p:par>
+        <p:cTn id="1" dur="indefinite" restart="never" nodeType="tmRoot"/>
+      </p:par>
+    </p:tnLst>
+  </p:timing>
+</p:sld>
+</file>
+
+<file path=ppt/slides/slide7.xml><?xml version="1.0" encoding="utf-8"?>
+<p:sld xmlns:a="http://schemas.openxmlformats.org/drawingml/2006/main" xmlns:r="http://schemas.openxmlformats.org/officeDocument/2006/relationships" xmlns:p="http://schemas.openxmlformats.org/presentationml/2006/main">
+  <p:cSld>
+    <p:spTree>
+      <p:nvGrpSpPr>
+        <p:cNvPr id="1" name=""/>
+        <p:cNvGrpSpPr/>
+        <p:nvPr/>
+      </p:nvGrpSpPr>
+      <p:grpSpPr>
+        <a:xfrm>
+          <a:off x="0" y="0"/>
+          <a:ext cx="0" cy="0"/>
+          <a:chOff x="0" y="0"/>
+          <a:chExt cx="0" cy="0"/>
+        </a:xfrm>
+      </p:grpSpPr>
+      <p:sp>
+        <p:nvSpPr>
+          <p:cNvPr id="2" name="Oval 1"/>
+          <p:cNvSpPr/>
+          <p:nvPr/>
+        </p:nvSpPr>
+        <p:spPr>
+          <a:xfrm>
+            <a:off x="2159000" y="1981200"/>
+            <a:ext cx="10058400" cy="7086600"/>
+          </a:xfrm>
+          <a:prstGeom prst="ellipse">
+            <a:avLst/>
+          </a:prstGeom>
+          <a:solidFill>
+            <a:srgbClr val="FFFFFF"/>
+          </a:solidFill>
+          <a:ln w="12700" cap="flat">
+            <a:noFill/>
+            <a:miter lim="400000"/>
+          </a:ln>
+          <a:effectLst/>
+          <a:sp3d/>
+        </p:spPr>
+        <p:style>
+          <a:lnRef idx="0">
+            <a:scrgbClr r="0" g="0" b="0"/>
+          </a:lnRef>
+          <a:fillRef idx="0">
+            <a:scrgbClr r="0" g="0" b="0"/>
+          </a:fillRef>
+          <a:effectRef idx="0">
+            <a:scrgbClr r="0" g="0" b="0"/>
+          </a:effectRef>
+          <a:fontRef idx="none"/>
+        </p:style>
+        <p:txBody>
+          <a:bodyPr rot="0" spcFirstLastPara="1" vertOverflow="overflow" horzOverflow="overflow" vert="horz" wrap="square" lIns="50800" tIns="50800" rIns="50800" bIns="50800" numCol="1" spcCol="38100" rtlCol="0" anchor="ctr">
+            <a:spAutoFit/>
+          </a:bodyPr>
+          <a:lstStyle/>
+          <a:p>
+            <a:pPr marL="0" marR="0" indent="0" algn="ctr" defTabSz="584200" rtl="0" fontAlgn="auto" latinLnBrk="0" hangingPunct="0">
+              <a:lnSpc>
+                <a:spcPct val="100000"/>
+              </a:lnSpc>
+              <a:spcBef>
+                <a:spcPts val="0"/>
+              </a:spcBef>
+              <a:spcAft>
+                <a:spcPts val="0"/>
+              </a:spcAft>
+              <a:buClrTx/>
+              <a:buSzTx/>
+              <a:buFontTx/>
+              <a:buNone/>
+              <a:tabLst/>
+            </a:pPr>
+            <a:endParaRPr kumimoji="0" lang="en-GB" sz="3600" b="0" i="0" u="none" strike="noStrike" cap="none" spc="0" normalizeH="0" baseline="0">
+              <a:ln>
+                <a:noFill/>
+              </a:ln>
+              <a:solidFill>
+                <a:srgbClr val="FFFFFF"/>
+              </a:solidFill>
+              <a:effectLst/>
+              <a:uFillTx/>
+              <a:latin typeface="+mn-lt"/>
+              <a:ea typeface="+mn-ea"/>
+              <a:cs typeface="+mn-cs"/>
+              <a:sym typeface="Gill Sans Light"/>
+            </a:endParaRPr>
+          </a:p>
+        </p:txBody>
+      </p:sp>
+      <p:sp>
+        <p:nvSpPr>
+          <p:cNvPr id="7" name="Domain Vocabulary…"/>
+          <p:cNvSpPr txBox="1">
+            <a:spLocks noGrp="1"/>
+          </p:cNvSpPr>
+          <p:nvPr>
+            <p:ph type="body" sz="half" idx="1"/>
+          </p:nvPr>
+        </p:nvSpPr>
+        <p:spPr>
+          <a:xfrm>
+            <a:off x="635000" y="685800"/>
+            <a:ext cx="11049000" cy="1022599"/>
           </a:xfrm>
           <a:prstGeom prst="rect">
             <a:avLst/>
@@ -3293,49 +5295,40 @@
           <a:bodyPr/>
           <a:lstStyle/>
           <a:p>
-            <a:pPr/>
-            <a:r>
-              <a:t>Domain Vocabulary</a:t>
-            </a:r>
-          </a:p>
-          <a:p>
-            <a:pPr/>
-          </a:p>
-          <a:p>
-            <a:pPr/>
-          </a:p>
-          <a:p>
-            <a:pPr/>
-          </a:p>
-          <a:p>
-            <a:pPr marL="228600" indent="-228600" algn="l">
-              <a:buSzPct val="100000"/>
-              <a:buChar char="•"/>
-            </a:pPr>
-            <a:r>
-              <a:t>Property</a:t>
-            </a:r>
-          </a:p>
-          <a:p>
-            <a:pPr marL="228600" indent="-228600" algn="l">
-              <a:buSzPct val="100000"/>
-              <a:buChar char="•"/>
-            </a:pPr>
-            <a:r>
-              <a:t>Property Fund Manager</a:t>
-            </a:r>
-          </a:p>
-          <a:p>
-            <a:pPr marL="228600" indent="-228600" algn="l">
-              <a:buSzPct val="100000"/>
-              <a:buChar char="•"/>
-            </a:pPr>
-            <a:r>
-              <a:t>Two types of Investors</a:t>
-            </a:r>
-          </a:p>
-          <a:p>
-            <a:pPr lvl="8" marL="228600" indent="-228600">
+            <a:r>
+              <a:rPr sz="4400" b="1" dirty="0">
+                <a:latin typeface="Bradley Hand ITC" panose="03070402050302030203" pitchFamily="66" charset="0"/>
+              </a:rPr>
+              <a:t>Domain </a:t>
+            </a:r>
+            <a:r>
+              <a:rPr sz="4400" b="1" dirty="0" smtClean="0">
+                <a:latin typeface="Bradley Hand ITC" panose="03070402050302030203" pitchFamily="66" charset="0"/>
+              </a:rPr>
+              <a:t>Vocabulary</a:t>
+            </a:r>
+            <a:r>
+              <a:rPr lang="en-US" sz="4400" b="1" dirty="0" smtClean="0">
+                <a:latin typeface="Bradley Hand ITC" panose="03070402050302030203" pitchFamily="66" charset="0"/>
+              </a:rPr>
+              <a:t> : FUND</a:t>
+            </a:r>
+            <a:endParaRPr sz="4400" b="1" dirty="0">
+              <a:latin typeface="Bradley Hand ITC" panose="03070402050302030203" pitchFamily="66" charset="0"/>
+            </a:endParaRPr>
+          </a:p>
+          <a:p>
+            <a:endParaRPr dirty="0">
+              <a:latin typeface="Bradley Hand ITC" panose="03070402050302030203" pitchFamily="66" charset="0"/>
+            </a:endParaRPr>
+          </a:p>
+          <a:p>
+            <a:endParaRPr dirty="0">
+              <a:latin typeface="Bradley Hand ITC" panose="03070402050302030203" pitchFamily="66" charset="0"/>
+            </a:endParaRPr>
+          </a:p>
+          <a:p>
+            <a:pPr marL="0" lvl="8" indent="0">
               <a:spcBef>
                 <a:spcPts val="0"/>
               </a:spcBef>
@@ -3343,91 +5336,169 @@
                 <a:srgbClr val="535353"/>
               </a:buClr>
               <a:buSzPct val="100000"/>
+              <a:buNone/>
             </a:pPr>
-            <a:r>
-              <a:t>Institutional Investor</a:t>
-            </a:r>
-          </a:p>
-          <a:p>
-            <a:pPr lvl="8" marL="228600" indent="-228600">
-              <a:spcBef>
-                <a:spcPts val="0"/>
-              </a:spcBef>
-              <a:buClr>
-                <a:srgbClr val="535353"/>
-              </a:buClr>
-              <a:buSzPct val="100000"/>
-            </a:pPr>
-            <a:r>
-              <a:t>Private Investor</a:t>
-            </a:r>
-          </a:p>
-          <a:p>
-            <a:pPr lvl="8" marL="228600" indent="-228600">
-              <a:spcBef>
-                <a:spcPts val="0"/>
-              </a:spcBef>
-              <a:buClr>
-                <a:srgbClr val="535353"/>
-              </a:buClr>
-              <a:buSzPct val="100000"/>
-            </a:pPr>
-            <a:r>
-              <a:t>Fund</a:t>
-            </a:r>
-          </a:p>
-          <a:p>
-            <a:pPr lvl="8" marL="228600" indent="-228600">
-              <a:spcBef>
-                <a:spcPts val="0"/>
-              </a:spcBef>
-              <a:buClr>
-                <a:srgbClr val="535353"/>
-              </a:buClr>
-              <a:buSzPct val="100000"/>
-            </a:pPr>
-            <a:r>
-              <a:t>Dividend</a:t>
-            </a:r>
-          </a:p>
-          <a:p>
-            <a:pPr lvl="8" marL="228600" indent="-228600">
-              <a:spcBef>
-                <a:spcPts val="0"/>
-              </a:spcBef>
-              <a:buClr>
-                <a:srgbClr val="535353"/>
-              </a:buClr>
-              <a:buSzPct val="100000"/>
-            </a:pPr>
-            <a:r>
-              <a:t>Bid For Fund</a:t>
-            </a:r>
-          </a:p>
-          <a:p>
-            <a:pPr lvl="8" marL="228600" indent="-228600">
-              <a:spcBef>
-                <a:spcPts val="0"/>
-              </a:spcBef>
-              <a:buClr>
-                <a:srgbClr val="535353"/>
-              </a:buClr>
-              <a:buSzPct val="100000"/>
-            </a:pPr>
+            <a:endParaRPr dirty="0">
+              <a:latin typeface="Bradley Hand ITC" panose="03070402050302030203" pitchFamily="66" charset="0"/>
+            </a:endParaRPr>
           </a:p>
         </p:txBody>
       </p:sp>
+      <p:pic>
+        <p:nvPicPr>
+          <p:cNvPr id="5" name="Picture 2" descr="See the source image"/>
+          <p:cNvPicPr>
+            <a:picLocks noChangeAspect="1" noChangeArrowheads="1"/>
+          </p:cNvPicPr>
+          <p:nvPr/>
+        </p:nvPicPr>
+        <p:blipFill>
+          <a:blip r:embed="rId2">
+            <a:extLst>
+              <a:ext uri="{28A0092B-C50C-407E-A947-70E740481C1C}">
+                <a14:useLocalDpi xmlns:a14="http://schemas.microsoft.com/office/drawing/2010/main" val="0"/>
+              </a:ext>
+            </a:extLst>
+          </a:blip>
+          <a:srcRect/>
+          <a:stretch>
+            <a:fillRect/>
+          </a:stretch>
+        </p:blipFill>
+        <p:spPr bwMode="auto">
+          <a:xfrm>
+            <a:off x="3530600" y="5359308"/>
+            <a:ext cx="3048000" cy="2535319"/>
+          </a:xfrm>
+          <a:prstGeom prst="rect">
+            <a:avLst/>
+          </a:prstGeom>
+          <a:noFill/>
+          <a:extLst>
+            <a:ext uri="{909E8E84-426E-40DD-AFC4-6F175D3DCCD1}">
+              <a14:hiddenFill xmlns:a14="http://schemas.microsoft.com/office/drawing/2010/main">
+                <a:solidFill>
+                  <a:srgbClr val="FFFFFF"/>
+                </a:solidFill>
+              </a14:hiddenFill>
+            </a:ext>
+          </a:extLst>
+        </p:spPr>
+      </p:pic>
+      <p:pic>
+        <p:nvPicPr>
+          <p:cNvPr id="7170" name="Picture 2" descr="See the source image"/>
+          <p:cNvPicPr>
+            <a:picLocks noChangeAspect="1" noChangeArrowheads="1"/>
+          </p:cNvPicPr>
+          <p:nvPr/>
+        </p:nvPicPr>
+        <p:blipFill>
+          <a:blip r:embed="rId3">
+            <a:extLst>
+              <a:ext uri="{28A0092B-C50C-407E-A947-70E740481C1C}">
+                <a14:useLocalDpi xmlns:a14="http://schemas.microsoft.com/office/drawing/2010/main" val="0"/>
+              </a:ext>
+            </a:extLst>
+          </a:blip>
+          <a:srcRect/>
+          <a:stretch>
+            <a:fillRect/>
+          </a:stretch>
+        </p:blipFill>
+        <p:spPr bwMode="auto">
+          <a:xfrm>
+            <a:off x="7874000" y="5086350"/>
+            <a:ext cx="2686050" cy="2686050"/>
+          </a:xfrm>
+          <a:prstGeom prst="rect">
+            <a:avLst/>
+          </a:prstGeom>
+          <a:noFill/>
+          <a:extLst>
+            <a:ext uri="{909E8E84-426E-40DD-AFC4-6F175D3DCCD1}">
+              <a14:hiddenFill xmlns:a14="http://schemas.microsoft.com/office/drawing/2010/main">
+                <a:solidFill>
+                  <a:srgbClr val="FFFFFF"/>
+                </a:solidFill>
+              </a14:hiddenFill>
+            </a:ext>
+          </a:extLst>
+        </p:spPr>
+      </p:pic>
+      <p:pic>
+        <p:nvPicPr>
+          <p:cNvPr id="8" name="Picture 2" descr="See the source image"/>
+          <p:cNvPicPr>
+            <a:picLocks noChangeAspect="1" noChangeArrowheads="1"/>
+          </p:cNvPicPr>
+          <p:nvPr/>
+        </p:nvPicPr>
+        <p:blipFill>
+          <a:blip r:embed="rId4" cstate="print">
+            <a:extLst>
+              <a:ext uri="{BEBA8EAE-BF5A-486C-A8C5-ECC9F3942E4B}">
+                <a14:imgProps xmlns:a14="http://schemas.microsoft.com/office/drawing/2010/main">
+                  <a14:imgLayer r:embed="rId5">
+                    <a14:imgEffect>
+                      <a14:sharpenSoften amount="-50000"/>
+                    </a14:imgEffect>
+                  </a14:imgLayer>
+                </a14:imgProps>
+              </a:ext>
+              <a:ext uri="{28A0092B-C50C-407E-A947-70E740481C1C}">
+                <a14:useLocalDpi xmlns:a14="http://schemas.microsoft.com/office/drawing/2010/main" val="0"/>
+              </a:ext>
+            </a:extLst>
+          </a:blip>
+          <a:srcRect/>
+          <a:stretch>
+            <a:fillRect/>
+          </a:stretch>
+        </p:blipFill>
+        <p:spPr bwMode="auto">
+          <a:xfrm>
+            <a:off x="5054600" y="2667000"/>
+            <a:ext cx="3352800" cy="2176908"/>
+          </a:xfrm>
+          <a:prstGeom prst="rect">
+            <a:avLst/>
+          </a:prstGeom>
+          <a:noFill/>
+          <a:extLst>
+            <a:ext uri="{909E8E84-426E-40DD-AFC4-6F175D3DCCD1}">
+              <a14:hiddenFill xmlns:a14="http://schemas.microsoft.com/office/drawing/2010/main">
+                <a:solidFill>
+                  <a:srgbClr val="FFFFFF"/>
+                </a:solidFill>
+              </a14:hiddenFill>
+            </a:ext>
+          </a:extLst>
+        </p:spPr>
+      </p:pic>
     </p:spTree>
+    <p:extLst>
+      <p:ext uri="{BB962C8B-B14F-4D97-AF65-F5344CB8AC3E}">
+        <p14:creationId xmlns:p14="http://schemas.microsoft.com/office/powerpoint/2010/main" val="2589909726"/>
+      </p:ext>
+    </p:extLst>
   </p:cSld>
   <p:clrMapOvr>
     <a:masterClrMapping/>
   </p:clrMapOvr>
-  <p:transition xmlns:p14="http://schemas.microsoft.com/office/powerpoint/2010/main" spd="med" advClick="1"/>
+  <p:transition spd="med"/>
+  <p:timing>
+    <p:tnLst>
+      <p:par>
+        <p:cTn id="1" dur="indefinite" restart="never" nodeType="tmRoot"/>
+      </p:par>
+    </p:tnLst>
+  </p:timing>
 </p:sld>
 </file>
 
-<file path=ppt/slides/slide4.xml><?xml version="1.0" encoding="utf-8"?>
-<p:sld xmlns:a="http://schemas.openxmlformats.org/drawingml/2006/main" xmlns:r="http://schemas.openxmlformats.org/officeDocument/2006/relationships" xmlns:p="http://schemas.openxmlformats.org/presentationml/2006/main" xmlns:m="http://schemas.openxmlformats.org/officeDocument/2006/math" xmlns:a14="http://schemas.microsoft.com/office/drawing/2010/main" showMasterSp="1" showMasterPhAnim="1">
+<file path=ppt/slides/slide8.xml><?xml version="1.0" encoding="utf-8"?>
+<p:sld xmlns:a="http://schemas.openxmlformats.org/drawingml/2006/main" xmlns:r="http://schemas.openxmlformats.org/officeDocument/2006/relationships" xmlns:p="http://schemas.openxmlformats.org/presentationml/2006/main">
   <p:cSld>
     <p:spTree>
       <p:nvGrpSpPr>
@@ -3447,7 +5518,7 @@
         <p:nvPicPr>
           <p:cNvPr id="129" name="Investment-profit-from-property-market.jpg" descr="Investment-profit-from-property-market.jpg"/>
           <p:cNvPicPr>
-            <a:picLocks noChangeAspect="1"/>
+            <a:picLocks noGrp="1" noChangeAspect="1"/>
           </p:cNvPicPr>
           <p:nvPr>
             <p:ph type="pic" idx="13"/>
@@ -3457,7 +5528,7 @@
           <a:blip r:embed="rId2">
             <a:extLst/>
           </a:blip>
-          <a:srcRect l="22569" t="0" r="14175" b="0"/>
+          <a:srcRect l="22569" r="14175"/>
           <a:stretch>
             <a:fillRect/>
           </a:stretch>
@@ -3475,7 +5546,9 @@
       <p:sp>
         <p:nvSpPr>
           <p:cNvPr id="130" name="Phase 1…"/>
-          <p:cNvSpPr txBox="1"/>
+          <p:cNvSpPr txBox="1">
+            <a:spLocks noGrp="1"/>
+          </p:cNvSpPr>
           <p:nvPr>
             <p:ph type="body" sz="half" idx="1"/>
           </p:nvPr>
@@ -3493,22 +5566,20 @@
           <a:bodyPr/>
           <a:lstStyle/>
           <a:p>
-            <a:pPr/>
-            <a:r>
-              <a:t>Phase 1</a:t>
-            </a:r>
-          </a:p>
-          <a:p>
-            <a:pPr/>
-          </a:p>
-          <a:p>
-            <a:pPr/>
-          </a:p>
-          <a:p>
-            <a:pPr/>
-          </a:p>
-          <a:p>
-            <a:pPr lvl="8" marL="457200" indent="-228600">
+            <a:endParaRPr dirty="0"/>
+          </a:p>
+          <a:p>
+            <a:endParaRPr dirty="0">
+              <a:latin typeface="Bradley Hand ITC" panose="03070402050302030203" pitchFamily="66" charset="0"/>
+            </a:endParaRPr>
+          </a:p>
+          <a:p>
+            <a:endParaRPr sz="4400" dirty="0">
+              <a:latin typeface="Bradley Hand ITC" panose="03070402050302030203" pitchFamily="66" charset="0"/>
+            </a:endParaRPr>
+          </a:p>
+          <a:p>
+            <a:pPr marL="457200" lvl="8" indent="-228600">
               <a:spcBef>
                 <a:spcPts val="0"/>
               </a:spcBef>
@@ -3518,11 +5589,23 @@
               <a:buSzPct val="100000"/>
             </a:pPr>
             <a:r>
-              <a:t>Fund Manager creates Fund on a set of Properties</a:t>
-            </a:r>
-          </a:p>
-          <a:p>
-            <a:pPr lvl="8" marL="457200" indent="-228600">
+              <a:rPr sz="4400" dirty="0">
+                <a:latin typeface="Bradley Hand ITC" panose="03070402050302030203" pitchFamily="66" charset="0"/>
+              </a:rPr>
+              <a:t>Fund Manager creates Fund on a set of </a:t>
+            </a:r>
+            <a:r>
+              <a:rPr sz="4400" dirty="0" smtClean="0">
+                <a:latin typeface="Bradley Hand ITC" panose="03070402050302030203" pitchFamily="66" charset="0"/>
+              </a:rPr>
+              <a:t>Properties</a:t>
+            </a:r>
+            <a:endParaRPr lang="en-US" sz="4400" dirty="0" smtClean="0">
+              <a:latin typeface="Bradley Hand ITC" panose="03070402050302030203" pitchFamily="66" charset="0"/>
+            </a:endParaRPr>
+          </a:p>
+          <a:p>
+            <a:pPr marL="457200" lvl="8" indent="-228600">
               <a:spcBef>
                 <a:spcPts val="0"/>
               </a:spcBef>
@@ -3531,12 +5614,12 @@
               </a:buClr>
               <a:buSzPct val="100000"/>
             </a:pPr>
-            <a:r>
-              <a:t>Collects Rental Income</a:t>
-            </a:r>
-          </a:p>
-          <a:p>
-            <a:pPr lvl="8" marL="457200" indent="-228600">
+            <a:endParaRPr sz="4400" dirty="0">
+              <a:latin typeface="Bradley Hand ITC" panose="03070402050302030203" pitchFamily="66" charset="0"/>
+            </a:endParaRPr>
+          </a:p>
+          <a:p>
+            <a:pPr marL="457200" lvl="8" indent="-228600">
               <a:spcBef>
                 <a:spcPts val="0"/>
               </a:spcBef>
@@ -3546,8 +5629,392 @@
               <a:buSzPct val="100000"/>
             </a:pPr>
             <a:r>
+              <a:rPr sz="4400" dirty="0">
+                <a:latin typeface="Bradley Hand ITC" panose="03070402050302030203" pitchFamily="66" charset="0"/>
+              </a:rPr>
+              <a:t>Collects Rental </a:t>
+            </a:r>
+            <a:r>
+              <a:rPr sz="4400" dirty="0" smtClean="0">
+                <a:latin typeface="Bradley Hand ITC" panose="03070402050302030203" pitchFamily="66" charset="0"/>
+              </a:rPr>
+              <a:t>Income</a:t>
+            </a:r>
+            <a:endParaRPr lang="en-US" sz="4400" dirty="0" smtClean="0">
+              <a:latin typeface="Bradley Hand ITC" panose="03070402050302030203" pitchFamily="66" charset="0"/>
+            </a:endParaRPr>
+          </a:p>
+          <a:p>
+            <a:pPr marL="457200" lvl="8" indent="-228600">
+              <a:spcBef>
+                <a:spcPts val="0"/>
+              </a:spcBef>
+              <a:buClr>
+                <a:srgbClr val="535353"/>
+              </a:buClr>
+              <a:buSzPct val="100000"/>
+            </a:pPr>
+            <a:endParaRPr sz="4400" dirty="0">
+              <a:latin typeface="Bradley Hand ITC" panose="03070402050302030203" pitchFamily="66" charset="0"/>
+            </a:endParaRPr>
+          </a:p>
+          <a:p>
+            <a:pPr marL="457200" lvl="8" indent="-228600">
+              <a:spcBef>
+                <a:spcPts val="0"/>
+              </a:spcBef>
+              <a:buClr>
+                <a:srgbClr val="535353"/>
+              </a:buClr>
+              <a:buSzPct val="100000"/>
+            </a:pPr>
+            <a:r>
+              <a:rPr sz="4400" dirty="0">
+                <a:latin typeface="Bradley Hand ITC" panose="03070402050302030203" pitchFamily="66" charset="0"/>
+              </a:rPr>
               <a:t>Distributes Dividend</a:t>
             </a:r>
+          </a:p>
+        </p:txBody>
+      </p:sp>
+      <p:sp>
+        <p:nvSpPr>
+          <p:cNvPr id="4" name="Domain Vocabulary…"/>
+          <p:cNvSpPr txBox="1">
+            <a:spLocks/>
+          </p:cNvSpPr>
+          <p:nvPr/>
+        </p:nvSpPr>
+        <p:spPr>
+          <a:xfrm>
+            <a:off x="635000" y="685800"/>
+            <a:ext cx="11049000" cy="1022599"/>
+          </a:xfrm>
+          <a:prstGeom prst="rect">
+            <a:avLst/>
+          </a:prstGeom>
+          <a:ln w="12700">
+            <a:miter lim="400000"/>
+          </a:ln>
+          <a:extLst>
+            <a:ext uri="{C572A759-6A51-4108-AA02-DFA0A04FC94B}">
+              <ma14:wrappingTextBoxFlag xmlns:ma14="http://schemas.microsoft.com/office/mac/drawingml/2011/main" xmlns:a14="http://schemas.microsoft.com/office/drawing/2010/main" xmlns:m="http://schemas.openxmlformats.org/officeDocument/2006/math" xmlns="" val="1"/>
+            </a:ext>
+          </a:extLst>
+        </p:spPr>
+        <p:txBody>
+          <a:bodyPr lIns="50800" tIns="50800" rIns="50800" bIns="50800" anchor="t">
+            <a:normAutofit/>
+          </a:bodyPr>
+          <a:lstStyle>
+            <a:lvl1pPr marL="0" marR="0" indent="0" algn="ctr" defTabSz="584200" rtl="0" latinLnBrk="0">
+              <a:lnSpc>
+                <a:spcPct val="100000"/>
+              </a:lnSpc>
+              <a:spcBef>
+                <a:spcPts val="0"/>
+              </a:spcBef>
+              <a:spcAft>
+                <a:spcPts val="0"/>
+              </a:spcAft>
+              <a:buClr>
+                <a:srgbClr val="535353"/>
+              </a:buClr>
+              <a:buSzTx/>
+              <a:buFontTx/>
+              <a:buNone/>
+              <a:tabLst/>
+              <a:defRPr sz="3800" b="0" i="0" u="none" strike="noStrike" cap="none" spc="0" baseline="0">
+                <a:ln>
+                  <a:noFill/>
+                </a:ln>
+                <a:solidFill>
+                  <a:srgbClr val="535353"/>
+                </a:solidFill>
+                <a:uFillTx/>
+                <a:latin typeface="+mn-lt"/>
+                <a:ea typeface="+mn-ea"/>
+                <a:cs typeface="+mn-cs"/>
+                <a:sym typeface="Gill Sans Light"/>
+              </a:defRPr>
+            </a:lvl1pPr>
+            <a:lvl2pPr marL="0" marR="0" indent="0" algn="ctr" defTabSz="584200" rtl="0" latinLnBrk="0">
+              <a:lnSpc>
+                <a:spcPct val="100000"/>
+              </a:lnSpc>
+              <a:spcBef>
+                <a:spcPts val="0"/>
+              </a:spcBef>
+              <a:spcAft>
+                <a:spcPts val="0"/>
+              </a:spcAft>
+              <a:buClr>
+                <a:srgbClr val="535353"/>
+              </a:buClr>
+              <a:buSzTx/>
+              <a:buFontTx/>
+              <a:buNone/>
+              <a:tabLst/>
+              <a:defRPr sz="3800" b="0" i="0" u="none" strike="noStrike" cap="none" spc="0" baseline="0">
+                <a:ln>
+                  <a:noFill/>
+                </a:ln>
+                <a:solidFill>
+                  <a:srgbClr val="535353"/>
+                </a:solidFill>
+                <a:uFillTx/>
+                <a:latin typeface="+mn-lt"/>
+                <a:ea typeface="+mn-ea"/>
+                <a:cs typeface="+mn-cs"/>
+                <a:sym typeface="Gill Sans Light"/>
+              </a:defRPr>
+            </a:lvl2pPr>
+            <a:lvl3pPr marL="0" marR="0" indent="0" algn="ctr" defTabSz="584200" rtl="0" latinLnBrk="0">
+              <a:lnSpc>
+                <a:spcPct val="100000"/>
+              </a:lnSpc>
+              <a:spcBef>
+                <a:spcPts val="0"/>
+              </a:spcBef>
+              <a:spcAft>
+                <a:spcPts val="0"/>
+              </a:spcAft>
+              <a:buClr>
+                <a:srgbClr val="535353"/>
+              </a:buClr>
+              <a:buSzTx/>
+              <a:buFontTx/>
+              <a:buNone/>
+              <a:tabLst/>
+              <a:defRPr sz="3800" b="0" i="0" u="none" strike="noStrike" cap="none" spc="0" baseline="0">
+                <a:ln>
+                  <a:noFill/>
+                </a:ln>
+                <a:solidFill>
+                  <a:srgbClr val="535353"/>
+                </a:solidFill>
+                <a:uFillTx/>
+                <a:latin typeface="+mn-lt"/>
+                <a:ea typeface="+mn-ea"/>
+                <a:cs typeface="+mn-cs"/>
+                <a:sym typeface="Gill Sans Light"/>
+              </a:defRPr>
+            </a:lvl3pPr>
+            <a:lvl4pPr marL="0" marR="0" indent="0" algn="ctr" defTabSz="584200" rtl="0" latinLnBrk="0">
+              <a:lnSpc>
+                <a:spcPct val="100000"/>
+              </a:lnSpc>
+              <a:spcBef>
+                <a:spcPts val="0"/>
+              </a:spcBef>
+              <a:spcAft>
+                <a:spcPts val="0"/>
+              </a:spcAft>
+              <a:buClr>
+                <a:srgbClr val="535353"/>
+              </a:buClr>
+              <a:buSzTx/>
+              <a:buFontTx/>
+              <a:buNone/>
+              <a:tabLst/>
+              <a:defRPr sz="3800" b="0" i="0" u="none" strike="noStrike" cap="none" spc="0" baseline="0">
+                <a:ln>
+                  <a:noFill/>
+                </a:ln>
+                <a:solidFill>
+                  <a:srgbClr val="535353"/>
+                </a:solidFill>
+                <a:uFillTx/>
+                <a:latin typeface="+mn-lt"/>
+                <a:ea typeface="+mn-ea"/>
+                <a:cs typeface="+mn-cs"/>
+                <a:sym typeface="Gill Sans Light"/>
+              </a:defRPr>
+            </a:lvl4pPr>
+            <a:lvl5pPr marL="0" marR="0" indent="0" algn="ctr" defTabSz="584200" rtl="0" latinLnBrk="0">
+              <a:lnSpc>
+                <a:spcPct val="100000"/>
+              </a:lnSpc>
+              <a:spcBef>
+                <a:spcPts val="0"/>
+              </a:spcBef>
+              <a:spcAft>
+                <a:spcPts val="0"/>
+              </a:spcAft>
+              <a:buClr>
+                <a:srgbClr val="535353"/>
+              </a:buClr>
+              <a:buSzTx/>
+              <a:buFontTx/>
+              <a:buNone/>
+              <a:tabLst/>
+              <a:defRPr sz="3800" b="0" i="0" u="none" strike="noStrike" cap="none" spc="0" baseline="0">
+                <a:ln>
+                  <a:noFill/>
+                </a:ln>
+                <a:solidFill>
+                  <a:srgbClr val="535353"/>
+                </a:solidFill>
+                <a:uFillTx/>
+                <a:latin typeface="+mn-lt"/>
+                <a:ea typeface="+mn-ea"/>
+                <a:cs typeface="+mn-cs"/>
+                <a:sym typeface="Gill Sans Light"/>
+              </a:defRPr>
+            </a:lvl5pPr>
+            <a:lvl6pPr marL="2590800" marR="0" indent="-431800" algn="l" defTabSz="584200" rtl="0" latinLnBrk="0">
+              <a:lnSpc>
+                <a:spcPct val="100000"/>
+              </a:lnSpc>
+              <a:spcBef>
+                <a:spcPts val="3800"/>
+              </a:spcBef>
+              <a:spcAft>
+                <a:spcPts val="0"/>
+              </a:spcAft>
+              <a:buClrTx/>
+              <a:buSzPct val="82000"/>
+              <a:buFontTx/>
+              <a:buChar char="•"/>
+              <a:tabLst/>
+              <a:defRPr sz="3800" b="0" i="0" u="none" strike="noStrike" cap="none" spc="0" baseline="0">
+                <a:ln>
+                  <a:noFill/>
+                </a:ln>
+                <a:solidFill>
+                  <a:srgbClr val="535353"/>
+                </a:solidFill>
+                <a:uFillTx/>
+                <a:latin typeface="+mn-lt"/>
+                <a:ea typeface="+mn-ea"/>
+                <a:cs typeface="+mn-cs"/>
+                <a:sym typeface="Gill Sans Light"/>
+              </a:defRPr>
+            </a:lvl6pPr>
+            <a:lvl7pPr marL="3022600" marR="0" indent="-431800" algn="l" defTabSz="584200" rtl="0" latinLnBrk="0">
+              <a:lnSpc>
+                <a:spcPct val="100000"/>
+              </a:lnSpc>
+              <a:spcBef>
+                <a:spcPts val="3800"/>
+              </a:spcBef>
+              <a:spcAft>
+                <a:spcPts val="0"/>
+              </a:spcAft>
+              <a:buClrTx/>
+              <a:buSzPct val="82000"/>
+              <a:buFontTx/>
+              <a:buChar char="•"/>
+              <a:tabLst/>
+              <a:defRPr sz="3800" b="0" i="0" u="none" strike="noStrike" cap="none" spc="0" baseline="0">
+                <a:ln>
+                  <a:noFill/>
+                </a:ln>
+                <a:solidFill>
+                  <a:srgbClr val="535353"/>
+                </a:solidFill>
+                <a:uFillTx/>
+                <a:latin typeface="+mn-lt"/>
+                <a:ea typeface="+mn-ea"/>
+                <a:cs typeface="+mn-cs"/>
+                <a:sym typeface="Gill Sans Light"/>
+              </a:defRPr>
+            </a:lvl7pPr>
+            <a:lvl8pPr marL="3454400" marR="0" indent="-431800" algn="l" defTabSz="584200" rtl="0" latinLnBrk="0">
+              <a:lnSpc>
+                <a:spcPct val="100000"/>
+              </a:lnSpc>
+              <a:spcBef>
+                <a:spcPts val="3800"/>
+              </a:spcBef>
+              <a:spcAft>
+                <a:spcPts val="0"/>
+              </a:spcAft>
+              <a:buClrTx/>
+              <a:buSzPct val="82000"/>
+              <a:buFontTx/>
+              <a:buChar char="•"/>
+              <a:tabLst/>
+              <a:defRPr sz="3800" b="0" i="0" u="none" strike="noStrike" cap="none" spc="0" baseline="0">
+                <a:ln>
+                  <a:noFill/>
+                </a:ln>
+                <a:solidFill>
+                  <a:srgbClr val="535353"/>
+                </a:solidFill>
+                <a:uFillTx/>
+                <a:latin typeface="+mn-lt"/>
+                <a:ea typeface="+mn-ea"/>
+                <a:cs typeface="+mn-cs"/>
+                <a:sym typeface="Gill Sans Light"/>
+              </a:defRPr>
+            </a:lvl8pPr>
+            <a:lvl9pPr marL="3886200" marR="0" indent="-431800" algn="l" defTabSz="584200" rtl="0" latinLnBrk="0">
+              <a:lnSpc>
+                <a:spcPct val="100000"/>
+              </a:lnSpc>
+              <a:spcBef>
+                <a:spcPts val="3800"/>
+              </a:spcBef>
+              <a:spcAft>
+                <a:spcPts val="0"/>
+              </a:spcAft>
+              <a:buClrTx/>
+              <a:buSzPct val="82000"/>
+              <a:buFontTx/>
+              <a:buChar char="•"/>
+              <a:tabLst/>
+              <a:defRPr sz="3800" b="0" i="0" u="none" strike="noStrike" cap="none" spc="0" baseline="0">
+                <a:ln>
+                  <a:noFill/>
+                </a:ln>
+                <a:solidFill>
+                  <a:srgbClr val="535353"/>
+                </a:solidFill>
+                <a:uFillTx/>
+                <a:latin typeface="+mn-lt"/>
+                <a:ea typeface="+mn-ea"/>
+                <a:cs typeface="+mn-cs"/>
+                <a:sym typeface="Gill Sans Light"/>
+              </a:defRPr>
+            </a:lvl9pPr>
+          </a:lstStyle>
+          <a:p>
+            <a:pPr hangingPunct="1"/>
+            <a:r>
+              <a:rPr lang="en-GB" sz="4400" b="1" dirty="0" smtClean="0">
+                <a:latin typeface="Bradley Hand ITC" panose="03070402050302030203" pitchFamily="66" charset="0"/>
+              </a:rPr>
+              <a:t>Join the trend ..</a:t>
+            </a:r>
+          </a:p>
+          <a:p>
+            <a:pPr hangingPunct="1"/>
+            <a:endParaRPr lang="en-GB" dirty="0" smtClean="0">
+              <a:latin typeface="Bradley Hand ITC" panose="03070402050302030203" pitchFamily="66" charset="0"/>
+            </a:endParaRPr>
+          </a:p>
+          <a:p>
+            <a:pPr hangingPunct="1"/>
+            <a:endParaRPr lang="en-GB" dirty="0" smtClean="0">
+              <a:latin typeface="Bradley Hand ITC" panose="03070402050302030203" pitchFamily="66" charset="0"/>
+            </a:endParaRPr>
+          </a:p>
+          <a:p>
+            <a:pPr marL="0" lvl="8" indent="0" hangingPunct="1">
+              <a:spcBef>
+                <a:spcPts val="0"/>
+              </a:spcBef>
+              <a:buClr>
+                <a:srgbClr val="535353"/>
+              </a:buClr>
+              <a:buSzPct val="100000"/>
+              <a:buFontTx/>
+              <a:buNone/>
+            </a:pPr>
+            <a:endParaRPr lang="en-GB" dirty="0">
+              <a:latin typeface="Bradley Hand ITC" panose="03070402050302030203" pitchFamily="66" charset="0"/>
+            </a:endParaRPr>
           </a:p>
         </p:txBody>
       </p:sp>
@@ -3556,202 +6023,19 @@
   <p:clrMapOvr>
     <a:masterClrMapping/>
   </p:clrMapOvr>
-  <p:transition xmlns:p14="http://schemas.microsoft.com/office/powerpoint/2010/main" spd="med" advClick="1"/>
+  <p:transition spd="med"/>
+  <p:timing>
+    <p:tnLst>
+      <p:par>
+        <p:cTn id="1" dur="indefinite" restart="never" nodeType="tmRoot"/>
+      </p:par>
+    </p:tnLst>
+  </p:timing>
 </p:sld>
 </file>
 
-<file path=ppt/slides/slide5.xml><?xml version="1.0" encoding="utf-8"?>
-<p:sld xmlns:a="http://schemas.openxmlformats.org/drawingml/2006/main" xmlns:r="http://schemas.openxmlformats.org/officeDocument/2006/relationships" xmlns:p="http://schemas.openxmlformats.org/presentationml/2006/main" xmlns:m="http://schemas.openxmlformats.org/officeDocument/2006/math" xmlns:a14="http://schemas.microsoft.com/office/drawing/2010/main" showMasterSp="1" showMasterPhAnim="1">
-  <p:cSld>
-    <p:spTree>
-      <p:nvGrpSpPr>
-        <p:cNvPr id="1" name=""/>
-        <p:cNvGrpSpPr/>
-        <p:nvPr/>
-      </p:nvGrpSpPr>
-      <p:grpSpPr>
-        <a:xfrm>
-          <a:off x="0" y="0"/>
-          <a:ext cx="0" cy="0"/>
-          <a:chOff x="0" y="0"/>
-          <a:chExt cx="0" cy="0"/>
-        </a:xfrm>
-      </p:grpSpPr>
-      <p:pic>
-        <p:nvPicPr>
-          <p:cNvPr id="132" name="f8b5cb7d-64ab-43fc-8df2-66c7a539d973-2.jpg" descr="f8b5cb7d-64ab-43fc-8df2-66c7a539d973-2.jpg"/>
-          <p:cNvPicPr>
-            <a:picLocks noChangeAspect="1"/>
-          </p:cNvPicPr>
-          <p:nvPr>
-            <p:ph type="pic" idx="13"/>
-          </p:nvPr>
-        </p:nvPicPr>
-        <p:blipFill>
-          <a:blip r:embed="rId2">
-            <a:extLst/>
-          </a:blip>
-          <a:srcRect l="63264" t="0" r="5808" b="0"/>
-          <a:stretch>
-            <a:fillRect/>
-          </a:stretch>
-        </p:blipFill>
-        <p:spPr>
-          <a:xfrm>
-            <a:off x="6426200" y="546100"/>
-            <a:ext cx="5359400" cy="7759700"/>
-          </a:xfrm>
-          <a:prstGeom prst="rect">
-            <a:avLst/>
-          </a:prstGeom>
-        </p:spPr>
-      </p:pic>
-      <p:sp>
-        <p:nvSpPr>
-          <p:cNvPr id="133" name="Phase 2…"/>
-          <p:cNvSpPr txBox="1"/>
-          <p:nvPr>
-            <p:ph type="body" sz="half" idx="1"/>
-          </p:nvPr>
-        </p:nvSpPr>
-        <p:spPr>
-          <a:xfrm>
-            <a:off x="355600" y="831502"/>
-            <a:ext cx="5892800" cy="7944198"/>
-          </a:xfrm>
-          <a:prstGeom prst="rect">
-            <a:avLst/>
-          </a:prstGeom>
-        </p:spPr>
-        <p:txBody>
-          <a:bodyPr/>
-          <a:lstStyle/>
-          <a:p>
-            <a:pPr defTabSz="519937">
-              <a:defRPr sz="3382"/>
-            </a:pPr>
-            <a:r>
-              <a:t>Phase 2</a:t>
-            </a:r>
-          </a:p>
-          <a:p>
-            <a:pPr lvl="8" marL="406908" indent="-203454" defTabSz="519937">
-              <a:spcBef>
-                <a:spcPts val="0"/>
-              </a:spcBef>
-              <a:buClr>
-                <a:srgbClr val="535353"/>
-              </a:buClr>
-              <a:buSzPct val="100000"/>
-              <a:defRPr sz="3382"/>
-            </a:pPr>
-            <a:r>
-              <a:t>Fund Manager creates Fund on a set of Properties</a:t>
-            </a:r>
-          </a:p>
-          <a:p>
-            <a:pPr lvl="8" marL="406908" indent="-203454" defTabSz="519937">
-              <a:spcBef>
-                <a:spcPts val="0"/>
-              </a:spcBef>
-              <a:buClr>
-                <a:srgbClr val="535353"/>
-              </a:buClr>
-              <a:buSzPct val="100000"/>
-              <a:defRPr b="1" sz="3382">
-                <a:latin typeface="Gill Sans"/>
-                <a:ea typeface="Gill Sans"/>
-                <a:cs typeface="Gill Sans"/>
-                <a:sym typeface="Gill Sans"/>
-              </a:defRPr>
-            </a:pPr>
-            <a:r>
-              <a:t>Fund Manager invites bids from Investors from potential Investors for a particular Sum</a:t>
-            </a:r>
-          </a:p>
-          <a:p>
-            <a:pPr lvl="8" marL="406908" indent="-203454" defTabSz="519937">
-              <a:spcBef>
-                <a:spcPts val="0"/>
-              </a:spcBef>
-              <a:buClr>
-                <a:srgbClr val="535353"/>
-              </a:buClr>
-              <a:buSzPct val="100000"/>
-              <a:defRPr b="1" sz="3382">
-                <a:latin typeface="Gill Sans"/>
-                <a:ea typeface="Gill Sans"/>
-                <a:cs typeface="Gill Sans"/>
-                <a:sym typeface="Gill Sans"/>
-              </a:defRPr>
-            </a:pPr>
-            <a:r>
-              <a:t>Investors Bid for different share values</a:t>
-            </a:r>
-          </a:p>
-          <a:p>
-            <a:pPr lvl="8" marL="406908" indent="-203454" defTabSz="519937">
-              <a:spcBef>
-                <a:spcPts val="0"/>
-              </a:spcBef>
-              <a:buClr>
-                <a:srgbClr val="535353"/>
-              </a:buClr>
-              <a:buSzPct val="100000"/>
-              <a:defRPr b="1" sz="3382">
-                <a:latin typeface="Gill Sans"/>
-                <a:ea typeface="Gill Sans"/>
-                <a:cs typeface="Gill Sans"/>
-                <a:sym typeface="Gill Sans"/>
-              </a:defRPr>
-            </a:pPr>
-            <a:r>
-              <a:t>Fund Manager closes the bids and assigns share</a:t>
-            </a:r>
-          </a:p>
-          <a:p>
-            <a:pPr lvl="8" marL="406908" indent="-203454" defTabSz="519937">
-              <a:spcBef>
-                <a:spcPts val="0"/>
-              </a:spcBef>
-              <a:buClr>
-                <a:srgbClr val="535353"/>
-              </a:buClr>
-              <a:buSzPct val="100000"/>
-              <a:defRPr sz="3382"/>
-            </a:pPr>
-            <a:r>
-              <a:t>Collects Rental Income</a:t>
-            </a:r>
-          </a:p>
-          <a:p>
-            <a:pPr lvl="8" marL="406908" indent="-203454" defTabSz="519937">
-              <a:spcBef>
-                <a:spcPts val="0"/>
-              </a:spcBef>
-              <a:buClr>
-                <a:srgbClr val="535353"/>
-              </a:buClr>
-              <a:buSzPct val="100000"/>
-              <a:defRPr sz="3382"/>
-            </a:pPr>
-            <a:r>
-              <a:t>Distributes Dividend to share holders</a:t>
-            </a:r>
-          </a:p>
-        </p:txBody>
-      </p:sp>
-    </p:spTree>
-  </p:cSld>
-  <p:clrMapOvr>
-    <a:masterClrMapping/>
-  </p:clrMapOvr>
-  <p:transition xmlns:p14="http://schemas.microsoft.com/office/powerpoint/2010/main" spd="med" advClick="1"/>
-</p:sld>
-</file>
-
-<file path=ppt/slides/slide6.xml><?xml version="1.0" encoding="utf-8"?>
-<p:sld xmlns:a="http://schemas.openxmlformats.org/drawingml/2006/main" xmlns:r="http://schemas.openxmlformats.org/officeDocument/2006/relationships" xmlns:p="http://schemas.openxmlformats.org/presentationml/2006/main" xmlns:m="http://schemas.openxmlformats.org/officeDocument/2006/math" xmlns:a14="http://schemas.microsoft.com/office/drawing/2010/main" showMasterSp="1" showMasterPhAnim="1">
+<file path=ppt/slides/slide9.xml><?xml version="1.0" encoding="utf-8"?>
+<p:sld xmlns:a="http://schemas.openxmlformats.org/drawingml/2006/main" xmlns:r="http://schemas.openxmlformats.org/officeDocument/2006/relationships" xmlns:p="http://schemas.openxmlformats.org/presentationml/2006/main">
   <p:cSld>
     <p:spTree>
       <p:nvGrpSpPr>
@@ -3771,7 +6055,7 @@
         <p:nvPicPr>
           <p:cNvPr id="135" name="bulding.png" descr="bulding.png"/>
           <p:cNvPicPr>
-            <a:picLocks noChangeAspect="1"/>
+            <a:picLocks noGrp="1" noChangeAspect="1"/>
           </p:cNvPicPr>
           <p:nvPr>
             <p:ph type="pic" idx="13"/>
@@ -3781,7 +6065,7 @@
           <a:blip r:embed="rId2">
             <a:extLst/>
           </a:blip>
-          <a:srcRect l="0" t="0" r="5213" b="33888"/>
+          <a:srcRect r="5213" b="33888"/>
           <a:stretch>
             <a:fillRect/>
           </a:stretch>
@@ -3799,7 +6083,9 @@
       <p:sp>
         <p:nvSpPr>
           <p:cNvPr id="136" name="Phase 1…"/>
-          <p:cNvSpPr txBox="1"/>
+          <p:cNvSpPr txBox="1">
+            <a:spLocks noGrp="1"/>
+          </p:cNvSpPr>
           <p:nvPr>
             <p:ph type="body" sz="half" idx="1"/>
           </p:nvPr>
@@ -3807,22 +6093,30 @@
         <p:spPr>
           <a:xfrm>
             <a:off x="355600" y="452536"/>
-            <a:ext cx="5892800" cy="8323164"/>
+            <a:ext cx="11861800" cy="8323164"/>
           </a:xfrm>
           <a:prstGeom prst="rect">
             <a:avLst/>
           </a:prstGeom>
         </p:spPr>
         <p:txBody>
-          <a:bodyPr/>
+          <a:bodyPr>
+            <a:noAutofit/>
+          </a:bodyPr>
           <a:lstStyle/>
           <a:p>
             <a:pPr defTabSz="543305">
               <a:defRPr sz="3534"/>
             </a:pPr>
             <a:r>
-              <a:t>Phase 1</a:t>
-            </a:r>
+              <a:rPr lang="en-US" b="1" dirty="0" smtClean="0">
+                <a:latin typeface="Bradley Hand ITC" panose="03070402050302030203" pitchFamily="66" charset="0"/>
+              </a:rPr>
+              <a:t>What we have..</a:t>
+            </a:r>
+            <a:endParaRPr b="1" dirty="0">
+              <a:latin typeface="Bradley Hand ITC" panose="03070402050302030203" pitchFamily="66" charset="0"/>
+            </a:endParaRPr>
           </a:p>
           <a:p>
             <a:pPr marL="212597" indent="-212597" algn="l" defTabSz="543305">
@@ -3830,9 +6124,9 @@
               <a:buChar char="•"/>
               <a:defRPr sz="3534"/>
             </a:pPr>
-            <a:r>
-              <a:t>Create Parties called FundManager, Investors.</a:t>
-            </a:r>
+            <a:endParaRPr lang="en-US" dirty="0" smtClean="0">
+              <a:latin typeface="Bradley Hand ITC" panose="03070402050302030203" pitchFamily="66" charset="0"/>
+            </a:endParaRPr>
           </a:p>
           <a:p>
             <a:pPr marL="212597" indent="-212597" algn="l" defTabSz="543305">
@@ -3841,7 +6135,10 @@
               <a:defRPr sz="3534"/>
             </a:pPr>
             <a:r>
-              <a:t>Let there be one Fund Manager and 2-3 Investors</a:t>
+              <a:rPr lang="en-US" dirty="0" smtClean="0">
+                <a:latin typeface="Bradley Hand ITC" panose="03070402050302030203" pitchFamily="66" charset="0"/>
+              </a:rPr>
+              <a:t>Register Property</a:t>
             </a:r>
           </a:p>
           <a:p>
@@ -3850,9 +6147,9 @@
               <a:buChar char="•"/>
               <a:defRPr sz="3534"/>
             </a:pPr>
-            <a:r>
-              <a:t>Create a Fund State</a:t>
-            </a:r>
+            <a:endParaRPr lang="en-US" dirty="0" smtClean="0">
+              <a:latin typeface="Bradley Hand ITC" panose="03070402050302030203" pitchFamily="66" charset="0"/>
+            </a:endParaRPr>
           </a:p>
           <a:p>
             <a:pPr marL="212597" indent="-212597" algn="l" defTabSz="543305">
@@ -3861,8 +6158,26 @@
               <a:defRPr sz="3534"/>
             </a:pPr>
             <a:r>
-              <a:t>Create a IssueFund Contract</a:t>
-            </a:r>
+              <a:rPr dirty="0" smtClean="0">
+                <a:latin typeface="Bradley Hand ITC" panose="03070402050302030203" pitchFamily="66" charset="0"/>
+              </a:rPr>
+              <a:t>Create </a:t>
+            </a:r>
+            <a:r>
+              <a:rPr lang="en-US" dirty="0" smtClean="0">
+                <a:latin typeface="Bradley Hand ITC" panose="03070402050302030203" pitchFamily="66" charset="0"/>
+              </a:rPr>
+              <a:t>Fund</a:t>
+            </a:r>
+            <a:r>
+              <a:rPr dirty="0" smtClean="0">
+                <a:latin typeface="Bradley Hand ITC" panose="03070402050302030203" pitchFamily="66" charset="0"/>
+              </a:rPr>
+              <a:t>.</a:t>
+            </a:r>
+            <a:endParaRPr lang="en-US" dirty="0" smtClean="0">
+              <a:latin typeface="Bradley Hand ITC" panose="03070402050302030203" pitchFamily="66" charset="0"/>
+            </a:endParaRPr>
           </a:p>
           <a:p>
             <a:pPr marL="212597" indent="-212597" algn="l" defTabSz="543305">
@@ -3870,9 +6185,9 @@
               <a:buChar char="•"/>
               <a:defRPr sz="3534"/>
             </a:pPr>
-            <a:r>
-              <a:t>Create a Flow to Issue a Property Fund with a list of Share holders</a:t>
-            </a:r>
+            <a:endParaRPr dirty="0">
+              <a:latin typeface="Bradley Hand ITC" panose="03070402050302030203" pitchFamily="66" charset="0"/>
+            </a:endParaRPr>
           </a:p>
           <a:p>
             <a:pPr marL="212597" indent="-212597" algn="l" defTabSz="543305">
@@ -3881,7 +6196,10 @@
               <a:defRPr sz="3534"/>
             </a:pPr>
             <a:r>
-              <a:t>Create a Dividend State</a:t>
+              <a:rPr lang="en-US" dirty="0" smtClean="0">
+                <a:latin typeface="Bradley Hand ITC" panose="03070402050302030203" pitchFamily="66" charset="0"/>
+              </a:rPr>
+              <a:t>Pay Dividend</a:t>
             </a:r>
           </a:p>
           <a:p>
@@ -3890,9 +6208,9 @@
               <a:buChar char="•"/>
               <a:defRPr sz="3534"/>
             </a:pPr>
-            <a:r>
-              <a:t>Create a IssueDividend Contract</a:t>
-            </a:r>
+            <a:endParaRPr lang="en-US" dirty="0">
+              <a:latin typeface="Bradley Hand ITC" panose="03070402050302030203" pitchFamily="66" charset="0"/>
+            </a:endParaRPr>
           </a:p>
           <a:p>
             <a:pPr marL="212597" indent="-212597" algn="l" defTabSz="543305">
@@ -3901,8 +6219,104 @@
               <a:defRPr sz="3534"/>
             </a:pPr>
             <a:r>
-              <a:t>Create a Flow to Issue a Dividend to Shareholders for a Fund</a:t>
-            </a:r>
+              <a:rPr lang="en-US" dirty="0" smtClean="0">
+                <a:latin typeface="Bradley Hand ITC" panose="03070402050302030203" pitchFamily="66" charset="0"/>
+              </a:rPr>
+              <a:t>Sell my share of fund</a:t>
+            </a:r>
+          </a:p>
+          <a:p>
+            <a:pPr marL="212597" indent="-212597" algn="l" defTabSz="543305">
+              <a:buSzPct val="100000"/>
+              <a:buChar char="•"/>
+              <a:defRPr sz="3534"/>
+            </a:pPr>
+            <a:endParaRPr dirty="0">
+              <a:latin typeface="Bradley Hand ITC" panose="03070402050302030203" pitchFamily="66" charset="0"/>
+            </a:endParaRPr>
+          </a:p>
+          <a:p>
+            <a:pPr marL="212597" indent="-212597" algn="l" defTabSz="543305">
+              <a:buSzPct val="100000"/>
+              <a:buChar char="•"/>
+              <a:defRPr sz="3534"/>
+            </a:pPr>
+            <a:r>
+              <a:rPr lang="en-US" dirty="0" smtClean="0">
+                <a:latin typeface="Bradley Hand ITC" panose="03070402050302030203" pitchFamily="66" charset="0"/>
+              </a:rPr>
+              <a:t>View Registered Property</a:t>
+            </a:r>
+          </a:p>
+          <a:p>
+            <a:pPr marL="212597" indent="-212597" algn="l" defTabSz="543305">
+              <a:buSzPct val="100000"/>
+              <a:buChar char="•"/>
+              <a:defRPr sz="3534"/>
+            </a:pPr>
+            <a:endParaRPr dirty="0">
+              <a:latin typeface="Bradley Hand ITC" panose="03070402050302030203" pitchFamily="66" charset="0"/>
+            </a:endParaRPr>
+          </a:p>
+          <a:p>
+            <a:pPr marL="212597" indent="-212597" algn="l" defTabSz="543305">
+              <a:buSzPct val="100000"/>
+              <a:buChar char="•"/>
+              <a:defRPr sz="3534"/>
+            </a:pPr>
+            <a:r>
+              <a:rPr lang="en-US" dirty="0" smtClean="0">
+                <a:latin typeface="Bradley Hand ITC" panose="03070402050302030203" pitchFamily="66" charset="0"/>
+              </a:rPr>
+              <a:t>View my Dividend</a:t>
+            </a:r>
+          </a:p>
+          <a:p>
+            <a:pPr marL="212597" indent="-212597" algn="l" defTabSz="543305">
+              <a:buSzPct val="100000"/>
+              <a:buChar char="•"/>
+              <a:defRPr sz="3534"/>
+            </a:pPr>
+            <a:endParaRPr dirty="0">
+              <a:latin typeface="Bradley Hand ITC" panose="03070402050302030203" pitchFamily="66" charset="0"/>
+            </a:endParaRPr>
+          </a:p>
+          <a:p>
+            <a:pPr marL="212597" indent="-212597" algn="l" defTabSz="543305">
+              <a:buSzPct val="100000"/>
+              <a:buChar char="•"/>
+              <a:defRPr sz="3534"/>
+            </a:pPr>
+            <a:r>
+              <a:rPr lang="en-US" dirty="0" smtClean="0">
+                <a:latin typeface="Bradley Hand ITC" panose="03070402050302030203" pitchFamily="66" charset="0"/>
+              </a:rPr>
+              <a:t>View all available funds</a:t>
+            </a:r>
+          </a:p>
+          <a:p>
+            <a:pPr algn="l" defTabSz="543305">
+              <a:buSzPct val="100000"/>
+              <a:defRPr sz="3534"/>
+            </a:pPr>
+            <a:endParaRPr lang="en-US" dirty="0" smtClean="0">
+              <a:latin typeface="Bradley Hand ITC" panose="03070402050302030203" pitchFamily="66" charset="0"/>
+            </a:endParaRPr>
+          </a:p>
+          <a:p>
+            <a:pPr algn="l" defTabSz="543305">
+              <a:buSzPct val="100000"/>
+              <a:defRPr sz="3534"/>
+            </a:pPr>
+            <a:r>
+              <a:rPr lang="en-US" sz="2000" dirty="0" smtClean="0">
+                <a:latin typeface="Bradley Hand ITC" panose="03070402050302030203" pitchFamily="66" charset="0"/>
+              </a:rPr>
+              <a:t>http://github.com/deepaverma79/cordacodeclub</a:t>
+            </a:r>
+            <a:endParaRPr sz="2000" dirty="0">
+              <a:latin typeface="Bradley Hand ITC" panose="03070402050302030203" pitchFamily="66" charset="0"/>
+            </a:endParaRPr>
           </a:p>
         </p:txBody>
       </p:sp>
@@ -3963,6 +6377,7 @@
                   <a:sym typeface="Century Gothic"/>
                 </a:defRPr>
               </a:pPr>
+              <a:endParaRPr/>
             </a:p>
           </p:txBody>
         </p:sp>
@@ -4016,7 +6431,7 @@
                   <a:spcBef>
                     <a:spcPts val="800"/>
                   </a:spcBef>
-                  <a:defRPr b="1" sz="1800">
+                  <a:defRPr sz="1800" b="1">
                     <a:solidFill>
                       <a:srgbClr val="FF0000"/>
                     </a:solidFill>
@@ -4026,6 +6441,7 @@
                     <a:sym typeface="Century Gothic"/>
                   </a:defRPr>
                 </a:pPr>
+                <a:endParaRPr/>
               </a:p>
             </p:txBody>
           </p:sp>
@@ -4051,7 +6467,7 @@
               <a:effectLst/>
               <a:extLst>
                 <a:ext uri="{C572A759-6A51-4108-AA02-DFA0A04FC94B}">
-                  <ma14:wrappingTextBoxFlag xmlns:ma14="http://schemas.microsoft.com/office/mac/drawingml/2011/main" val="1"/>
+                  <ma14:wrappingTextBoxFlag xmlns:ma14="http://schemas.microsoft.com/office/mac/drawingml/2011/main" xmlns:a14="http://schemas.microsoft.com/office/drawing/2010/main" xmlns:m="http://schemas.openxmlformats.org/officeDocument/2006/math" xmlns="" val="1"/>
                 </a:ext>
               </a:extLst>
             </p:spPr>
@@ -4062,7 +6478,7 @@
               <a:lstStyle/>
               <a:p>
                 <a:pPr defTabSz="1300480">
-                  <a:defRPr b="1" sz="1500">
+                  <a:defRPr sz="1500" b="1">
                     <a:solidFill>
                       <a:srgbClr val="000000"/>
                     </a:solidFill>
@@ -4073,16 +6489,51 @@
                   </a:defRPr>
                 </a:pPr>
                 <a:r>
+                  <a:rPr dirty="0" err="1"/>
                   <a:t>FundState</a:t>
                 </a:r>
-                <a:endParaRPr baseline="-28799"/>
+                <a:endParaRPr baseline="-28799" dirty="0"/>
               </a:p>
               <a:p>
                 <a:pPr algn="l" defTabSz="1300480">
                   <a:spcBef>
                     <a:spcPts val="800"/>
                   </a:spcBef>
-                  <a:defRPr b="1" sz="1200">
+                  <a:defRPr sz="1200" b="1">
+                    <a:solidFill>
+                      <a:srgbClr val="000000"/>
+                    </a:solidFill>
+                    <a:latin typeface="Century Gothic"/>
+                    <a:ea typeface="Century Gothic"/>
+                    <a:cs typeface="Century Gothic"/>
+                    <a:sym typeface="Century Gothic"/>
+                  </a:defRPr>
+                </a:pPr>
+                <a:endParaRPr dirty="0"/>
+              </a:p>
+              <a:p>
+                <a:pPr algn="l" defTabSz="1300480">
+                  <a:spcBef>
+                    <a:spcPts val="800"/>
+                  </a:spcBef>
+                  <a:defRPr sz="1200" b="1">
+                    <a:solidFill>
+                      <a:srgbClr val="000000"/>
+                    </a:solidFill>
+                    <a:latin typeface="Century Gothic"/>
+                    <a:ea typeface="Century Gothic"/>
+                    <a:cs typeface="Century Gothic"/>
+                    <a:sym typeface="Century Gothic"/>
+                  </a:defRPr>
+                </a:pPr>
+                <a:endParaRPr lang="en-US" dirty="0" smtClean="0"/>
+              </a:p>
+              <a:p>
+                <a:pPr algn="l" defTabSz="1300480">
+                  <a:spcBef>
+                    <a:spcPts val="800"/>
+                  </a:spcBef>
+                  <a:defRPr sz="1200" b="1">
                     <a:solidFill>
                       <a:srgbClr val="000000"/>
                     </a:solidFill>
@@ -4093,19 +6544,25 @@
                   </a:defRPr>
                 </a:pPr>
                 <a:r>
-                  <a:rPr baseline="-34499"/>
-                  <a:t>Name</a:t>
+                  <a:rPr dirty="0" smtClean="0"/>
+                  <a:t>Propert</a:t>
                 </a:r>
                 <a:r>
-                  <a:t> </a:t>
+                  <a:rPr lang="en-US" dirty="0" smtClean="0"/>
+                  <a:t>y</a:t>
                 </a:r>
+                <a:endParaRPr dirty="0">
+                  <a:solidFill>
+                    <a:srgbClr val="FFFFFF"/>
+                  </a:solidFill>
+                </a:endParaRPr>
               </a:p>
               <a:p>
                 <a:pPr algn="l" defTabSz="1300480">
                   <a:spcBef>
                     <a:spcPts val="800"/>
                   </a:spcBef>
-                  <a:defRPr b="1" sz="1200">
+                  <a:defRPr sz="1200" b="1">
                     <a:solidFill>
                       <a:srgbClr val="000000"/>
                     </a:solidFill>
@@ -4116,9 +6573,48 @@
                   </a:defRPr>
                 </a:pPr>
                 <a:r>
-                  <a:t>Properties </a:t>
+                  <a:rPr lang="en-US" dirty="0" smtClean="0"/>
+                  <a:t>Investors</a:t>
                 </a:r>
-                <a:endParaRPr>
+                <a:endParaRPr dirty="0"/>
+              </a:p>
+              <a:p>
+                <a:pPr algn="l" defTabSz="1300480">
+                  <a:spcBef>
+                    <a:spcPts val="800"/>
+                  </a:spcBef>
+                  <a:defRPr sz="1300" b="1">
+                    <a:solidFill>
+                      <a:srgbClr val="000000"/>
+                    </a:solidFill>
+                    <a:latin typeface="Century Gothic"/>
+                    <a:ea typeface="Century Gothic"/>
+                    <a:cs typeface="Century Gothic"/>
+                    <a:sym typeface="Century Gothic"/>
+                  </a:defRPr>
+                </a:pPr>
+                <a:r>
+                  <a:rPr lang="en-US" dirty="0" smtClean="0"/>
+                  <a:t>Fund Manager</a:t>
+                </a:r>
+                <a:endParaRPr dirty="0"/>
+              </a:p>
+              <a:p>
+                <a:pPr algn="l" defTabSz="1300480">
+                  <a:spcBef>
+                    <a:spcPts val="800"/>
+                  </a:spcBef>
+                  <a:defRPr sz="1800" b="1">
+                    <a:solidFill>
+                      <a:srgbClr val="000000"/>
+                    </a:solidFill>
+                    <a:latin typeface="Century Gothic"/>
+                    <a:ea typeface="Century Gothic"/>
+                    <a:cs typeface="Century Gothic"/>
+                    <a:sym typeface="Century Gothic"/>
+                  </a:defRPr>
+                </a:pPr>
+                <a:endParaRPr lang="en-US" dirty="0" smtClean="0">
                   <a:solidFill>
                     <a:srgbClr val="FFFFFF"/>
                   </a:solidFill>
@@ -4129,7 +6625,7 @@
                   <a:spcBef>
                     <a:spcPts val="800"/>
                   </a:spcBef>
-                  <a:defRPr b="1" sz="1200">
+                  <a:defRPr sz="1800" b="1">
                     <a:solidFill>
                       <a:srgbClr val="000000"/>
                     </a:solidFill>
@@ -4139,92 +6635,11 @@
                     <a:sym typeface="Century Gothic"/>
                   </a:defRPr>
                 </a:pPr>
-                <a:r>
-                  <a:t> Value</a:t>
-                </a:r>
-              </a:p>
-              <a:p>
-                <a:pPr algn="l" defTabSz="1300480">
-                  <a:spcBef>
-                    <a:spcPts val="800"/>
-                  </a:spcBef>
-                  <a:defRPr b="1" sz="1300">
-                    <a:solidFill>
-                      <a:srgbClr val="000000"/>
-                    </a:solidFill>
-                    <a:latin typeface="Century Gothic"/>
-                    <a:ea typeface="Century Gothic"/>
-                    <a:cs typeface="Century Gothic"/>
-                    <a:sym typeface="Century Gothic"/>
-                  </a:defRPr>
-                </a:pPr>
-                <a:r>
-                  <a:t>ShareHolders</a:t>
-                </a:r>
-              </a:p>
-              <a:p>
-                <a:pPr algn="l" defTabSz="1300480">
-                  <a:spcBef>
-                    <a:spcPts val="800"/>
-                  </a:spcBef>
-                  <a:defRPr b="1" sz="1800">
-                    <a:solidFill>
-                      <a:srgbClr val="000000"/>
-                    </a:solidFill>
-                    <a:latin typeface="Century Gothic"/>
-                    <a:ea typeface="Century Gothic"/>
-                    <a:cs typeface="Century Gothic"/>
-                    <a:sym typeface="Century Gothic"/>
-                  </a:defRPr>
-                </a:pPr>
-              </a:p>
-              <a:p>
-                <a:pPr algn="l" defTabSz="1300480">
-                  <a:spcBef>
-                    <a:spcPts val="800"/>
-                  </a:spcBef>
-                  <a:defRPr b="1" sz="1800">
-                    <a:solidFill>
-                      <a:srgbClr val="000000"/>
-                    </a:solidFill>
-                    <a:latin typeface="Century Gothic"/>
-                    <a:ea typeface="Century Gothic"/>
-                    <a:cs typeface="Century Gothic"/>
-                    <a:sym typeface="Century Gothic"/>
-                  </a:defRPr>
-                </a:pPr>
-                <a:endParaRPr>
+                <a:endParaRPr lang="en-US" dirty="0">
                   <a:solidFill>
                     <a:srgbClr val="FFFFFF"/>
                   </a:solidFill>
                 </a:endParaRPr>
-              </a:p>
-              <a:p>
-                <a:pPr algn="l" defTabSz="1300480">
-                  <a:spcBef>
-                    <a:spcPts val="800"/>
-                  </a:spcBef>
-                  <a:defRPr b="1" sz="1800">
-                    <a:solidFill>
-                      <a:srgbClr val="000000"/>
-                    </a:solidFill>
-                    <a:latin typeface="Century Gothic"/>
-                    <a:ea typeface="Century Gothic"/>
-                    <a:cs typeface="Century Gothic"/>
-                    <a:sym typeface="Century Gothic"/>
-                  </a:defRPr>
-                </a:pPr>
-                <a:r>
-                  <a:t> amount </a:t>
-                </a:r>
-                <a:r>
-                  <a:rPr>
-                    <a:solidFill>
-                      <a:srgbClr val="FF0000"/>
-                    </a:solidFill>
-                  </a:rPr>
-                  <a:t>&gt; 0</a:t>
-                </a:r>
               </a:p>
             </p:txBody>
           </p:sp>
@@ -4245,7 +6660,7 @@
             </a:prstGeom>
             <a:blipFill rotWithShape="1">
               <a:blip r:embed="rId3"/>
-              <a:srcRect l="0" t="0" r="0" b="0"/>
+              <a:srcRect/>
               <a:tile tx="0" ty="0" sx="100000" sy="100000" flip="none" algn="tl"/>
             </a:blipFill>
             <a:ln w="25400" cap="flat">
@@ -4264,7 +6679,7 @@
             <a:lstStyle/>
             <a:p>
               <a:pPr defTabSz="1300480">
-                <a:defRPr b="1" sz="1400">
+                <a:defRPr sz="1400" b="1">
                   <a:solidFill>
                     <a:srgbClr val="000000"/>
                   </a:solidFill>
@@ -4274,6 +6689,7 @@
                   <a:sym typeface="Century Gothic"/>
                 </a:defRPr>
               </a:pPr>
+              <a:endParaRPr/>
             </a:p>
           </p:txBody>
         </p:sp>
@@ -4334,6 +6750,7 @@
                     <a:sym typeface="Century Gothic"/>
                   </a:defRPr>
                 </a:pPr>
+                <a:endParaRPr/>
               </a:p>
             </p:txBody>
           </p:sp>
@@ -4359,7 +6776,7 @@
               <a:effectLst/>
               <a:extLst>
                 <a:ext uri="{C572A759-6A51-4108-AA02-DFA0A04FC94B}">
-                  <ma14:wrappingTextBoxFlag xmlns:ma14="http://schemas.microsoft.com/office/mac/drawingml/2011/main" val="1"/>
+                  <ma14:wrappingTextBoxFlag xmlns:ma14="http://schemas.microsoft.com/office/mac/drawingml/2011/main" xmlns:a14="http://schemas.microsoft.com/office/drawing/2010/main" xmlns:m="http://schemas.openxmlformats.org/officeDocument/2006/math" xmlns="" val="1"/>
                 </a:ext>
               </a:extLst>
             </p:spPr>
@@ -4370,7 +6787,7 @@
               <a:lstStyle/>
               <a:p>
                 <a:pPr defTabSz="1300480">
-                  <a:defRPr b="1" sz="2400">
+                  <a:defRPr sz="2400" b="1">
                     <a:solidFill>
                       <a:srgbClr val="FFFFFF"/>
                     </a:solidFill>
@@ -4381,24 +6798,14 @@
                   </a:defRPr>
                 </a:pPr>
                 <a:r>
-                  <a:t>Issue</a:t>
+                  <a:rPr dirty="0" smtClean="0"/>
+                  <a:t>Issu</a:t>
                 </a:r>
-              </a:p>
-              <a:p>
-                <a:pPr defTabSz="1300480">
-                  <a:defRPr sz="2400">
-                    <a:solidFill>
-                      <a:srgbClr val="FFFFFF"/>
-                    </a:solidFill>
-                    <a:latin typeface="Century Gothic"/>
-                    <a:ea typeface="Century Gothic"/>
-                    <a:cs typeface="Century Gothic"/>
-                    <a:sym typeface="Century Gothic"/>
-                  </a:defRPr>
-                </a:pPr>
                 <a:r>
-                  <a:t>(issuer)</a:t>
+                  <a:rPr lang="en-US" dirty="0" smtClean="0"/>
+                  <a:t>e</a:t>
                 </a:r>
+                <a:endParaRPr dirty="0"/>
               </a:p>
             </p:txBody>
           </p:sp>
@@ -4441,10 +6848,10 @@
         </p:nvGrpSpPr>
         <p:grpSpPr>
           <a:xfrm>
-            <a:off x="6479278" y="4510804"/>
-            <a:ext cx="6091444" cy="1409571"/>
-            <a:chOff x="0" y="0"/>
-            <a:chExt cx="6091442" cy="1409569"/>
+            <a:off x="6479278" y="4577802"/>
+            <a:ext cx="6091445" cy="1441998"/>
+            <a:chOff x="0" y="66998"/>
+            <a:chExt cx="6091443" cy="1441996"/>
           </a:xfrm>
         </p:grpSpPr>
         <p:sp>
@@ -4455,7 +6862,7 @@
           </p:nvSpPr>
           <p:spPr>
             <a:xfrm>
-              <a:off x="0" y="-1"/>
+              <a:off x="0" y="99423"/>
               <a:ext cx="6091443" cy="1409571"/>
             </a:xfrm>
             <a:prstGeom prst="rect">
@@ -4490,6 +6897,7 @@
                   <a:sym typeface="Century Gothic"/>
                 </a:defRPr>
               </a:pPr>
+              <a:endParaRPr/>
             </a:p>
           </p:txBody>
         </p:sp>
@@ -4501,10 +6909,10 @@
           </p:nvGrpSpPr>
           <p:grpSpPr>
             <a:xfrm>
-              <a:off x="4109882" y="66999"/>
-              <a:ext cx="1779557" cy="1275571"/>
-              <a:chOff x="0" y="-79707"/>
-              <a:chExt cx="1779555" cy="1275570"/>
+              <a:off x="4109881" y="66998"/>
+              <a:ext cx="1779559" cy="1275572"/>
+              <a:chOff x="-1" y="-79708"/>
+              <a:chExt cx="1779557" cy="1275571"/>
             </a:xfrm>
           </p:grpSpPr>
           <p:sp>
@@ -4543,7 +6951,7 @@
                   <a:spcBef>
                     <a:spcPts val="800"/>
                   </a:spcBef>
-                  <a:defRPr b="1" sz="1800">
+                  <a:defRPr sz="1800" b="1">
                     <a:solidFill>
                       <a:srgbClr val="FF0000"/>
                     </a:solidFill>
@@ -4553,6 +6961,7 @@
                     <a:sym typeface="Century Gothic"/>
                   </a:defRPr>
                 </a:pPr>
+                <a:endParaRPr/>
               </a:p>
             </p:txBody>
           </p:sp>
@@ -4578,7 +6987,7 @@
               <a:effectLst/>
               <a:extLst>
                 <a:ext uri="{C572A759-6A51-4108-AA02-DFA0A04FC94B}">
-                  <ma14:wrappingTextBoxFlag xmlns:ma14="http://schemas.microsoft.com/office/mac/drawingml/2011/main" val="1"/>
+                  <ma14:wrappingTextBoxFlag xmlns:ma14="http://schemas.microsoft.com/office/mac/drawingml/2011/main" xmlns:a14="http://schemas.microsoft.com/office/drawing/2010/main" xmlns:m="http://schemas.openxmlformats.org/officeDocument/2006/math" xmlns="" val="1"/>
                 </a:ext>
               </a:extLst>
             </p:spPr>
@@ -4589,7 +6998,7 @@
               <a:lstStyle/>
               <a:p>
                 <a:pPr defTabSz="1300480">
-                  <a:defRPr b="1" sz="1500">
+                  <a:defRPr sz="1500" b="1">
                     <a:solidFill>
                       <a:srgbClr val="000000"/>
                     </a:solidFill>
@@ -4600,16 +7009,34 @@
                   </a:defRPr>
                 </a:pPr>
                 <a:r>
+                  <a:rPr dirty="0" err="1"/>
                   <a:t>DividendState</a:t>
                 </a:r>
-                <a:endParaRPr baseline="-28799"/>
+                <a:endParaRPr baseline="-28799" dirty="0"/>
               </a:p>
               <a:p>
                 <a:pPr algn="l" defTabSz="1300480">
                   <a:spcBef>
                     <a:spcPts val="800"/>
                   </a:spcBef>
-                  <a:defRPr b="1" sz="1800">
+                  <a:defRPr sz="1800" b="1">
+                    <a:solidFill>
+                      <a:srgbClr val="000000"/>
+                    </a:solidFill>
+                    <a:latin typeface="Century Gothic"/>
+                    <a:ea typeface="Century Gothic"/>
+                    <a:cs typeface="Century Gothic"/>
+                    <a:sym typeface="Century Gothic"/>
+                  </a:defRPr>
+                </a:pPr>
+                <a:endParaRPr lang="en-US" sz="1300" dirty="0" smtClean="0"/>
+              </a:p>
+              <a:p>
+                <a:pPr algn="l" defTabSz="1300480">
+                  <a:spcBef>
+                    <a:spcPts val="800"/>
+                  </a:spcBef>
+                  <a:defRPr sz="1800" b="1">
                     <a:solidFill>
                       <a:srgbClr val="000000"/>
                     </a:solidFill>
@@ -4620,13 +7047,14 @@
                   </a:defRPr>
                 </a:pPr>
                 <a:r>
-                  <a:t> </a:t>
+                  <a:rPr sz="1300" dirty="0" smtClean="0"/>
+                  <a:t>Fund </a:t>
                 </a:r>
                 <a:r>
-                  <a:rPr sz="1300"/>
-                  <a:t>Fund Name </a:t>
+                  <a:rPr sz="1300" dirty="0"/>
+                  <a:t>Name </a:t>
                 </a:r>
-                <a:endParaRPr sz="1300">
+                <a:endParaRPr sz="1300" dirty="0">
                   <a:solidFill>
                     <a:srgbClr val="FFFFFF"/>
                   </a:solidFill>
@@ -4637,7 +7065,7 @@
                   <a:spcBef>
                     <a:spcPts val="800"/>
                   </a:spcBef>
-                  <a:defRPr b="1" sz="1300">
+                  <a:defRPr sz="1300" b="1">
                     <a:solidFill>
                       <a:srgbClr val="000000"/>
                     </a:solidFill>
@@ -4648,6 +7076,7 @@
                   </a:defRPr>
                 </a:pPr>
                 <a:r>
+                  <a:rPr dirty="0"/>
                   <a:t> Value</a:t>
                 </a:r>
               </a:p>
@@ -4656,7 +7085,7 @@
                   <a:spcBef>
                     <a:spcPts val="800"/>
                   </a:spcBef>
-                  <a:defRPr b="1" sz="1800">
+                  <a:defRPr sz="1800" b="1">
                     <a:solidFill>
                       <a:srgbClr val="000000"/>
                     </a:solidFill>
@@ -4666,13 +7095,14 @@
                     <a:sym typeface="Century Gothic"/>
                   </a:defRPr>
                 </a:pPr>
+                <a:endParaRPr dirty="0"/>
               </a:p>
               <a:p>
                 <a:pPr algn="l" defTabSz="1300480">
                   <a:spcBef>
                     <a:spcPts val="800"/>
                   </a:spcBef>
-                  <a:defRPr b="1" sz="1800">
+                  <a:defRPr sz="1800" b="1">
                     <a:solidFill>
                       <a:srgbClr val="000000"/>
                     </a:solidFill>
@@ -4682,7 +7112,7 @@
                     <a:sym typeface="Century Gothic"/>
                   </a:defRPr>
                 </a:pPr>
-                <a:endParaRPr>
+                <a:endParaRPr dirty="0">
                   <a:solidFill>
                     <a:srgbClr val="FFFFFF"/>
                   </a:solidFill>
@@ -4693,7 +7123,7 @@
                   <a:spcBef>
                     <a:spcPts val="800"/>
                   </a:spcBef>
-                  <a:defRPr b="1" sz="1800">
+                  <a:defRPr sz="1800" b="1">
                     <a:solidFill>
                       <a:srgbClr val="000000"/>
                     </a:solidFill>
@@ -4703,17 +7133,11 @@
                     <a:sym typeface="Century Gothic"/>
                   </a:defRPr>
                 </a:pPr>
-                <a:r>
-                  <a:t> amount </a:t>
-                </a:r>
-                <a:r>
-                  <a:rPr>
-                    <a:solidFill>
-                      <a:srgbClr val="FF0000"/>
-                    </a:solidFill>
-                  </a:rPr>
-                  <a:t>&gt; 0</a:t>
-                </a:r>
+                <a:endParaRPr dirty="0">
+                  <a:solidFill>
+                    <a:srgbClr val="FF0000"/>
+                  </a:solidFill>
+                </a:endParaRPr>
               </a:p>
             </p:txBody>
           </p:sp>
@@ -4734,7 +7158,7 @@
             </a:prstGeom>
             <a:blipFill rotWithShape="1">
               <a:blip r:embed="rId3"/>
-              <a:srcRect l="0" t="0" r="0" b="0"/>
+              <a:srcRect/>
               <a:tile tx="0" ty="0" sx="100000" sy="100000" flip="none" algn="tl"/>
             </a:blipFill>
             <a:ln w="25400" cap="flat">
@@ -4753,7 +7177,7 @@
             <a:lstStyle/>
             <a:p>
               <a:pPr defTabSz="1300480">
-                <a:defRPr b="1" sz="1400">
+                <a:defRPr sz="1400" b="1">
                   <a:solidFill>
                     <a:srgbClr val="000000"/>
                   </a:solidFill>
@@ -4763,6 +7187,7 @@
                   <a:sym typeface="Century Gothic"/>
                 </a:defRPr>
               </a:pPr>
+              <a:endParaRPr/>
             </a:p>
           </p:txBody>
         </p:sp>
@@ -4823,6 +7248,7 @@
                     <a:sym typeface="Century Gothic"/>
                   </a:defRPr>
                 </a:pPr>
+                <a:endParaRPr/>
               </a:p>
             </p:txBody>
           </p:sp>
@@ -4848,7 +7274,7 @@
               <a:effectLst/>
               <a:extLst>
                 <a:ext uri="{C572A759-6A51-4108-AA02-DFA0A04FC94B}">
-                  <ma14:wrappingTextBoxFlag xmlns:ma14="http://schemas.microsoft.com/office/mac/drawingml/2011/main" val="1"/>
+                  <ma14:wrappingTextBoxFlag xmlns:ma14="http://schemas.microsoft.com/office/mac/drawingml/2011/main" xmlns:a14="http://schemas.microsoft.com/office/drawing/2010/main" xmlns:m="http://schemas.openxmlformats.org/officeDocument/2006/math" xmlns="" val="1"/>
                 </a:ext>
               </a:extLst>
             </p:spPr>
@@ -4859,7 +7285,7 @@
               <a:lstStyle/>
               <a:p>
                 <a:pPr defTabSz="1300480">
-                  <a:defRPr b="1" sz="2400">
+                  <a:defRPr sz="2400" b="1">
                     <a:solidFill>
                       <a:srgbClr val="FFFFFF"/>
                     </a:solidFill>
@@ -4870,24 +7296,10 @@
                   </a:defRPr>
                 </a:pPr>
                 <a:r>
+                  <a:rPr lang="en-GB" sz="2400" dirty="0" smtClean="0"/>
                   <a:t>Issue</a:t>
                 </a:r>
-              </a:p>
-              <a:p>
-                <a:pPr defTabSz="1300480">
-                  <a:defRPr sz="2400">
-                    <a:solidFill>
-                      <a:srgbClr val="FFFFFF"/>
-                    </a:solidFill>
-                    <a:latin typeface="Century Gothic"/>
-                    <a:ea typeface="Century Gothic"/>
-                    <a:cs typeface="Century Gothic"/>
-                    <a:sym typeface="Century Gothic"/>
-                  </a:defRPr>
-                </a:pPr>
-                <a:r>
-                  <a:t>(issuer)</a:t>
-                </a:r>
+                <a:endParaRPr sz="2400" dirty="0"/>
               </a:p>
             </p:txBody>
           </p:sp>
@@ -4898,107 +7310,19 @@
   <p:clrMapOvr>
     <a:masterClrMapping/>
   </p:clrMapOvr>
-  <p:transition xmlns:p14="http://schemas.microsoft.com/office/powerpoint/2010/main" spd="med" advClick="1"/>
-</p:sld>
-</file>
-
-<file path=ppt/slides/slide7.xml><?xml version="1.0" encoding="utf-8"?>
-<p:sld xmlns:a="http://schemas.openxmlformats.org/drawingml/2006/main" xmlns:r="http://schemas.openxmlformats.org/officeDocument/2006/relationships" xmlns:p="http://schemas.openxmlformats.org/presentationml/2006/main" xmlns:m="http://schemas.openxmlformats.org/officeDocument/2006/math" xmlns:a14="http://schemas.microsoft.com/office/drawing/2010/main" showMasterSp="1" showMasterPhAnim="1">
-  <p:cSld>
-    <p:spTree>
-      <p:nvGrpSpPr>
-        <p:cNvPr id="1" name=""/>
-        <p:cNvGrpSpPr/>
-        <p:nvPr/>
-      </p:nvGrpSpPr>
-      <p:grpSpPr>
-        <a:xfrm>
-          <a:off x="0" y="0"/>
-          <a:ext cx="0" cy="0"/>
-          <a:chOff x="0" y="0"/>
-          <a:chExt cx="0" cy="0"/>
-        </a:xfrm>
-      </p:grpSpPr>
-      <p:sp>
-        <p:nvSpPr>
-          <p:cNvPr id="157" name="Phase 2…"/>
-          <p:cNvSpPr txBox="1"/>
-          <p:nvPr>
-            <p:ph type="body" sz="half" idx="1"/>
-          </p:nvPr>
-        </p:nvSpPr>
-        <p:spPr>
-          <a:xfrm>
-            <a:off x="355600" y="280342"/>
-            <a:ext cx="5892800" cy="8495358"/>
-          </a:xfrm>
-          <a:prstGeom prst="rect">
-            <a:avLst/>
-          </a:prstGeom>
-        </p:spPr>
-        <p:txBody>
-          <a:bodyPr/>
-          <a:lstStyle/>
-          <a:p>
-            <a:pPr/>
-            <a:r>
-              <a:t>Phase 2</a:t>
-            </a:r>
-          </a:p>
-          <a:p>
-            <a:pPr/>
-          </a:p>
-          <a:p>
-            <a:pPr/>
-            <a:r>
-              <a:rPr u="sng">
-                <a:hlinkClick r:id="rId2" invalidUrl="" action="" tgtFrame="" tooltip="" history="1" highlightClick="0" endSnd="0"/>
-              </a:rPr>
-              <a:t>https://github.com/corda/observer-cordapp</a:t>
-            </a:r>
-          </a:p>
-        </p:txBody>
-      </p:sp>
-      <p:pic>
-        <p:nvPicPr>
-          <p:cNvPr id="158" name="bulding.png" descr="bulding.png"/>
-          <p:cNvPicPr>
-            <a:picLocks noChangeAspect="1"/>
-          </p:cNvPicPr>
-          <p:nvPr/>
-        </p:nvPicPr>
-        <p:blipFill>
-          <a:blip r:embed="rId3">
-            <a:extLst/>
-          </a:blip>
-          <a:stretch>
-            <a:fillRect/>
-          </a:stretch>
-        </p:blipFill>
-        <p:spPr>
-          <a:xfrm>
-            <a:off x="6848758" y="7301824"/>
-            <a:ext cx="5216242" cy="1879681"/>
-          </a:xfrm>
-          <a:prstGeom prst="rect">
-            <a:avLst/>
-          </a:prstGeom>
-          <a:ln w="12700">
-            <a:miter lim="400000"/>
-          </a:ln>
-        </p:spPr>
-      </p:pic>
-    </p:spTree>
-  </p:cSld>
-  <p:clrMapOvr>
-    <a:masterClrMapping/>
-  </p:clrMapOvr>
-  <p:transition xmlns:p14="http://schemas.microsoft.com/office/powerpoint/2010/main" spd="med" advClick="1"/>
+  <p:transition spd="med"/>
+  <p:timing>
+    <p:tnLst>
+      <p:par>
+        <p:cTn id="1" dur="indefinite" restart="never" nodeType="tmRoot"/>
+      </p:par>
+    </p:tnLst>
+  </p:timing>
 </p:sld>
 </file>
 
 <file path=ppt/theme/theme1.xml><?xml version="1.0" encoding="utf-8"?>
-<a:theme xmlns:a="http://schemas.openxmlformats.org/drawingml/2006/main" xmlns:r="http://schemas.openxmlformats.org/officeDocument/2006/relationships" name="Showroom">
+<a:theme xmlns:a="http://schemas.openxmlformats.org/drawingml/2006/main" name="Showroom">
   <a:themeElements>
     <a:clrScheme name="Showroom">
       <a:dk1>
@@ -5197,7 +7521,7 @@
         <a:effectLst/>
         <a:sp3d/>
       </a:spPr>
-      <a:bodyPr rot="0" spcFirstLastPara="1" vertOverflow="overflow" horzOverflow="overflow" vert="horz" wrap="square" lIns="50800" tIns="50800" rIns="50800" bIns="50800" numCol="1" spcCol="38100" rtlCol="0" anchor="ctr" upright="0">
+      <a:bodyPr rot="0" spcFirstLastPara="1" vertOverflow="overflow" horzOverflow="overflow" vert="horz" wrap="square" lIns="50800" tIns="50800" rIns="50800" bIns="50800" numCol="1" spcCol="38100" rtlCol="0" anchor="ctr">
         <a:spAutoFit/>
       </a:bodyPr>
       <a:lstStyle>
@@ -5216,7 +7540,7 @@
           <a:buFontTx/>
           <a:buNone/>
           <a:tabLst/>
-          <a:defRPr b="0" baseline="0" cap="none" i="0" spc="0" strike="noStrike" sz="3600" u="none" kumimoji="0" normalizeH="0">
+          <a:defRPr kumimoji="0" sz="3600" b="0" i="0" u="none" strike="noStrike" cap="none" spc="0" normalizeH="0" baseline="0">
             <a:ln>
               <a:noFill/>
             </a:ln>
@@ -5246,7 +7570,7 @@
           <a:buFontTx/>
           <a:buNone/>
           <a:tabLst/>
-          <a:defRPr b="0" baseline="0" cap="none" i="0" spc="0" strike="noStrike" sz="1800" u="none" kumimoji="0" normalizeH="0">
+          <a:defRPr kumimoji="0" sz="1800" b="0" i="0" u="none" strike="noStrike" cap="none" spc="0" normalizeH="0" baseline="0">
             <a:ln>
               <a:noFill/>
             </a:ln>
@@ -5272,7 +7596,7 @@
           <a:buFontTx/>
           <a:buNone/>
           <a:tabLst/>
-          <a:defRPr b="0" baseline="0" cap="none" i="0" spc="0" strike="noStrike" sz="1800" u="none" kumimoji="0" normalizeH="0">
+          <a:defRPr kumimoji="0" sz="1800" b="0" i="0" u="none" strike="noStrike" cap="none" spc="0" normalizeH="0" baseline="0">
             <a:ln>
               <a:noFill/>
             </a:ln>
@@ -5298,7 +7622,7 @@
           <a:buFontTx/>
           <a:buNone/>
           <a:tabLst/>
-          <a:defRPr b="0" baseline="0" cap="none" i="0" spc="0" strike="noStrike" sz="1800" u="none" kumimoji="0" normalizeH="0">
+          <a:defRPr kumimoji="0" sz="1800" b="0" i="0" u="none" strike="noStrike" cap="none" spc="0" normalizeH="0" baseline="0">
             <a:ln>
               <a:noFill/>
             </a:ln>
@@ -5324,7 +7648,7 @@
           <a:buFontTx/>
           <a:buNone/>
           <a:tabLst/>
-          <a:defRPr b="0" baseline="0" cap="none" i="0" spc="0" strike="noStrike" sz="1800" u="none" kumimoji="0" normalizeH="0">
+          <a:defRPr kumimoji="0" sz="1800" b="0" i="0" u="none" strike="noStrike" cap="none" spc="0" normalizeH="0" baseline="0">
             <a:ln>
               <a:noFill/>
             </a:ln>
@@ -5350,7 +7674,7 @@
           <a:buFontTx/>
           <a:buNone/>
           <a:tabLst/>
-          <a:defRPr b="0" baseline="0" cap="none" i="0" spc="0" strike="noStrike" sz="1800" u="none" kumimoji="0" normalizeH="0">
+          <a:defRPr kumimoji="0" sz="1800" b="0" i="0" u="none" strike="noStrike" cap="none" spc="0" normalizeH="0" baseline="0">
             <a:ln>
               <a:noFill/>
             </a:ln>
@@ -5376,7 +7700,7 @@
           <a:buFontTx/>
           <a:buNone/>
           <a:tabLst/>
-          <a:defRPr b="0" baseline="0" cap="none" i="0" spc="0" strike="noStrike" sz="1800" u="none" kumimoji="0" normalizeH="0">
+          <a:defRPr kumimoji="0" sz="1800" b="0" i="0" u="none" strike="noStrike" cap="none" spc="0" normalizeH="0" baseline="0">
             <a:ln>
               <a:noFill/>
             </a:ln>
@@ -5402,7 +7726,7 @@
           <a:buFontTx/>
           <a:buNone/>
           <a:tabLst/>
-          <a:defRPr b="0" baseline="0" cap="none" i="0" spc="0" strike="noStrike" sz="1800" u="none" kumimoji="0" normalizeH="0">
+          <a:defRPr kumimoji="0" sz="1800" b="0" i="0" u="none" strike="noStrike" cap="none" spc="0" normalizeH="0" baseline="0">
             <a:ln>
               <a:noFill/>
             </a:ln>
@@ -5428,7 +7752,7 @@
           <a:buFontTx/>
           <a:buNone/>
           <a:tabLst/>
-          <a:defRPr b="0" baseline="0" cap="none" i="0" spc="0" strike="noStrike" sz="1800" u="none" kumimoji="0" normalizeH="0">
+          <a:defRPr kumimoji="0" sz="1800" b="0" i="0" u="none" strike="noStrike" cap="none" spc="0" normalizeH="0" baseline="0">
             <a:ln>
               <a:noFill/>
             </a:ln>
@@ -5454,7 +7778,7 @@
           <a:buFontTx/>
           <a:buNone/>
           <a:tabLst/>
-          <a:defRPr b="0" baseline="0" cap="none" i="0" spc="0" strike="noStrike" sz="1800" u="none" kumimoji="0" normalizeH="0">
+          <a:defRPr kumimoji="0" sz="1800" b="0" i="0" u="none" strike="noStrike" cap="none" spc="0" normalizeH="0" baseline="0">
             <a:ln>
               <a:noFill/>
             </a:ln>
@@ -5467,9 +7791,15 @@
         </a:lvl9pPr>
       </a:lstStyle>
       <a:style>
-        <a:lnRef idx="0"/>
-        <a:fillRef idx="0"/>
-        <a:effectRef idx="0"/>
+        <a:lnRef idx="0">
+          <a:scrgbClr r="0" g="0" b="0"/>
+        </a:lnRef>
+        <a:fillRef idx="0">
+          <a:scrgbClr r="0" g="0" b="0"/>
+        </a:fillRef>
+        <a:effectRef idx="0">
+          <a:scrgbClr r="0" g="0" b="0"/>
+        </a:effectRef>
         <a:fontRef idx="none"/>
       </a:style>
     </a:spDef>
@@ -5486,7 +7816,7 @@
         <a:effectLst/>
         <a:sp3d/>
       </a:spPr>
-      <a:bodyPr rot="0" spcFirstLastPara="1" vertOverflow="overflow" horzOverflow="overflow" vert="horz" wrap="square" lIns="91439" tIns="45719" rIns="91439" bIns="45719" numCol="1" spcCol="38100" rtlCol="0" anchor="t" upright="0">
+      <a:bodyPr rot="0" spcFirstLastPara="1" vertOverflow="overflow" horzOverflow="overflow" vert="horz" wrap="square" lIns="91439" tIns="45719" rIns="91439" bIns="45719" numCol="1" spcCol="38100" rtlCol="0" anchor="t">
         <a:noAutofit/>
       </a:bodyPr>
       <a:lstStyle>
@@ -5505,7 +7835,7 @@
           <a:buFontTx/>
           <a:buNone/>
           <a:tabLst/>
-          <a:defRPr b="0" baseline="0" cap="none" i="0" spc="0" strike="noStrike" sz="1800" u="none" kumimoji="0" normalizeH="0">
+          <a:defRPr kumimoji="0" sz="1800" b="0" i="0" u="none" strike="noStrike" cap="none" spc="0" normalizeH="0" baseline="0">
             <a:ln>
               <a:noFill/>
             </a:ln>
@@ -5531,7 +7861,7 @@
           <a:buFontTx/>
           <a:buNone/>
           <a:tabLst/>
-          <a:defRPr b="0" baseline="0" cap="none" i="0" spc="0" strike="noStrike" sz="1800" u="none" kumimoji="0" normalizeH="0">
+          <a:defRPr kumimoji="0" sz="1800" b="0" i="0" u="none" strike="noStrike" cap="none" spc="0" normalizeH="0" baseline="0">
             <a:ln>
               <a:noFill/>
             </a:ln>
@@ -5557,7 +7887,7 @@
           <a:buFontTx/>
           <a:buNone/>
           <a:tabLst/>
-          <a:defRPr b="0" baseline="0" cap="none" i="0" spc="0" strike="noStrike" sz="1800" u="none" kumimoji="0" normalizeH="0">
+          <a:defRPr kumimoji="0" sz="1800" b="0" i="0" u="none" strike="noStrike" cap="none" spc="0" normalizeH="0" baseline="0">
             <a:ln>
               <a:noFill/>
             </a:ln>
@@ -5583,7 +7913,7 @@
           <a:buFontTx/>
           <a:buNone/>
           <a:tabLst/>
-          <a:defRPr b="0" baseline="0" cap="none" i="0" spc="0" strike="noStrike" sz="1800" u="none" kumimoji="0" normalizeH="0">
+          <a:defRPr kumimoji="0" sz="1800" b="0" i="0" u="none" strike="noStrike" cap="none" spc="0" normalizeH="0" baseline="0">
             <a:ln>
               <a:noFill/>
             </a:ln>
@@ -5609,7 +7939,7 @@
           <a:buFontTx/>
           <a:buNone/>
           <a:tabLst/>
-          <a:defRPr b="0" baseline="0" cap="none" i="0" spc="0" strike="noStrike" sz="1800" u="none" kumimoji="0" normalizeH="0">
+          <a:defRPr kumimoji="0" sz="1800" b="0" i="0" u="none" strike="noStrike" cap="none" spc="0" normalizeH="0" baseline="0">
             <a:ln>
               <a:noFill/>
             </a:ln>
@@ -5635,7 +7965,7 @@
           <a:buFontTx/>
           <a:buNone/>
           <a:tabLst/>
-          <a:defRPr b="0" baseline="0" cap="none" i="0" spc="0" strike="noStrike" sz="1800" u="none" kumimoji="0" normalizeH="0">
+          <a:defRPr kumimoji="0" sz="1800" b="0" i="0" u="none" strike="noStrike" cap="none" spc="0" normalizeH="0" baseline="0">
             <a:ln>
               <a:noFill/>
             </a:ln>
@@ -5661,7 +7991,7 @@
           <a:buFontTx/>
           <a:buNone/>
           <a:tabLst/>
-          <a:defRPr b="0" baseline="0" cap="none" i="0" spc="0" strike="noStrike" sz="1800" u="none" kumimoji="0" normalizeH="0">
+          <a:defRPr kumimoji="0" sz="1800" b="0" i="0" u="none" strike="noStrike" cap="none" spc="0" normalizeH="0" baseline="0">
             <a:ln>
               <a:noFill/>
             </a:ln>
@@ -5687,7 +8017,7 @@
           <a:buFontTx/>
           <a:buNone/>
           <a:tabLst/>
-          <a:defRPr b="0" baseline="0" cap="none" i="0" spc="0" strike="noStrike" sz="1800" u="none" kumimoji="0" normalizeH="0">
+          <a:defRPr kumimoji="0" sz="1800" b="0" i="0" u="none" strike="noStrike" cap="none" spc="0" normalizeH="0" baseline="0">
             <a:ln>
               <a:noFill/>
             </a:ln>
@@ -5713,7 +8043,7 @@
           <a:buFontTx/>
           <a:buNone/>
           <a:tabLst/>
-          <a:defRPr b="0" baseline="0" cap="none" i="0" spc="0" strike="noStrike" sz="1800" u="none" kumimoji="0" normalizeH="0">
+          <a:defRPr kumimoji="0" sz="1800" b="0" i="0" u="none" strike="noStrike" cap="none" spc="0" normalizeH="0" baseline="0">
             <a:ln>
               <a:noFill/>
             </a:ln>
@@ -5739,7 +8069,7 @@
           <a:buFontTx/>
           <a:buNone/>
           <a:tabLst/>
-          <a:defRPr b="0" baseline="0" cap="none" i="0" spc="0" strike="noStrike" sz="1800" u="none" kumimoji="0" normalizeH="0">
+          <a:defRPr kumimoji="0" sz="1800" b="0" i="0" u="none" strike="noStrike" cap="none" spc="0" normalizeH="0" baseline="0">
             <a:ln>
               <a:noFill/>
             </a:ln>
@@ -5752,9 +8082,15 @@
         </a:lvl9pPr>
       </a:lstStyle>
       <a:style>
-        <a:lnRef idx="0"/>
-        <a:fillRef idx="0"/>
-        <a:effectRef idx="0"/>
+        <a:lnRef idx="0">
+          <a:scrgbClr r="0" g="0" b="0"/>
+        </a:lnRef>
+        <a:fillRef idx="0">
+          <a:scrgbClr r="0" g="0" b="0"/>
+        </a:fillRef>
+        <a:effectRef idx="0">
+          <a:scrgbClr r="0" g="0" b="0"/>
+        </a:effectRef>
         <a:fontRef idx="none"/>
       </a:style>
     </a:lnDef>
@@ -5768,7 +8104,7 @@
         <a:effectLst/>
         <a:sp3d/>
       </a:spPr>
-      <a:bodyPr rot="0" spcFirstLastPara="1" vertOverflow="overflow" horzOverflow="overflow" vert="horz" wrap="square" lIns="50800" tIns="50800" rIns="50800" bIns="50800" numCol="1" spcCol="38100" rtlCol="0" anchor="ctr" upright="0">
+      <a:bodyPr rot="0" spcFirstLastPara="1" vertOverflow="overflow" horzOverflow="overflow" vert="horz" wrap="square" lIns="50800" tIns="50800" rIns="50800" bIns="50800" numCol="1" spcCol="38100" rtlCol="0" anchor="ctr">
         <a:spAutoFit/>
       </a:bodyPr>
       <a:lstStyle>
@@ -5787,7 +8123,7 @@
           <a:buFontTx/>
           <a:buNone/>
           <a:tabLst/>
-          <a:defRPr b="0" baseline="0" cap="none" i="0" spc="0" strike="noStrike" sz="3600" u="none" kumimoji="0" normalizeH="0">
+          <a:defRPr kumimoji="0" sz="3600" b="0" i="0" u="none" strike="noStrike" cap="none" spc="0" normalizeH="0" baseline="0">
             <a:ln>
               <a:noFill/>
             </a:ln>
@@ -5817,7 +8153,7 @@
           <a:buFontTx/>
           <a:buNone/>
           <a:tabLst/>
-          <a:defRPr b="0" baseline="0" cap="none" i="0" spc="0" strike="noStrike" sz="1800" u="none" kumimoji="0" normalizeH="0">
+          <a:defRPr kumimoji="0" sz="1800" b="0" i="0" u="none" strike="noStrike" cap="none" spc="0" normalizeH="0" baseline="0">
             <a:ln>
               <a:noFill/>
             </a:ln>
@@ -5843,7 +8179,7 @@
           <a:buFontTx/>
           <a:buNone/>
           <a:tabLst/>
-          <a:defRPr b="0" baseline="0" cap="none" i="0" spc="0" strike="noStrike" sz="1800" u="none" kumimoji="0" normalizeH="0">
+          <a:defRPr kumimoji="0" sz="1800" b="0" i="0" u="none" strike="noStrike" cap="none" spc="0" normalizeH="0" baseline="0">
             <a:ln>
               <a:noFill/>
             </a:ln>
@@ -5869,7 +8205,7 @@
           <a:buFontTx/>
           <a:buNone/>
           <a:tabLst/>
-          <a:defRPr b="0" baseline="0" cap="none" i="0" spc="0" strike="noStrike" sz="1800" u="none" kumimoji="0" normalizeH="0">
+          <a:defRPr kumimoji="0" sz="1800" b="0" i="0" u="none" strike="noStrike" cap="none" spc="0" normalizeH="0" baseline="0">
             <a:ln>
               <a:noFill/>
             </a:ln>
@@ -5895,7 +8231,7 @@
           <a:buFontTx/>
           <a:buNone/>
           <a:tabLst/>
-          <a:defRPr b="0" baseline="0" cap="none" i="0" spc="0" strike="noStrike" sz="1800" u="none" kumimoji="0" normalizeH="0">
+          <a:defRPr kumimoji="0" sz="1800" b="0" i="0" u="none" strike="noStrike" cap="none" spc="0" normalizeH="0" baseline="0">
             <a:ln>
               <a:noFill/>
             </a:ln>
@@ -5921,7 +8257,7 @@
           <a:buFontTx/>
           <a:buNone/>
           <a:tabLst/>
-          <a:defRPr b="0" baseline="0" cap="none" i="0" spc="0" strike="noStrike" sz="1800" u="none" kumimoji="0" normalizeH="0">
+          <a:defRPr kumimoji="0" sz="1800" b="0" i="0" u="none" strike="noStrike" cap="none" spc="0" normalizeH="0" baseline="0">
             <a:ln>
               <a:noFill/>
             </a:ln>
@@ -5947,7 +8283,7 @@
           <a:buFontTx/>
           <a:buNone/>
           <a:tabLst/>
-          <a:defRPr b="0" baseline="0" cap="none" i="0" spc="0" strike="noStrike" sz="1800" u="none" kumimoji="0" normalizeH="0">
+          <a:defRPr kumimoji="0" sz="1800" b="0" i="0" u="none" strike="noStrike" cap="none" spc="0" normalizeH="0" baseline="0">
             <a:ln>
               <a:noFill/>
             </a:ln>
@@ -5973,7 +8309,7 @@
           <a:buFontTx/>
           <a:buNone/>
           <a:tabLst/>
-          <a:defRPr b="0" baseline="0" cap="none" i="0" spc="0" strike="noStrike" sz="1800" u="none" kumimoji="0" normalizeH="0">
+          <a:defRPr kumimoji="0" sz="1800" b="0" i="0" u="none" strike="noStrike" cap="none" spc="0" normalizeH="0" baseline="0">
             <a:ln>
               <a:noFill/>
             </a:ln>
@@ -5999,7 +8335,7 @@
           <a:buFontTx/>
           <a:buNone/>
           <a:tabLst/>
-          <a:defRPr b="0" baseline="0" cap="none" i="0" spc="0" strike="noStrike" sz="1800" u="none" kumimoji="0" normalizeH="0">
+          <a:defRPr kumimoji="0" sz="1800" b="0" i="0" u="none" strike="noStrike" cap="none" spc="0" normalizeH="0" baseline="0">
             <a:ln>
               <a:noFill/>
             </a:ln>
@@ -6025,7 +8361,7 @@
           <a:buFontTx/>
           <a:buNone/>
           <a:tabLst/>
-          <a:defRPr b="0" baseline="0" cap="none" i="0" spc="0" strike="noStrike" sz="1800" u="none" kumimoji="0" normalizeH="0">
+          <a:defRPr kumimoji="0" sz="1800" b="0" i="0" u="none" strike="noStrike" cap="none" spc="0" normalizeH="0" baseline="0">
             <a:ln>
               <a:noFill/>
             </a:ln>
@@ -6038,18 +8374,25 @@
         </a:lvl9pPr>
       </a:lstStyle>
       <a:style>
-        <a:lnRef idx="0"/>
-        <a:fillRef idx="0"/>
-        <a:effectRef idx="0"/>
+        <a:lnRef idx="0">
+          <a:scrgbClr r="0" g="0" b="0"/>
+        </a:lnRef>
+        <a:fillRef idx="0">
+          <a:scrgbClr r="0" g="0" b="0"/>
+        </a:fillRef>
+        <a:effectRef idx="0">
+          <a:scrgbClr r="0" g="0" b="0"/>
+        </a:effectRef>
         <a:fontRef idx="none"/>
       </a:style>
     </a:txDef>
   </a:objectDefaults>
+  <a:extraClrSchemeLst/>
 </a:theme>
 </file>
 
 <file path=ppt/theme/theme2.xml><?xml version="1.0" encoding="utf-8"?>
-<a:theme xmlns:a="http://schemas.openxmlformats.org/drawingml/2006/main" xmlns:r="http://schemas.openxmlformats.org/officeDocument/2006/relationships" name="Showroom">
+<a:theme xmlns:a="http://schemas.openxmlformats.org/drawingml/2006/main" name="Showroom">
   <a:themeElements>
     <a:clrScheme name="Showroom">
       <a:dk1>
@@ -6248,7 +8591,7 @@
         <a:effectLst/>
         <a:sp3d/>
       </a:spPr>
-      <a:bodyPr rot="0" spcFirstLastPara="1" vertOverflow="overflow" horzOverflow="overflow" vert="horz" wrap="square" lIns="50800" tIns="50800" rIns="50800" bIns="50800" numCol="1" spcCol="38100" rtlCol="0" anchor="ctr" upright="0">
+      <a:bodyPr rot="0" spcFirstLastPara="1" vertOverflow="overflow" horzOverflow="overflow" vert="horz" wrap="square" lIns="50800" tIns="50800" rIns="50800" bIns="50800" numCol="1" spcCol="38100" rtlCol="0" anchor="ctr">
         <a:spAutoFit/>
       </a:bodyPr>
       <a:lstStyle>
@@ -6267,7 +8610,7 @@
           <a:buFontTx/>
           <a:buNone/>
           <a:tabLst/>
-          <a:defRPr b="0" baseline="0" cap="none" i="0" spc="0" strike="noStrike" sz="3600" u="none" kumimoji="0" normalizeH="0">
+          <a:defRPr kumimoji="0" sz="3600" b="0" i="0" u="none" strike="noStrike" cap="none" spc="0" normalizeH="0" baseline="0">
             <a:ln>
               <a:noFill/>
             </a:ln>
@@ -6297,7 +8640,7 @@
           <a:buFontTx/>
           <a:buNone/>
           <a:tabLst/>
-          <a:defRPr b="0" baseline="0" cap="none" i="0" spc="0" strike="noStrike" sz="1800" u="none" kumimoji="0" normalizeH="0">
+          <a:defRPr kumimoji="0" sz="1800" b="0" i="0" u="none" strike="noStrike" cap="none" spc="0" normalizeH="0" baseline="0">
             <a:ln>
               <a:noFill/>
             </a:ln>
@@ -6323,7 +8666,7 @@
           <a:buFontTx/>
           <a:buNone/>
           <a:tabLst/>
-          <a:defRPr b="0" baseline="0" cap="none" i="0" spc="0" strike="noStrike" sz="1800" u="none" kumimoji="0" normalizeH="0">
+          <a:defRPr kumimoji="0" sz="1800" b="0" i="0" u="none" strike="noStrike" cap="none" spc="0" normalizeH="0" baseline="0">
             <a:ln>
               <a:noFill/>
             </a:ln>
@@ -6349,7 +8692,7 @@
           <a:buFontTx/>
           <a:buNone/>
           <a:tabLst/>
-          <a:defRPr b="0" baseline="0" cap="none" i="0" spc="0" strike="noStrike" sz="1800" u="none" kumimoji="0" normalizeH="0">
+          <a:defRPr kumimoji="0" sz="1800" b="0" i="0" u="none" strike="noStrike" cap="none" spc="0" normalizeH="0" baseline="0">
             <a:ln>
               <a:noFill/>
             </a:ln>
@@ -6375,7 +8718,7 @@
           <a:buFontTx/>
           <a:buNone/>
           <a:tabLst/>
-          <a:defRPr b="0" baseline="0" cap="none" i="0" spc="0" strike="noStrike" sz="1800" u="none" kumimoji="0" normalizeH="0">
+          <a:defRPr kumimoji="0" sz="1800" b="0" i="0" u="none" strike="noStrike" cap="none" spc="0" normalizeH="0" baseline="0">
             <a:ln>
               <a:noFill/>
             </a:ln>
@@ -6401,7 +8744,7 @@
           <a:buFontTx/>
           <a:buNone/>
           <a:tabLst/>
-          <a:defRPr b="0" baseline="0" cap="none" i="0" spc="0" strike="noStrike" sz="1800" u="none" kumimoji="0" normalizeH="0">
+          <a:defRPr kumimoji="0" sz="1800" b="0" i="0" u="none" strike="noStrike" cap="none" spc="0" normalizeH="0" baseline="0">
             <a:ln>
               <a:noFill/>
             </a:ln>
@@ -6427,7 +8770,7 @@
           <a:buFontTx/>
           <a:buNone/>
           <a:tabLst/>
-          <a:defRPr b="0" baseline="0" cap="none" i="0" spc="0" strike="noStrike" sz="1800" u="none" kumimoji="0" normalizeH="0">
+          <a:defRPr kumimoji="0" sz="1800" b="0" i="0" u="none" strike="noStrike" cap="none" spc="0" normalizeH="0" baseline="0">
             <a:ln>
               <a:noFill/>
             </a:ln>
@@ -6453,7 +8796,7 @@
           <a:buFontTx/>
           <a:buNone/>
           <a:tabLst/>
-          <a:defRPr b="0" baseline="0" cap="none" i="0" spc="0" strike="noStrike" sz="1800" u="none" kumimoji="0" normalizeH="0">
+          <a:defRPr kumimoji="0" sz="1800" b="0" i="0" u="none" strike="noStrike" cap="none" spc="0" normalizeH="0" baseline="0">
             <a:ln>
               <a:noFill/>
             </a:ln>
@@ -6479,7 +8822,7 @@
           <a:buFontTx/>
           <a:buNone/>
           <a:tabLst/>
-          <a:defRPr b="0" baseline="0" cap="none" i="0" spc="0" strike="noStrike" sz="1800" u="none" kumimoji="0" normalizeH="0">
+          <a:defRPr kumimoji="0" sz="1800" b="0" i="0" u="none" strike="noStrike" cap="none" spc="0" normalizeH="0" baseline="0">
             <a:ln>
               <a:noFill/>
             </a:ln>
@@ -6505,7 +8848,7 @@
           <a:buFontTx/>
           <a:buNone/>
           <a:tabLst/>
-          <a:defRPr b="0" baseline="0" cap="none" i="0" spc="0" strike="noStrike" sz="1800" u="none" kumimoji="0" normalizeH="0">
+          <a:defRPr kumimoji="0" sz="1800" b="0" i="0" u="none" strike="noStrike" cap="none" spc="0" normalizeH="0" baseline="0">
             <a:ln>
               <a:noFill/>
             </a:ln>
@@ -6518,9 +8861,15 @@
         </a:lvl9pPr>
       </a:lstStyle>
       <a:style>
-        <a:lnRef idx="0"/>
-        <a:fillRef idx="0"/>
-        <a:effectRef idx="0"/>
+        <a:lnRef idx="0">
+          <a:scrgbClr r="0" g="0" b="0"/>
+        </a:lnRef>
+        <a:fillRef idx="0">
+          <a:scrgbClr r="0" g="0" b="0"/>
+        </a:fillRef>
+        <a:effectRef idx="0">
+          <a:scrgbClr r="0" g="0" b="0"/>
+        </a:effectRef>
         <a:fontRef idx="none"/>
       </a:style>
     </a:spDef>
@@ -6537,7 +8886,7 @@
         <a:effectLst/>
         <a:sp3d/>
       </a:spPr>
-      <a:bodyPr rot="0" spcFirstLastPara="1" vertOverflow="overflow" horzOverflow="overflow" vert="horz" wrap="square" lIns="91439" tIns="45719" rIns="91439" bIns="45719" numCol="1" spcCol="38100" rtlCol="0" anchor="t" upright="0">
+      <a:bodyPr rot="0" spcFirstLastPara="1" vertOverflow="overflow" horzOverflow="overflow" vert="horz" wrap="square" lIns="91439" tIns="45719" rIns="91439" bIns="45719" numCol="1" spcCol="38100" rtlCol="0" anchor="t">
         <a:noAutofit/>
       </a:bodyPr>
       <a:lstStyle>
@@ -6556,7 +8905,7 @@
           <a:buFontTx/>
           <a:buNone/>
           <a:tabLst/>
-          <a:defRPr b="0" baseline="0" cap="none" i="0" spc="0" strike="noStrike" sz="1800" u="none" kumimoji="0" normalizeH="0">
+          <a:defRPr kumimoji="0" sz="1800" b="0" i="0" u="none" strike="noStrike" cap="none" spc="0" normalizeH="0" baseline="0">
             <a:ln>
               <a:noFill/>
             </a:ln>
@@ -6582,7 +8931,7 @@
           <a:buFontTx/>
           <a:buNone/>
           <a:tabLst/>
-          <a:defRPr b="0" baseline="0" cap="none" i="0" spc="0" strike="noStrike" sz="1800" u="none" kumimoji="0" normalizeH="0">
+          <a:defRPr kumimoji="0" sz="1800" b="0" i="0" u="none" strike="noStrike" cap="none" spc="0" normalizeH="0" baseline="0">
             <a:ln>
               <a:noFill/>
             </a:ln>
@@ -6608,7 +8957,7 @@
           <a:buFontTx/>
           <a:buNone/>
           <a:tabLst/>
-          <a:defRPr b="0" baseline="0" cap="none" i="0" spc="0" strike="noStrike" sz="1800" u="none" kumimoji="0" normalizeH="0">
+          <a:defRPr kumimoji="0" sz="1800" b="0" i="0" u="none" strike="noStrike" cap="none" spc="0" normalizeH="0" baseline="0">
             <a:ln>
               <a:noFill/>
             </a:ln>
@@ -6634,7 +8983,7 @@
           <a:buFontTx/>
           <a:buNone/>
           <a:tabLst/>
-          <a:defRPr b="0" baseline="0" cap="none" i="0" spc="0" strike="noStrike" sz="1800" u="none" kumimoji="0" normalizeH="0">
+          <a:defRPr kumimoji="0" sz="1800" b="0" i="0" u="none" strike="noStrike" cap="none" spc="0" normalizeH="0" baseline="0">
             <a:ln>
               <a:noFill/>
             </a:ln>
@@ -6660,7 +9009,7 @@
           <a:buFontTx/>
           <a:buNone/>
           <a:tabLst/>
-          <a:defRPr b="0" baseline="0" cap="none" i="0" spc="0" strike="noStrike" sz="1800" u="none" kumimoji="0" normalizeH="0">
+          <a:defRPr kumimoji="0" sz="1800" b="0" i="0" u="none" strike="noStrike" cap="none" spc="0" normalizeH="0" baseline="0">
             <a:ln>
               <a:noFill/>
             </a:ln>
@@ -6686,7 +9035,7 @@
           <a:buFontTx/>
           <a:buNone/>
           <a:tabLst/>
-          <a:defRPr b="0" baseline="0" cap="none" i="0" spc="0" strike="noStrike" sz="1800" u="none" kumimoji="0" normalizeH="0">
+          <a:defRPr kumimoji="0" sz="1800" b="0" i="0" u="none" strike="noStrike" cap="none" spc="0" normalizeH="0" baseline="0">
             <a:ln>
               <a:noFill/>
             </a:ln>
@@ -6712,7 +9061,7 @@
           <a:buFontTx/>
           <a:buNone/>
           <a:tabLst/>
-          <a:defRPr b="0" baseline="0" cap="none" i="0" spc="0" strike="noStrike" sz="1800" u="none" kumimoji="0" normalizeH="0">
+          <a:defRPr kumimoji="0" sz="1800" b="0" i="0" u="none" strike="noStrike" cap="none" spc="0" normalizeH="0" baseline="0">
             <a:ln>
               <a:noFill/>
             </a:ln>
@@ -6738,7 +9087,7 @@
           <a:buFontTx/>
           <a:buNone/>
           <a:tabLst/>
-          <a:defRPr b="0" baseline="0" cap="none" i="0" spc="0" strike="noStrike" sz="1800" u="none" kumimoji="0" normalizeH="0">
+          <a:defRPr kumimoji="0" sz="1800" b="0" i="0" u="none" strike="noStrike" cap="none" spc="0" normalizeH="0" baseline="0">
             <a:ln>
               <a:noFill/>
             </a:ln>
@@ -6764,7 +9113,7 @@
           <a:buFontTx/>
           <a:buNone/>
           <a:tabLst/>
-          <a:defRPr b="0" baseline="0" cap="none" i="0" spc="0" strike="noStrike" sz="1800" u="none" kumimoji="0" normalizeH="0">
+          <a:defRPr kumimoji="0" sz="1800" b="0" i="0" u="none" strike="noStrike" cap="none" spc="0" normalizeH="0" baseline="0">
             <a:ln>
               <a:noFill/>
             </a:ln>
@@ -6790,7 +9139,7 @@
           <a:buFontTx/>
           <a:buNone/>
           <a:tabLst/>
-          <a:defRPr b="0" baseline="0" cap="none" i="0" spc="0" strike="noStrike" sz="1800" u="none" kumimoji="0" normalizeH="0">
+          <a:defRPr kumimoji="0" sz="1800" b="0" i="0" u="none" strike="noStrike" cap="none" spc="0" normalizeH="0" baseline="0">
             <a:ln>
               <a:noFill/>
             </a:ln>
@@ -6803,9 +9152,15 @@
         </a:lvl9pPr>
       </a:lstStyle>
       <a:style>
-        <a:lnRef idx="0"/>
-        <a:fillRef idx="0"/>
-        <a:effectRef idx="0"/>
+        <a:lnRef idx="0">
+          <a:scrgbClr r="0" g="0" b="0"/>
+        </a:lnRef>
+        <a:fillRef idx="0">
+          <a:scrgbClr r="0" g="0" b="0"/>
+        </a:fillRef>
+        <a:effectRef idx="0">
+          <a:scrgbClr r="0" g="0" b="0"/>
+        </a:effectRef>
         <a:fontRef idx="none"/>
       </a:style>
     </a:lnDef>
@@ -6819,7 +9174,7 @@
         <a:effectLst/>
         <a:sp3d/>
       </a:spPr>
-      <a:bodyPr rot="0" spcFirstLastPara="1" vertOverflow="overflow" horzOverflow="overflow" vert="horz" wrap="square" lIns="50800" tIns="50800" rIns="50800" bIns="50800" numCol="1" spcCol="38100" rtlCol="0" anchor="ctr" upright="0">
+      <a:bodyPr rot="0" spcFirstLastPara="1" vertOverflow="overflow" horzOverflow="overflow" vert="horz" wrap="square" lIns="50800" tIns="50800" rIns="50800" bIns="50800" numCol="1" spcCol="38100" rtlCol="0" anchor="ctr">
         <a:spAutoFit/>
       </a:bodyPr>
       <a:lstStyle>
@@ -6838,7 +9193,7 @@
           <a:buFontTx/>
           <a:buNone/>
           <a:tabLst/>
-          <a:defRPr b="0" baseline="0" cap="none" i="0" spc="0" strike="noStrike" sz="3600" u="none" kumimoji="0" normalizeH="0">
+          <a:defRPr kumimoji="0" sz="3600" b="0" i="0" u="none" strike="noStrike" cap="none" spc="0" normalizeH="0" baseline="0">
             <a:ln>
               <a:noFill/>
             </a:ln>
@@ -6868,7 +9223,7 @@
           <a:buFontTx/>
           <a:buNone/>
           <a:tabLst/>
-          <a:defRPr b="0" baseline="0" cap="none" i="0" spc="0" strike="noStrike" sz="1800" u="none" kumimoji="0" normalizeH="0">
+          <a:defRPr kumimoji="0" sz="1800" b="0" i="0" u="none" strike="noStrike" cap="none" spc="0" normalizeH="0" baseline="0">
             <a:ln>
               <a:noFill/>
             </a:ln>
@@ -6894,7 +9249,7 @@
           <a:buFontTx/>
           <a:buNone/>
           <a:tabLst/>
-          <a:defRPr b="0" baseline="0" cap="none" i="0" spc="0" strike="noStrike" sz="1800" u="none" kumimoji="0" normalizeH="0">
+          <a:defRPr kumimoji="0" sz="1800" b="0" i="0" u="none" strike="noStrike" cap="none" spc="0" normalizeH="0" baseline="0">
             <a:ln>
               <a:noFill/>
             </a:ln>
@@ -6920,7 +9275,7 @@
           <a:buFontTx/>
           <a:buNone/>
           <a:tabLst/>
-          <a:defRPr b="0" baseline="0" cap="none" i="0" spc="0" strike="noStrike" sz="1800" u="none" kumimoji="0" normalizeH="0">
+          <a:defRPr kumimoji="0" sz="1800" b="0" i="0" u="none" strike="noStrike" cap="none" spc="0" normalizeH="0" baseline="0">
             <a:ln>
               <a:noFill/>
             </a:ln>
@@ -6946,7 +9301,7 @@
           <a:buFontTx/>
           <a:buNone/>
           <a:tabLst/>
-          <a:defRPr b="0" baseline="0" cap="none" i="0" spc="0" strike="noStrike" sz="1800" u="none" kumimoji="0" normalizeH="0">
+          <a:defRPr kumimoji="0" sz="1800" b="0" i="0" u="none" strike="noStrike" cap="none" spc="0" normalizeH="0" baseline="0">
             <a:ln>
               <a:noFill/>
             </a:ln>
@@ -6972,7 +9327,7 @@
           <a:buFontTx/>
           <a:buNone/>
           <a:tabLst/>
-          <a:defRPr b="0" baseline="0" cap="none" i="0" spc="0" strike="noStrike" sz="1800" u="none" kumimoji="0" normalizeH="0">
+          <a:defRPr kumimoji="0" sz="1800" b="0" i="0" u="none" strike="noStrike" cap="none" spc="0" normalizeH="0" baseline="0">
             <a:ln>
               <a:noFill/>
             </a:ln>
@@ -6998,7 +9353,7 @@
           <a:buFontTx/>
           <a:buNone/>
           <a:tabLst/>
-          <a:defRPr b="0" baseline="0" cap="none" i="0" spc="0" strike="noStrike" sz="1800" u="none" kumimoji="0" normalizeH="0">
+          <a:defRPr kumimoji="0" sz="1800" b="0" i="0" u="none" strike="noStrike" cap="none" spc="0" normalizeH="0" baseline="0">
             <a:ln>
               <a:noFill/>
             </a:ln>
@@ -7024,7 +9379,7 @@
           <a:buFontTx/>
           <a:buNone/>
           <a:tabLst/>
-          <a:defRPr b="0" baseline="0" cap="none" i="0" spc="0" strike="noStrike" sz="1800" u="none" kumimoji="0" normalizeH="0">
+          <a:defRPr kumimoji="0" sz="1800" b="0" i="0" u="none" strike="noStrike" cap="none" spc="0" normalizeH="0" baseline="0">
             <a:ln>
               <a:noFill/>
             </a:ln>
@@ -7050,7 +9405,7 @@
           <a:buFontTx/>
           <a:buNone/>
           <a:tabLst/>
-          <a:defRPr b="0" baseline="0" cap="none" i="0" spc="0" strike="noStrike" sz="1800" u="none" kumimoji="0" normalizeH="0">
+          <a:defRPr kumimoji="0" sz="1800" b="0" i="0" u="none" strike="noStrike" cap="none" spc="0" normalizeH="0" baseline="0">
             <a:ln>
               <a:noFill/>
             </a:ln>
@@ -7076,7 +9431,7 @@
           <a:buFontTx/>
           <a:buNone/>
           <a:tabLst/>
-          <a:defRPr b="0" baseline="0" cap="none" i="0" spc="0" strike="noStrike" sz="1800" u="none" kumimoji="0" normalizeH="0">
+          <a:defRPr kumimoji="0" sz="1800" b="0" i="0" u="none" strike="noStrike" cap="none" spc="0" normalizeH="0" baseline="0">
             <a:ln>
               <a:noFill/>
             </a:ln>
@@ -7089,12 +9444,19 @@
         </a:lvl9pPr>
       </a:lstStyle>
       <a:style>
-        <a:lnRef idx="0"/>
-        <a:fillRef idx="0"/>
-        <a:effectRef idx="0"/>
+        <a:lnRef idx="0">
+          <a:scrgbClr r="0" g="0" b="0"/>
+        </a:lnRef>
+        <a:fillRef idx="0">
+          <a:scrgbClr r="0" g="0" b="0"/>
+        </a:fillRef>
+        <a:effectRef idx="0">
+          <a:scrgbClr r="0" g="0" b="0"/>
+        </a:effectRef>
         <a:fontRef idx="none"/>
       </a:style>
     </a:txDef>
   </a:objectDefaults>
+  <a:extraClrSchemeLst/>
 </a:theme>
 </file>
--- a/CordaCodeClub.pptx
+++ b/CordaCodeClub.pptx
@@ -5,7 +5,7 @@
     <p:sldMasterId id="2147483648" r:id="rId1"/>
   </p:sldMasterIdLst>
   <p:notesMasterIdLst>
-    <p:notesMasterId r:id="rId13"/>
+    <p:notesMasterId r:id="rId26"/>
   </p:notesMasterIdLst>
   <p:sldIdLst>
     <p:sldId id="263" r:id="rId2"/>
@@ -19,6 +19,19 @@
     <p:sldId id="261" r:id="rId10"/>
     <p:sldId id="260" r:id="rId11"/>
     <p:sldId id="262" r:id="rId12"/>
+    <p:sldId id="268" r:id="rId13"/>
+    <p:sldId id="269" r:id="rId14"/>
+    <p:sldId id="270" r:id="rId15"/>
+    <p:sldId id="271" r:id="rId16"/>
+    <p:sldId id="272" r:id="rId17"/>
+    <p:sldId id="273" r:id="rId18"/>
+    <p:sldId id="274" r:id="rId19"/>
+    <p:sldId id="275" r:id="rId20"/>
+    <p:sldId id="276" r:id="rId21"/>
+    <p:sldId id="277" r:id="rId22"/>
+    <p:sldId id="278" r:id="rId23"/>
+    <p:sldId id="279" r:id="rId24"/>
+    <p:sldId id="280" r:id="rId25"/>
   </p:sldIdLst>
   <p:sldSz cx="13004800" cy="9753600"/>
   <p:notesSz cx="6858000" cy="9144000"/>
@@ -2224,7 +2237,7 @@
           </a:ln>
           <a:extLst>
             <a:ext uri="{C572A759-6A51-4108-AA02-DFA0A04FC94B}">
-              <ma14:wrappingTextBoxFlag xmlns:ma14="http://schemas.microsoft.com/office/mac/drawingml/2011/main" xmlns:a14="http://schemas.microsoft.com/office/drawing/2010/main" xmlns:m="http://schemas.openxmlformats.org/officeDocument/2006/math" xmlns="" val="1"/>
+              <ma14:wrappingTextBoxFlag xmlns="" xmlns:m="http://schemas.openxmlformats.org/officeDocument/2006/math" xmlns:a14="http://schemas.microsoft.com/office/drawing/2010/main" xmlns:ma14="http://schemas.microsoft.com/office/mac/drawingml/2011/main" val="1"/>
             </a:ext>
           </a:extLst>
         </p:spPr>
@@ -2263,7 +2276,7 @@
           </a:ln>
           <a:extLst>
             <a:ext uri="{C572A759-6A51-4108-AA02-DFA0A04FC94B}">
-              <ma14:wrappingTextBoxFlag xmlns:ma14="http://schemas.microsoft.com/office/mac/drawingml/2011/main" xmlns:a14="http://schemas.microsoft.com/office/drawing/2010/main" xmlns:m="http://schemas.openxmlformats.org/officeDocument/2006/math" xmlns="" val="1"/>
+              <ma14:wrappingTextBoxFlag xmlns="" xmlns:m="http://schemas.openxmlformats.org/officeDocument/2006/math" xmlns:a14="http://schemas.microsoft.com/office/drawing/2010/main" xmlns:ma14="http://schemas.microsoft.com/office/mac/drawingml/2011/main" val="1"/>
             </a:ext>
           </a:extLst>
         </p:spPr>
@@ -3557,13 +3570,7 @@
               <a:rPr sz="3400" dirty="0">
                 <a:latin typeface="Bradley Hand ITC" panose="03070402050302030203" pitchFamily="66" charset="0"/>
               </a:rPr>
-              <a:t>nvite </a:t>
-            </a:r>
-            <a:r>
-              <a:rPr sz="3400" dirty="0">
-                <a:latin typeface="Bradley Hand ITC" panose="03070402050302030203" pitchFamily="66" charset="0"/>
-              </a:rPr>
-              <a:t>bids from Investors </a:t>
+              <a:t>nvite bids from Investors </a:t>
             </a:r>
             <a:r>
               <a:rPr lang="en-US" sz="3400" dirty="0">
@@ -3618,19 +3625,7 @@
               <a:rPr sz="3400" dirty="0">
                 <a:latin typeface="Bradley Hand ITC" panose="03070402050302030203" pitchFamily="66" charset="0"/>
               </a:rPr>
-              <a:t>for </a:t>
-            </a:r>
-            <a:r>
-              <a:rPr sz="3400" dirty="0">
-                <a:latin typeface="Bradley Hand ITC" panose="03070402050302030203" pitchFamily="66" charset="0"/>
-              </a:rPr>
-              <a:t>different share </a:t>
-            </a:r>
-            <a:r>
-              <a:rPr sz="3400" dirty="0">
-                <a:latin typeface="Bradley Hand ITC" panose="03070402050302030203" pitchFamily="66" charset="0"/>
-              </a:rPr>
-              <a:t>values</a:t>
+              <a:t>for different share values</a:t>
             </a:r>
             <a:endParaRPr lang="en-US" sz="3400" dirty="0">
               <a:latin typeface="Bradley Hand ITC" panose="03070402050302030203" pitchFamily="66" charset="0"/>
@@ -3676,19 +3671,7 @@
               <a:rPr sz="3400" dirty="0">
                 <a:latin typeface="Bradley Hand ITC" panose="03070402050302030203" pitchFamily="66" charset="0"/>
               </a:rPr>
-              <a:t>Collects </a:t>
-            </a:r>
-            <a:r>
-              <a:rPr sz="3400" dirty="0">
-                <a:latin typeface="Bradley Hand ITC" panose="03070402050302030203" pitchFamily="66" charset="0"/>
-              </a:rPr>
-              <a:t>Rental </a:t>
-            </a:r>
-            <a:r>
-              <a:rPr sz="3400" dirty="0">
-                <a:latin typeface="Bradley Hand ITC" panose="03070402050302030203" pitchFamily="66" charset="0"/>
-              </a:rPr>
-              <a:t>Income</a:t>
+              <a:t>Collects Rental Income</a:t>
             </a:r>
             <a:endParaRPr lang="en-US" sz="3400" dirty="0">
               <a:latin typeface="Bradley Hand ITC" panose="03070402050302030203" pitchFamily="66" charset="0"/>
@@ -3782,73 +3765,58 @@
           <a:chExt cx="0" cy="0"/>
         </a:xfrm>
       </p:grpSpPr>
-      <p:sp>
-        <p:nvSpPr>
-          <p:cNvPr id="157" name="Phase 2…"/>
-          <p:cNvSpPr txBox="1">
-            <a:spLocks noGrp="1"/>
-          </p:cNvSpPr>
-          <p:nvPr>
-            <p:ph type="body" sz="half" idx="1"/>
-          </p:nvPr>
-        </p:nvSpPr>
-        <p:spPr>
+      <p:pic>
+        <p:nvPicPr>
+          <p:cNvPr id="1026" name="Picture 2"/>
+          <p:cNvPicPr>
+            <a:picLocks noChangeAspect="1" noChangeArrowheads="1"/>
+          </p:cNvPicPr>
+          <p:nvPr/>
+        </p:nvPicPr>
+        <p:blipFill>
+          <a:blip r:embed="rId2">
+            <a:extLst>
+              <a:ext uri="{28A0092B-C50C-407E-A947-70E740481C1C}">
+                <a14:useLocalDpi xmlns:a14="http://schemas.microsoft.com/office/drawing/2010/main" val="0"/>
+              </a:ext>
+            </a:extLst>
+          </a:blip>
+          <a:srcRect/>
+          <a:stretch>
+            <a:fillRect/>
+          </a:stretch>
+        </p:blipFill>
+        <p:spPr bwMode="auto">
           <a:xfrm>
-            <a:off x="355600" y="280342"/>
-            <a:ext cx="5892800" cy="8495358"/>
+            <a:off x="-1" y="0"/>
+            <a:ext cx="13142259" cy="9753600"/>
           </a:xfrm>
           <a:prstGeom prst="rect">
             <a:avLst/>
           </a:prstGeom>
-        </p:spPr>
-        <p:txBody>
-          <a:bodyPr/>
-          <a:lstStyle/>
-          <a:p>
-            <a:r>
-              <a:t>Phase 2</a:t>
-            </a:r>
-          </a:p>
-          <a:p>
-            <a:endParaRPr/>
-          </a:p>
-          <a:p>
-            <a:r>
-              <a:rPr u="sng">
-                <a:hlinkClick r:id="rId2"/>
-              </a:rPr>
-              <a:t>https://github.com/corda/observer-cordapp</a:t>
-            </a:r>
-          </a:p>
-        </p:txBody>
-      </p:sp>
-      <p:pic>
-        <p:nvPicPr>
-          <p:cNvPr id="158" name="bulding.png" descr="bulding.png"/>
-          <p:cNvPicPr>
-            <a:picLocks noChangeAspect="1"/>
-          </p:cNvPicPr>
-          <p:nvPr/>
-        </p:nvPicPr>
-        <p:blipFill>
-          <a:blip r:embed="rId3">
-            <a:extLst/>
-          </a:blip>
-          <a:stretch>
-            <a:fillRect/>
-          </a:stretch>
-        </p:blipFill>
-        <p:spPr>
-          <a:xfrm>
-            <a:off x="6848758" y="7301824"/>
-            <a:ext cx="5216242" cy="1879681"/>
-          </a:xfrm>
-          <a:prstGeom prst="rect">
-            <a:avLst/>
-          </a:prstGeom>
-          <a:ln w="12700">
-            <a:miter lim="400000"/>
+          <a:noFill/>
+          <a:ln>
+            <a:noFill/>
           </a:ln>
+          <a:extLst>
+            <a:ext uri="{909E8E84-426E-40DD-AFC4-6F175D3DCCD1}">
+              <a14:hiddenFill xmlns:a14="http://schemas.microsoft.com/office/drawing/2010/main">
+                <a:solidFill>
+                  <a:schemeClr val="accent1"/>
+                </a:solidFill>
+              </a14:hiddenFill>
+            </a:ext>
+            <a:ext uri="{91240B29-F687-4F45-9708-019B960494DF}">
+              <a14:hiddenLine xmlns:a14="http://schemas.microsoft.com/office/drawing/2010/main" w="9525">
+                <a:solidFill>
+                  <a:schemeClr val="tx1"/>
+                </a:solidFill>
+                <a:miter lim="800000"/>
+                <a:headEnd/>
+                <a:tailEnd/>
+              </a14:hiddenLine>
+            </a:ext>
+          </a:extLst>
         </p:spPr>
       </p:pic>
     </p:spTree>
@@ -3864,6 +3832,1793 @@
       </p:par>
     </p:tnLst>
   </p:timing>
+</p:sld>
+</file>
+
+<file path=ppt/slides/slide12.xml><?xml version="1.0" encoding="utf-8"?>
+<p:sld xmlns:a="http://schemas.openxmlformats.org/drawingml/2006/main" xmlns:r="http://schemas.openxmlformats.org/officeDocument/2006/relationships" xmlns:p="http://schemas.openxmlformats.org/presentationml/2006/main">
+  <p:cSld>
+    <p:spTree>
+      <p:nvGrpSpPr>
+        <p:cNvPr id="1" name=""/>
+        <p:cNvGrpSpPr/>
+        <p:nvPr/>
+      </p:nvGrpSpPr>
+      <p:grpSpPr>
+        <a:xfrm>
+          <a:off x="0" y="0"/>
+          <a:ext cx="0" cy="0"/>
+          <a:chOff x="0" y="0"/>
+          <a:chExt cx="0" cy="0"/>
+        </a:xfrm>
+      </p:grpSpPr>
+      <p:sp>
+        <p:nvSpPr>
+          <p:cNvPr id="5" name="Rectangle 4"/>
+          <p:cNvSpPr/>
+          <p:nvPr/>
+        </p:nvSpPr>
+        <p:spPr>
+          <a:xfrm>
+            <a:off x="1168400" y="0"/>
+            <a:ext cx="10109200" cy="646331"/>
+          </a:xfrm>
+          <a:prstGeom prst="rect">
+            <a:avLst/>
+          </a:prstGeom>
+        </p:spPr>
+        <p:txBody>
+          <a:bodyPr wrap="square">
+            <a:spAutoFit/>
+          </a:bodyPr>
+          <a:lstStyle/>
+          <a:p>
+            <a:r>
+              <a:rPr lang="en-GB" dirty="0">
+                <a:latin typeface="Bradley Hand ITC" panose="03070402050302030203" pitchFamily="66" charset="0"/>
+                <a:cs typeface="Adobe Devanagari" pitchFamily="18" charset="0"/>
+              </a:rPr>
+              <a:t>http://localhost:10009/api/property/me</a:t>
+            </a:r>
+            <a:endParaRPr lang="en-GB" dirty="0">
+              <a:latin typeface="Bradley Hand ITC" panose="03070402050302030203" pitchFamily="66" charset="0"/>
+              <a:cs typeface="Adobe Devanagari" pitchFamily="18" charset="0"/>
+            </a:endParaRPr>
+          </a:p>
+        </p:txBody>
+      </p:sp>
+      <p:pic>
+        <p:nvPicPr>
+          <p:cNvPr id="2050" name="Picture 2"/>
+          <p:cNvPicPr>
+            <a:picLocks noChangeAspect="1" noChangeArrowheads="1"/>
+          </p:cNvPicPr>
+          <p:nvPr/>
+        </p:nvPicPr>
+        <p:blipFill>
+          <a:blip r:embed="rId2">
+            <a:extLst>
+              <a:ext uri="{28A0092B-C50C-407E-A947-70E740481C1C}">
+                <a14:useLocalDpi xmlns:a14="http://schemas.microsoft.com/office/drawing/2010/main" val="0"/>
+              </a:ext>
+            </a:extLst>
+          </a:blip>
+          <a:srcRect/>
+          <a:stretch>
+            <a:fillRect/>
+          </a:stretch>
+        </p:blipFill>
+        <p:spPr bwMode="auto">
+          <a:xfrm>
+            <a:off x="0" y="533400"/>
+            <a:ext cx="13055600" cy="9220200"/>
+          </a:xfrm>
+          <a:prstGeom prst="rect">
+            <a:avLst/>
+          </a:prstGeom>
+          <a:noFill/>
+          <a:ln>
+            <a:noFill/>
+          </a:ln>
+          <a:extLst>
+            <a:ext uri="{909E8E84-426E-40DD-AFC4-6F175D3DCCD1}">
+              <a14:hiddenFill xmlns:a14="http://schemas.microsoft.com/office/drawing/2010/main">
+                <a:solidFill>
+                  <a:schemeClr val="accent1"/>
+                </a:solidFill>
+              </a14:hiddenFill>
+            </a:ext>
+            <a:ext uri="{91240B29-F687-4F45-9708-019B960494DF}">
+              <a14:hiddenLine xmlns:a14="http://schemas.microsoft.com/office/drawing/2010/main" w="9525">
+                <a:solidFill>
+                  <a:schemeClr val="tx1"/>
+                </a:solidFill>
+                <a:miter lim="800000"/>
+                <a:headEnd/>
+                <a:tailEnd/>
+              </a14:hiddenLine>
+            </a:ext>
+          </a:extLst>
+        </p:spPr>
+      </p:pic>
+      <p:sp>
+        <p:nvSpPr>
+          <p:cNvPr id="6" name="Oval 5"/>
+          <p:cNvSpPr/>
+          <p:nvPr/>
+        </p:nvSpPr>
+        <p:spPr>
+          <a:xfrm>
+            <a:off x="7112000" y="4406642"/>
+            <a:ext cx="4800600" cy="1702316"/>
+          </a:xfrm>
+          <a:prstGeom prst="ellipse">
+            <a:avLst/>
+          </a:prstGeom>
+          <a:solidFill>
+            <a:srgbClr val="808785"/>
+          </a:solidFill>
+          <a:ln w="12700" cap="flat">
+            <a:noFill/>
+            <a:miter lim="400000"/>
+          </a:ln>
+          <a:effectLst/>
+          <a:sp3d/>
+        </p:spPr>
+        <p:style>
+          <a:lnRef idx="0">
+            <a:scrgbClr r="0" g="0" b="0"/>
+          </a:lnRef>
+          <a:fillRef idx="0">
+            <a:scrgbClr r="0" g="0" b="0"/>
+          </a:fillRef>
+          <a:effectRef idx="0">
+            <a:scrgbClr r="0" g="0" b="0"/>
+          </a:effectRef>
+          <a:fontRef idx="none"/>
+        </p:style>
+        <p:txBody>
+          <a:bodyPr rot="0" spcFirstLastPara="1" vertOverflow="overflow" horzOverflow="overflow" vert="horz" wrap="square" lIns="50800" tIns="50800" rIns="50800" bIns="50800" numCol="1" spcCol="38100" rtlCol="0" anchor="ctr">
+            <a:spAutoFit/>
+          </a:bodyPr>
+          <a:lstStyle/>
+          <a:p>
+            <a:pPr marL="0" marR="0" indent="0" algn="ctr" defTabSz="584200" rtl="0" fontAlgn="auto" latinLnBrk="0" hangingPunct="0">
+              <a:lnSpc>
+                <a:spcPct val="100000"/>
+              </a:lnSpc>
+              <a:spcBef>
+                <a:spcPts val="0"/>
+              </a:spcBef>
+              <a:spcAft>
+                <a:spcPts val="0"/>
+              </a:spcAft>
+              <a:buClrTx/>
+              <a:buSzTx/>
+              <a:buFontTx/>
+              <a:buNone/>
+              <a:tabLst/>
+            </a:pPr>
+            <a:r>
+              <a:rPr lang="en-US" dirty="0" smtClean="0">
+                <a:solidFill>
+                  <a:srgbClr val="FFFFFF"/>
+                </a:solidFill>
+              </a:rPr>
+              <a:t>Party C</a:t>
+            </a:r>
+          </a:p>
+          <a:p>
+            <a:pPr marL="0" marR="0" indent="0" algn="ctr" defTabSz="584200" rtl="0" fontAlgn="auto" latinLnBrk="0" hangingPunct="0">
+              <a:lnSpc>
+                <a:spcPct val="100000"/>
+              </a:lnSpc>
+              <a:spcBef>
+                <a:spcPts val="0"/>
+              </a:spcBef>
+              <a:spcAft>
+                <a:spcPts val="0"/>
+              </a:spcAft>
+              <a:buClrTx/>
+              <a:buSzTx/>
+              <a:buFontTx/>
+              <a:buNone/>
+              <a:tabLst/>
+            </a:pPr>
+            <a:r>
+              <a:rPr lang="en-US" dirty="0" smtClean="0">
+                <a:solidFill>
+                  <a:srgbClr val="FFFFFF"/>
+                </a:solidFill>
+              </a:rPr>
+              <a:t>(Fund Manager)</a:t>
+            </a:r>
+            <a:endParaRPr kumimoji="0" lang="en-GB" sz="3600" b="0" i="0" u="none" strike="noStrike" cap="none" spc="0" normalizeH="0" baseline="0" dirty="0">
+              <a:ln>
+                <a:noFill/>
+              </a:ln>
+              <a:solidFill>
+                <a:srgbClr val="FFFFFF"/>
+              </a:solidFill>
+              <a:effectLst/>
+              <a:uFillTx/>
+              <a:latin typeface="+mn-lt"/>
+              <a:ea typeface="+mn-ea"/>
+              <a:cs typeface="+mn-cs"/>
+              <a:sym typeface="Gill Sans Light"/>
+            </a:endParaRPr>
+          </a:p>
+        </p:txBody>
+      </p:sp>
+    </p:spTree>
+    <p:extLst>
+      <p:ext uri="{BB962C8B-B14F-4D97-AF65-F5344CB8AC3E}">
+        <p14:creationId xmlns:p14="http://schemas.microsoft.com/office/powerpoint/2010/main" val="3387120575"/>
+      </p:ext>
+    </p:extLst>
+  </p:cSld>
+  <p:clrMapOvr>
+    <a:masterClrMapping/>
+  </p:clrMapOvr>
+  <p:transition spd="med"/>
+  <p:timing>
+    <p:tnLst>
+      <p:par>
+        <p:cTn id="1" dur="indefinite" restart="never" nodeType="tmRoot"/>
+      </p:par>
+    </p:tnLst>
+  </p:timing>
+</p:sld>
+</file>
+
+<file path=ppt/slides/slide13.xml><?xml version="1.0" encoding="utf-8"?>
+<p:sld xmlns:a="http://schemas.openxmlformats.org/drawingml/2006/main" xmlns:r="http://schemas.openxmlformats.org/officeDocument/2006/relationships" xmlns:p="http://schemas.openxmlformats.org/presentationml/2006/main">
+  <p:cSld>
+    <p:spTree>
+      <p:nvGrpSpPr>
+        <p:cNvPr id="1" name=""/>
+        <p:cNvGrpSpPr/>
+        <p:nvPr/>
+      </p:nvGrpSpPr>
+      <p:grpSpPr>
+        <a:xfrm>
+          <a:off x="0" y="0"/>
+          <a:ext cx="0" cy="0"/>
+          <a:chOff x="0" y="0"/>
+          <a:chExt cx="0" cy="0"/>
+        </a:xfrm>
+      </p:grpSpPr>
+      <p:pic>
+        <p:nvPicPr>
+          <p:cNvPr id="3074" name="Picture 2"/>
+          <p:cNvPicPr>
+            <a:picLocks noChangeAspect="1" noChangeArrowheads="1"/>
+          </p:cNvPicPr>
+          <p:nvPr/>
+        </p:nvPicPr>
+        <p:blipFill>
+          <a:blip r:embed="rId2">
+            <a:extLst>
+              <a:ext uri="{28A0092B-C50C-407E-A947-70E740481C1C}">
+                <a14:useLocalDpi xmlns:a14="http://schemas.microsoft.com/office/drawing/2010/main" val="0"/>
+              </a:ext>
+            </a:extLst>
+          </a:blip>
+          <a:srcRect/>
+          <a:stretch>
+            <a:fillRect/>
+          </a:stretch>
+        </p:blipFill>
+        <p:spPr bwMode="auto">
+          <a:xfrm>
+            <a:off x="0" y="533400"/>
+            <a:ext cx="13004800" cy="9220200"/>
+          </a:xfrm>
+          <a:prstGeom prst="rect">
+            <a:avLst/>
+          </a:prstGeom>
+          <a:noFill/>
+          <a:ln>
+            <a:noFill/>
+          </a:ln>
+          <a:extLst>
+            <a:ext uri="{909E8E84-426E-40DD-AFC4-6F175D3DCCD1}">
+              <a14:hiddenFill xmlns:a14="http://schemas.microsoft.com/office/drawing/2010/main">
+                <a:solidFill>
+                  <a:schemeClr val="accent1"/>
+                </a:solidFill>
+              </a14:hiddenFill>
+            </a:ext>
+            <a:ext uri="{91240B29-F687-4F45-9708-019B960494DF}">
+              <a14:hiddenLine xmlns:a14="http://schemas.microsoft.com/office/drawing/2010/main" w="9525">
+                <a:solidFill>
+                  <a:schemeClr val="tx1"/>
+                </a:solidFill>
+                <a:miter lim="800000"/>
+                <a:headEnd/>
+                <a:tailEnd/>
+              </a14:hiddenLine>
+            </a:ext>
+          </a:extLst>
+        </p:spPr>
+      </p:pic>
+      <p:sp>
+        <p:nvSpPr>
+          <p:cNvPr id="5" name="Rectangle 4"/>
+          <p:cNvSpPr/>
+          <p:nvPr/>
+        </p:nvSpPr>
+        <p:spPr>
+          <a:xfrm>
+            <a:off x="2159000" y="0"/>
+            <a:ext cx="9296400" cy="646331"/>
+          </a:xfrm>
+          <a:prstGeom prst="rect">
+            <a:avLst/>
+          </a:prstGeom>
+        </p:spPr>
+        <p:txBody>
+          <a:bodyPr wrap="square">
+            <a:spAutoFit/>
+          </a:bodyPr>
+          <a:lstStyle/>
+          <a:p>
+            <a:r>
+              <a:rPr lang="en-GB" dirty="0">
+                <a:latin typeface="Bradley Hand ITC" panose="03070402050302030203" pitchFamily="66" charset="0"/>
+                <a:cs typeface="Adobe Devanagari" pitchFamily="18" charset="0"/>
+              </a:rPr>
+              <a:t>http://localhost:10009/api/property/my-funds</a:t>
+            </a:r>
+            <a:endParaRPr lang="en-GB" dirty="0">
+              <a:latin typeface="Bradley Hand ITC" panose="03070402050302030203" pitchFamily="66" charset="0"/>
+              <a:cs typeface="Adobe Devanagari" pitchFamily="18" charset="0"/>
+            </a:endParaRPr>
+          </a:p>
+        </p:txBody>
+      </p:sp>
+      <p:sp>
+        <p:nvSpPr>
+          <p:cNvPr id="7" name="Oval 6"/>
+          <p:cNvSpPr/>
+          <p:nvPr/>
+        </p:nvSpPr>
+        <p:spPr>
+          <a:xfrm>
+            <a:off x="7112000" y="4406642"/>
+            <a:ext cx="4800600" cy="1702316"/>
+          </a:xfrm>
+          <a:prstGeom prst="ellipse">
+            <a:avLst/>
+          </a:prstGeom>
+          <a:solidFill>
+            <a:srgbClr val="808785"/>
+          </a:solidFill>
+          <a:ln w="12700" cap="flat">
+            <a:noFill/>
+            <a:miter lim="400000"/>
+          </a:ln>
+          <a:effectLst/>
+          <a:sp3d/>
+        </p:spPr>
+        <p:style>
+          <a:lnRef idx="0">
+            <a:scrgbClr r="0" g="0" b="0"/>
+          </a:lnRef>
+          <a:fillRef idx="0">
+            <a:scrgbClr r="0" g="0" b="0"/>
+          </a:fillRef>
+          <a:effectRef idx="0">
+            <a:scrgbClr r="0" g="0" b="0"/>
+          </a:effectRef>
+          <a:fontRef idx="none"/>
+        </p:style>
+        <p:txBody>
+          <a:bodyPr rot="0" spcFirstLastPara="1" vertOverflow="overflow" horzOverflow="overflow" vert="horz" wrap="square" lIns="50800" tIns="50800" rIns="50800" bIns="50800" numCol="1" spcCol="38100" rtlCol="0" anchor="ctr">
+            <a:spAutoFit/>
+          </a:bodyPr>
+          <a:lstStyle/>
+          <a:p>
+            <a:pPr marL="0" marR="0" indent="0" algn="ctr" defTabSz="584200" rtl="0" fontAlgn="auto" latinLnBrk="0" hangingPunct="0">
+              <a:lnSpc>
+                <a:spcPct val="100000"/>
+              </a:lnSpc>
+              <a:spcBef>
+                <a:spcPts val="0"/>
+              </a:spcBef>
+              <a:spcAft>
+                <a:spcPts val="0"/>
+              </a:spcAft>
+              <a:buClrTx/>
+              <a:buSzTx/>
+              <a:buFontTx/>
+              <a:buNone/>
+              <a:tabLst/>
+            </a:pPr>
+            <a:r>
+              <a:rPr lang="en-US" dirty="0" smtClean="0">
+                <a:solidFill>
+                  <a:srgbClr val="FFFFFF"/>
+                </a:solidFill>
+              </a:rPr>
+              <a:t>Currently holds no funds</a:t>
+            </a:r>
+            <a:endParaRPr kumimoji="0" lang="en-GB" sz="3600" b="0" i="0" u="none" strike="noStrike" cap="none" spc="0" normalizeH="0" baseline="0" dirty="0">
+              <a:ln>
+                <a:noFill/>
+              </a:ln>
+              <a:solidFill>
+                <a:srgbClr val="FFFFFF"/>
+              </a:solidFill>
+              <a:effectLst/>
+              <a:uFillTx/>
+              <a:latin typeface="+mn-lt"/>
+              <a:ea typeface="+mn-ea"/>
+              <a:cs typeface="+mn-cs"/>
+              <a:sym typeface="Gill Sans Light"/>
+            </a:endParaRPr>
+          </a:p>
+        </p:txBody>
+      </p:sp>
+    </p:spTree>
+    <p:extLst>
+      <p:ext uri="{BB962C8B-B14F-4D97-AF65-F5344CB8AC3E}">
+        <p14:creationId xmlns:p14="http://schemas.microsoft.com/office/powerpoint/2010/main" val="3408759898"/>
+      </p:ext>
+    </p:extLst>
+  </p:cSld>
+  <p:clrMapOvr>
+    <a:masterClrMapping/>
+  </p:clrMapOvr>
+  <p:transition spd="med"/>
+  <p:timing>
+    <p:tnLst>
+      <p:par>
+        <p:cTn id="1" dur="indefinite" restart="never" nodeType="tmRoot"/>
+      </p:par>
+    </p:tnLst>
+  </p:timing>
+</p:sld>
+</file>
+
+<file path=ppt/slides/slide14.xml><?xml version="1.0" encoding="utf-8"?>
+<p:sld xmlns:a="http://schemas.openxmlformats.org/drawingml/2006/main" xmlns:r="http://schemas.openxmlformats.org/officeDocument/2006/relationships" xmlns:p="http://schemas.openxmlformats.org/presentationml/2006/main">
+  <p:cSld>
+    <p:spTree>
+      <p:nvGrpSpPr>
+        <p:cNvPr id="1" name=""/>
+        <p:cNvGrpSpPr/>
+        <p:nvPr/>
+      </p:nvGrpSpPr>
+      <p:grpSpPr>
+        <a:xfrm>
+          <a:off x="0" y="0"/>
+          <a:ext cx="0" cy="0"/>
+          <a:chOff x="0" y="0"/>
+          <a:chExt cx="0" cy="0"/>
+        </a:xfrm>
+      </p:grpSpPr>
+      <p:pic>
+        <p:nvPicPr>
+          <p:cNvPr id="4098" name="Picture 2"/>
+          <p:cNvPicPr>
+            <a:picLocks noChangeAspect="1" noChangeArrowheads="1"/>
+          </p:cNvPicPr>
+          <p:nvPr/>
+        </p:nvPicPr>
+        <p:blipFill>
+          <a:blip r:embed="rId2">
+            <a:extLst>
+              <a:ext uri="{28A0092B-C50C-407E-A947-70E740481C1C}">
+                <a14:useLocalDpi xmlns:a14="http://schemas.microsoft.com/office/drawing/2010/main" val="0"/>
+              </a:ext>
+            </a:extLst>
+          </a:blip>
+          <a:srcRect/>
+          <a:stretch>
+            <a:fillRect/>
+          </a:stretch>
+        </p:blipFill>
+        <p:spPr bwMode="auto">
+          <a:xfrm>
+            <a:off x="1" y="430887"/>
+            <a:ext cx="13004800" cy="9322713"/>
+          </a:xfrm>
+          <a:prstGeom prst="rect">
+            <a:avLst/>
+          </a:prstGeom>
+          <a:noFill/>
+          <a:ln>
+            <a:noFill/>
+          </a:ln>
+          <a:extLst>
+            <a:ext uri="{909E8E84-426E-40DD-AFC4-6F175D3DCCD1}">
+              <a14:hiddenFill xmlns:a14="http://schemas.microsoft.com/office/drawing/2010/main">
+                <a:solidFill>
+                  <a:schemeClr val="accent1"/>
+                </a:solidFill>
+              </a14:hiddenFill>
+            </a:ext>
+            <a:ext uri="{91240B29-F687-4F45-9708-019B960494DF}">
+              <a14:hiddenLine xmlns:a14="http://schemas.microsoft.com/office/drawing/2010/main" w="9525">
+                <a:solidFill>
+                  <a:schemeClr val="tx1"/>
+                </a:solidFill>
+                <a:miter lim="800000"/>
+                <a:headEnd/>
+                <a:tailEnd/>
+              </a14:hiddenLine>
+            </a:ext>
+          </a:extLst>
+        </p:spPr>
+      </p:pic>
+      <p:sp>
+        <p:nvSpPr>
+          <p:cNvPr id="5" name="Rectangle 4"/>
+          <p:cNvSpPr/>
+          <p:nvPr/>
+        </p:nvSpPr>
+        <p:spPr>
+          <a:xfrm>
+            <a:off x="0" y="0"/>
+            <a:ext cx="14274800" cy="400110"/>
+          </a:xfrm>
+          <a:prstGeom prst="rect">
+            <a:avLst/>
+          </a:prstGeom>
+        </p:spPr>
+        <p:txBody>
+          <a:bodyPr wrap="square">
+            <a:spAutoFit/>
+          </a:bodyPr>
+          <a:lstStyle/>
+          <a:p>
+            <a:pPr algn="l"/>
+            <a:r>
+              <a:rPr lang="en-GB" sz="2000" dirty="0">
+                <a:latin typeface="Bradley Hand ITC" panose="03070402050302030203" pitchFamily="66" charset="0"/>
+                <a:cs typeface="Adobe Devanagari" pitchFamily="18" charset="0"/>
+              </a:rPr>
+              <a:t>http://localhost:10009/api/property/create-fund?fundStateValue=100&amp;partyNames=PartyA&amp;partyNames=PartyB</a:t>
+            </a:r>
+          </a:p>
+        </p:txBody>
+      </p:sp>
+      <p:sp>
+        <p:nvSpPr>
+          <p:cNvPr id="7" name="Oval 6"/>
+          <p:cNvSpPr/>
+          <p:nvPr/>
+        </p:nvSpPr>
+        <p:spPr>
+          <a:xfrm>
+            <a:off x="7950200" y="3725287"/>
+            <a:ext cx="4800600" cy="2481342"/>
+          </a:xfrm>
+          <a:prstGeom prst="ellipse">
+            <a:avLst/>
+          </a:prstGeom>
+          <a:solidFill>
+            <a:srgbClr val="808785"/>
+          </a:solidFill>
+          <a:ln w="12700" cap="flat">
+            <a:noFill/>
+            <a:miter lim="400000"/>
+          </a:ln>
+          <a:effectLst/>
+          <a:sp3d/>
+        </p:spPr>
+        <p:style>
+          <a:lnRef idx="0">
+            <a:scrgbClr r="0" g="0" b="0"/>
+          </a:lnRef>
+          <a:fillRef idx="0">
+            <a:scrgbClr r="0" g="0" b="0"/>
+          </a:fillRef>
+          <a:effectRef idx="0">
+            <a:scrgbClr r="0" g="0" b="0"/>
+          </a:effectRef>
+          <a:fontRef idx="none"/>
+        </p:style>
+        <p:txBody>
+          <a:bodyPr rot="0" spcFirstLastPara="1" vertOverflow="overflow" horzOverflow="overflow" vert="horz" wrap="square" lIns="50800" tIns="50800" rIns="50800" bIns="50800" numCol="1" spcCol="38100" rtlCol="0" anchor="ctr">
+            <a:spAutoFit/>
+          </a:bodyPr>
+          <a:lstStyle/>
+          <a:p>
+            <a:pPr marL="0" marR="0" indent="0" algn="ctr" defTabSz="584200" rtl="0" fontAlgn="auto" latinLnBrk="0" hangingPunct="0">
+              <a:lnSpc>
+                <a:spcPct val="100000"/>
+              </a:lnSpc>
+              <a:spcBef>
+                <a:spcPts val="0"/>
+              </a:spcBef>
+              <a:spcAft>
+                <a:spcPts val="0"/>
+              </a:spcAft>
+              <a:buClrTx/>
+              <a:buSzTx/>
+              <a:buFontTx/>
+              <a:buNone/>
+              <a:tabLst/>
+            </a:pPr>
+            <a:r>
+              <a:rPr lang="en-US" dirty="0" smtClean="0">
+                <a:solidFill>
+                  <a:srgbClr val="FFFFFF"/>
+                </a:solidFill>
+              </a:rPr>
+              <a:t>Creates a fund</a:t>
+            </a:r>
+          </a:p>
+          <a:p>
+            <a:pPr marL="0" marR="0" indent="0" algn="ctr" defTabSz="584200" rtl="0" fontAlgn="auto" latinLnBrk="0" hangingPunct="0">
+              <a:lnSpc>
+                <a:spcPct val="100000"/>
+              </a:lnSpc>
+              <a:spcBef>
+                <a:spcPts val="0"/>
+              </a:spcBef>
+              <a:spcAft>
+                <a:spcPts val="0"/>
+              </a:spcAft>
+              <a:buClrTx/>
+              <a:buSzTx/>
+              <a:buFontTx/>
+              <a:buNone/>
+              <a:tabLst/>
+            </a:pPr>
+            <a:r>
+              <a:rPr kumimoji="0" lang="en-US" sz="3600" b="0" i="0" u="none" strike="noStrike" cap="none" spc="0" normalizeH="0" baseline="0" dirty="0" smtClean="0">
+                <a:ln>
+                  <a:noFill/>
+                </a:ln>
+                <a:solidFill>
+                  <a:srgbClr val="FFFFFF"/>
+                </a:solidFill>
+                <a:effectLst/>
+                <a:uFillTx/>
+                <a:latin typeface="+mn-lt"/>
+                <a:ea typeface="+mn-ea"/>
+                <a:cs typeface="+mn-cs"/>
+                <a:sym typeface="Gill Sans Light"/>
+              </a:rPr>
+              <a:t>With </a:t>
+            </a:r>
+            <a:r>
+              <a:rPr kumimoji="0" lang="en-US" sz="3600" b="0" i="0" u="none" strike="noStrike" cap="none" spc="0" normalizeH="0" baseline="0" dirty="0" err="1" smtClean="0">
+                <a:ln>
+                  <a:noFill/>
+                </a:ln>
+                <a:solidFill>
+                  <a:srgbClr val="FFFFFF"/>
+                </a:solidFill>
+                <a:effectLst/>
+                <a:uFillTx/>
+                <a:latin typeface="+mn-lt"/>
+                <a:ea typeface="+mn-ea"/>
+                <a:cs typeface="+mn-cs"/>
+                <a:sym typeface="Gill Sans Light"/>
+              </a:rPr>
+              <a:t>PartyA</a:t>
+            </a:r>
+            <a:r>
+              <a:rPr kumimoji="0" lang="en-US" sz="3600" b="0" i="0" u="none" strike="noStrike" cap="none" spc="0" normalizeH="0" baseline="0" dirty="0" smtClean="0">
+                <a:ln>
+                  <a:noFill/>
+                </a:ln>
+                <a:solidFill>
+                  <a:srgbClr val="FFFFFF"/>
+                </a:solidFill>
+                <a:effectLst/>
+                <a:uFillTx/>
+                <a:latin typeface="+mn-lt"/>
+                <a:ea typeface="+mn-ea"/>
+                <a:cs typeface="+mn-cs"/>
+                <a:sym typeface="Gill Sans Light"/>
+              </a:rPr>
+              <a:t> &amp; </a:t>
+            </a:r>
+            <a:r>
+              <a:rPr kumimoji="0" lang="en-US" sz="3600" b="0" i="0" u="none" strike="noStrike" cap="none" spc="0" normalizeH="0" baseline="0" dirty="0" err="1" smtClean="0">
+                <a:ln>
+                  <a:noFill/>
+                </a:ln>
+                <a:solidFill>
+                  <a:srgbClr val="FFFFFF"/>
+                </a:solidFill>
+                <a:effectLst/>
+                <a:uFillTx/>
+                <a:latin typeface="+mn-lt"/>
+                <a:ea typeface="+mn-ea"/>
+                <a:cs typeface="+mn-cs"/>
+                <a:sym typeface="Gill Sans Light"/>
+              </a:rPr>
+              <a:t>PartyB</a:t>
+            </a:r>
+            <a:endParaRPr kumimoji="0" lang="en-GB" sz="3600" b="0" i="0" u="none" strike="noStrike" cap="none" spc="0" normalizeH="0" baseline="0" dirty="0">
+              <a:ln>
+                <a:noFill/>
+              </a:ln>
+              <a:solidFill>
+                <a:srgbClr val="FFFFFF"/>
+              </a:solidFill>
+              <a:effectLst/>
+              <a:uFillTx/>
+              <a:latin typeface="+mn-lt"/>
+              <a:ea typeface="+mn-ea"/>
+              <a:cs typeface="+mn-cs"/>
+              <a:sym typeface="Gill Sans Light"/>
+            </a:endParaRPr>
+          </a:p>
+        </p:txBody>
+      </p:sp>
+    </p:spTree>
+    <p:extLst>
+      <p:ext uri="{BB962C8B-B14F-4D97-AF65-F5344CB8AC3E}">
+        <p14:creationId xmlns:p14="http://schemas.microsoft.com/office/powerpoint/2010/main" val="1632284863"/>
+      </p:ext>
+    </p:extLst>
+  </p:cSld>
+  <p:clrMapOvr>
+    <a:masterClrMapping/>
+  </p:clrMapOvr>
+  <p:transition spd="med"/>
+  <p:timing>
+    <p:tnLst>
+      <p:par>
+        <p:cTn id="1" dur="indefinite" restart="never" nodeType="tmRoot"/>
+      </p:par>
+    </p:tnLst>
+  </p:timing>
+</p:sld>
+</file>
+
+<file path=ppt/slides/slide15.xml><?xml version="1.0" encoding="utf-8"?>
+<p:sld xmlns:a="http://schemas.openxmlformats.org/drawingml/2006/main" xmlns:r="http://schemas.openxmlformats.org/officeDocument/2006/relationships" xmlns:p="http://schemas.openxmlformats.org/presentationml/2006/main">
+  <p:cSld>
+    <p:spTree>
+      <p:nvGrpSpPr>
+        <p:cNvPr id="1" name=""/>
+        <p:cNvGrpSpPr/>
+        <p:nvPr/>
+      </p:nvGrpSpPr>
+      <p:grpSpPr>
+        <a:xfrm>
+          <a:off x="0" y="0"/>
+          <a:ext cx="0" cy="0"/>
+          <a:chOff x="0" y="0"/>
+          <a:chExt cx="0" cy="0"/>
+        </a:xfrm>
+      </p:grpSpPr>
+      <p:pic>
+        <p:nvPicPr>
+          <p:cNvPr id="5122" name="Picture 2"/>
+          <p:cNvPicPr>
+            <a:picLocks noChangeAspect="1" noChangeArrowheads="1"/>
+          </p:cNvPicPr>
+          <p:nvPr/>
+        </p:nvPicPr>
+        <p:blipFill>
+          <a:blip r:embed="rId2">
+            <a:extLst>
+              <a:ext uri="{28A0092B-C50C-407E-A947-70E740481C1C}">
+                <a14:useLocalDpi xmlns:a14="http://schemas.microsoft.com/office/drawing/2010/main" val="0"/>
+              </a:ext>
+            </a:extLst>
+          </a:blip>
+          <a:srcRect/>
+          <a:stretch>
+            <a:fillRect/>
+          </a:stretch>
+        </p:blipFill>
+        <p:spPr bwMode="auto">
+          <a:xfrm>
+            <a:off x="0" y="646330"/>
+            <a:ext cx="13004800" cy="9107269"/>
+          </a:xfrm>
+          <a:prstGeom prst="rect">
+            <a:avLst/>
+          </a:prstGeom>
+          <a:noFill/>
+          <a:ln>
+            <a:noFill/>
+          </a:ln>
+          <a:extLst>
+            <a:ext uri="{909E8E84-426E-40DD-AFC4-6F175D3DCCD1}">
+              <a14:hiddenFill xmlns:a14="http://schemas.microsoft.com/office/drawing/2010/main">
+                <a:solidFill>
+                  <a:schemeClr val="accent1"/>
+                </a:solidFill>
+              </a14:hiddenFill>
+            </a:ext>
+            <a:ext uri="{91240B29-F687-4F45-9708-019B960494DF}">
+              <a14:hiddenLine xmlns:a14="http://schemas.microsoft.com/office/drawing/2010/main" w="9525">
+                <a:solidFill>
+                  <a:schemeClr val="tx1"/>
+                </a:solidFill>
+                <a:miter lim="800000"/>
+                <a:headEnd/>
+                <a:tailEnd/>
+              </a14:hiddenLine>
+            </a:ext>
+          </a:extLst>
+        </p:spPr>
+      </p:pic>
+      <p:sp>
+        <p:nvSpPr>
+          <p:cNvPr id="6" name="Rectangle 5"/>
+          <p:cNvSpPr/>
+          <p:nvPr/>
+        </p:nvSpPr>
+        <p:spPr>
+          <a:xfrm>
+            <a:off x="2159000" y="0"/>
+            <a:ext cx="9296400" cy="553998"/>
+          </a:xfrm>
+          <a:prstGeom prst="rect">
+            <a:avLst/>
+          </a:prstGeom>
+        </p:spPr>
+        <p:txBody>
+          <a:bodyPr wrap="square">
+            <a:spAutoFit/>
+          </a:bodyPr>
+          <a:lstStyle/>
+          <a:p>
+            <a:r>
+              <a:rPr lang="en-GB" sz="3000" dirty="0">
+                <a:latin typeface="Bradley Hand ITC" panose="03070402050302030203" pitchFamily="66" charset="0"/>
+                <a:cs typeface="Adobe Devanagari" pitchFamily="18" charset="0"/>
+              </a:rPr>
+              <a:t>http://localhost:10009/api/property/my-funds</a:t>
+            </a:r>
+            <a:endParaRPr lang="en-GB" sz="3000" dirty="0">
+              <a:latin typeface="Bradley Hand ITC" panose="03070402050302030203" pitchFamily="66" charset="0"/>
+              <a:cs typeface="Adobe Devanagari" pitchFamily="18" charset="0"/>
+            </a:endParaRPr>
+          </a:p>
+        </p:txBody>
+      </p:sp>
+      <p:sp>
+        <p:nvSpPr>
+          <p:cNvPr id="7" name="Oval 6"/>
+          <p:cNvSpPr/>
+          <p:nvPr/>
+        </p:nvSpPr>
+        <p:spPr>
+          <a:xfrm>
+            <a:off x="7950200" y="4504313"/>
+            <a:ext cx="4800600" cy="923290"/>
+          </a:xfrm>
+          <a:prstGeom prst="ellipse">
+            <a:avLst/>
+          </a:prstGeom>
+          <a:solidFill>
+            <a:srgbClr val="808785"/>
+          </a:solidFill>
+          <a:ln w="12700" cap="flat">
+            <a:noFill/>
+            <a:miter lim="400000"/>
+          </a:ln>
+          <a:effectLst/>
+          <a:sp3d/>
+        </p:spPr>
+        <p:style>
+          <a:lnRef idx="0">
+            <a:scrgbClr r="0" g="0" b="0"/>
+          </a:lnRef>
+          <a:fillRef idx="0">
+            <a:scrgbClr r="0" g="0" b="0"/>
+          </a:fillRef>
+          <a:effectRef idx="0">
+            <a:scrgbClr r="0" g="0" b="0"/>
+          </a:effectRef>
+          <a:fontRef idx="none"/>
+        </p:style>
+        <p:txBody>
+          <a:bodyPr rot="0" spcFirstLastPara="1" vertOverflow="overflow" horzOverflow="overflow" vert="horz" wrap="square" lIns="50800" tIns="50800" rIns="50800" bIns="50800" numCol="1" spcCol="38100" rtlCol="0" anchor="ctr">
+            <a:spAutoFit/>
+          </a:bodyPr>
+          <a:lstStyle/>
+          <a:p>
+            <a:pPr marL="0" marR="0" indent="0" algn="ctr" defTabSz="584200" rtl="0" fontAlgn="auto" latinLnBrk="0" hangingPunct="0">
+              <a:lnSpc>
+                <a:spcPct val="100000"/>
+              </a:lnSpc>
+              <a:spcBef>
+                <a:spcPts val="0"/>
+              </a:spcBef>
+              <a:spcAft>
+                <a:spcPts val="0"/>
+              </a:spcAft>
+              <a:buClrTx/>
+              <a:buSzTx/>
+              <a:buFontTx/>
+              <a:buNone/>
+              <a:tabLst/>
+            </a:pPr>
+            <a:r>
+              <a:rPr lang="en-US" dirty="0" smtClean="0">
+                <a:solidFill>
+                  <a:srgbClr val="FFFFFF"/>
+                </a:solidFill>
+              </a:rPr>
+              <a:t>My Fund </a:t>
+            </a:r>
+            <a:endParaRPr kumimoji="0" lang="en-GB" sz="3600" b="0" i="0" u="none" strike="noStrike" cap="none" spc="0" normalizeH="0" baseline="0" dirty="0">
+              <a:ln>
+                <a:noFill/>
+              </a:ln>
+              <a:solidFill>
+                <a:srgbClr val="FFFFFF"/>
+              </a:solidFill>
+              <a:effectLst/>
+              <a:uFillTx/>
+              <a:latin typeface="+mn-lt"/>
+              <a:ea typeface="+mn-ea"/>
+              <a:cs typeface="+mn-cs"/>
+              <a:sym typeface="Gill Sans Light"/>
+            </a:endParaRPr>
+          </a:p>
+        </p:txBody>
+      </p:sp>
+    </p:spTree>
+    <p:extLst>
+      <p:ext uri="{BB962C8B-B14F-4D97-AF65-F5344CB8AC3E}">
+        <p14:creationId xmlns:p14="http://schemas.microsoft.com/office/powerpoint/2010/main" val="1395525511"/>
+      </p:ext>
+    </p:extLst>
+  </p:cSld>
+  <p:clrMapOvr>
+    <a:masterClrMapping/>
+  </p:clrMapOvr>
+  <p:transition spd="med"/>
+  <p:timing>
+    <p:tnLst>
+      <p:par>
+        <p:cTn id="1" dur="indefinite" restart="never" nodeType="tmRoot"/>
+      </p:par>
+    </p:tnLst>
+  </p:timing>
+</p:sld>
+</file>
+
+<file path=ppt/slides/slide16.xml><?xml version="1.0" encoding="utf-8"?>
+<p:sld xmlns:a="http://schemas.openxmlformats.org/drawingml/2006/main" xmlns:r="http://schemas.openxmlformats.org/officeDocument/2006/relationships" xmlns:p="http://schemas.openxmlformats.org/presentationml/2006/main">
+  <p:cSld>
+    <p:spTree>
+      <p:nvGrpSpPr>
+        <p:cNvPr id="1" name=""/>
+        <p:cNvGrpSpPr/>
+        <p:nvPr/>
+      </p:nvGrpSpPr>
+      <p:grpSpPr>
+        <a:xfrm>
+          <a:off x="0" y="0"/>
+          <a:ext cx="0" cy="0"/>
+          <a:chOff x="0" y="0"/>
+          <a:chExt cx="0" cy="0"/>
+        </a:xfrm>
+      </p:grpSpPr>
+      <p:sp>
+        <p:nvSpPr>
+          <p:cNvPr id="5" name="Rectangle 4"/>
+          <p:cNvSpPr/>
+          <p:nvPr/>
+        </p:nvSpPr>
+        <p:spPr>
+          <a:xfrm>
+            <a:off x="101600" y="0"/>
+            <a:ext cx="12903200" cy="400110"/>
+          </a:xfrm>
+          <a:prstGeom prst="rect">
+            <a:avLst/>
+          </a:prstGeom>
+        </p:spPr>
+        <p:txBody>
+          <a:bodyPr wrap="square">
+            <a:spAutoFit/>
+          </a:bodyPr>
+          <a:lstStyle/>
+          <a:p>
+            <a:r>
+              <a:rPr lang="en-GB" sz="2000" dirty="0">
+                <a:latin typeface="Bradley Hand ITC" panose="03070402050302030203" pitchFamily="66" charset="0"/>
+                <a:cs typeface="Adobe Devanagari" pitchFamily="18" charset="0"/>
+              </a:rPr>
+              <a:t>http://localhost:10009/api/property/register-property?address=XYZ&amp;propertyManager=PartyC</a:t>
+            </a:r>
+          </a:p>
+        </p:txBody>
+      </p:sp>
+      <p:pic>
+        <p:nvPicPr>
+          <p:cNvPr id="6146" name="Picture 2"/>
+          <p:cNvPicPr>
+            <a:picLocks noChangeAspect="1" noChangeArrowheads="1"/>
+          </p:cNvPicPr>
+          <p:nvPr/>
+        </p:nvPicPr>
+        <p:blipFill>
+          <a:blip r:embed="rId2">
+            <a:extLst>
+              <a:ext uri="{28A0092B-C50C-407E-A947-70E740481C1C}">
+                <a14:useLocalDpi xmlns:a14="http://schemas.microsoft.com/office/drawing/2010/main" val="0"/>
+              </a:ext>
+            </a:extLst>
+          </a:blip>
+          <a:srcRect/>
+          <a:stretch>
+            <a:fillRect/>
+          </a:stretch>
+        </p:blipFill>
+        <p:spPr bwMode="auto">
+          <a:xfrm>
+            <a:off x="16933" y="430888"/>
+            <a:ext cx="12987867" cy="9322712"/>
+          </a:xfrm>
+          <a:prstGeom prst="rect">
+            <a:avLst/>
+          </a:prstGeom>
+          <a:noFill/>
+          <a:ln>
+            <a:noFill/>
+          </a:ln>
+          <a:extLst>
+            <a:ext uri="{909E8E84-426E-40DD-AFC4-6F175D3DCCD1}">
+              <a14:hiddenFill xmlns:a14="http://schemas.microsoft.com/office/drawing/2010/main">
+                <a:solidFill>
+                  <a:schemeClr val="accent1"/>
+                </a:solidFill>
+              </a14:hiddenFill>
+            </a:ext>
+            <a:ext uri="{91240B29-F687-4F45-9708-019B960494DF}">
+              <a14:hiddenLine xmlns:a14="http://schemas.microsoft.com/office/drawing/2010/main" w="9525">
+                <a:solidFill>
+                  <a:schemeClr val="tx1"/>
+                </a:solidFill>
+                <a:miter lim="800000"/>
+                <a:headEnd/>
+                <a:tailEnd/>
+              </a14:hiddenLine>
+            </a:ext>
+          </a:extLst>
+        </p:spPr>
+      </p:pic>
+      <p:sp>
+        <p:nvSpPr>
+          <p:cNvPr id="4" name="Oval 3"/>
+          <p:cNvSpPr/>
+          <p:nvPr/>
+        </p:nvSpPr>
+        <p:spPr>
+          <a:xfrm>
+            <a:off x="7950200" y="4114800"/>
+            <a:ext cx="4800600" cy="1702316"/>
+          </a:xfrm>
+          <a:prstGeom prst="ellipse">
+            <a:avLst/>
+          </a:prstGeom>
+          <a:solidFill>
+            <a:srgbClr val="808785"/>
+          </a:solidFill>
+          <a:ln w="12700" cap="flat">
+            <a:noFill/>
+            <a:miter lim="400000"/>
+          </a:ln>
+          <a:effectLst/>
+          <a:sp3d/>
+        </p:spPr>
+        <p:style>
+          <a:lnRef idx="0">
+            <a:scrgbClr r="0" g="0" b="0"/>
+          </a:lnRef>
+          <a:fillRef idx="0">
+            <a:scrgbClr r="0" g="0" b="0"/>
+          </a:fillRef>
+          <a:effectRef idx="0">
+            <a:scrgbClr r="0" g="0" b="0"/>
+          </a:effectRef>
+          <a:fontRef idx="none"/>
+        </p:style>
+        <p:txBody>
+          <a:bodyPr rot="0" spcFirstLastPara="1" vertOverflow="overflow" horzOverflow="overflow" vert="horz" wrap="square" lIns="50800" tIns="50800" rIns="50800" bIns="50800" numCol="1" spcCol="38100" rtlCol="0" anchor="ctr">
+            <a:spAutoFit/>
+          </a:bodyPr>
+          <a:lstStyle/>
+          <a:p>
+            <a:pPr marL="0" marR="0" indent="0" algn="ctr" defTabSz="584200" rtl="0" fontAlgn="auto" latinLnBrk="0" hangingPunct="0">
+              <a:lnSpc>
+                <a:spcPct val="100000"/>
+              </a:lnSpc>
+              <a:spcBef>
+                <a:spcPts val="0"/>
+              </a:spcBef>
+              <a:spcAft>
+                <a:spcPts val="0"/>
+              </a:spcAft>
+              <a:buClrTx/>
+              <a:buSzTx/>
+              <a:buFontTx/>
+              <a:buNone/>
+              <a:tabLst/>
+            </a:pPr>
+            <a:r>
+              <a:rPr lang="en-US" dirty="0" smtClean="0">
+                <a:solidFill>
+                  <a:srgbClr val="FFFFFF"/>
+                </a:solidFill>
+              </a:rPr>
+              <a:t>Registers a Property</a:t>
+            </a:r>
+            <a:endParaRPr kumimoji="0" lang="en-GB" sz="3600" b="0" i="0" u="none" strike="noStrike" cap="none" spc="0" normalizeH="0" baseline="0" dirty="0">
+              <a:ln>
+                <a:noFill/>
+              </a:ln>
+              <a:solidFill>
+                <a:srgbClr val="FFFFFF"/>
+              </a:solidFill>
+              <a:effectLst/>
+              <a:uFillTx/>
+              <a:latin typeface="+mn-lt"/>
+              <a:ea typeface="+mn-ea"/>
+              <a:cs typeface="+mn-cs"/>
+              <a:sym typeface="Gill Sans Light"/>
+            </a:endParaRPr>
+          </a:p>
+        </p:txBody>
+      </p:sp>
+    </p:spTree>
+    <p:extLst>
+      <p:ext uri="{BB962C8B-B14F-4D97-AF65-F5344CB8AC3E}">
+        <p14:creationId xmlns:p14="http://schemas.microsoft.com/office/powerpoint/2010/main" val="2747741385"/>
+      </p:ext>
+    </p:extLst>
+  </p:cSld>
+  <p:clrMapOvr>
+    <a:masterClrMapping/>
+  </p:clrMapOvr>
+  <p:transition spd="med"/>
+  <p:timing>
+    <p:tnLst>
+      <p:par>
+        <p:cTn id="1" dur="indefinite" restart="never" nodeType="tmRoot"/>
+      </p:par>
+    </p:tnLst>
+  </p:timing>
+</p:sld>
+</file>
+
+<file path=ppt/slides/slide17.xml><?xml version="1.0" encoding="utf-8"?>
+<p:sld xmlns:a="http://schemas.openxmlformats.org/drawingml/2006/main" xmlns:r="http://schemas.openxmlformats.org/officeDocument/2006/relationships" xmlns:p="http://schemas.openxmlformats.org/presentationml/2006/main">
+  <p:cSld>
+    <p:spTree>
+      <p:nvGrpSpPr>
+        <p:cNvPr id="1" name=""/>
+        <p:cNvGrpSpPr/>
+        <p:nvPr/>
+      </p:nvGrpSpPr>
+      <p:grpSpPr>
+        <a:xfrm>
+          <a:off x="0" y="0"/>
+          <a:ext cx="0" cy="0"/>
+          <a:chOff x="0" y="0"/>
+          <a:chExt cx="0" cy="0"/>
+        </a:xfrm>
+      </p:grpSpPr>
+      <p:pic>
+        <p:nvPicPr>
+          <p:cNvPr id="7170" name="Picture 2"/>
+          <p:cNvPicPr>
+            <a:picLocks noChangeAspect="1" noChangeArrowheads="1"/>
+          </p:cNvPicPr>
+          <p:nvPr/>
+        </p:nvPicPr>
+        <p:blipFill>
+          <a:blip r:embed="rId2">
+            <a:extLst>
+              <a:ext uri="{28A0092B-C50C-407E-A947-70E740481C1C}">
+                <a14:useLocalDpi xmlns:a14="http://schemas.microsoft.com/office/drawing/2010/main" val="0"/>
+              </a:ext>
+            </a:extLst>
+          </a:blip>
+          <a:srcRect/>
+          <a:stretch>
+            <a:fillRect/>
+          </a:stretch>
+        </p:blipFill>
+        <p:spPr bwMode="auto">
+          <a:xfrm>
+            <a:off x="16932" y="646330"/>
+            <a:ext cx="12987867" cy="9107269"/>
+          </a:xfrm>
+          <a:prstGeom prst="rect">
+            <a:avLst/>
+          </a:prstGeom>
+          <a:noFill/>
+          <a:ln>
+            <a:noFill/>
+          </a:ln>
+          <a:extLst>
+            <a:ext uri="{909E8E84-426E-40DD-AFC4-6F175D3DCCD1}">
+              <a14:hiddenFill xmlns:a14="http://schemas.microsoft.com/office/drawing/2010/main">
+                <a:solidFill>
+                  <a:schemeClr val="accent1"/>
+                </a:solidFill>
+              </a14:hiddenFill>
+            </a:ext>
+            <a:ext uri="{91240B29-F687-4F45-9708-019B960494DF}">
+              <a14:hiddenLine xmlns:a14="http://schemas.microsoft.com/office/drawing/2010/main" w="9525">
+                <a:solidFill>
+                  <a:schemeClr val="tx1"/>
+                </a:solidFill>
+                <a:miter lim="800000"/>
+                <a:headEnd/>
+                <a:tailEnd/>
+              </a14:hiddenLine>
+            </a:ext>
+          </a:extLst>
+        </p:spPr>
+      </p:pic>
+      <p:sp>
+        <p:nvSpPr>
+          <p:cNvPr id="5" name="Rectangle 4"/>
+          <p:cNvSpPr/>
+          <p:nvPr/>
+        </p:nvSpPr>
+        <p:spPr>
+          <a:xfrm>
+            <a:off x="406400" y="0"/>
+            <a:ext cx="11430000" cy="553998"/>
+          </a:xfrm>
+          <a:prstGeom prst="rect">
+            <a:avLst/>
+          </a:prstGeom>
+        </p:spPr>
+        <p:txBody>
+          <a:bodyPr wrap="square">
+            <a:spAutoFit/>
+          </a:bodyPr>
+          <a:lstStyle/>
+          <a:p>
+            <a:r>
+              <a:rPr lang="en-GB" sz="3000" dirty="0">
+                <a:latin typeface="Bradley Hand ITC" panose="03070402050302030203" pitchFamily="66" charset="0"/>
+                <a:cs typeface="Adobe Devanagari" pitchFamily="18" charset="0"/>
+              </a:rPr>
+              <a:t>http://localhost:10009/api/property/my-properties </a:t>
+            </a:r>
+          </a:p>
+        </p:txBody>
+      </p:sp>
+      <p:sp>
+        <p:nvSpPr>
+          <p:cNvPr id="7" name="Oval 6"/>
+          <p:cNvSpPr/>
+          <p:nvPr/>
+        </p:nvSpPr>
+        <p:spPr>
+          <a:xfrm>
+            <a:off x="7950200" y="3725287"/>
+            <a:ext cx="4800600" cy="2481342"/>
+          </a:xfrm>
+          <a:prstGeom prst="ellipse">
+            <a:avLst/>
+          </a:prstGeom>
+          <a:solidFill>
+            <a:srgbClr val="808785"/>
+          </a:solidFill>
+          <a:ln w="12700" cap="flat">
+            <a:noFill/>
+            <a:miter lim="400000"/>
+          </a:ln>
+          <a:effectLst/>
+          <a:sp3d/>
+        </p:spPr>
+        <p:style>
+          <a:lnRef idx="0">
+            <a:scrgbClr r="0" g="0" b="0"/>
+          </a:lnRef>
+          <a:fillRef idx="0">
+            <a:scrgbClr r="0" g="0" b="0"/>
+          </a:fillRef>
+          <a:effectRef idx="0">
+            <a:scrgbClr r="0" g="0" b="0"/>
+          </a:effectRef>
+          <a:fontRef idx="none"/>
+        </p:style>
+        <p:txBody>
+          <a:bodyPr rot="0" spcFirstLastPara="1" vertOverflow="overflow" horzOverflow="overflow" vert="horz" wrap="square" lIns="50800" tIns="50800" rIns="50800" bIns="50800" numCol="1" spcCol="38100" rtlCol="0" anchor="ctr">
+            <a:spAutoFit/>
+          </a:bodyPr>
+          <a:lstStyle/>
+          <a:p>
+            <a:pPr marL="0" marR="0" indent="0" algn="ctr" defTabSz="584200" rtl="0" fontAlgn="auto" latinLnBrk="0" hangingPunct="0">
+              <a:lnSpc>
+                <a:spcPct val="100000"/>
+              </a:lnSpc>
+              <a:spcBef>
+                <a:spcPts val="0"/>
+              </a:spcBef>
+              <a:spcAft>
+                <a:spcPts val="0"/>
+              </a:spcAft>
+              <a:buClrTx/>
+              <a:buSzTx/>
+              <a:buFontTx/>
+              <a:buNone/>
+              <a:tabLst/>
+            </a:pPr>
+            <a:r>
+              <a:rPr lang="en-US" dirty="0" smtClean="0">
+                <a:solidFill>
+                  <a:srgbClr val="FFFFFF"/>
+                </a:solidFill>
+              </a:rPr>
+              <a:t>Property Registered (</a:t>
+            </a:r>
+            <a:r>
+              <a:rPr lang="en-US" dirty="0" err="1" smtClean="0">
+                <a:solidFill>
+                  <a:srgbClr val="FFFFFF"/>
+                </a:solidFill>
+              </a:rPr>
+              <a:t>PartyC</a:t>
+            </a:r>
+            <a:r>
+              <a:rPr lang="en-US" dirty="0" smtClean="0">
+                <a:solidFill>
+                  <a:srgbClr val="FFFFFF"/>
+                </a:solidFill>
+              </a:rPr>
+              <a:t>)</a:t>
+            </a:r>
+            <a:endParaRPr kumimoji="0" lang="en-GB" sz="3600" b="0" i="0" u="none" strike="noStrike" cap="none" spc="0" normalizeH="0" baseline="0" dirty="0">
+              <a:ln>
+                <a:noFill/>
+              </a:ln>
+              <a:solidFill>
+                <a:srgbClr val="FFFFFF"/>
+              </a:solidFill>
+              <a:effectLst/>
+              <a:uFillTx/>
+              <a:latin typeface="+mn-lt"/>
+              <a:ea typeface="+mn-ea"/>
+              <a:cs typeface="+mn-cs"/>
+              <a:sym typeface="Gill Sans Light"/>
+            </a:endParaRPr>
+          </a:p>
+        </p:txBody>
+      </p:sp>
+    </p:spTree>
+    <p:extLst>
+      <p:ext uri="{BB962C8B-B14F-4D97-AF65-F5344CB8AC3E}">
+        <p14:creationId xmlns:p14="http://schemas.microsoft.com/office/powerpoint/2010/main" val="1932306543"/>
+      </p:ext>
+    </p:extLst>
+  </p:cSld>
+  <p:clrMapOvr>
+    <a:masterClrMapping/>
+  </p:clrMapOvr>
+  <p:transition spd="med"/>
+  <p:timing>
+    <p:tnLst>
+      <p:par>
+        <p:cTn id="1" dur="indefinite" restart="never" nodeType="tmRoot"/>
+      </p:par>
+    </p:tnLst>
+  </p:timing>
+</p:sld>
+</file>
+
+<file path=ppt/slides/slide18.xml><?xml version="1.0" encoding="utf-8"?>
+<p:sld xmlns:a="http://schemas.openxmlformats.org/drawingml/2006/main" xmlns:r="http://schemas.openxmlformats.org/officeDocument/2006/relationships" xmlns:p="http://schemas.openxmlformats.org/presentationml/2006/main">
+  <p:cSld>
+    <p:spTree>
+      <p:nvGrpSpPr>
+        <p:cNvPr id="1" name=""/>
+        <p:cNvGrpSpPr/>
+        <p:nvPr/>
+      </p:nvGrpSpPr>
+      <p:grpSpPr>
+        <a:xfrm>
+          <a:off x="0" y="0"/>
+          <a:ext cx="0" cy="0"/>
+          <a:chOff x="0" y="0"/>
+          <a:chExt cx="0" cy="0"/>
+        </a:xfrm>
+      </p:grpSpPr>
+      <p:pic>
+        <p:nvPicPr>
+          <p:cNvPr id="8194" name="Picture 2"/>
+          <p:cNvPicPr>
+            <a:picLocks noChangeAspect="1" noChangeArrowheads="1"/>
+          </p:cNvPicPr>
+          <p:nvPr/>
+        </p:nvPicPr>
+        <p:blipFill>
+          <a:blip r:embed="rId2">
+            <a:extLst>
+              <a:ext uri="{28A0092B-C50C-407E-A947-70E740481C1C}">
+                <a14:useLocalDpi xmlns:a14="http://schemas.microsoft.com/office/drawing/2010/main" val="0"/>
+              </a:ext>
+            </a:extLst>
+          </a:blip>
+          <a:srcRect/>
+          <a:stretch>
+            <a:fillRect/>
+          </a:stretch>
+        </p:blipFill>
+        <p:spPr bwMode="auto">
+          <a:xfrm>
+            <a:off x="-25400" y="457200"/>
+            <a:ext cx="13004800" cy="9296400"/>
+          </a:xfrm>
+          <a:prstGeom prst="rect">
+            <a:avLst/>
+          </a:prstGeom>
+          <a:noFill/>
+          <a:ln>
+            <a:noFill/>
+          </a:ln>
+          <a:extLst>
+            <a:ext uri="{909E8E84-426E-40DD-AFC4-6F175D3DCCD1}">
+              <a14:hiddenFill xmlns:a14="http://schemas.microsoft.com/office/drawing/2010/main">
+                <a:solidFill>
+                  <a:schemeClr val="accent1"/>
+                </a:solidFill>
+              </a14:hiddenFill>
+            </a:ext>
+            <a:ext uri="{91240B29-F687-4F45-9708-019B960494DF}">
+              <a14:hiddenLine xmlns:a14="http://schemas.microsoft.com/office/drawing/2010/main" w="9525">
+                <a:solidFill>
+                  <a:schemeClr val="tx1"/>
+                </a:solidFill>
+                <a:miter lim="800000"/>
+                <a:headEnd/>
+                <a:tailEnd/>
+              </a14:hiddenLine>
+            </a:ext>
+          </a:extLst>
+        </p:spPr>
+      </p:pic>
+      <p:sp>
+        <p:nvSpPr>
+          <p:cNvPr id="5" name="Rectangle 4"/>
+          <p:cNvSpPr/>
+          <p:nvPr/>
+        </p:nvSpPr>
+        <p:spPr>
+          <a:xfrm>
+            <a:off x="321732" y="0"/>
+            <a:ext cx="12810067" cy="400110"/>
+          </a:xfrm>
+          <a:prstGeom prst="rect">
+            <a:avLst/>
+          </a:prstGeom>
+        </p:spPr>
+        <p:txBody>
+          <a:bodyPr wrap="square">
+            <a:spAutoFit/>
+          </a:bodyPr>
+          <a:lstStyle/>
+          <a:p>
+            <a:r>
+              <a:rPr lang="en-GB" sz="2000" dirty="0">
+                <a:latin typeface="Bradley Hand ITC" panose="03070402050302030203" pitchFamily="66" charset="0"/>
+                <a:cs typeface="Adobe Devanagari" pitchFamily="18" charset="0"/>
+              </a:rPr>
+              <a:t>http://localhost:10009/api/property/pay-dividend?amount=10&amp;fundId=86aeab7a-8f29-4a20-9305-91e3160931a6</a:t>
+            </a:r>
+          </a:p>
+        </p:txBody>
+      </p:sp>
+      <p:sp>
+        <p:nvSpPr>
+          <p:cNvPr id="7" name="Oval 6"/>
+          <p:cNvSpPr/>
+          <p:nvPr/>
+        </p:nvSpPr>
+        <p:spPr>
+          <a:xfrm>
+            <a:off x="7950200" y="6984484"/>
+            <a:ext cx="4800600" cy="923290"/>
+          </a:xfrm>
+          <a:prstGeom prst="ellipse">
+            <a:avLst/>
+          </a:prstGeom>
+          <a:solidFill>
+            <a:srgbClr val="808785"/>
+          </a:solidFill>
+          <a:ln w="12700" cap="flat">
+            <a:noFill/>
+            <a:miter lim="400000"/>
+          </a:ln>
+          <a:effectLst/>
+          <a:sp3d/>
+        </p:spPr>
+        <p:style>
+          <a:lnRef idx="0">
+            <a:scrgbClr r="0" g="0" b="0"/>
+          </a:lnRef>
+          <a:fillRef idx="0">
+            <a:scrgbClr r="0" g="0" b="0"/>
+          </a:fillRef>
+          <a:effectRef idx="0">
+            <a:scrgbClr r="0" g="0" b="0"/>
+          </a:effectRef>
+          <a:fontRef idx="none"/>
+        </p:style>
+        <p:txBody>
+          <a:bodyPr rot="0" spcFirstLastPara="1" vertOverflow="overflow" horzOverflow="overflow" vert="horz" wrap="square" lIns="50800" tIns="50800" rIns="50800" bIns="50800" numCol="1" spcCol="38100" rtlCol="0" anchor="ctr">
+            <a:spAutoFit/>
+          </a:bodyPr>
+          <a:lstStyle/>
+          <a:p>
+            <a:pPr marL="0" marR="0" indent="0" algn="ctr" defTabSz="584200" rtl="0" fontAlgn="auto" latinLnBrk="0" hangingPunct="0">
+              <a:lnSpc>
+                <a:spcPct val="100000"/>
+              </a:lnSpc>
+              <a:spcBef>
+                <a:spcPts val="0"/>
+              </a:spcBef>
+              <a:spcAft>
+                <a:spcPts val="0"/>
+              </a:spcAft>
+              <a:buClrTx/>
+              <a:buSzTx/>
+              <a:buFontTx/>
+              <a:buNone/>
+              <a:tabLst/>
+            </a:pPr>
+            <a:r>
+              <a:rPr lang="en-US" dirty="0" smtClean="0">
+                <a:solidFill>
+                  <a:srgbClr val="FFFFFF"/>
+                </a:solidFill>
+              </a:rPr>
+              <a:t>Pays Dividend</a:t>
+            </a:r>
+            <a:endParaRPr kumimoji="0" lang="en-GB" sz="3600" b="0" i="0" u="none" strike="noStrike" cap="none" spc="0" normalizeH="0" baseline="0" dirty="0">
+              <a:ln>
+                <a:noFill/>
+              </a:ln>
+              <a:solidFill>
+                <a:srgbClr val="FFFFFF"/>
+              </a:solidFill>
+              <a:effectLst/>
+              <a:uFillTx/>
+              <a:latin typeface="+mn-lt"/>
+              <a:ea typeface="+mn-ea"/>
+              <a:cs typeface="+mn-cs"/>
+              <a:sym typeface="Gill Sans Light"/>
+            </a:endParaRPr>
+          </a:p>
+        </p:txBody>
+      </p:sp>
+    </p:spTree>
+    <p:extLst>
+      <p:ext uri="{BB962C8B-B14F-4D97-AF65-F5344CB8AC3E}">
+        <p14:creationId xmlns:p14="http://schemas.microsoft.com/office/powerpoint/2010/main" val="2837194195"/>
+      </p:ext>
+    </p:extLst>
+  </p:cSld>
+  <p:clrMapOvr>
+    <a:masterClrMapping/>
+  </p:clrMapOvr>
+  <p:transition spd="med"/>
+</p:sld>
+</file>
+
+<file path=ppt/slides/slide19.xml><?xml version="1.0" encoding="utf-8"?>
+<p:sld xmlns:a="http://schemas.openxmlformats.org/drawingml/2006/main" xmlns:r="http://schemas.openxmlformats.org/officeDocument/2006/relationships" xmlns:p="http://schemas.openxmlformats.org/presentationml/2006/main">
+  <p:cSld>
+    <p:spTree>
+      <p:nvGrpSpPr>
+        <p:cNvPr id="1" name=""/>
+        <p:cNvGrpSpPr/>
+        <p:nvPr/>
+      </p:nvGrpSpPr>
+      <p:grpSpPr>
+        <a:xfrm>
+          <a:off x="0" y="0"/>
+          <a:ext cx="0" cy="0"/>
+          <a:chOff x="0" y="0"/>
+          <a:chExt cx="0" cy="0"/>
+        </a:xfrm>
+      </p:grpSpPr>
+      <p:pic>
+        <p:nvPicPr>
+          <p:cNvPr id="9218" name="Picture 2"/>
+          <p:cNvPicPr>
+            <a:picLocks noChangeAspect="1" noChangeArrowheads="1"/>
+          </p:cNvPicPr>
+          <p:nvPr/>
+        </p:nvPicPr>
+        <p:blipFill>
+          <a:blip r:embed="rId2">
+            <a:extLst>
+              <a:ext uri="{28A0092B-C50C-407E-A947-70E740481C1C}">
+                <a14:useLocalDpi xmlns:a14="http://schemas.microsoft.com/office/drawing/2010/main" val="0"/>
+              </a:ext>
+            </a:extLst>
+          </a:blip>
+          <a:srcRect/>
+          <a:stretch>
+            <a:fillRect/>
+          </a:stretch>
+        </p:blipFill>
+        <p:spPr bwMode="auto">
+          <a:xfrm>
+            <a:off x="25400" y="430887"/>
+            <a:ext cx="12979400" cy="9322713"/>
+          </a:xfrm>
+          <a:prstGeom prst="rect">
+            <a:avLst/>
+          </a:prstGeom>
+          <a:noFill/>
+          <a:ln>
+            <a:noFill/>
+          </a:ln>
+          <a:extLst>
+            <a:ext uri="{909E8E84-426E-40DD-AFC4-6F175D3DCCD1}">
+              <a14:hiddenFill xmlns:a14="http://schemas.microsoft.com/office/drawing/2010/main">
+                <a:solidFill>
+                  <a:schemeClr val="accent1"/>
+                </a:solidFill>
+              </a14:hiddenFill>
+            </a:ext>
+            <a:ext uri="{91240B29-F687-4F45-9708-019B960494DF}">
+              <a14:hiddenLine xmlns:a14="http://schemas.microsoft.com/office/drawing/2010/main" w="9525">
+                <a:solidFill>
+                  <a:schemeClr val="tx1"/>
+                </a:solidFill>
+                <a:miter lim="800000"/>
+                <a:headEnd/>
+                <a:tailEnd/>
+              </a14:hiddenLine>
+            </a:ext>
+          </a:extLst>
+        </p:spPr>
+      </p:pic>
+      <p:sp>
+        <p:nvSpPr>
+          <p:cNvPr id="5" name="Rectangle 4"/>
+          <p:cNvSpPr/>
+          <p:nvPr/>
+        </p:nvSpPr>
+        <p:spPr>
+          <a:xfrm>
+            <a:off x="1854200" y="0"/>
+            <a:ext cx="9931400" cy="400110"/>
+          </a:xfrm>
+          <a:prstGeom prst="rect">
+            <a:avLst/>
+          </a:prstGeom>
+        </p:spPr>
+        <p:txBody>
+          <a:bodyPr wrap="square">
+            <a:spAutoFit/>
+          </a:bodyPr>
+          <a:lstStyle/>
+          <a:p>
+            <a:r>
+              <a:rPr lang="en-GB" sz="2000" dirty="0">
+                <a:latin typeface="Bradley Hand ITC" panose="03070402050302030203" pitchFamily="66" charset="0"/>
+                <a:cs typeface="Adobe Devanagari" pitchFamily="18" charset="0"/>
+              </a:rPr>
+              <a:t>http://localhost:10012/api/property/my-dividend</a:t>
+            </a:r>
+            <a:endParaRPr lang="en-GB" sz="2000" dirty="0">
+              <a:latin typeface="Bradley Hand ITC" panose="03070402050302030203" pitchFamily="66" charset="0"/>
+              <a:cs typeface="Adobe Devanagari" pitchFamily="18" charset="0"/>
+            </a:endParaRPr>
+          </a:p>
+        </p:txBody>
+      </p:sp>
+      <p:sp>
+        <p:nvSpPr>
+          <p:cNvPr id="7" name="Oval 6"/>
+          <p:cNvSpPr/>
+          <p:nvPr/>
+        </p:nvSpPr>
+        <p:spPr>
+          <a:xfrm>
+            <a:off x="7950200" y="6594971"/>
+            <a:ext cx="4800600" cy="1702316"/>
+          </a:xfrm>
+          <a:prstGeom prst="ellipse">
+            <a:avLst/>
+          </a:prstGeom>
+          <a:solidFill>
+            <a:srgbClr val="808785"/>
+          </a:solidFill>
+          <a:ln w="12700" cap="flat">
+            <a:noFill/>
+            <a:miter lim="400000"/>
+          </a:ln>
+          <a:effectLst/>
+          <a:sp3d/>
+        </p:spPr>
+        <p:style>
+          <a:lnRef idx="0">
+            <a:scrgbClr r="0" g="0" b="0"/>
+          </a:lnRef>
+          <a:fillRef idx="0">
+            <a:scrgbClr r="0" g="0" b="0"/>
+          </a:fillRef>
+          <a:effectRef idx="0">
+            <a:scrgbClr r="0" g="0" b="0"/>
+          </a:effectRef>
+          <a:fontRef idx="none"/>
+        </p:style>
+        <p:txBody>
+          <a:bodyPr rot="0" spcFirstLastPara="1" vertOverflow="overflow" horzOverflow="overflow" vert="horz" wrap="square" lIns="50800" tIns="50800" rIns="50800" bIns="50800" numCol="1" spcCol="38100" rtlCol="0" anchor="ctr">
+            <a:spAutoFit/>
+          </a:bodyPr>
+          <a:lstStyle/>
+          <a:p>
+            <a:pPr marL="0" marR="0" indent="0" algn="ctr" defTabSz="584200" rtl="0" fontAlgn="auto" latinLnBrk="0" hangingPunct="0">
+              <a:lnSpc>
+                <a:spcPct val="100000"/>
+              </a:lnSpc>
+              <a:spcBef>
+                <a:spcPts val="0"/>
+              </a:spcBef>
+              <a:spcAft>
+                <a:spcPts val="0"/>
+              </a:spcAft>
+              <a:buClrTx/>
+              <a:buSzTx/>
+              <a:buFontTx/>
+              <a:buNone/>
+              <a:tabLst/>
+            </a:pPr>
+            <a:r>
+              <a:rPr lang="en-US" dirty="0" err="1" smtClean="0">
+                <a:solidFill>
+                  <a:srgbClr val="FFFFFF"/>
+                </a:solidFill>
+              </a:rPr>
+              <a:t>PartyA</a:t>
+            </a:r>
+            <a:r>
+              <a:rPr lang="en-US" dirty="0" smtClean="0">
+                <a:solidFill>
+                  <a:srgbClr val="FFFFFF"/>
+                </a:solidFill>
+              </a:rPr>
+              <a:t> receives Dividend</a:t>
+            </a:r>
+            <a:endParaRPr kumimoji="0" lang="en-GB" sz="3600" b="0" i="0" u="none" strike="noStrike" cap="none" spc="0" normalizeH="0" baseline="0" dirty="0">
+              <a:ln>
+                <a:noFill/>
+              </a:ln>
+              <a:solidFill>
+                <a:srgbClr val="FFFFFF"/>
+              </a:solidFill>
+              <a:effectLst/>
+              <a:uFillTx/>
+              <a:latin typeface="+mn-lt"/>
+              <a:ea typeface="+mn-ea"/>
+              <a:cs typeface="+mn-cs"/>
+              <a:sym typeface="Gill Sans Light"/>
+            </a:endParaRPr>
+          </a:p>
+        </p:txBody>
+      </p:sp>
+    </p:spTree>
+    <p:extLst>
+      <p:ext uri="{BB962C8B-B14F-4D97-AF65-F5344CB8AC3E}">
+        <p14:creationId xmlns:p14="http://schemas.microsoft.com/office/powerpoint/2010/main" val="333340272"/>
+      </p:ext>
+    </p:extLst>
+  </p:cSld>
+  <p:clrMapOvr>
+    <a:masterClrMapping/>
+  </p:clrMapOvr>
+  <p:transition spd="med"/>
 </p:sld>
 </file>
 
@@ -4018,7 +5773,7 @@
           </a:ln>
           <a:extLst>
             <a:ext uri="{C572A759-6A51-4108-AA02-DFA0A04FC94B}">
-              <ma14:wrappingTextBoxFlag xmlns:ma14="http://schemas.microsoft.com/office/mac/drawingml/2011/main" xmlns:a14="http://schemas.microsoft.com/office/drawing/2010/main" xmlns:m="http://schemas.openxmlformats.org/officeDocument/2006/math" xmlns="" val="1"/>
+              <ma14:wrappingTextBoxFlag xmlns="" xmlns:m="http://schemas.openxmlformats.org/officeDocument/2006/math" xmlns:a14="http://schemas.microsoft.com/office/drawing/2010/main" xmlns:ma14="http://schemas.microsoft.com/office/mac/drawingml/2011/main" val="1"/>
             </a:ext>
           </a:extLst>
         </p:spPr>
@@ -4391,6 +6146,994 @@
 </p:sld>
 </file>
 
+<file path=ppt/slides/slide20.xml><?xml version="1.0" encoding="utf-8"?>
+<p:sld xmlns:a="http://schemas.openxmlformats.org/drawingml/2006/main" xmlns:r="http://schemas.openxmlformats.org/officeDocument/2006/relationships" xmlns:p="http://schemas.openxmlformats.org/presentationml/2006/main">
+  <p:cSld>
+    <p:spTree>
+      <p:nvGrpSpPr>
+        <p:cNvPr id="1" name=""/>
+        <p:cNvGrpSpPr/>
+        <p:nvPr/>
+      </p:nvGrpSpPr>
+      <p:grpSpPr>
+        <a:xfrm>
+          <a:off x="0" y="0"/>
+          <a:ext cx="0" cy="0"/>
+          <a:chOff x="0" y="0"/>
+          <a:chExt cx="0" cy="0"/>
+        </a:xfrm>
+      </p:grpSpPr>
+      <p:pic>
+        <p:nvPicPr>
+          <p:cNvPr id="10242" name="Picture 2"/>
+          <p:cNvPicPr>
+            <a:picLocks noChangeAspect="1" noChangeArrowheads="1"/>
+          </p:cNvPicPr>
+          <p:nvPr/>
+        </p:nvPicPr>
+        <p:blipFill>
+          <a:blip r:embed="rId2">
+            <a:extLst>
+              <a:ext uri="{28A0092B-C50C-407E-A947-70E740481C1C}">
+                <a14:useLocalDpi xmlns:a14="http://schemas.microsoft.com/office/drawing/2010/main" val="0"/>
+              </a:ext>
+            </a:extLst>
+          </a:blip>
+          <a:srcRect/>
+          <a:stretch>
+            <a:fillRect/>
+          </a:stretch>
+        </p:blipFill>
+        <p:spPr bwMode="auto">
+          <a:xfrm>
+            <a:off x="-16934" y="430887"/>
+            <a:ext cx="13021733" cy="9322713"/>
+          </a:xfrm>
+          <a:prstGeom prst="rect">
+            <a:avLst/>
+          </a:prstGeom>
+          <a:noFill/>
+          <a:ln>
+            <a:noFill/>
+          </a:ln>
+          <a:extLst>
+            <a:ext uri="{909E8E84-426E-40DD-AFC4-6F175D3DCCD1}">
+              <a14:hiddenFill xmlns:a14="http://schemas.microsoft.com/office/drawing/2010/main">
+                <a:solidFill>
+                  <a:schemeClr val="accent1"/>
+                </a:solidFill>
+              </a14:hiddenFill>
+            </a:ext>
+            <a:ext uri="{91240B29-F687-4F45-9708-019B960494DF}">
+              <a14:hiddenLine xmlns:a14="http://schemas.microsoft.com/office/drawing/2010/main" w="9525">
+                <a:solidFill>
+                  <a:schemeClr val="tx1"/>
+                </a:solidFill>
+                <a:miter lim="800000"/>
+                <a:headEnd/>
+                <a:tailEnd/>
+              </a14:hiddenLine>
+            </a:ext>
+          </a:extLst>
+        </p:spPr>
+      </p:pic>
+      <p:sp>
+        <p:nvSpPr>
+          <p:cNvPr id="5" name="Rectangle 4"/>
+          <p:cNvSpPr/>
+          <p:nvPr/>
+        </p:nvSpPr>
+        <p:spPr>
+          <a:xfrm>
+            <a:off x="2082800" y="0"/>
+            <a:ext cx="8077200" cy="400110"/>
+          </a:xfrm>
+          <a:prstGeom prst="rect">
+            <a:avLst/>
+          </a:prstGeom>
+        </p:spPr>
+        <p:txBody>
+          <a:bodyPr wrap="square">
+            <a:spAutoFit/>
+          </a:bodyPr>
+          <a:lstStyle/>
+          <a:p>
+            <a:r>
+              <a:rPr lang="en-GB" sz="2000" dirty="0">
+                <a:latin typeface="Bradley Hand ITC" panose="03070402050302030203" pitchFamily="66" charset="0"/>
+                <a:cs typeface="Adobe Devanagari" pitchFamily="18" charset="0"/>
+              </a:rPr>
+              <a:t>http://localhost:10015/api/property/my-dividend</a:t>
+            </a:r>
+          </a:p>
+        </p:txBody>
+      </p:sp>
+      <p:sp>
+        <p:nvSpPr>
+          <p:cNvPr id="7" name="Oval 6"/>
+          <p:cNvSpPr/>
+          <p:nvPr/>
+        </p:nvSpPr>
+        <p:spPr>
+          <a:xfrm>
+            <a:off x="7950200" y="6594971"/>
+            <a:ext cx="4800600" cy="1702316"/>
+          </a:xfrm>
+          <a:prstGeom prst="ellipse">
+            <a:avLst/>
+          </a:prstGeom>
+          <a:solidFill>
+            <a:srgbClr val="808785"/>
+          </a:solidFill>
+          <a:ln w="12700" cap="flat">
+            <a:noFill/>
+            <a:miter lim="400000"/>
+          </a:ln>
+          <a:effectLst/>
+          <a:sp3d/>
+        </p:spPr>
+        <p:style>
+          <a:lnRef idx="0">
+            <a:scrgbClr r="0" g="0" b="0"/>
+          </a:lnRef>
+          <a:fillRef idx="0">
+            <a:scrgbClr r="0" g="0" b="0"/>
+          </a:fillRef>
+          <a:effectRef idx="0">
+            <a:scrgbClr r="0" g="0" b="0"/>
+          </a:effectRef>
+          <a:fontRef idx="none"/>
+        </p:style>
+        <p:txBody>
+          <a:bodyPr rot="0" spcFirstLastPara="1" vertOverflow="overflow" horzOverflow="overflow" vert="horz" wrap="square" lIns="50800" tIns="50800" rIns="50800" bIns="50800" numCol="1" spcCol="38100" rtlCol="0" anchor="ctr">
+            <a:spAutoFit/>
+          </a:bodyPr>
+          <a:lstStyle/>
+          <a:p>
+            <a:pPr marL="0" marR="0" indent="0" algn="ctr" defTabSz="584200" rtl="0" fontAlgn="auto" latinLnBrk="0" hangingPunct="0">
+              <a:lnSpc>
+                <a:spcPct val="100000"/>
+              </a:lnSpc>
+              <a:spcBef>
+                <a:spcPts val="0"/>
+              </a:spcBef>
+              <a:spcAft>
+                <a:spcPts val="0"/>
+              </a:spcAft>
+              <a:buClrTx/>
+              <a:buSzTx/>
+              <a:buFontTx/>
+              <a:buNone/>
+              <a:tabLst/>
+            </a:pPr>
+            <a:r>
+              <a:rPr lang="en-US" dirty="0" err="1" smtClean="0">
+                <a:solidFill>
+                  <a:srgbClr val="FFFFFF"/>
+                </a:solidFill>
+              </a:rPr>
+              <a:t>PartyB</a:t>
+            </a:r>
+            <a:r>
+              <a:rPr lang="en-US" dirty="0" smtClean="0">
+                <a:solidFill>
+                  <a:srgbClr val="FFFFFF"/>
+                </a:solidFill>
+              </a:rPr>
+              <a:t> receives Dividend</a:t>
+            </a:r>
+            <a:endParaRPr kumimoji="0" lang="en-GB" sz="3600" b="0" i="0" u="none" strike="noStrike" cap="none" spc="0" normalizeH="0" baseline="0" dirty="0">
+              <a:ln>
+                <a:noFill/>
+              </a:ln>
+              <a:solidFill>
+                <a:srgbClr val="FFFFFF"/>
+              </a:solidFill>
+              <a:effectLst/>
+              <a:uFillTx/>
+              <a:latin typeface="+mn-lt"/>
+              <a:ea typeface="+mn-ea"/>
+              <a:cs typeface="+mn-cs"/>
+              <a:sym typeface="Gill Sans Light"/>
+            </a:endParaRPr>
+          </a:p>
+        </p:txBody>
+      </p:sp>
+    </p:spTree>
+    <p:extLst>
+      <p:ext uri="{BB962C8B-B14F-4D97-AF65-F5344CB8AC3E}">
+        <p14:creationId xmlns:p14="http://schemas.microsoft.com/office/powerpoint/2010/main" val="638132980"/>
+      </p:ext>
+    </p:extLst>
+  </p:cSld>
+  <p:clrMapOvr>
+    <a:masterClrMapping/>
+  </p:clrMapOvr>
+  <p:transition spd="med"/>
+</p:sld>
+</file>
+
+<file path=ppt/slides/slide21.xml><?xml version="1.0" encoding="utf-8"?>
+<p:sld xmlns:a="http://schemas.openxmlformats.org/drawingml/2006/main" xmlns:r="http://schemas.openxmlformats.org/officeDocument/2006/relationships" xmlns:p="http://schemas.openxmlformats.org/presentationml/2006/main">
+  <p:cSld>
+    <p:spTree>
+      <p:nvGrpSpPr>
+        <p:cNvPr id="1" name=""/>
+        <p:cNvGrpSpPr/>
+        <p:nvPr/>
+      </p:nvGrpSpPr>
+      <p:grpSpPr>
+        <a:xfrm>
+          <a:off x="0" y="0"/>
+          <a:ext cx="0" cy="0"/>
+          <a:chOff x="0" y="0"/>
+          <a:chExt cx="0" cy="0"/>
+        </a:xfrm>
+      </p:grpSpPr>
+      <p:sp>
+        <p:nvSpPr>
+          <p:cNvPr id="5" name="Rectangle 4"/>
+          <p:cNvSpPr/>
+          <p:nvPr/>
+        </p:nvSpPr>
+        <p:spPr>
+          <a:xfrm>
+            <a:off x="2844800" y="0"/>
+            <a:ext cx="6502400" cy="400110"/>
+          </a:xfrm>
+          <a:prstGeom prst="rect">
+            <a:avLst/>
+          </a:prstGeom>
+        </p:spPr>
+        <p:txBody>
+          <a:bodyPr>
+            <a:spAutoFit/>
+          </a:bodyPr>
+          <a:lstStyle/>
+          <a:p>
+            <a:r>
+              <a:rPr lang="en-GB" sz="2000" dirty="0">
+                <a:latin typeface="Bradley Hand ITC" panose="03070402050302030203" pitchFamily="66" charset="0"/>
+                <a:cs typeface="Adobe Devanagari" pitchFamily="18" charset="0"/>
+              </a:rPr>
+              <a:t>http://localhost:10009/api/property/my-dividend</a:t>
+            </a:r>
+          </a:p>
+        </p:txBody>
+      </p:sp>
+      <p:pic>
+        <p:nvPicPr>
+          <p:cNvPr id="11266" name="Picture 2"/>
+          <p:cNvPicPr>
+            <a:picLocks noChangeAspect="1" noChangeArrowheads="1"/>
+          </p:cNvPicPr>
+          <p:nvPr/>
+        </p:nvPicPr>
+        <p:blipFill>
+          <a:blip r:embed="rId2">
+            <a:extLst>
+              <a:ext uri="{28A0092B-C50C-407E-A947-70E740481C1C}">
+                <a14:useLocalDpi xmlns:a14="http://schemas.microsoft.com/office/drawing/2010/main" val="0"/>
+              </a:ext>
+            </a:extLst>
+          </a:blip>
+          <a:srcRect/>
+          <a:stretch>
+            <a:fillRect/>
+          </a:stretch>
+        </p:blipFill>
+        <p:spPr bwMode="auto">
+          <a:xfrm>
+            <a:off x="1" y="430887"/>
+            <a:ext cx="13004800" cy="9322713"/>
+          </a:xfrm>
+          <a:prstGeom prst="rect">
+            <a:avLst/>
+          </a:prstGeom>
+          <a:noFill/>
+          <a:ln>
+            <a:noFill/>
+          </a:ln>
+          <a:extLst>
+            <a:ext uri="{909E8E84-426E-40DD-AFC4-6F175D3DCCD1}">
+              <a14:hiddenFill xmlns:a14="http://schemas.microsoft.com/office/drawing/2010/main">
+                <a:solidFill>
+                  <a:schemeClr val="accent1"/>
+                </a:solidFill>
+              </a14:hiddenFill>
+            </a:ext>
+            <a:ext uri="{91240B29-F687-4F45-9708-019B960494DF}">
+              <a14:hiddenLine xmlns:a14="http://schemas.microsoft.com/office/drawing/2010/main" w="9525">
+                <a:solidFill>
+                  <a:schemeClr val="tx1"/>
+                </a:solidFill>
+                <a:miter lim="800000"/>
+                <a:headEnd/>
+                <a:tailEnd/>
+              </a14:hiddenLine>
+            </a:ext>
+          </a:extLst>
+        </p:spPr>
+      </p:pic>
+      <p:sp>
+        <p:nvSpPr>
+          <p:cNvPr id="7" name="Oval 6"/>
+          <p:cNvSpPr/>
+          <p:nvPr/>
+        </p:nvSpPr>
+        <p:spPr>
+          <a:xfrm>
+            <a:off x="7950200" y="6594971"/>
+            <a:ext cx="4800600" cy="1702316"/>
+          </a:xfrm>
+          <a:prstGeom prst="ellipse">
+            <a:avLst/>
+          </a:prstGeom>
+          <a:solidFill>
+            <a:srgbClr val="808785"/>
+          </a:solidFill>
+          <a:ln w="12700" cap="flat">
+            <a:noFill/>
+            <a:miter lim="400000"/>
+          </a:ln>
+          <a:effectLst/>
+          <a:sp3d/>
+        </p:spPr>
+        <p:style>
+          <a:lnRef idx="0">
+            <a:scrgbClr r="0" g="0" b="0"/>
+          </a:lnRef>
+          <a:fillRef idx="0">
+            <a:scrgbClr r="0" g="0" b="0"/>
+          </a:fillRef>
+          <a:effectRef idx="0">
+            <a:scrgbClr r="0" g="0" b="0"/>
+          </a:effectRef>
+          <a:fontRef idx="none"/>
+        </p:style>
+        <p:txBody>
+          <a:bodyPr rot="0" spcFirstLastPara="1" vertOverflow="overflow" horzOverflow="overflow" vert="horz" wrap="square" lIns="50800" tIns="50800" rIns="50800" bIns="50800" numCol="1" spcCol="38100" rtlCol="0" anchor="ctr">
+            <a:spAutoFit/>
+          </a:bodyPr>
+          <a:lstStyle/>
+          <a:p>
+            <a:pPr marL="0" marR="0" indent="0" algn="ctr" defTabSz="584200" rtl="0" fontAlgn="auto" latinLnBrk="0" hangingPunct="0">
+              <a:lnSpc>
+                <a:spcPct val="100000"/>
+              </a:lnSpc>
+              <a:spcBef>
+                <a:spcPts val="0"/>
+              </a:spcBef>
+              <a:spcAft>
+                <a:spcPts val="0"/>
+              </a:spcAft>
+              <a:buClrTx/>
+              <a:buSzTx/>
+              <a:buFontTx/>
+              <a:buNone/>
+              <a:tabLst/>
+            </a:pPr>
+            <a:r>
+              <a:rPr lang="en-US" dirty="0" err="1" smtClean="0">
+                <a:solidFill>
+                  <a:srgbClr val="FFFFFF"/>
+                </a:solidFill>
+              </a:rPr>
+              <a:t>PartyC</a:t>
+            </a:r>
+            <a:r>
+              <a:rPr lang="en-US" dirty="0" smtClean="0">
+                <a:solidFill>
+                  <a:srgbClr val="FFFFFF"/>
+                </a:solidFill>
+              </a:rPr>
+              <a:t> No Dividend</a:t>
+            </a:r>
+            <a:endParaRPr kumimoji="0" lang="en-GB" sz="3600" b="0" i="0" u="none" strike="noStrike" cap="none" spc="0" normalizeH="0" baseline="0" dirty="0">
+              <a:ln>
+                <a:noFill/>
+              </a:ln>
+              <a:solidFill>
+                <a:srgbClr val="FFFFFF"/>
+              </a:solidFill>
+              <a:effectLst/>
+              <a:uFillTx/>
+              <a:latin typeface="+mn-lt"/>
+              <a:ea typeface="+mn-ea"/>
+              <a:cs typeface="+mn-cs"/>
+              <a:sym typeface="Gill Sans Light"/>
+            </a:endParaRPr>
+          </a:p>
+        </p:txBody>
+      </p:sp>
+    </p:spTree>
+    <p:extLst>
+      <p:ext uri="{BB962C8B-B14F-4D97-AF65-F5344CB8AC3E}">
+        <p14:creationId xmlns:p14="http://schemas.microsoft.com/office/powerpoint/2010/main" val="2228774393"/>
+      </p:ext>
+    </p:extLst>
+  </p:cSld>
+  <p:clrMapOvr>
+    <a:masterClrMapping/>
+  </p:clrMapOvr>
+  <p:transition spd="med"/>
+</p:sld>
+</file>
+
+<file path=ppt/slides/slide22.xml><?xml version="1.0" encoding="utf-8"?>
+<p:sld xmlns:a="http://schemas.openxmlformats.org/drawingml/2006/main" xmlns:r="http://schemas.openxmlformats.org/officeDocument/2006/relationships" xmlns:p="http://schemas.openxmlformats.org/presentationml/2006/main">
+  <p:cSld>
+    <p:spTree>
+      <p:nvGrpSpPr>
+        <p:cNvPr id="1" name=""/>
+        <p:cNvGrpSpPr/>
+        <p:nvPr/>
+      </p:nvGrpSpPr>
+      <p:grpSpPr>
+        <a:xfrm>
+          <a:off x="0" y="0"/>
+          <a:ext cx="0" cy="0"/>
+          <a:chOff x="0" y="0"/>
+          <a:chExt cx="0" cy="0"/>
+        </a:xfrm>
+      </p:grpSpPr>
+      <p:pic>
+        <p:nvPicPr>
+          <p:cNvPr id="12290" name="Picture 2"/>
+          <p:cNvPicPr>
+            <a:picLocks noChangeAspect="1" noChangeArrowheads="1"/>
+          </p:cNvPicPr>
+          <p:nvPr/>
+        </p:nvPicPr>
+        <p:blipFill>
+          <a:blip r:embed="rId2">
+            <a:extLst>
+              <a:ext uri="{28A0092B-C50C-407E-A947-70E740481C1C}">
+                <a14:useLocalDpi xmlns:a14="http://schemas.microsoft.com/office/drawing/2010/main" val="0"/>
+              </a:ext>
+            </a:extLst>
+          </a:blip>
+          <a:srcRect/>
+          <a:stretch>
+            <a:fillRect/>
+          </a:stretch>
+        </p:blipFill>
+        <p:spPr bwMode="auto">
+          <a:xfrm>
+            <a:off x="0" y="822348"/>
+            <a:ext cx="13004800" cy="8931252"/>
+          </a:xfrm>
+          <a:prstGeom prst="rect">
+            <a:avLst/>
+          </a:prstGeom>
+          <a:noFill/>
+          <a:ln>
+            <a:noFill/>
+          </a:ln>
+          <a:extLst>
+            <a:ext uri="{909E8E84-426E-40DD-AFC4-6F175D3DCCD1}">
+              <a14:hiddenFill xmlns:a14="http://schemas.microsoft.com/office/drawing/2010/main">
+                <a:solidFill>
+                  <a:schemeClr val="accent1"/>
+                </a:solidFill>
+              </a14:hiddenFill>
+            </a:ext>
+            <a:ext uri="{91240B29-F687-4F45-9708-019B960494DF}">
+              <a14:hiddenLine xmlns:a14="http://schemas.microsoft.com/office/drawing/2010/main" w="9525">
+                <a:solidFill>
+                  <a:schemeClr val="tx1"/>
+                </a:solidFill>
+                <a:miter lim="800000"/>
+                <a:headEnd/>
+                <a:tailEnd/>
+              </a14:hiddenLine>
+            </a:ext>
+          </a:extLst>
+        </p:spPr>
+      </p:pic>
+      <p:sp>
+        <p:nvSpPr>
+          <p:cNvPr id="5" name="Rectangle 4"/>
+          <p:cNvSpPr/>
+          <p:nvPr/>
+        </p:nvSpPr>
+        <p:spPr>
+          <a:xfrm>
+            <a:off x="-965200" y="52907"/>
+            <a:ext cx="15621000" cy="738664"/>
+          </a:xfrm>
+          <a:prstGeom prst="rect">
+            <a:avLst/>
+          </a:prstGeom>
+        </p:spPr>
+        <p:txBody>
+          <a:bodyPr wrap="square">
+            <a:spAutoFit/>
+          </a:bodyPr>
+          <a:lstStyle/>
+          <a:p>
+            <a:r>
+              <a:rPr lang="en-GB" sz="2200" dirty="0">
+                <a:latin typeface="Bradley Hand ITC" panose="03070402050302030203" pitchFamily="66" charset="0"/>
+                <a:cs typeface="Adobe Devanagari" pitchFamily="18" charset="0"/>
+              </a:rPr>
+              <a:t>http://</a:t>
+            </a:r>
+            <a:r>
+              <a:rPr lang="en-GB" sz="2000" dirty="0">
+                <a:latin typeface="Bradley Hand ITC" panose="03070402050302030203" pitchFamily="66" charset="0"/>
+                <a:cs typeface="Adobe Devanagari" pitchFamily="18" charset="0"/>
+              </a:rPr>
+              <a:t>localhost:10009/api/property/sell-fund-share?fundId=86aeab7a-8f29-4a20-9305-91e3160931a6&amp;currentInvestor=PartyA&amp;newInvestor=PartyC</a:t>
+            </a:r>
+          </a:p>
+        </p:txBody>
+      </p:sp>
+      <p:sp>
+        <p:nvSpPr>
+          <p:cNvPr id="7" name="Oval 6"/>
+          <p:cNvSpPr/>
+          <p:nvPr/>
+        </p:nvSpPr>
+        <p:spPr>
+          <a:xfrm>
+            <a:off x="8026400" y="5486400"/>
+            <a:ext cx="4800600" cy="1702316"/>
+          </a:xfrm>
+          <a:prstGeom prst="ellipse">
+            <a:avLst/>
+          </a:prstGeom>
+          <a:solidFill>
+            <a:srgbClr val="808785"/>
+          </a:solidFill>
+          <a:ln w="12700" cap="flat">
+            <a:noFill/>
+            <a:miter lim="400000"/>
+          </a:ln>
+          <a:effectLst/>
+          <a:sp3d/>
+        </p:spPr>
+        <p:style>
+          <a:lnRef idx="0">
+            <a:scrgbClr r="0" g="0" b="0"/>
+          </a:lnRef>
+          <a:fillRef idx="0">
+            <a:scrgbClr r="0" g="0" b="0"/>
+          </a:fillRef>
+          <a:effectRef idx="0">
+            <a:scrgbClr r="0" g="0" b="0"/>
+          </a:effectRef>
+          <a:fontRef idx="none"/>
+        </p:style>
+        <p:txBody>
+          <a:bodyPr rot="0" spcFirstLastPara="1" vertOverflow="overflow" horzOverflow="overflow" vert="horz" wrap="square" lIns="50800" tIns="50800" rIns="50800" bIns="50800" numCol="1" spcCol="38100" rtlCol="0" anchor="ctr">
+            <a:spAutoFit/>
+          </a:bodyPr>
+          <a:lstStyle/>
+          <a:p>
+            <a:pPr marL="0" marR="0" indent="0" algn="ctr" defTabSz="584200" rtl="0" fontAlgn="auto" latinLnBrk="0" hangingPunct="0">
+              <a:lnSpc>
+                <a:spcPct val="100000"/>
+              </a:lnSpc>
+              <a:spcBef>
+                <a:spcPts val="0"/>
+              </a:spcBef>
+              <a:spcAft>
+                <a:spcPts val="0"/>
+              </a:spcAft>
+              <a:buClrTx/>
+              <a:buSzTx/>
+              <a:buFontTx/>
+              <a:buNone/>
+              <a:tabLst/>
+            </a:pPr>
+            <a:r>
+              <a:rPr lang="en-US" dirty="0" err="1" smtClean="0">
+                <a:solidFill>
+                  <a:srgbClr val="FFFFFF"/>
+                </a:solidFill>
+              </a:rPr>
+              <a:t>PartyA</a:t>
+            </a:r>
+            <a:r>
+              <a:rPr lang="en-US" dirty="0" smtClean="0">
+                <a:solidFill>
+                  <a:srgbClr val="FFFFFF"/>
+                </a:solidFill>
+              </a:rPr>
+              <a:t> sells to </a:t>
+            </a:r>
+            <a:r>
+              <a:rPr lang="en-US" dirty="0" err="1" smtClean="0">
+                <a:solidFill>
+                  <a:srgbClr val="FFFFFF"/>
+                </a:solidFill>
+              </a:rPr>
+              <a:t>PartyC</a:t>
+            </a:r>
+            <a:endParaRPr kumimoji="0" lang="en-GB" sz="3600" b="0" i="0" u="none" strike="noStrike" cap="none" spc="0" normalizeH="0" baseline="0" dirty="0">
+              <a:ln>
+                <a:noFill/>
+              </a:ln>
+              <a:solidFill>
+                <a:srgbClr val="FFFFFF"/>
+              </a:solidFill>
+              <a:effectLst/>
+              <a:uFillTx/>
+              <a:latin typeface="+mn-lt"/>
+              <a:ea typeface="+mn-ea"/>
+              <a:cs typeface="+mn-cs"/>
+              <a:sym typeface="Gill Sans Light"/>
+            </a:endParaRPr>
+          </a:p>
+        </p:txBody>
+      </p:sp>
+    </p:spTree>
+    <p:extLst>
+      <p:ext uri="{BB962C8B-B14F-4D97-AF65-F5344CB8AC3E}">
+        <p14:creationId xmlns:p14="http://schemas.microsoft.com/office/powerpoint/2010/main" val="3445694288"/>
+      </p:ext>
+    </p:extLst>
+  </p:cSld>
+  <p:clrMapOvr>
+    <a:masterClrMapping/>
+  </p:clrMapOvr>
+  <p:transition spd="med"/>
+</p:sld>
+</file>
+
+<file path=ppt/slides/slide23.xml><?xml version="1.0" encoding="utf-8"?>
+<p:sld xmlns:a="http://schemas.openxmlformats.org/drawingml/2006/main" xmlns:r="http://schemas.openxmlformats.org/officeDocument/2006/relationships" xmlns:p="http://schemas.openxmlformats.org/presentationml/2006/main">
+  <p:cSld>
+    <p:spTree>
+      <p:nvGrpSpPr>
+        <p:cNvPr id="1" name=""/>
+        <p:cNvGrpSpPr/>
+        <p:nvPr/>
+      </p:nvGrpSpPr>
+      <p:grpSpPr>
+        <a:xfrm>
+          <a:off x="0" y="0"/>
+          <a:ext cx="0" cy="0"/>
+          <a:chOff x="0" y="0"/>
+          <a:chExt cx="0" cy="0"/>
+        </a:xfrm>
+      </p:grpSpPr>
+      <p:sp>
+        <p:nvSpPr>
+          <p:cNvPr id="5" name="Rectangle 4"/>
+          <p:cNvSpPr/>
+          <p:nvPr/>
+        </p:nvSpPr>
+        <p:spPr>
+          <a:xfrm>
+            <a:off x="1778000" y="0"/>
+            <a:ext cx="9618133" cy="430887"/>
+          </a:xfrm>
+          <a:prstGeom prst="rect">
+            <a:avLst/>
+          </a:prstGeom>
+        </p:spPr>
+        <p:txBody>
+          <a:bodyPr wrap="square">
+            <a:spAutoFit/>
+          </a:bodyPr>
+          <a:lstStyle/>
+          <a:p>
+            <a:r>
+              <a:rPr lang="en-GB" sz="2200" dirty="0">
+                <a:latin typeface="Bradley Hand ITC" panose="03070402050302030203" pitchFamily="66" charset="0"/>
+                <a:cs typeface="Adobe Devanagari" pitchFamily="18" charset="0"/>
+              </a:rPr>
+              <a:t>http://localhost:10009/api/property/my-funds</a:t>
+            </a:r>
+          </a:p>
+        </p:txBody>
+      </p:sp>
+      <p:pic>
+        <p:nvPicPr>
+          <p:cNvPr id="7" name="Picture 2"/>
+          <p:cNvPicPr>
+            <a:picLocks noChangeAspect="1" noChangeArrowheads="1"/>
+          </p:cNvPicPr>
+          <p:nvPr/>
+        </p:nvPicPr>
+        <p:blipFill>
+          <a:blip r:embed="rId2">
+            <a:extLst>
+              <a:ext uri="{28A0092B-C50C-407E-A947-70E740481C1C}">
+                <a14:useLocalDpi xmlns:a14="http://schemas.microsoft.com/office/drawing/2010/main" val="0"/>
+              </a:ext>
+            </a:extLst>
+          </a:blip>
+          <a:srcRect/>
+          <a:stretch>
+            <a:fillRect/>
+          </a:stretch>
+        </p:blipFill>
+        <p:spPr bwMode="auto">
+          <a:xfrm>
+            <a:off x="0" y="430887"/>
+            <a:ext cx="13004800" cy="9322713"/>
+          </a:xfrm>
+          <a:prstGeom prst="rect">
+            <a:avLst/>
+          </a:prstGeom>
+          <a:noFill/>
+          <a:ln>
+            <a:noFill/>
+          </a:ln>
+          <a:extLst>
+            <a:ext uri="{909E8E84-426E-40DD-AFC4-6F175D3DCCD1}">
+              <a14:hiddenFill xmlns:a14="http://schemas.microsoft.com/office/drawing/2010/main">
+                <a:solidFill>
+                  <a:schemeClr val="accent1"/>
+                </a:solidFill>
+              </a14:hiddenFill>
+            </a:ext>
+            <a:ext uri="{91240B29-F687-4F45-9708-019B960494DF}">
+              <a14:hiddenLine xmlns:a14="http://schemas.microsoft.com/office/drawing/2010/main" w="9525">
+                <a:solidFill>
+                  <a:schemeClr val="tx1"/>
+                </a:solidFill>
+                <a:miter lim="800000"/>
+                <a:headEnd/>
+                <a:tailEnd/>
+              </a14:hiddenLine>
+            </a:ext>
+          </a:extLst>
+        </p:spPr>
+      </p:pic>
+      <p:sp>
+        <p:nvSpPr>
+          <p:cNvPr id="8" name="Oval 7"/>
+          <p:cNvSpPr/>
+          <p:nvPr/>
+        </p:nvSpPr>
+        <p:spPr>
+          <a:xfrm>
+            <a:off x="8026400" y="5096887"/>
+            <a:ext cx="4800600" cy="2481342"/>
+          </a:xfrm>
+          <a:prstGeom prst="ellipse">
+            <a:avLst/>
+          </a:prstGeom>
+          <a:solidFill>
+            <a:srgbClr val="808785"/>
+          </a:solidFill>
+          <a:ln w="12700" cap="flat">
+            <a:noFill/>
+            <a:miter lim="400000"/>
+          </a:ln>
+          <a:effectLst/>
+          <a:sp3d/>
+        </p:spPr>
+        <p:style>
+          <a:lnRef idx="0">
+            <a:scrgbClr r="0" g="0" b="0"/>
+          </a:lnRef>
+          <a:fillRef idx="0">
+            <a:scrgbClr r="0" g="0" b="0"/>
+          </a:fillRef>
+          <a:effectRef idx="0">
+            <a:scrgbClr r="0" g="0" b="0"/>
+          </a:effectRef>
+          <a:fontRef idx="none"/>
+        </p:style>
+        <p:txBody>
+          <a:bodyPr rot="0" spcFirstLastPara="1" vertOverflow="overflow" horzOverflow="overflow" vert="horz" wrap="square" lIns="50800" tIns="50800" rIns="50800" bIns="50800" numCol="1" spcCol="38100" rtlCol="0" anchor="ctr">
+            <a:spAutoFit/>
+          </a:bodyPr>
+          <a:lstStyle/>
+          <a:p>
+            <a:pPr marL="0" marR="0" indent="0" algn="ctr" defTabSz="584200" rtl="0" fontAlgn="auto" latinLnBrk="0" hangingPunct="0">
+              <a:lnSpc>
+                <a:spcPct val="100000"/>
+              </a:lnSpc>
+              <a:spcBef>
+                <a:spcPts val="0"/>
+              </a:spcBef>
+              <a:spcAft>
+                <a:spcPts val="0"/>
+              </a:spcAft>
+              <a:buClrTx/>
+              <a:buSzTx/>
+              <a:buFontTx/>
+              <a:buNone/>
+              <a:tabLst/>
+            </a:pPr>
+            <a:r>
+              <a:rPr lang="en-US" dirty="0" err="1" smtClean="0">
+                <a:solidFill>
+                  <a:srgbClr val="FFFFFF"/>
+                </a:solidFill>
+              </a:rPr>
+              <a:t>PartyC</a:t>
+            </a:r>
+            <a:r>
+              <a:rPr lang="en-US" dirty="0" smtClean="0">
+                <a:solidFill>
+                  <a:srgbClr val="FFFFFF"/>
+                </a:solidFill>
+              </a:rPr>
+              <a:t> &amp; </a:t>
+            </a:r>
+            <a:r>
+              <a:rPr lang="en-US" dirty="0" err="1" smtClean="0">
+                <a:solidFill>
+                  <a:srgbClr val="FFFFFF"/>
+                </a:solidFill>
+              </a:rPr>
+              <a:t>PartyB</a:t>
+            </a:r>
+            <a:r>
+              <a:rPr lang="en-US" dirty="0" smtClean="0">
+                <a:solidFill>
+                  <a:srgbClr val="FFFFFF"/>
+                </a:solidFill>
+              </a:rPr>
+              <a:t> are the new investors</a:t>
+            </a:r>
+            <a:endParaRPr kumimoji="0" lang="en-GB" sz="3600" b="0" i="0" u="none" strike="noStrike" cap="none" spc="0" normalizeH="0" baseline="0" dirty="0">
+              <a:ln>
+                <a:noFill/>
+              </a:ln>
+              <a:solidFill>
+                <a:srgbClr val="FFFFFF"/>
+              </a:solidFill>
+              <a:effectLst/>
+              <a:uFillTx/>
+              <a:latin typeface="+mn-lt"/>
+              <a:ea typeface="+mn-ea"/>
+              <a:cs typeface="+mn-cs"/>
+              <a:sym typeface="Gill Sans Light"/>
+            </a:endParaRPr>
+          </a:p>
+        </p:txBody>
+      </p:sp>
+    </p:spTree>
+    <p:extLst>
+      <p:ext uri="{BB962C8B-B14F-4D97-AF65-F5344CB8AC3E}">
+        <p14:creationId xmlns:p14="http://schemas.microsoft.com/office/powerpoint/2010/main" val="2715899869"/>
+      </p:ext>
+    </p:extLst>
+  </p:cSld>
+  <p:clrMapOvr>
+    <a:masterClrMapping/>
+  </p:clrMapOvr>
+  <p:transition spd="med"/>
+</p:sld>
+</file>
+
+<file path=ppt/slides/slide24.xml><?xml version="1.0" encoding="utf-8"?>
+<p:sld xmlns:a="http://schemas.openxmlformats.org/drawingml/2006/main" xmlns:r="http://schemas.openxmlformats.org/officeDocument/2006/relationships" xmlns:p="http://schemas.openxmlformats.org/presentationml/2006/main">
+  <p:cSld>
+    <p:spTree>
+      <p:nvGrpSpPr>
+        <p:cNvPr id="1" name=""/>
+        <p:cNvGrpSpPr/>
+        <p:nvPr/>
+      </p:nvGrpSpPr>
+      <p:grpSpPr>
+        <a:xfrm>
+          <a:off x="0" y="0"/>
+          <a:ext cx="0" cy="0"/>
+          <a:chOff x="0" y="0"/>
+          <a:chExt cx="0" cy="0"/>
+        </a:xfrm>
+      </p:grpSpPr>
+      <p:pic>
+        <p:nvPicPr>
+          <p:cNvPr id="14340" name="Picture 4" descr="http://www.i2symbol.com/pictures/emojis/a/f/f/2/aff22723ab391b694c9bcae65ee2da76.png"/>
+          <p:cNvPicPr>
+            <a:picLocks noChangeAspect="1" noChangeArrowheads="1"/>
+          </p:cNvPicPr>
+          <p:nvPr/>
+        </p:nvPicPr>
+        <p:blipFill>
+          <a:blip r:embed="rId2">
+            <a:extLst>
+              <a:ext uri="{28A0092B-C50C-407E-A947-70E740481C1C}">
+                <a14:useLocalDpi xmlns:a14="http://schemas.microsoft.com/office/drawing/2010/main" val="0"/>
+              </a:ext>
+            </a:extLst>
+          </a:blip>
+          <a:srcRect/>
+          <a:stretch>
+            <a:fillRect/>
+          </a:stretch>
+        </p:blipFill>
+        <p:spPr bwMode="auto">
+          <a:xfrm>
+            <a:off x="3911600" y="2514600"/>
+            <a:ext cx="4876800" cy="4876800"/>
+          </a:xfrm>
+          <a:prstGeom prst="rect">
+            <a:avLst/>
+          </a:prstGeom>
+          <a:noFill/>
+          <a:extLst>
+            <a:ext uri="{909E8E84-426E-40DD-AFC4-6F175D3DCCD1}">
+              <a14:hiddenFill xmlns:a14="http://schemas.microsoft.com/office/drawing/2010/main">
+                <a:solidFill>
+                  <a:srgbClr val="FFFFFF"/>
+                </a:solidFill>
+              </a14:hiddenFill>
+            </a:ext>
+          </a:extLst>
+        </p:spPr>
+      </p:pic>
+      <p:sp>
+        <p:nvSpPr>
+          <p:cNvPr id="8" name="Domain Vocabulary…"/>
+          <p:cNvSpPr txBox="1">
+            <a:spLocks noGrp="1"/>
+          </p:cNvSpPr>
+          <p:nvPr>
+            <p:ph type="body" sz="half" idx="1"/>
+          </p:nvPr>
+        </p:nvSpPr>
+        <p:spPr>
+          <a:xfrm>
+            <a:off x="1320800" y="762000"/>
+            <a:ext cx="10591800" cy="1022599"/>
+          </a:xfrm>
+          <a:prstGeom prst="rect">
+            <a:avLst/>
+          </a:prstGeom>
+        </p:spPr>
+        <p:txBody>
+          <a:bodyPr>
+            <a:normAutofit/>
+          </a:bodyPr>
+          <a:lstStyle/>
+          <a:p>
+            <a:r>
+              <a:rPr lang="en-US" sz="4400" b="1" dirty="0" smtClean="0">
+                <a:latin typeface="Bradley Hand ITC" panose="03070402050302030203" pitchFamily="66" charset="0"/>
+              </a:rPr>
+              <a:t>Thank you !</a:t>
+            </a:r>
+            <a:endParaRPr dirty="0">
+              <a:latin typeface="Bradley Hand ITC" panose="03070402050302030203" pitchFamily="66" charset="0"/>
+            </a:endParaRPr>
+          </a:p>
+          <a:p>
+            <a:endParaRPr dirty="0">
+              <a:latin typeface="Bradley Hand ITC" panose="03070402050302030203" pitchFamily="66" charset="0"/>
+            </a:endParaRPr>
+          </a:p>
+          <a:p>
+            <a:pPr marL="0" lvl="8" indent="0">
+              <a:spcBef>
+                <a:spcPts val="0"/>
+              </a:spcBef>
+              <a:buClr>
+                <a:srgbClr val="535353"/>
+              </a:buClr>
+              <a:buSzPct val="100000"/>
+              <a:buNone/>
+            </a:pPr>
+            <a:endParaRPr dirty="0">
+              <a:latin typeface="Bradley Hand ITC" panose="03070402050302030203" pitchFamily="66" charset="0"/>
+            </a:endParaRPr>
+          </a:p>
+        </p:txBody>
+      </p:sp>
+    </p:spTree>
+    <p:extLst>
+      <p:ext uri="{BB962C8B-B14F-4D97-AF65-F5344CB8AC3E}">
+        <p14:creationId xmlns:p14="http://schemas.microsoft.com/office/powerpoint/2010/main" val="2837046852"/>
+      </p:ext>
+    </p:extLst>
+  </p:cSld>
+  <p:clrMapOvr>
+    <a:masterClrMapping/>
+  </p:clrMapOvr>
+  <p:transition spd="med"/>
+</p:sld>
+</file>
+
 <file path=ppt/slides/slide3.xml><?xml version="1.0" encoding="utf-8"?>
 <p:sld xmlns:a="http://schemas.openxmlformats.org/drawingml/2006/main" xmlns:r="http://schemas.openxmlformats.org/officeDocument/2006/relationships" xmlns:p="http://schemas.openxmlformats.org/presentationml/2006/main">
   <p:cSld>
@@ -4483,7 +7226,7 @@
           </a:ln>
           <a:extLst>
             <a:ext uri="{C572A759-6A51-4108-AA02-DFA0A04FC94B}">
-              <ma14:wrappingTextBoxFlag xmlns:ma14="http://schemas.microsoft.com/office/mac/drawingml/2011/main" xmlns:a14="http://schemas.microsoft.com/office/drawing/2010/main" xmlns:m="http://schemas.openxmlformats.org/officeDocument/2006/math" xmlns="" val="1"/>
+              <ma14:wrappingTextBoxFlag xmlns="" xmlns:m="http://schemas.openxmlformats.org/officeDocument/2006/math" xmlns:a14="http://schemas.microsoft.com/office/drawing/2010/main" xmlns:ma14="http://schemas.microsoft.com/office/mac/drawingml/2011/main" val="1"/>
             </a:ext>
           </a:extLst>
         </p:spPr>
@@ -5698,7 +8441,7 @@
           </a:ln>
           <a:extLst>
             <a:ext uri="{C572A759-6A51-4108-AA02-DFA0A04FC94B}">
-              <ma14:wrappingTextBoxFlag xmlns:ma14="http://schemas.microsoft.com/office/mac/drawingml/2011/main" xmlns:a14="http://schemas.microsoft.com/office/drawing/2010/main" xmlns:m="http://schemas.openxmlformats.org/officeDocument/2006/math" xmlns="" val="1"/>
+              <ma14:wrappingTextBoxFlag xmlns="" xmlns:m="http://schemas.openxmlformats.org/officeDocument/2006/math" xmlns:a14="http://schemas.microsoft.com/office/drawing/2010/main" xmlns:ma14="http://schemas.microsoft.com/office/mac/drawingml/2011/main" val="1"/>
             </a:ext>
           </a:extLst>
         </p:spPr>
@@ -6467,7 +9210,7 @@
               <a:effectLst/>
               <a:extLst>
                 <a:ext uri="{C572A759-6A51-4108-AA02-DFA0A04FC94B}">
-                  <ma14:wrappingTextBoxFlag xmlns:ma14="http://schemas.microsoft.com/office/mac/drawingml/2011/main" xmlns:a14="http://schemas.microsoft.com/office/drawing/2010/main" xmlns:m="http://schemas.openxmlformats.org/officeDocument/2006/math" xmlns="" val="1"/>
+                  <ma14:wrappingTextBoxFlag xmlns="" xmlns:m="http://schemas.openxmlformats.org/officeDocument/2006/math" xmlns:a14="http://schemas.microsoft.com/office/drawing/2010/main" xmlns:ma14="http://schemas.microsoft.com/office/mac/drawingml/2011/main" val="1"/>
                 </a:ext>
               </a:extLst>
             </p:spPr>
@@ -6776,7 +9519,7 @@
               <a:effectLst/>
               <a:extLst>
                 <a:ext uri="{C572A759-6A51-4108-AA02-DFA0A04FC94B}">
-                  <ma14:wrappingTextBoxFlag xmlns:ma14="http://schemas.microsoft.com/office/mac/drawingml/2011/main" xmlns:a14="http://schemas.microsoft.com/office/drawing/2010/main" xmlns:m="http://schemas.openxmlformats.org/officeDocument/2006/math" xmlns="" val="1"/>
+                  <ma14:wrappingTextBoxFlag xmlns="" xmlns:m="http://schemas.openxmlformats.org/officeDocument/2006/math" xmlns:a14="http://schemas.microsoft.com/office/drawing/2010/main" xmlns:ma14="http://schemas.microsoft.com/office/mac/drawingml/2011/main" val="1"/>
                 </a:ext>
               </a:extLst>
             </p:spPr>
@@ -6987,7 +9730,7 @@
               <a:effectLst/>
               <a:extLst>
                 <a:ext uri="{C572A759-6A51-4108-AA02-DFA0A04FC94B}">
-                  <ma14:wrappingTextBoxFlag xmlns:ma14="http://schemas.microsoft.com/office/mac/drawingml/2011/main" xmlns:a14="http://schemas.microsoft.com/office/drawing/2010/main" xmlns:m="http://schemas.openxmlformats.org/officeDocument/2006/math" xmlns="" val="1"/>
+                  <ma14:wrappingTextBoxFlag xmlns="" xmlns:m="http://schemas.openxmlformats.org/officeDocument/2006/math" xmlns:a14="http://schemas.microsoft.com/office/drawing/2010/main" xmlns:ma14="http://schemas.microsoft.com/office/mac/drawingml/2011/main" val="1"/>
                 </a:ext>
               </a:extLst>
             </p:spPr>
@@ -7274,7 +10017,7 @@
               <a:effectLst/>
               <a:extLst>
                 <a:ext uri="{C572A759-6A51-4108-AA02-DFA0A04FC94B}">
-                  <ma14:wrappingTextBoxFlag xmlns:ma14="http://schemas.microsoft.com/office/mac/drawingml/2011/main" xmlns:a14="http://schemas.microsoft.com/office/drawing/2010/main" xmlns:m="http://schemas.openxmlformats.org/officeDocument/2006/math" xmlns="" val="1"/>
+                  <ma14:wrappingTextBoxFlag xmlns="" xmlns:m="http://schemas.openxmlformats.org/officeDocument/2006/math" xmlns:a14="http://schemas.microsoft.com/office/drawing/2010/main" xmlns:ma14="http://schemas.microsoft.com/office/mac/drawingml/2011/main" val="1"/>
                 </a:ext>
               </a:extLst>
             </p:spPr>

--- a/CordaCodeClub.pptx
+++ b/CordaCodeClub.pptx
@@ -17,20 +17,20 @@
     <p:sldId id="267" r:id="rId8"/>
     <p:sldId id="259" r:id="rId9"/>
     <p:sldId id="261" r:id="rId10"/>
-    <p:sldId id="260" r:id="rId11"/>
-    <p:sldId id="262" r:id="rId12"/>
-    <p:sldId id="268" r:id="rId13"/>
-    <p:sldId id="269" r:id="rId14"/>
-    <p:sldId id="270" r:id="rId15"/>
-    <p:sldId id="271" r:id="rId16"/>
-    <p:sldId id="272" r:id="rId17"/>
-    <p:sldId id="273" r:id="rId18"/>
-    <p:sldId id="274" r:id="rId19"/>
-    <p:sldId id="275" r:id="rId20"/>
-    <p:sldId id="276" r:id="rId21"/>
-    <p:sldId id="277" r:id="rId22"/>
-    <p:sldId id="278" r:id="rId23"/>
-    <p:sldId id="279" r:id="rId24"/>
+    <p:sldId id="262" r:id="rId11"/>
+    <p:sldId id="268" r:id="rId12"/>
+    <p:sldId id="269" r:id="rId13"/>
+    <p:sldId id="270" r:id="rId14"/>
+    <p:sldId id="271" r:id="rId15"/>
+    <p:sldId id="272" r:id="rId16"/>
+    <p:sldId id="273" r:id="rId17"/>
+    <p:sldId id="274" r:id="rId18"/>
+    <p:sldId id="275" r:id="rId19"/>
+    <p:sldId id="276" r:id="rId20"/>
+    <p:sldId id="277" r:id="rId21"/>
+    <p:sldId id="278" r:id="rId22"/>
+    <p:sldId id="279" r:id="rId23"/>
+    <p:sldId id="281" r:id="rId24"/>
     <p:sldId id="280" r:id="rId25"/>
   </p:sldIdLst>
   <p:sldSz cx="13004800" cy="9753600"/>
@@ -2237,7 +2237,7 @@
           </a:ln>
           <a:extLst>
             <a:ext uri="{C572A759-6A51-4108-AA02-DFA0A04FC94B}">
-              <ma14:wrappingTextBoxFlag xmlns="" xmlns:m="http://schemas.openxmlformats.org/officeDocument/2006/math" xmlns:a14="http://schemas.microsoft.com/office/drawing/2010/main" xmlns:ma14="http://schemas.microsoft.com/office/mac/drawingml/2011/main" val="1"/>
+              <ma14:wrappingTextBoxFlag xmlns:ma14="http://schemas.microsoft.com/office/mac/drawingml/2011/main" xmlns:a14="http://schemas.microsoft.com/office/drawing/2010/main" xmlns:m="http://schemas.openxmlformats.org/officeDocument/2006/math" xmlns="" val="1"/>
             </a:ext>
           </a:extLst>
         </p:spPr>
@@ -2276,7 +2276,7 @@
           </a:ln>
           <a:extLst>
             <a:ext uri="{C572A759-6A51-4108-AA02-DFA0A04FC94B}">
-              <ma14:wrappingTextBoxFlag xmlns="" xmlns:m="http://schemas.openxmlformats.org/officeDocument/2006/math" xmlns:a14="http://schemas.microsoft.com/office/drawing/2010/main" xmlns:ma14="http://schemas.microsoft.com/office/mac/drawingml/2011/main" val="1"/>
+              <ma14:wrappingTextBoxFlag xmlns:ma14="http://schemas.microsoft.com/office/mac/drawingml/2011/main" xmlns:a14="http://schemas.microsoft.com/office/drawing/2010/main" xmlns:m="http://schemas.openxmlformats.org/officeDocument/2006/math" xmlns="" val="1"/>
             </a:ext>
           </a:extLst>
         </p:spPr>
@@ -3393,380 +3393,6 @@
       </p:grpSpPr>
       <p:pic>
         <p:nvPicPr>
-          <p:cNvPr id="132" name="f8b5cb7d-64ab-43fc-8df2-66c7a539d973-2.jpg" descr="f8b5cb7d-64ab-43fc-8df2-66c7a539d973-2.jpg"/>
-          <p:cNvPicPr>
-            <a:picLocks noGrp="1" noChangeAspect="1"/>
-          </p:cNvPicPr>
-          <p:nvPr>
-            <p:ph type="pic" idx="13"/>
-          </p:nvPr>
-        </p:nvPicPr>
-        <p:blipFill>
-          <a:blip r:embed="rId2">
-            <a:extLst/>
-          </a:blip>
-          <a:srcRect l="63264" r="5808"/>
-          <a:stretch>
-            <a:fillRect/>
-          </a:stretch>
-        </p:blipFill>
-        <p:spPr>
-          <a:xfrm>
-            <a:off x="7797800" y="2209800"/>
-            <a:ext cx="4953000" cy="5943600"/>
-          </a:xfrm>
-          <a:prstGeom prst="rect">
-            <a:avLst/>
-          </a:prstGeom>
-        </p:spPr>
-      </p:pic>
-      <p:sp>
-        <p:nvSpPr>
-          <p:cNvPr id="133" name="Phase 2…"/>
-          <p:cNvSpPr txBox="1">
-            <a:spLocks noGrp="1"/>
-          </p:cNvSpPr>
-          <p:nvPr>
-            <p:ph type="body" sz="half" idx="1"/>
-          </p:nvPr>
-        </p:nvSpPr>
-        <p:spPr>
-          <a:xfrm>
-            <a:off x="355600" y="831502"/>
-            <a:ext cx="6985000" cy="7944198"/>
-          </a:xfrm>
-          <a:prstGeom prst="rect">
-            <a:avLst/>
-          </a:prstGeom>
-        </p:spPr>
-        <p:txBody>
-          <a:bodyPr>
-            <a:normAutofit fontScale="92500" lnSpcReduction="10000"/>
-          </a:bodyPr>
-          <a:lstStyle/>
-          <a:p>
-            <a:pPr defTabSz="519937">
-              <a:defRPr sz="3382"/>
-            </a:pPr>
-            <a:r>
-              <a:rPr lang="en-US" b="1" dirty="0" smtClean="0">
-                <a:latin typeface="Bradley Hand ITC" panose="03070402050302030203" pitchFamily="66" charset="0"/>
-              </a:rPr>
-              <a:t>Our further expansion plans ..</a:t>
-            </a:r>
-          </a:p>
-          <a:p>
-            <a:pPr defTabSz="519937">
-              <a:defRPr sz="3382"/>
-            </a:pPr>
-            <a:endParaRPr dirty="0">
-              <a:latin typeface="Bradley Hand ITC" panose="03070402050302030203" pitchFamily="66" charset="0"/>
-            </a:endParaRPr>
-          </a:p>
-          <a:p>
-            <a:pPr marL="406908" lvl="8" indent="-203454" defTabSz="519937">
-              <a:spcBef>
-                <a:spcPts val="0"/>
-              </a:spcBef>
-              <a:buClr>
-                <a:srgbClr val="535353"/>
-              </a:buClr>
-              <a:buSzPct val="100000"/>
-              <a:defRPr sz="3382"/>
-            </a:pPr>
-            <a:r>
-              <a:rPr lang="en-US" dirty="0" smtClean="0">
-                <a:latin typeface="Bradley Hand ITC" panose="03070402050302030203" pitchFamily="66" charset="0"/>
-              </a:rPr>
-              <a:t>Verification of property against land registry</a:t>
-            </a:r>
-          </a:p>
-          <a:p>
-            <a:pPr marL="406908" lvl="8" indent="-203454" defTabSz="519937">
-              <a:spcBef>
-                <a:spcPts val="0"/>
-              </a:spcBef>
-              <a:buClr>
-                <a:srgbClr val="535353"/>
-              </a:buClr>
-              <a:buSzPct val="100000"/>
-              <a:defRPr sz="3382"/>
-            </a:pPr>
-            <a:endParaRPr lang="en-US" dirty="0" smtClean="0">
-              <a:latin typeface="Bradley Hand ITC" panose="03070402050302030203" pitchFamily="66" charset="0"/>
-            </a:endParaRPr>
-          </a:p>
-          <a:p>
-            <a:pPr marL="406908" lvl="8" indent="-203454" defTabSz="519937">
-              <a:spcBef>
-                <a:spcPts val="0"/>
-              </a:spcBef>
-              <a:buClr>
-                <a:srgbClr val="535353"/>
-              </a:buClr>
-              <a:buSzPct val="100000"/>
-              <a:defRPr sz="3382"/>
-            </a:pPr>
-            <a:r>
-              <a:rPr dirty="0" smtClean="0">
-                <a:latin typeface="Bradley Hand ITC" panose="03070402050302030203" pitchFamily="66" charset="0"/>
-              </a:rPr>
-              <a:t>Fund </a:t>
-            </a:r>
-            <a:r>
-              <a:rPr dirty="0">
-                <a:latin typeface="Bradley Hand ITC" panose="03070402050302030203" pitchFamily="66" charset="0"/>
-              </a:rPr>
-              <a:t>Manager creates Fund on a set of </a:t>
-            </a:r>
-            <a:r>
-              <a:rPr dirty="0" smtClean="0">
-                <a:latin typeface="Bradley Hand ITC" panose="03070402050302030203" pitchFamily="66" charset="0"/>
-              </a:rPr>
-              <a:t>Properties</a:t>
-            </a:r>
-            <a:endParaRPr lang="en-US" dirty="0" smtClean="0">
-              <a:latin typeface="Bradley Hand ITC" panose="03070402050302030203" pitchFamily="66" charset="0"/>
-            </a:endParaRPr>
-          </a:p>
-          <a:p>
-            <a:pPr marL="406908" lvl="8" indent="-203454" defTabSz="519937">
-              <a:spcBef>
-                <a:spcPts val="0"/>
-              </a:spcBef>
-              <a:buClr>
-                <a:srgbClr val="535353"/>
-              </a:buClr>
-              <a:buSzPct val="100000"/>
-              <a:defRPr sz="3382"/>
-            </a:pPr>
-            <a:endParaRPr sz="3400" dirty="0">
-              <a:latin typeface="Bradley Hand ITC" panose="03070402050302030203" pitchFamily="66" charset="0"/>
-            </a:endParaRPr>
-          </a:p>
-          <a:p>
-            <a:pPr marL="406908" lvl="8" indent="-203454" defTabSz="519937">
-              <a:spcBef>
-                <a:spcPts val="0"/>
-              </a:spcBef>
-              <a:buClr>
-                <a:srgbClr val="535353"/>
-              </a:buClr>
-              <a:buSzPct val="100000"/>
-              <a:defRPr sz="3382" b="1">
-                <a:latin typeface="Gill Sans"/>
-                <a:ea typeface="Gill Sans"/>
-                <a:cs typeface="Gill Sans"/>
-                <a:sym typeface="Gill Sans"/>
-              </a:defRPr>
-            </a:pPr>
-            <a:r>
-              <a:rPr lang="en-US" sz="3400" dirty="0">
-                <a:latin typeface="Bradley Hand ITC" panose="03070402050302030203" pitchFamily="66" charset="0"/>
-              </a:rPr>
-              <a:t>I</a:t>
-            </a:r>
-            <a:r>
-              <a:rPr sz="3400" dirty="0">
-                <a:latin typeface="Bradley Hand ITC" panose="03070402050302030203" pitchFamily="66" charset="0"/>
-              </a:rPr>
-              <a:t>nvite bids from Investors </a:t>
-            </a:r>
-            <a:r>
-              <a:rPr lang="en-US" sz="3400" dirty="0">
-                <a:latin typeface="Bradley Hand ITC" panose="03070402050302030203" pitchFamily="66" charset="0"/>
-              </a:rPr>
-              <a:t> </a:t>
-            </a:r>
-          </a:p>
-          <a:p>
-            <a:pPr marL="406908" lvl="8" indent="-203454" defTabSz="519937">
-              <a:spcBef>
-                <a:spcPts val="0"/>
-              </a:spcBef>
-              <a:buClr>
-                <a:srgbClr val="535353"/>
-              </a:buClr>
-              <a:buSzPct val="100000"/>
-              <a:defRPr sz="3382" b="1">
-                <a:latin typeface="Gill Sans"/>
-                <a:ea typeface="Gill Sans"/>
-                <a:cs typeface="Gill Sans"/>
-                <a:sym typeface="Gill Sans"/>
-              </a:defRPr>
-            </a:pPr>
-            <a:endParaRPr sz="3400" dirty="0">
-              <a:latin typeface="Bradley Hand ITC" panose="03070402050302030203" pitchFamily="66" charset="0"/>
-            </a:endParaRPr>
-          </a:p>
-          <a:p>
-            <a:pPr marL="406908" lvl="8" indent="-203454" defTabSz="519937">
-              <a:spcBef>
-                <a:spcPts val="0"/>
-              </a:spcBef>
-              <a:buClr>
-                <a:srgbClr val="535353"/>
-              </a:buClr>
-              <a:buSzPct val="100000"/>
-              <a:defRPr sz="3382" b="1">
-                <a:latin typeface="Gill Sans"/>
-                <a:ea typeface="Gill Sans"/>
-                <a:cs typeface="Gill Sans"/>
-                <a:sym typeface="Gill Sans"/>
-              </a:defRPr>
-            </a:pPr>
-            <a:r>
-              <a:rPr lang="en-US" sz="3400" dirty="0">
-                <a:latin typeface="Bradley Hand ITC" panose="03070402050302030203" pitchFamily="66" charset="0"/>
-              </a:rPr>
-              <a:t>Handle shareholders </a:t>
-            </a:r>
-            <a:r>
-              <a:rPr sz="3400" dirty="0">
-                <a:latin typeface="Bradley Hand ITC" panose="03070402050302030203" pitchFamily="66" charset="0"/>
-              </a:rPr>
-              <a:t>for different share values</a:t>
-            </a:r>
-            <a:endParaRPr lang="en-US" sz="3400" dirty="0">
-              <a:latin typeface="Bradley Hand ITC" panose="03070402050302030203" pitchFamily="66" charset="0"/>
-            </a:endParaRPr>
-          </a:p>
-          <a:p>
-            <a:pPr marL="406908" lvl="8" indent="-203454" defTabSz="519937">
-              <a:spcBef>
-                <a:spcPts val="0"/>
-              </a:spcBef>
-              <a:buClr>
-                <a:srgbClr val="535353"/>
-              </a:buClr>
-              <a:buSzPct val="100000"/>
-              <a:defRPr sz="3382" b="1">
-                <a:latin typeface="Gill Sans"/>
-                <a:ea typeface="Gill Sans"/>
-                <a:cs typeface="Gill Sans"/>
-                <a:sym typeface="Gill Sans"/>
-              </a:defRPr>
-            </a:pPr>
-            <a:endParaRPr sz="3400" dirty="0">
-              <a:latin typeface="Bradley Hand ITC" panose="03070402050302030203" pitchFamily="66" charset="0"/>
-            </a:endParaRPr>
-          </a:p>
-          <a:p>
-            <a:pPr marL="406908" lvl="8" indent="-203454" defTabSz="519937">
-              <a:spcBef>
-                <a:spcPts val="0"/>
-              </a:spcBef>
-              <a:buClr>
-                <a:srgbClr val="535353"/>
-              </a:buClr>
-              <a:buSzPct val="100000"/>
-              <a:defRPr sz="3382" b="1">
-                <a:latin typeface="Gill Sans"/>
-                <a:ea typeface="Gill Sans"/>
-                <a:cs typeface="Gill Sans"/>
-                <a:sym typeface="Gill Sans"/>
-              </a:defRPr>
-            </a:pPr>
-            <a:r>
-              <a:rPr sz="3400" dirty="0">
-                <a:latin typeface="Bradley Hand ITC" panose="03070402050302030203" pitchFamily="66" charset="0"/>
-              </a:rPr>
-              <a:t>Collects Rental Income</a:t>
-            </a:r>
-            <a:endParaRPr lang="en-US" sz="3400" dirty="0">
-              <a:latin typeface="Bradley Hand ITC" panose="03070402050302030203" pitchFamily="66" charset="0"/>
-            </a:endParaRPr>
-          </a:p>
-          <a:p>
-            <a:pPr marL="406908" lvl="8" indent="-203454" defTabSz="519937">
-              <a:spcBef>
-                <a:spcPts val="0"/>
-              </a:spcBef>
-              <a:buClr>
-                <a:srgbClr val="535353"/>
-              </a:buClr>
-              <a:buSzPct val="100000"/>
-              <a:defRPr sz="3382" b="1">
-                <a:latin typeface="Gill Sans"/>
-                <a:ea typeface="Gill Sans"/>
-                <a:cs typeface="Gill Sans"/>
-                <a:sym typeface="Gill Sans"/>
-              </a:defRPr>
-            </a:pPr>
-            <a:endParaRPr dirty="0">
-              <a:latin typeface="Bradley Hand ITC" panose="03070402050302030203" pitchFamily="66" charset="0"/>
-            </a:endParaRPr>
-          </a:p>
-          <a:p>
-            <a:pPr marL="406908" lvl="8" indent="-203454" defTabSz="519937">
-              <a:spcBef>
-                <a:spcPts val="0"/>
-              </a:spcBef>
-              <a:buClr>
-                <a:srgbClr val="535353"/>
-              </a:buClr>
-              <a:buSzPct val="100000"/>
-              <a:defRPr sz="3382"/>
-            </a:pPr>
-            <a:r>
-              <a:rPr dirty="0">
-                <a:latin typeface="Bradley Hand ITC" panose="03070402050302030203" pitchFamily="66" charset="0"/>
-              </a:rPr>
-              <a:t>Distributes Dividend to share </a:t>
-            </a:r>
-            <a:r>
-              <a:rPr dirty="0" smtClean="0">
-                <a:latin typeface="Bradley Hand ITC" panose="03070402050302030203" pitchFamily="66" charset="0"/>
-              </a:rPr>
-              <a:t>holders</a:t>
-            </a:r>
-            <a:r>
-              <a:rPr lang="en-US" dirty="0" smtClean="0">
-                <a:latin typeface="Bradley Hand ITC" panose="03070402050302030203" pitchFamily="66" charset="0"/>
-              </a:rPr>
-              <a:t> as per their share</a:t>
-            </a:r>
-            <a:endParaRPr dirty="0">
-              <a:latin typeface="Bradley Hand ITC" panose="03070402050302030203" pitchFamily="66" charset="0"/>
-            </a:endParaRPr>
-          </a:p>
-        </p:txBody>
-      </p:sp>
-    </p:spTree>
-  </p:cSld>
-  <p:clrMapOvr>
-    <a:masterClrMapping/>
-  </p:clrMapOvr>
-  <p:transition spd="med"/>
-  <p:timing>
-    <p:tnLst>
-      <p:par>
-        <p:cTn id="1" dur="indefinite" restart="never" nodeType="tmRoot"/>
-      </p:par>
-    </p:tnLst>
-  </p:timing>
-</p:sld>
-</file>
-
-<file path=ppt/slides/slide11.xml><?xml version="1.0" encoding="utf-8"?>
-<p:sld xmlns:a="http://schemas.openxmlformats.org/drawingml/2006/main" xmlns:r="http://schemas.openxmlformats.org/officeDocument/2006/relationships" xmlns:p="http://schemas.openxmlformats.org/presentationml/2006/main">
-  <p:cSld>
-    <p:spTree>
-      <p:nvGrpSpPr>
-        <p:cNvPr id="1" name=""/>
-        <p:cNvGrpSpPr/>
-        <p:nvPr/>
-      </p:nvGrpSpPr>
-      <p:grpSpPr>
-        <a:xfrm>
-          <a:off x="0" y="0"/>
-          <a:ext cx="0" cy="0"/>
-          <a:chOff x="0" y="0"/>
-          <a:chExt cx="0" cy="0"/>
-        </a:xfrm>
-      </p:grpSpPr>
-      <p:pic>
-        <p:nvPicPr>
           <p:cNvPr id="1026" name="Picture 2"/>
           <p:cNvPicPr>
             <a:picLocks noChangeAspect="1" noChangeArrowheads="1"/>
@@ -3835,7 +3461,7 @@
 </p:sld>
 </file>
 
-<file path=ppt/slides/slide12.xml><?xml version="1.0" encoding="utf-8"?>
+<file path=ppt/slides/slide11.xml><?xml version="1.0" encoding="utf-8"?>
 <p:sld xmlns:a="http://schemas.openxmlformats.org/drawingml/2006/main" xmlns:r="http://schemas.openxmlformats.org/officeDocument/2006/relationships" xmlns:p="http://schemas.openxmlformats.org/presentationml/2006/main">
   <p:cSld>
     <p:spTree>
@@ -3880,10 +3506,6 @@
               </a:rPr>
               <a:t>http://localhost:10009/api/property/me</a:t>
             </a:r>
-            <a:endParaRPr lang="en-GB" dirty="0">
-              <a:latin typeface="Bradley Hand ITC" panose="03070402050302030203" pitchFamily="66" charset="0"/>
-              <a:cs typeface="Adobe Devanagari" pitchFamily="18" charset="0"/>
-            </a:endParaRPr>
           </a:p>
         </p:txBody>
       </p:sp>
@@ -4071,7 +3693,7 @@
 </p:sld>
 </file>
 
-<file path=ppt/slides/slide13.xml><?xml version="1.0" encoding="utf-8"?>
+<file path=ppt/slides/slide12.xml><?xml version="1.0" encoding="utf-8"?>
 <p:sld xmlns:a="http://schemas.openxmlformats.org/drawingml/2006/main" xmlns:r="http://schemas.openxmlformats.org/officeDocument/2006/relationships" xmlns:p="http://schemas.openxmlformats.org/presentationml/2006/main">
   <p:cSld>
     <p:spTree>
@@ -4170,10 +3792,6 @@
               </a:rPr>
               <a:t>http://localhost:10009/api/property/my-funds</a:t>
             </a:r>
-            <a:endParaRPr lang="en-GB" dirty="0">
-              <a:latin typeface="Bradley Hand ITC" panose="03070402050302030203" pitchFamily="66" charset="0"/>
-              <a:cs typeface="Adobe Devanagari" pitchFamily="18" charset="0"/>
-            </a:endParaRPr>
           </a:p>
         </p:txBody>
       </p:sp>
@@ -4281,7 +3899,7 @@
 </p:sld>
 </file>
 
-<file path=ppt/slides/slide14.xml><?xml version="1.0" encoding="utf-8"?>
+<file path=ppt/slides/slide13.xml><?xml version="1.0" encoding="utf-8"?>
 <p:sld xmlns:a="http://schemas.openxmlformats.org/drawingml/2006/main" xmlns:r="http://schemas.openxmlformats.org/officeDocument/2006/relationships" xmlns:p="http://schemas.openxmlformats.org/presentationml/2006/main">
   <p:cSld>
     <p:spTree>
@@ -4574,7 +4192,7 @@
 </p:sld>
 </file>
 
-<file path=ppt/slides/slide15.xml><?xml version="1.0" encoding="utf-8"?>
+<file path=ppt/slides/slide14.xml><?xml version="1.0" encoding="utf-8"?>
 <p:sld xmlns:a="http://schemas.openxmlformats.org/drawingml/2006/main" xmlns:r="http://schemas.openxmlformats.org/officeDocument/2006/relationships" xmlns:p="http://schemas.openxmlformats.org/presentationml/2006/main">
   <p:cSld>
     <p:spTree>
@@ -4673,10 +4291,6 @@
               </a:rPr>
               <a:t>http://localhost:10009/api/property/my-funds</a:t>
             </a:r>
-            <a:endParaRPr lang="en-GB" sz="3000" dirty="0">
-              <a:latin typeface="Bradley Hand ITC" panose="03070402050302030203" pitchFamily="66" charset="0"/>
-              <a:cs typeface="Adobe Devanagari" pitchFamily="18" charset="0"/>
-            </a:endParaRPr>
           </a:p>
         </p:txBody>
       </p:sp>
@@ -4784,7 +4398,7 @@
 </p:sld>
 </file>
 
-<file path=ppt/slides/slide16.xml><?xml version="1.0" encoding="utf-8"?>
+<file path=ppt/slides/slide15.xml><?xml version="1.0" encoding="utf-8"?>
 <p:sld xmlns:a="http://schemas.openxmlformats.org/drawingml/2006/main" xmlns:r="http://schemas.openxmlformats.org/officeDocument/2006/relationships" xmlns:p="http://schemas.openxmlformats.org/presentationml/2006/main">
   <p:cSld>
     <p:spTree>
@@ -4990,7 +4604,7 @@
 </p:sld>
 </file>
 
-<file path=ppt/slides/slide17.xml><?xml version="1.0" encoding="utf-8"?>
+<file path=ppt/slides/slide16.xml><?xml version="1.0" encoding="utf-8"?>
 <p:sld xmlns:a="http://schemas.openxmlformats.org/drawingml/2006/main" xmlns:r="http://schemas.openxmlformats.org/officeDocument/2006/relationships" xmlns:p="http://schemas.openxmlformats.org/presentationml/2006/main">
   <p:cSld>
     <p:spTree>
@@ -5212,7 +4826,7 @@
 </p:sld>
 </file>
 
-<file path=ppt/slides/slide18.xml><?xml version="1.0" encoding="utf-8"?>
+<file path=ppt/slides/slide17.xml><?xml version="1.0" encoding="utf-8"?>
 <p:sld xmlns:a="http://schemas.openxmlformats.org/drawingml/2006/main" xmlns:r="http://schemas.openxmlformats.org/officeDocument/2006/relationships" xmlns:p="http://schemas.openxmlformats.org/presentationml/2006/main">
   <p:cSld>
     <p:spTree>
@@ -5408,10 +5022,17 @@
     <a:masterClrMapping/>
   </p:clrMapOvr>
   <p:transition spd="med"/>
+  <p:timing>
+    <p:tnLst>
+      <p:par>
+        <p:cTn id="1" dur="indefinite" restart="never" nodeType="tmRoot"/>
+      </p:par>
+    </p:tnLst>
+  </p:timing>
 </p:sld>
 </file>
 
-<file path=ppt/slides/slide19.xml><?xml version="1.0" encoding="utf-8"?>
+<file path=ppt/slides/slide18.xml><?xml version="1.0" encoding="utf-8"?>
 <p:sld xmlns:a="http://schemas.openxmlformats.org/drawingml/2006/main" xmlns:r="http://schemas.openxmlformats.org/officeDocument/2006/relationships" xmlns:p="http://schemas.openxmlformats.org/presentationml/2006/main">
   <p:cSld>
     <p:spTree>
@@ -5451,7 +5072,7 @@
         </p:blipFill>
         <p:spPr bwMode="auto">
           <a:xfrm>
-            <a:off x="25400" y="430887"/>
+            <a:off x="25400" y="507087"/>
             <a:ext cx="12979400" cy="9322713"/>
           </a:xfrm>
           <a:prstGeom prst="rect">
@@ -5510,10 +5131,6 @@
               </a:rPr>
               <a:t>http://localhost:10012/api/property/my-dividend</a:t>
             </a:r>
-            <a:endParaRPr lang="en-GB" sz="2000" dirty="0">
-              <a:latin typeface="Bradley Hand ITC" panose="03070402050302030203" pitchFamily="66" charset="0"/>
-              <a:cs typeface="Adobe Devanagari" pitchFamily="18" charset="0"/>
-            </a:endParaRPr>
           </a:p>
         </p:txBody>
       </p:sp>
@@ -5581,7 +5198,7 @@
                   <a:srgbClr val="FFFFFF"/>
                 </a:solidFill>
               </a:rPr>
-              <a:t>PartyA</a:t>
+              <a:t>PartyB</a:t>
             </a:r>
             <a:r>
               <a:rPr lang="en-US" dirty="0" smtClean="0">
@@ -5589,7 +5206,15 @@
                   <a:srgbClr val="FFFFFF"/>
                 </a:solidFill>
               </a:rPr>
-              <a:t> receives Dividend</a:t>
+              <a:t> </a:t>
+            </a:r>
+            <a:r>
+              <a:rPr lang="en-US" dirty="0" smtClean="0">
+                <a:solidFill>
+                  <a:srgbClr val="FFFFFF"/>
+                </a:solidFill>
+              </a:rPr>
+              <a:t>receives Dividend</a:t>
             </a:r>
             <a:endParaRPr kumimoji="0" lang="en-GB" sz="3600" b="0" i="0" u="none" strike="noStrike" cap="none" spc="0" normalizeH="0" baseline="0" dirty="0">
               <a:ln>
@@ -5619,6 +5244,235 @@
     <a:masterClrMapping/>
   </p:clrMapOvr>
   <p:transition spd="med"/>
+  <p:timing>
+    <p:tnLst>
+      <p:par>
+        <p:cTn id="1" dur="indefinite" restart="never" nodeType="tmRoot"/>
+      </p:par>
+    </p:tnLst>
+  </p:timing>
+</p:sld>
+</file>
+
+<file path=ppt/slides/slide19.xml><?xml version="1.0" encoding="utf-8"?>
+<p:sld xmlns:a="http://schemas.openxmlformats.org/drawingml/2006/main" xmlns:r="http://schemas.openxmlformats.org/officeDocument/2006/relationships" xmlns:p="http://schemas.openxmlformats.org/presentationml/2006/main">
+  <p:cSld>
+    <p:spTree>
+      <p:nvGrpSpPr>
+        <p:cNvPr id="1" name=""/>
+        <p:cNvGrpSpPr/>
+        <p:nvPr/>
+      </p:nvGrpSpPr>
+      <p:grpSpPr>
+        <a:xfrm>
+          <a:off x="0" y="0"/>
+          <a:ext cx="0" cy="0"/>
+          <a:chOff x="0" y="0"/>
+          <a:chExt cx="0" cy="0"/>
+        </a:xfrm>
+      </p:grpSpPr>
+      <p:pic>
+        <p:nvPicPr>
+          <p:cNvPr id="10242" name="Picture 2"/>
+          <p:cNvPicPr>
+            <a:picLocks noChangeAspect="1" noChangeArrowheads="1"/>
+          </p:cNvPicPr>
+          <p:nvPr/>
+        </p:nvPicPr>
+        <p:blipFill>
+          <a:blip r:embed="rId2">
+            <a:extLst>
+              <a:ext uri="{28A0092B-C50C-407E-A947-70E740481C1C}">
+                <a14:useLocalDpi xmlns:a14="http://schemas.microsoft.com/office/drawing/2010/main" val="0"/>
+              </a:ext>
+            </a:extLst>
+          </a:blip>
+          <a:srcRect/>
+          <a:stretch>
+            <a:fillRect/>
+          </a:stretch>
+        </p:blipFill>
+        <p:spPr bwMode="auto">
+          <a:xfrm>
+            <a:off x="-16934" y="430887"/>
+            <a:ext cx="13021733" cy="9322713"/>
+          </a:xfrm>
+          <a:prstGeom prst="rect">
+            <a:avLst/>
+          </a:prstGeom>
+          <a:noFill/>
+          <a:ln>
+            <a:noFill/>
+          </a:ln>
+          <a:extLst>
+            <a:ext uri="{909E8E84-426E-40DD-AFC4-6F175D3DCCD1}">
+              <a14:hiddenFill xmlns:a14="http://schemas.microsoft.com/office/drawing/2010/main">
+                <a:solidFill>
+                  <a:schemeClr val="accent1"/>
+                </a:solidFill>
+              </a14:hiddenFill>
+            </a:ext>
+            <a:ext uri="{91240B29-F687-4F45-9708-019B960494DF}">
+              <a14:hiddenLine xmlns:a14="http://schemas.microsoft.com/office/drawing/2010/main" w="9525">
+                <a:solidFill>
+                  <a:schemeClr val="tx1"/>
+                </a:solidFill>
+                <a:miter lim="800000"/>
+                <a:headEnd/>
+                <a:tailEnd/>
+              </a14:hiddenLine>
+            </a:ext>
+          </a:extLst>
+        </p:spPr>
+      </p:pic>
+      <p:sp>
+        <p:nvSpPr>
+          <p:cNvPr id="5" name="Rectangle 4"/>
+          <p:cNvSpPr/>
+          <p:nvPr/>
+        </p:nvSpPr>
+        <p:spPr>
+          <a:xfrm>
+            <a:off x="2082800" y="0"/>
+            <a:ext cx="8077200" cy="400110"/>
+          </a:xfrm>
+          <a:prstGeom prst="rect">
+            <a:avLst/>
+          </a:prstGeom>
+        </p:spPr>
+        <p:txBody>
+          <a:bodyPr wrap="square">
+            <a:spAutoFit/>
+          </a:bodyPr>
+          <a:lstStyle/>
+          <a:p>
+            <a:r>
+              <a:rPr lang="en-GB" sz="2000" dirty="0">
+                <a:latin typeface="Bradley Hand ITC" panose="03070402050302030203" pitchFamily="66" charset="0"/>
+                <a:cs typeface="Adobe Devanagari" pitchFamily="18" charset="0"/>
+              </a:rPr>
+              <a:t>http://localhost:10015/api/property/my-dividend</a:t>
+            </a:r>
+          </a:p>
+        </p:txBody>
+      </p:sp>
+      <p:sp>
+        <p:nvSpPr>
+          <p:cNvPr id="7" name="Oval 6"/>
+          <p:cNvSpPr/>
+          <p:nvPr/>
+        </p:nvSpPr>
+        <p:spPr>
+          <a:xfrm>
+            <a:off x="7950200" y="6594971"/>
+            <a:ext cx="4800600" cy="1702316"/>
+          </a:xfrm>
+          <a:prstGeom prst="ellipse">
+            <a:avLst/>
+          </a:prstGeom>
+          <a:solidFill>
+            <a:srgbClr val="808785"/>
+          </a:solidFill>
+          <a:ln w="12700" cap="flat">
+            <a:noFill/>
+            <a:miter lim="400000"/>
+          </a:ln>
+          <a:effectLst/>
+          <a:sp3d/>
+        </p:spPr>
+        <p:style>
+          <a:lnRef idx="0">
+            <a:scrgbClr r="0" g="0" b="0"/>
+          </a:lnRef>
+          <a:fillRef idx="0">
+            <a:scrgbClr r="0" g="0" b="0"/>
+          </a:fillRef>
+          <a:effectRef idx="0">
+            <a:scrgbClr r="0" g="0" b="0"/>
+          </a:effectRef>
+          <a:fontRef idx="none"/>
+        </p:style>
+        <p:txBody>
+          <a:bodyPr rot="0" spcFirstLastPara="1" vertOverflow="overflow" horzOverflow="overflow" vert="horz" wrap="square" lIns="50800" tIns="50800" rIns="50800" bIns="50800" numCol="1" spcCol="38100" rtlCol="0" anchor="ctr">
+            <a:spAutoFit/>
+          </a:bodyPr>
+          <a:lstStyle/>
+          <a:p>
+            <a:pPr marL="0" marR="0" indent="0" algn="ctr" defTabSz="584200" rtl="0" fontAlgn="auto" latinLnBrk="0" hangingPunct="0">
+              <a:lnSpc>
+                <a:spcPct val="100000"/>
+              </a:lnSpc>
+              <a:spcBef>
+                <a:spcPts val="0"/>
+              </a:spcBef>
+              <a:spcAft>
+                <a:spcPts val="0"/>
+              </a:spcAft>
+              <a:buClrTx/>
+              <a:buSzTx/>
+              <a:buFontTx/>
+              <a:buNone/>
+              <a:tabLst/>
+            </a:pPr>
+            <a:r>
+              <a:rPr lang="en-US" dirty="0" err="1" smtClean="0">
+                <a:solidFill>
+                  <a:srgbClr val="FFFFFF"/>
+                </a:solidFill>
+              </a:rPr>
+              <a:t>PartyA</a:t>
+            </a:r>
+            <a:r>
+              <a:rPr lang="en-US" dirty="0" smtClean="0">
+                <a:solidFill>
+                  <a:srgbClr val="FFFFFF"/>
+                </a:solidFill>
+              </a:rPr>
+              <a:t> </a:t>
+            </a:r>
+            <a:r>
+              <a:rPr lang="en-US" dirty="0" smtClean="0">
+                <a:solidFill>
+                  <a:srgbClr val="FFFFFF"/>
+                </a:solidFill>
+              </a:rPr>
+              <a:t>receives Dividend</a:t>
+            </a:r>
+            <a:endParaRPr kumimoji="0" lang="en-GB" sz="3600" b="0" i="0" u="none" strike="noStrike" cap="none" spc="0" normalizeH="0" baseline="0" dirty="0">
+              <a:ln>
+                <a:noFill/>
+              </a:ln>
+              <a:solidFill>
+                <a:srgbClr val="FFFFFF"/>
+              </a:solidFill>
+              <a:effectLst/>
+              <a:uFillTx/>
+              <a:latin typeface="+mn-lt"/>
+              <a:ea typeface="+mn-ea"/>
+              <a:cs typeface="+mn-cs"/>
+              <a:sym typeface="Gill Sans Light"/>
+            </a:endParaRPr>
+          </a:p>
+        </p:txBody>
+      </p:sp>
+    </p:spTree>
+    <p:extLst>
+      <p:ext uri="{BB962C8B-B14F-4D97-AF65-F5344CB8AC3E}">
+        <p14:creationId xmlns:p14="http://schemas.microsoft.com/office/powerpoint/2010/main" val="638132980"/>
+      </p:ext>
+    </p:extLst>
+  </p:cSld>
+  <p:clrMapOvr>
+    <a:masterClrMapping/>
+  </p:clrMapOvr>
+  <p:transition spd="med"/>
+  <p:timing>
+    <p:tnLst>
+      <p:par>
+        <p:cTn id="1" dur="indefinite" restart="never" nodeType="tmRoot"/>
+      </p:par>
+    </p:tnLst>
+  </p:timing>
 </p:sld>
 </file>
 
@@ -5773,7 +5627,7 @@
           </a:ln>
           <a:extLst>
             <a:ext uri="{C572A759-6A51-4108-AA02-DFA0A04FC94B}">
-              <ma14:wrappingTextBoxFlag xmlns="" xmlns:m="http://schemas.openxmlformats.org/officeDocument/2006/math" xmlns:a14="http://schemas.microsoft.com/office/drawing/2010/main" xmlns:ma14="http://schemas.microsoft.com/office/mac/drawingml/2011/main" val="1"/>
+              <ma14:wrappingTextBoxFlag xmlns:ma14="http://schemas.microsoft.com/office/mac/drawingml/2011/main" xmlns:a14="http://schemas.microsoft.com/office/drawing/2010/main" xmlns:m="http://schemas.openxmlformats.org/officeDocument/2006/math" xmlns="" val="1"/>
             </a:ext>
           </a:extLst>
         </p:spPr>
@@ -6060,7 +5914,13 @@
               <a:rPr lang="en-US" sz="2800" b="1" dirty="0" smtClean="0">
                 <a:latin typeface="Bradley Hand ITC" panose="03070402050302030203" pitchFamily="66" charset="0"/>
               </a:rPr>
-              <a:t>Denzel , Deepa, Lonnie , Patrick, Abel</a:t>
+              <a:t>Daniel </a:t>
+            </a:r>
+            <a:r>
+              <a:rPr lang="en-US" sz="2800" b="1" dirty="0" smtClean="0">
+                <a:latin typeface="Bradley Hand ITC" panose="03070402050302030203" pitchFamily="66" charset="0"/>
+              </a:rPr>
+              <a:t>, Deepa, Lonnie , Patrick, Abel</a:t>
             </a:r>
           </a:p>
           <a:p>
@@ -6147,213 +6007,6 @@
 </file>
 
 <file path=ppt/slides/slide20.xml><?xml version="1.0" encoding="utf-8"?>
-<p:sld xmlns:a="http://schemas.openxmlformats.org/drawingml/2006/main" xmlns:r="http://schemas.openxmlformats.org/officeDocument/2006/relationships" xmlns:p="http://schemas.openxmlformats.org/presentationml/2006/main">
-  <p:cSld>
-    <p:spTree>
-      <p:nvGrpSpPr>
-        <p:cNvPr id="1" name=""/>
-        <p:cNvGrpSpPr/>
-        <p:nvPr/>
-      </p:nvGrpSpPr>
-      <p:grpSpPr>
-        <a:xfrm>
-          <a:off x="0" y="0"/>
-          <a:ext cx="0" cy="0"/>
-          <a:chOff x="0" y="0"/>
-          <a:chExt cx="0" cy="0"/>
-        </a:xfrm>
-      </p:grpSpPr>
-      <p:pic>
-        <p:nvPicPr>
-          <p:cNvPr id="10242" name="Picture 2"/>
-          <p:cNvPicPr>
-            <a:picLocks noChangeAspect="1" noChangeArrowheads="1"/>
-          </p:cNvPicPr>
-          <p:nvPr/>
-        </p:nvPicPr>
-        <p:blipFill>
-          <a:blip r:embed="rId2">
-            <a:extLst>
-              <a:ext uri="{28A0092B-C50C-407E-A947-70E740481C1C}">
-                <a14:useLocalDpi xmlns:a14="http://schemas.microsoft.com/office/drawing/2010/main" val="0"/>
-              </a:ext>
-            </a:extLst>
-          </a:blip>
-          <a:srcRect/>
-          <a:stretch>
-            <a:fillRect/>
-          </a:stretch>
-        </p:blipFill>
-        <p:spPr bwMode="auto">
-          <a:xfrm>
-            <a:off x="-16934" y="430887"/>
-            <a:ext cx="13021733" cy="9322713"/>
-          </a:xfrm>
-          <a:prstGeom prst="rect">
-            <a:avLst/>
-          </a:prstGeom>
-          <a:noFill/>
-          <a:ln>
-            <a:noFill/>
-          </a:ln>
-          <a:extLst>
-            <a:ext uri="{909E8E84-426E-40DD-AFC4-6F175D3DCCD1}">
-              <a14:hiddenFill xmlns:a14="http://schemas.microsoft.com/office/drawing/2010/main">
-                <a:solidFill>
-                  <a:schemeClr val="accent1"/>
-                </a:solidFill>
-              </a14:hiddenFill>
-            </a:ext>
-            <a:ext uri="{91240B29-F687-4F45-9708-019B960494DF}">
-              <a14:hiddenLine xmlns:a14="http://schemas.microsoft.com/office/drawing/2010/main" w="9525">
-                <a:solidFill>
-                  <a:schemeClr val="tx1"/>
-                </a:solidFill>
-                <a:miter lim="800000"/>
-                <a:headEnd/>
-                <a:tailEnd/>
-              </a14:hiddenLine>
-            </a:ext>
-          </a:extLst>
-        </p:spPr>
-      </p:pic>
-      <p:sp>
-        <p:nvSpPr>
-          <p:cNvPr id="5" name="Rectangle 4"/>
-          <p:cNvSpPr/>
-          <p:nvPr/>
-        </p:nvSpPr>
-        <p:spPr>
-          <a:xfrm>
-            <a:off x="2082800" y="0"/>
-            <a:ext cx="8077200" cy="400110"/>
-          </a:xfrm>
-          <a:prstGeom prst="rect">
-            <a:avLst/>
-          </a:prstGeom>
-        </p:spPr>
-        <p:txBody>
-          <a:bodyPr wrap="square">
-            <a:spAutoFit/>
-          </a:bodyPr>
-          <a:lstStyle/>
-          <a:p>
-            <a:r>
-              <a:rPr lang="en-GB" sz="2000" dirty="0">
-                <a:latin typeface="Bradley Hand ITC" panose="03070402050302030203" pitchFamily="66" charset="0"/>
-                <a:cs typeface="Adobe Devanagari" pitchFamily="18" charset="0"/>
-              </a:rPr>
-              <a:t>http://localhost:10015/api/property/my-dividend</a:t>
-            </a:r>
-          </a:p>
-        </p:txBody>
-      </p:sp>
-      <p:sp>
-        <p:nvSpPr>
-          <p:cNvPr id="7" name="Oval 6"/>
-          <p:cNvSpPr/>
-          <p:nvPr/>
-        </p:nvSpPr>
-        <p:spPr>
-          <a:xfrm>
-            <a:off x="7950200" y="6594971"/>
-            <a:ext cx="4800600" cy="1702316"/>
-          </a:xfrm>
-          <a:prstGeom prst="ellipse">
-            <a:avLst/>
-          </a:prstGeom>
-          <a:solidFill>
-            <a:srgbClr val="808785"/>
-          </a:solidFill>
-          <a:ln w="12700" cap="flat">
-            <a:noFill/>
-            <a:miter lim="400000"/>
-          </a:ln>
-          <a:effectLst/>
-          <a:sp3d/>
-        </p:spPr>
-        <p:style>
-          <a:lnRef idx="0">
-            <a:scrgbClr r="0" g="0" b="0"/>
-          </a:lnRef>
-          <a:fillRef idx="0">
-            <a:scrgbClr r="0" g="0" b="0"/>
-          </a:fillRef>
-          <a:effectRef idx="0">
-            <a:scrgbClr r="0" g="0" b="0"/>
-          </a:effectRef>
-          <a:fontRef idx="none"/>
-        </p:style>
-        <p:txBody>
-          <a:bodyPr rot="0" spcFirstLastPara="1" vertOverflow="overflow" horzOverflow="overflow" vert="horz" wrap="square" lIns="50800" tIns="50800" rIns="50800" bIns="50800" numCol="1" spcCol="38100" rtlCol="0" anchor="ctr">
-            <a:spAutoFit/>
-          </a:bodyPr>
-          <a:lstStyle/>
-          <a:p>
-            <a:pPr marL="0" marR="0" indent="0" algn="ctr" defTabSz="584200" rtl="0" fontAlgn="auto" latinLnBrk="0" hangingPunct="0">
-              <a:lnSpc>
-                <a:spcPct val="100000"/>
-              </a:lnSpc>
-              <a:spcBef>
-                <a:spcPts val="0"/>
-              </a:spcBef>
-              <a:spcAft>
-                <a:spcPts val="0"/>
-              </a:spcAft>
-              <a:buClrTx/>
-              <a:buSzTx/>
-              <a:buFontTx/>
-              <a:buNone/>
-              <a:tabLst/>
-            </a:pPr>
-            <a:r>
-              <a:rPr lang="en-US" dirty="0" err="1" smtClean="0">
-                <a:solidFill>
-                  <a:srgbClr val="FFFFFF"/>
-                </a:solidFill>
-              </a:rPr>
-              <a:t>PartyB</a:t>
-            </a:r>
-            <a:r>
-              <a:rPr lang="en-US" dirty="0" smtClean="0">
-                <a:solidFill>
-                  <a:srgbClr val="FFFFFF"/>
-                </a:solidFill>
-              </a:rPr>
-              <a:t> receives Dividend</a:t>
-            </a:r>
-            <a:endParaRPr kumimoji="0" lang="en-GB" sz="3600" b="0" i="0" u="none" strike="noStrike" cap="none" spc="0" normalizeH="0" baseline="0" dirty="0">
-              <a:ln>
-                <a:noFill/>
-              </a:ln>
-              <a:solidFill>
-                <a:srgbClr val="FFFFFF"/>
-              </a:solidFill>
-              <a:effectLst/>
-              <a:uFillTx/>
-              <a:latin typeface="+mn-lt"/>
-              <a:ea typeface="+mn-ea"/>
-              <a:cs typeface="+mn-cs"/>
-              <a:sym typeface="Gill Sans Light"/>
-            </a:endParaRPr>
-          </a:p>
-        </p:txBody>
-      </p:sp>
-    </p:spTree>
-    <p:extLst>
-      <p:ext uri="{BB962C8B-B14F-4D97-AF65-F5344CB8AC3E}">
-        <p14:creationId xmlns:p14="http://schemas.microsoft.com/office/powerpoint/2010/main" val="638132980"/>
-      </p:ext>
-    </p:extLst>
-  </p:cSld>
-  <p:clrMapOvr>
-    <a:masterClrMapping/>
-  </p:clrMapOvr>
-  <p:transition spd="med"/>
-</p:sld>
-</file>
-
-<file path=ppt/slides/slide21.xml><?xml version="1.0" encoding="utf-8"?>
 <p:sld xmlns:a="http://schemas.openxmlformats.org/drawingml/2006/main" xmlns:r="http://schemas.openxmlformats.org/officeDocument/2006/relationships" xmlns:p="http://schemas.openxmlformats.org/presentationml/2006/main">
   <p:cSld>
     <p:spTree>
@@ -6557,10 +6210,17 @@
     <a:masterClrMapping/>
   </p:clrMapOvr>
   <p:transition spd="med"/>
+  <p:timing>
+    <p:tnLst>
+      <p:par>
+        <p:cTn id="1" dur="indefinite" restart="never" nodeType="tmRoot"/>
+      </p:par>
+    </p:tnLst>
+  </p:timing>
 </p:sld>
 </file>
 
-<file path=ppt/slides/slide22.xml><?xml version="1.0" encoding="utf-8"?>
+<file path=ppt/slides/slide21.xml><?xml version="1.0" encoding="utf-8"?>
 <p:sld xmlns:a="http://schemas.openxmlformats.org/drawingml/2006/main" xmlns:r="http://schemas.openxmlformats.org/officeDocument/2006/relationships" xmlns:p="http://schemas.openxmlformats.org/presentationml/2006/main">
   <p:cSld>
     <p:spTree>
@@ -6779,10 +6439,17 @@
     <a:masterClrMapping/>
   </p:clrMapOvr>
   <p:transition spd="med"/>
+  <p:timing>
+    <p:tnLst>
+      <p:par>
+        <p:cTn id="1" dur="indefinite" restart="never" nodeType="tmRoot"/>
+      </p:par>
+    </p:tnLst>
+  </p:timing>
 </p:sld>
 </file>
 
-<file path=ppt/slides/slide23.xml><?xml version="1.0" encoding="utf-8"?>
+<file path=ppt/slides/slide22.xml><?xml version="1.0" encoding="utf-8"?>
 <p:sld xmlns:a="http://schemas.openxmlformats.org/drawingml/2006/main" xmlns:r="http://schemas.openxmlformats.org/officeDocument/2006/relationships" xmlns:p="http://schemas.openxmlformats.org/presentationml/2006/main">
   <p:cSld>
     <p:spTree>
@@ -7002,6 +6669,392 @@
     <a:masterClrMapping/>
   </p:clrMapOvr>
   <p:transition spd="med"/>
+  <p:timing>
+    <p:tnLst>
+      <p:par>
+        <p:cTn id="1" dur="indefinite" restart="never" nodeType="tmRoot"/>
+      </p:par>
+    </p:tnLst>
+  </p:timing>
+</p:sld>
+</file>
+
+<file path=ppt/slides/slide23.xml><?xml version="1.0" encoding="utf-8"?>
+<p:sld xmlns:a="http://schemas.openxmlformats.org/drawingml/2006/main" xmlns:r="http://schemas.openxmlformats.org/officeDocument/2006/relationships" xmlns:p="http://schemas.openxmlformats.org/presentationml/2006/main">
+  <p:cSld>
+    <p:spTree>
+      <p:nvGrpSpPr>
+        <p:cNvPr id="1" name=""/>
+        <p:cNvGrpSpPr/>
+        <p:nvPr/>
+      </p:nvGrpSpPr>
+      <p:grpSpPr>
+        <a:xfrm>
+          <a:off x="0" y="0"/>
+          <a:ext cx="0" cy="0"/>
+          <a:chOff x="0" y="0"/>
+          <a:chExt cx="0" cy="0"/>
+        </a:xfrm>
+      </p:grpSpPr>
+      <p:pic>
+        <p:nvPicPr>
+          <p:cNvPr id="132" name="f8b5cb7d-64ab-43fc-8df2-66c7a539d973-2.jpg" descr="f8b5cb7d-64ab-43fc-8df2-66c7a539d973-2.jpg"/>
+          <p:cNvPicPr>
+            <a:picLocks noGrp="1" noChangeAspect="1"/>
+          </p:cNvPicPr>
+          <p:nvPr>
+            <p:ph type="pic" idx="13"/>
+          </p:nvPr>
+        </p:nvPicPr>
+        <p:blipFill>
+          <a:blip r:embed="rId2">
+            <a:extLst/>
+          </a:blip>
+          <a:srcRect l="63264" r="5808"/>
+          <a:stretch>
+            <a:fillRect/>
+          </a:stretch>
+        </p:blipFill>
+        <p:spPr>
+          <a:xfrm>
+            <a:off x="7797800" y="2209800"/>
+            <a:ext cx="4953000" cy="5943600"/>
+          </a:xfrm>
+          <a:prstGeom prst="rect">
+            <a:avLst/>
+          </a:prstGeom>
+        </p:spPr>
+      </p:pic>
+      <p:sp>
+        <p:nvSpPr>
+          <p:cNvPr id="133" name="Phase 2…"/>
+          <p:cNvSpPr txBox="1">
+            <a:spLocks noGrp="1"/>
+          </p:cNvSpPr>
+          <p:nvPr>
+            <p:ph type="body" sz="half" idx="1"/>
+          </p:nvPr>
+        </p:nvSpPr>
+        <p:spPr>
+          <a:xfrm>
+            <a:off x="355600" y="831502"/>
+            <a:ext cx="6985000" cy="7944198"/>
+          </a:xfrm>
+          <a:prstGeom prst="rect">
+            <a:avLst/>
+          </a:prstGeom>
+        </p:spPr>
+        <p:txBody>
+          <a:bodyPr>
+            <a:normAutofit fontScale="92500" lnSpcReduction="10000"/>
+          </a:bodyPr>
+          <a:lstStyle/>
+          <a:p>
+            <a:pPr defTabSz="519937">
+              <a:defRPr sz="3382"/>
+            </a:pPr>
+            <a:r>
+              <a:rPr lang="en-US" b="1" dirty="0" smtClean="0">
+                <a:latin typeface="Bradley Hand ITC" panose="03070402050302030203" pitchFamily="66" charset="0"/>
+              </a:rPr>
+              <a:t>Our further expansion plans ..</a:t>
+            </a:r>
+          </a:p>
+          <a:p>
+            <a:pPr defTabSz="519937">
+              <a:defRPr sz="3382"/>
+            </a:pPr>
+            <a:endParaRPr dirty="0">
+              <a:latin typeface="Bradley Hand ITC" panose="03070402050302030203" pitchFamily="66" charset="0"/>
+            </a:endParaRPr>
+          </a:p>
+          <a:p>
+            <a:pPr marL="406908" lvl="8" indent="-203454" defTabSz="519937">
+              <a:spcBef>
+                <a:spcPts val="0"/>
+              </a:spcBef>
+              <a:buClr>
+                <a:srgbClr val="535353"/>
+              </a:buClr>
+              <a:buSzPct val="100000"/>
+              <a:defRPr sz="3382"/>
+            </a:pPr>
+            <a:r>
+              <a:rPr lang="en-US" dirty="0" smtClean="0">
+                <a:latin typeface="Bradley Hand ITC" panose="03070402050302030203" pitchFamily="66" charset="0"/>
+              </a:rPr>
+              <a:t>Verification of property against land registry</a:t>
+            </a:r>
+          </a:p>
+          <a:p>
+            <a:pPr marL="406908" lvl="8" indent="-203454" defTabSz="519937">
+              <a:spcBef>
+                <a:spcPts val="0"/>
+              </a:spcBef>
+              <a:buClr>
+                <a:srgbClr val="535353"/>
+              </a:buClr>
+              <a:buSzPct val="100000"/>
+              <a:defRPr sz="3382"/>
+            </a:pPr>
+            <a:endParaRPr lang="en-US" dirty="0" smtClean="0">
+              <a:latin typeface="Bradley Hand ITC" panose="03070402050302030203" pitchFamily="66" charset="0"/>
+            </a:endParaRPr>
+          </a:p>
+          <a:p>
+            <a:pPr marL="406908" lvl="8" indent="-203454" defTabSz="519937">
+              <a:spcBef>
+                <a:spcPts val="0"/>
+              </a:spcBef>
+              <a:buClr>
+                <a:srgbClr val="535353"/>
+              </a:buClr>
+              <a:buSzPct val="100000"/>
+              <a:defRPr sz="3382"/>
+            </a:pPr>
+            <a:r>
+              <a:rPr dirty="0" smtClean="0">
+                <a:latin typeface="Bradley Hand ITC" panose="03070402050302030203" pitchFamily="66" charset="0"/>
+              </a:rPr>
+              <a:t>Fund </a:t>
+            </a:r>
+            <a:r>
+              <a:rPr dirty="0">
+                <a:latin typeface="Bradley Hand ITC" panose="03070402050302030203" pitchFamily="66" charset="0"/>
+              </a:rPr>
+              <a:t>Manager creates Fund on a set of </a:t>
+            </a:r>
+            <a:r>
+              <a:rPr dirty="0" smtClean="0">
+                <a:latin typeface="Bradley Hand ITC" panose="03070402050302030203" pitchFamily="66" charset="0"/>
+              </a:rPr>
+              <a:t>Properties</a:t>
+            </a:r>
+            <a:endParaRPr lang="en-US" dirty="0" smtClean="0">
+              <a:latin typeface="Bradley Hand ITC" panose="03070402050302030203" pitchFamily="66" charset="0"/>
+            </a:endParaRPr>
+          </a:p>
+          <a:p>
+            <a:pPr marL="406908" lvl="8" indent="-203454" defTabSz="519937">
+              <a:spcBef>
+                <a:spcPts val="0"/>
+              </a:spcBef>
+              <a:buClr>
+                <a:srgbClr val="535353"/>
+              </a:buClr>
+              <a:buSzPct val="100000"/>
+              <a:defRPr sz="3382"/>
+            </a:pPr>
+            <a:endParaRPr sz="3400" dirty="0">
+              <a:latin typeface="Bradley Hand ITC" panose="03070402050302030203" pitchFamily="66" charset="0"/>
+            </a:endParaRPr>
+          </a:p>
+          <a:p>
+            <a:pPr marL="406908" lvl="8" indent="-203454" defTabSz="519937">
+              <a:spcBef>
+                <a:spcPts val="0"/>
+              </a:spcBef>
+              <a:buClr>
+                <a:srgbClr val="535353"/>
+              </a:buClr>
+              <a:buSzPct val="100000"/>
+              <a:defRPr sz="3382" b="1">
+                <a:latin typeface="Gill Sans"/>
+                <a:ea typeface="Gill Sans"/>
+                <a:cs typeface="Gill Sans"/>
+                <a:sym typeface="Gill Sans"/>
+              </a:defRPr>
+            </a:pPr>
+            <a:r>
+              <a:rPr lang="en-US" sz="3400" dirty="0">
+                <a:latin typeface="Bradley Hand ITC" panose="03070402050302030203" pitchFamily="66" charset="0"/>
+              </a:rPr>
+              <a:t>I</a:t>
+            </a:r>
+            <a:r>
+              <a:rPr sz="3400" dirty="0">
+                <a:latin typeface="Bradley Hand ITC" panose="03070402050302030203" pitchFamily="66" charset="0"/>
+              </a:rPr>
+              <a:t>nvite bids from Investors </a:t>
+            </a:r>
+            <a:r>
+              <a:rPr lang="en-US" sz="3400" dirty="0">
+                <a:latin typeface="Bradley Hand ITC" panose="03070402050302030203" pitchFamily="66" charset="0"/>
+              </a:rPr>
+              <a:t> </a:t>
+            </a:r>
+          </a:p>
+          <a:p>
+            <a:pPr marL="406908" lvl="8" indent="-203454" defTabSz="519937">
+              <a:spcBef>
+                <a:spcPts val="0"/>
+              </a:spcBef>
+              <a:buClr>
+                <a:srgbClr val="535353"/>
+              </a:buClr>
+              <a:buSzPct val="100000"/>
+              <a:defRPr sz="3382" b="1">
+                <a:latin typeface="Gill Sans"/>
+                <a:ea typeface="Gill Sans"/>
+                <a:cs typeface="Gill Sans"/>
+                <a:sym typeface="Gill Sans"/>
+              </a:defRPr>
+            </a:pPr>
+            <a:endParaRPr sz="3400" dirty="0">
+              <a:latin typeface="Bradley Hand ITC" panose="03070402050302030203" pitchFamily="66" charset="0"/>
+            </a:endParaRPr>
+          </a:p>
+          <a:p>
+            <a:pPr marL="406908" lvl="8" indent="-203454" defTabSz="519937">
+              <a:spcBef>
+                <a:spcPts val="0"/>
+              </a:spcBef>
+              <a:buClr>
+                <a:srgbClr val="535353"/>
+              </a:buClr>
+              <a:buSzPct val="100000"/>
+              <a:defRPr sz="3382" b="1">
+                <a:latin typeface="Gill Sans"/>
+                <a:ea typeface="Gill Sans"/>
+                <a:cs typeface="Gill Sans"/>
+                <a:sym typeface="Gill Sans"/>
+              </a:defRPr>
+            </a:pPr>
+            <a:r>
+              <a:rPr lang="en-US" sz="3400" dirty="0">
+                <a:latin typeface="Bradley Hand ITC" panose="03070402050302030203" pitchFamily="66" charset="0"/>
+              </a:rPr>
+              <a:t>Handle shareholders </a:t>
+            </a:r>
+            <a:r>
+              <a:rPr sz="3400" dirty="0">
+                <a:latin typeface="Bradley Hand ITC" panose="03070402050302030203" pitchFamily="66" charset="0"/>
+              </a:rPr>
+              <a:t>for different share values</a:t>
+            </a:r>
+            <a:endParaRPr lang="en-US" sz="3400" dirty="0">
+              <a:latin typeface="Bradley Hand ITC" panose="03070402050302030203" pitchFamily="66" charset="0"/>
+            </a:endParaRPr>
+          </a:p>
+          <a:p>
+            <a:pPr marL="406908" lvl="8" indent="-203454" defTabSz="519937">
+              <a:spcBef>
+                <a:spcPts val="0"/>
+              </a:spcBef>
+              <a:buClr>
+                <a:srgbClr val="535353"/>
+              </a:buClr>
+              <a:buSzPct val="100000"/>
+              <a:defRPr sz="3382" b="1">
+                <a:latin typeface="Gill Sans"/>
+                <a:ea typeface="Gill Sans"/>
+                <a:cs typeface="Gill Sans"/>
+                <a:sym typeface="Gill Sans"/>
+              </a:defRPr>
+            </a:pPr>
+            <a:endParaRPr sz="3400" dirty="0">
+              <a:latin typeface="Bradley Hand ITC" panose="03070402050302030203" pitchFamily="66" charset="0"/>
+            </a:endParaRPr>
+          </a:p>
+          <a:p>
+            <a:pPr marL="406908" lvl="8" indent="-203454" defTabSz="519937">
+              <a:spcBef>
+                <a:spcPts val="0"/>
+              </a:spcBef>
+              <a:buClr>
+                <a:srgbClr val="535353"/>
+              </a:buClr>
+              <a:buSzPct val="100000"/>
+              <a:defRPr sz="3382" b="1">
+                <a:latin typeface="Gill Sans"/>
+                <a:ea typeface="Gill Sans"/>
+                <a:cs typeface="Gill Sans"/>
+                <a:sym typeface="Gill Sans"/>
+              </a:defRPr>
+            </a:pPr>
+            <a:r>
+              <a:rPr sz="3400" dirty="0">
+                <a:latin typeface="Bradley Hand ITC" panose="03070402050302030203" pitchFamily="66" charset="0"/>
+              </a:rPr>
+              <a:t>Collects Rental Income</a:t>
+            </a:r>
+            <a:endParaRPr lang="en-US" sz="3400" dirty="0">
+              <a:latin typeface="Bradley Hand ITC" panose="03070402050302030203" pitchFamily="66" charset="0"/>
+            </a:endParaRPr>
+          </a:p>
+          <a:p>
+            <a:pPr marL="406908" lvl="8" indent="-203454" defTabSz="519937">
+              <a:spcBef>
+                <a:spcPts val="0"/>
+              </a:spcBef>
+              <a:buClr>
+                <a:srgbClr val="535353"/>
+              </a:buClr>
+              <a:buSzPct val="100000"/>
+              <a:defRPr sz="3382" b="1">
+                <a:latin typeface="Gill Sans"/>
+                <a:ea typeface="Gill Sans"/>
+                <a:cs typeface="Gill Sans"/>
+                <a:sym typeface="Gill Sans"/>
+              </a:defRPr>
+            </a:pPr>
+            <a:endParaRPr dirty="0">
+              <a:latin typeface="Bradley Hand ITC" panose="03070402050302030203" pitchFamily="66" charset="0"/>
+            </a:endParaRPr>
+          </a:p>
+          <a:p>
+            <a:pPr marL="406908" lvl="8" indent="-203454" defTabSz="519937">
+              <a:spcBef>
+                <a:spcPts val="0"/>
+              </a:spcBef>
+              <a:buClr>
+                <a:srgbClr val="535353"/>
+              </a:buClr>
+              <a:buSzPct val="100000"/>
+              <a:defRPr sz="3382"/>
+            </a:pPr>
+            <a:r>
+              <a:rPr dirty="0">
+                <a:latin typeface="Bradley Hand ITC" panose="03070402050302030203" pitchFamily="66" charset="0"/>
+              </a:rPr>
+              <a:t>Distributes Dividend to share </a:t>
+            </a:r>
+            <a:r>
+              <a:rPr dirty="0" smtClean="0">
+                <a:latin typeface="Bradley Hand ITC" panose="03070402050302030203" pitchFamily="66" charset="0"/>
+              </a:rPr>
+              <a:t>holders</a:t>
+            </a:r>
+            <a:r>
+              <a:rPr lang="en-US" dirty="0" smtClean="0">
+                <a:latin typeface="Bradley Hand ITC" panose="03070402050302030203" pitchFamily="66" charset="0"/>
+              </a:rPr>
+              <a:t> as per their share</a:t>
+            </a:r>
+            <a:endParaRPr dirty="0">
+              <a:latin typeface="Bradley Hand ITC" panose="03070402050302030203" pitchFamily="66" charset="0"/>
+            </a:endParaRPr>
+          </a:p>
+        </p:txBody>
+      </p:sp>
+    </p:spTree>
+    <p:extLst>
+      <p:ext uri="{BB962C8B-B14F-4D97-AF65-F5344CB8AC3E}">
+        <p14:creationId xmlns:p14="http://schemas.microsoft.com/office/powerpoint/2010/main" val="4066567955"/>
+      </p:ext>
+    </p:extLst>
+  </p:cSld>
+  <p:clrMapOvr>
+    <a:masterClrMapping/>
+  </p:clrMapOvr>
+  <p:transition spd="med"/>
+  <p:timing>
+    <p:tnLst>
+      <p:par>
+        <p:cTn id="1" dur="indefinite" restart="never" nodeType="tmRoot"/>
+      </p:par>
+    </p:tnLst>
+  </p:timing>
 </p:sld>
 </file>
 
@@ -7131,6 +7184,13 @@
     <a:masterClrMapping/>
   </p:clrMapOvr>
   <p:transition spd="med"/>
+  <p:timing>
+    <p:tnLst>
+      <p:par>
+        <p:cTn id="1" dur="indefinite" restart="never" nodeType="tmRoot"/>
+      </p:par>
+    </p:tnLst>
+  </p:timing>
 </p:sld>
 </file>
 
@@ -7226,7 +7286,7 @@
           </a:ln>
           <a:extLst>
             <a:ext uri="{C572A759-6A51-4108-AA02-DFA0A04FC94B}">
-              <ma14:wrappingTextBoxFlag xmlns="" xmlns:m="http://schemas.openxmlformats.org/officeDocument/2006/math" xmlns:a14="http://schemas.microsoft.com/office/drawing/2010/main" xmlns:ma14="http://schemas.microsoft.com/office/mac/drawingml/2011/main" val="1"/>
+              <ma14:wrappingTextBoxFlag xmlns:ma14="http://schemas.microsoft.com/office/mac/drawingml/2011/main" xmlns:a14="http://schemas.microsoft.com/office/drawing/2010/main" xmlns:m="http://schemas.openxmlformats.org/officeDocument/2006/math" xmlns="" val="1"/>
             </a:ext>
           </a:extLst>
         </p:spPr>
@@ -8441,7 +8501,7 @@
           </a:ln>
           <a:extLst>
             <a:ext uri="{C572A759-6A51-4108-AA02-DFA0A04FC94B}">
-              <ma14:wrappingTextBoxFlag xmlns="" xmlns:m="http://schemas.openxmlformats.org/officeDocument/2006/math" xmlns:a14="http://schemas.microsoft.com/office/drawing/2010/main" xmlns:ma14="http://schemas.microsoft.com/office/mac/drawingml/2011/main" val="1"/>
+              <ma14:wrappingTextBoxFlag xmlns:ma14="http://schemas.microsoft.com/office/mac/drawingml/2011/main" xmlns:a14="http://schemas.microsoft.com/office/drawing/2010/main" xmlns:m="http://schemas.openxmlformats.org/officeDocument/2006/math" xmlns="" val="1"/>
             </a:ext>
           </a:extLst>
         </p:spPr>
@@ -9210,7 +9270,7 @@
               <a:effectLst/>
               <a:extLst>
                 <a:ext uri="{C572A759-6A51-4108-AA02-DFA0A04FC94B}">
-                  <ma14:wrappingTextBoxFlag xmlns="" xmlns:m="http://schemas.openxmlformats.org/officeDocument/2006/math" xmlns:a14="http://schemas.microsoft.com/office/drawing/2010/main" xmlns:ma14="http://schemas.microsoft.com/office/mac/drawingml/2011/main" val="1"/>
+                  <ma14:wrappingTextBoxFlag xmlns:ma14="http://schemas.microsoft.com/office/mac/drawingml/2011/main" xmlns:a14="http://schemas.microsoft.com/office/drawing/2010/main" xmlns:m="http://schemas.openxmlformats.org/officeDocument/2006/math" xmlns="" val="1"/>
                 </a:ext>
               </a:extLst>
             </p:spPr>
@@ -9519,7 +9579,7 @@
               <a:effectLst/>
               <a:extLst>
                 <a:ext uri="{C572A759-6A51-4108-AA02-DFA0A04FC94B}">
-                  <ma14:wrappingTextBoxFlag xmlns="" xmlns:m="http://schemas.openxmlformats.org/officeDocument/2006/math" xmlns:a14="http://schemas.microsoft.com/office/drawing/2010/main" xmlns:ma14="http://schemas.microsoft.com/office/mac/drawingml/2011/main" val="1"/>
+                  <ma14:wrappingTextBoxFlag xmlns:ma14="http://schemas.microsoft.com/office/mac/drawingml/2011/main" xmlns:a14="http://schemas.microsoft.com/office/drawing/2010/main" xmlns:m="http://schemas.openxmlformats.org/officeDocument/2006/math" xmlns="" val="1"/>
                 </a:ext>
               </a:extLst>
             </p:spPr>
@@ -9730,7 +9790,7 @@
               <a:effectLst/>
               <a:extLst>
                 <a:ext uri="{C572A759-6A51-4108-AA02-DFA0A04FC94B}">
-                  <ma14:wrappingTextBoxFlag xmlns="" xmlns:m="http://schemas.openxmlformats.org/officeDocument/2006/math" xmlns:a14="http://schemas.microsoft.com/office/drawing/2010/main" xmlns:ma14="http://schemas.microsoft.com/office/mac/drawingml/2011/main" val="1"/>
+                  <ma14:wrappingTextBoxFlag xmlns:ma14="http://schemas.microsoft.com/office/mac/drawingml/2011/main" xmlns:a14="http://schemas.microsoft.com/office/drawing/2010/main" xmlns:m="http://schemas.openxmlformats.org/officeDocument/2006/math" xmlns="" val="1"/>
                 </a:ext>
               </a:extLst>
             </p:spPr>
@@ -10017,7 +10077,7 @@
               <a:effectLst/>
               <a:extLst>
                 <a:ext uri="{C572A759-6A51-4108-AA02-DFA0A04FC94B}">
-                  <ma14:wrappingTextBoxFlag xmlns="" xmlns:m="http://schemas.openxmlformats.org/officeDocument/2006/math" xmlns:a14="http://schemas.microsoft.com/office/drawing/2010/main" xmlns:ma14="http://schemas.microsoft.com/office/mac/drawingml/2011/main" val="1"/>
+                  <ma14:wrappingTextBoxFlag xmlns:ma14="http://schemas.microsoft.com/office/mac/drawingml/2011/main" xmlns:a14="http://schemas.microsoft.com/office/drawing/2010/main" xmlns:m="http://schemas.openxmlformats.org/officeDocument/2006/math" xmlns="" val="1"/>
                 </a:ext>
               </a:extLst>
             </p:spPr>
